--- a/Martin/Poster.pptx
+++ b/Martin/Poster.pptx
@@ -5,11 +5,10 @@
     <p:sldMasterId id="2147483648" r:id="rId1"/>
   </p:sldMasterIdLst>
   <p:handoutMasterIdLst>
-    <p:handoutMasterId r:id="rId4"/>
+    <p:handoutMasterId r:id="rId3"/>
   </p:handoutMasterIdLst>
   <p:sldIdLst>
     <p:sldId id="256" r:id="rId2"/>
-    <p:sldId id="257" r:id="rId3"/>
   </p:sldIdLst>
   <p:sldSz cx="51206400" cy="31638875"/>
   <p:notesSz cx="41376600" cy="29260800"/>
@@ -396,7 +395,7 @@
             <a:fld id="{744FB776-DB49-4077-BCD1-6FF64C55E5E5}" type="slidenum">
               <a:rPr lang="en-US" altLang="en-US"/>
               <a:pPr/>
-              <a:t>‹#›</a:t>
+              <a:t>‹Nr.›</a:t>
             </a:fld>
             <a:endParaRPr lang="en-US" altLang="en-US"/>
           </a:p>
@@ -446,10 +445,9 @@
           <a:lstStyle/>
           <a:p>
             <a:r>
-              <a:rPr lang="en-US" smtClean="0"/>
+              <a:rPr lang="en-US"/>
               <a:t>Click to edit Master title style</a:t>
             </a:r>
-            <a:endParaRPr lang="en-US"/>
           </a:p>
         </p:txBody>
       </p:sp>
@@ -511,10 +509,9 @@
           </a:lstStyle>
           <a:p>
             <a:r>
-              <a:rPr lang="en-US" smtClean="0"/>
+              <a:rPr lang="en-US"/>
               <a:t>Click to edit Master subtitle style</a:t>
             </a:r>
-            <a:endParaRPr lang="en-US"/>
           </a:p>
         </p:txBody>
       </p:sp>
@@ -598,7 +595,7 @@
             <a:fld id="{3707DBBD-A2EF-41B8-943D-FA7AE16CE57F}" type="slidenum">
               <a:rPr lang="en-US" altLang="en-US"/>
               <a:pPr/>
-              <a:t>‹#›</a:t>
+              <a:t>‹Nr.›</a:t>
             </a:fld>
             <a:endParaRPr lang="en-US" altLang="en-US"/>
           </a:p>
@@ -650,10 +647,9 @@
           <a:lstStyle/>
           <a:p>
             <a:r>
-              <a:rPr lang="en-US" smtClean="0"/>
+              <a:rPr lang="en-US"/>
               <a:t>Click to edit Master title style</a:t>
             </a:r>
-            <a:endParaRPr lang="en-US"/>
           </a:p>
         </p:txBody>
       </p:sp>
@@ -674,38 +670,37 @@
           <a:p>
             <a:pPr lvl="0"/>
             <a:r>
-              <a:rPr lang="en-US" smtClean="0"/>
+              <a:rPr lang="en-US"/>
               <a:t>Click to edit Master text styles</a:t>
             </a:r>
           </a:p>
           <a:p>
             <a:pPr lvl="1"/>
             <a:r>
-              <a:rPr lang="en-US" smtClean="0"/>
+              <a:rPr lang="en-US"/>
               <a:t>Second level</a:t>
             </a:r>
           </a:p>
           <a:p>
             <a:pPr lvl="2"/>
             <a:r>
-              <a:rPr lang="en-US" smtClean="0"/>
+              <a:rPr lang="en-US"/>
               <a:t>Third level</a:t>
             </a:r>
           </a:p>
           <a:p>
             <a:pPr lvl="3"/>
             <a:r>
-              <a:rPr lang="en-US" smtClean="0"/>
+              <a:rPr lang="en-US"/>
               <a:t>Fourth level</a:t>
             </a:r>
           </a:p>
           <a:p>
             <a:pPr lvl="4"/>
             <a:r>
-              <a:rPr lang="en-US" smtClean="0"/>
+              <a:rPr lang="en-US"/>
               <a:t>Fifth level</a:t>
             </a:r>
-            <a:endParaRPr lang="en-US"/>
           </a:p>
         </p:txBody>
       </p:sp>
@@ -789,7 +784,7 @@
             <a:fld id="{2893A5F7-CDBB-44F3-A3A4-26B266F65A14}" type="slidenum">
               <a:rPr lang="en-US" altLang="en-US"/>
               <a:pPr/>
-              <a:t>‹#›</a:t>
+              <a:t>‹Nr.›</a:t>
             </a:fld>
             <a:endParaRPr lang="en-US" altLang="en-US"/>
           </a:p>
@@ -846,10 +841,9 @@
           <a:lstStyle/>
           <a:p>
             <a:r>
-              <a:rPr lang="en-US" smtClean="0"/>
+              <a:rPr lang="en-US"/>
               <a:t>Click to edit Master title style</a:t>
             </a:r>
-            <a:endParaRPr lang="en-US"/>
           </a:p>
         </p:txBody>
       </p:sp>
@@ -875,38 +869,37 @@
           <a:p>
             <a:pPr lvl="0"/>
             <a:r>
-              <a:rPr lang="en-US" smtClean="0"/>
+              <a:rPr lang="en-US"/>
               <a:t>Click to edit Master text styles</a:t>
             </a:r>
           </a:p>
           <a:p>
             <a:pPr lvl="1"/>
             <a:r>
-              <a:rPr lang="en-US" smtClean="0"/>
+              <a:rPr lang="en-US"/>
               <a:t>Second level</a:t>
             </a:r>
           </a:p>
           <a:p>
             <a:pPr lvl="2"/>
             <a:r>
-              <a:rPr lang="en-US" smtClean="0"/>
+              <a:rPr lang="en-US"/>
               <a:t>Third level</a:t>
             </a:r>
           </a:p>
           <a:p>
             <a:pPr lvl="3"/>
             <a:r>
-              <a:rPr lang="en-US" smtClean="0"/>
+              <a:rPr lang="en-US"/>
               <a:t>Fourth level</a:t>
             </a:r>
           </a:p>
           <a:p>
             <a:pPr lvl="4"/>
             <a:r>
-              <a:rPr lang="en-US" smtClean="0"/>
+              <a:rPr lang="en-US"/>
               <a:t>Fifth level</a:t>
             </a:r>
-            <a:endParaRPr lang="en-US"/>
           </a:p>
         </p:txBody>
       </p:sp>
@@ -990,7 +983,7 @@
             <a:fld id="{A10F9AD9-4A97-4DE6-8CBE-D8D297BCD5E3}" type="slidenum">
               <a:rPr lang="en-US" altLang="en-US"/>
               <a:pPr/>
-              <a:t>‹#›</a:t>
+              <a:t>‹Nr.›</a:t>
             </a:fld>
             <a:endParaRPr lang="en-US" altLang="en-US"/>
           </a:p>
@@ -1042,10 +1035,9 @@
           <a:lstStyle/>
           <a:p>
             <a:r>
-              <a:rPr lang="en-US" smtClean="0"/>
+              <a:rPr lang="en-US"/>
               <a:t>Click to edit Master title style</a:t>
             </a:r>
-            <a:endParaRPr lang="en-US"/>
           </a:p>
         </p:txBody>
       </p:sp>
@@ -1066,38 +1058,37 @@
           <a:p>
             <a:pPr lvl="0"/>
             <a:r>
-              <a:rPr lang="en-US" smtClean="0"/>
+              <a:rPr lang="en-US"/>
               <a:t>Click to edit Master text styles</a:t>
             </a:r>
           </a:p>
           <a:p>
             <a:pPr lvl="1"/>
             <a:r>
-              <a:rPr lang="en-US" smtClean="0"/>
+              <a:rPr lang="en-US"/>
               <a:t>Second level</a:t>
             </a:r>
           </a:p>
           <a:p>
             <a:pPr lvl="2"/>
             <a:r>
-              <a:rPr lang="en-US" smtClean="0"/>
+              <a:rPr lang="en-US"/>
               <a:t>Third level</a:t>
             </a:r>
           </a:p>
           <a:p>
             <a:pPr lvl="3"/>
             <a:r>
-              <a:rPr lang="en-US" smtClean="0"/>
+              <a:rPr lang="en-US"/>
               <a:t>Fourth level</a:t>
             </a:r>
           </a:p>
           <a:p>
             <a:pPr lvl="4"/>
             <a:r>
-              <a:rPr lang="en-US" smtClean="0"/>
+              <a:rPr lang="en-US"/>
               <a:t>Fifth level</a:t>
             </a:r>
-            <a:endParaRPr lang="en-US"/>
           </a:p>
         </p:txBody>
       </p:sp>
@@ -1181,7 +1172,7 @@
             <a:fld id="{C3EE5076-9E0E-4ADE-8C4C-CA522C6267B6}" type="slidenum">
               <a:rPr lang="en-US" altLang="en-US"/>
               <a:pPr/>
-              <a:t>‹#›</a:t>
+              <a:t>‹Nr.›</a:t>
             </a:fld>
             <a:endParaRPr lang="en-US" altLang="en-US"/>
           </a:p>
@@ -1242,10 +1233,9 @@
           </a:lstStyle>
           <a:p>
             <a:r>
-              <a:rPr lang="en-US" smtClean="0"/>
+              <a:rPr lang="en-US"/>
               <a:t>Click to edit Master title style</a:t>
             </a:r>
-            <a:endParaRPr lang="en-US"/>
           </a:p>
         </p:txBody>
       </p:sp>
@@ -1308,7 +1298,7 @@
           <a:p>
             <a:pPr lvl="0"/>
             <a:r>
-              <a:rPr lang="en-US" smtClean="0"/>
+              <a:rPr lang="en-US"/>
               <a:t>Click to edit Master text styles</a:t>
             </a:r>
           </a:p>
@@ -1394,7 +1384,7 @@
             <a:fld id="{F1AE802A-8F92-442D-B3FB-5EA652A86530}" type="slidenum">
               <a:rPr lang="en-US" altLang="en-US"/>
               <a:pPr/>
-              <a:t>‹#›</a:t>
+              <a:t>‹Nr.›</a:t>
             </a:fld>
             <a:endParaRPr lang="en-US" altLang="en-US"/>
           </a:p>
@@ -1446,10 +1436,9 @@
           <a:lstStyle/>
           <a:p>
             <a:r>
-              <a:rPr lang="en-US" smtClean="0"/>
+              <a:rPr lang="en-US"/>
               <a:t>Click to edit Master title style</a:t>
             </a:r>
-            <a:endParaRPr lang="en-US"/>
           </a:p>
         </p:txBody>
       </p:sp>
@@ -1503,38 +1492,37 @@
           <a:p>
             <a:pPr lvl="0"/>
             <a:r>
-              <a:rPr lang="en-US" smtClean="0"/>
+              <a:rPr lang="en-US"/>
               <a:t>Click to edit Master text styles</a:t>
             </a:r>
           </a:p>
           <a:p>
             <a:pPr lvl="1"/>
             <a:r>
-              <a:rPr lang="en-US" smtClean="0"/>
+              <a:rPr lang="en-US"/>
               <a:t>Second level</a:t>
             </a:r>
           </a:p>
           <a:p>
             <a:pPr lvl="2"/>
             <a:r>
-              <a:rPr lang="en-US" smtClean="0"/>
+              <a:rPr lang="en-US"/>
               <a:t>Third level</a:t>
             </a:r>
           </a:p>
           <a:p>
             <a:pPr lvl="3"/>
             <a:r>
-              <a:rPr lang="en-US" smtClean="0"/>
+              <a:rPr lang="en-US"/>
               <a:t>Fourth level</a:t>
             </a:r>
           </a:p>
           <a:p>
             <a:pPr lvl="4"/>
             <a:r>
-              <a:rPr lang="en-US" smtClean="0"/>
+              <a:rPr lang="en-US"/>
               <a:t>Fifth level</a:t>
             </a:r>
-            <a:endParaRPr lang="en-US"/>
           </a:p>
         </p:txBody>
       </p:sp>
@@ -1588,38 +1576,37 @@
           <a:p>
             <a:pPr lvl="0"/>
             <a:r>
-              <a:rPr lang="en-US" smtClean="0"/>
+              <a:rPr lang="en-US"/>
               <a:t>Click to edit Master text styles</a:t>
             </a:r>
           </a:p>
           <a:p>
             <a:pPr lvl="1"/>
             <a:r>
-              <a:rPr lang="en-US" smtClean="0"/>
+              <a:rPr lang="en-US"/>
               <a:t>Second level</a:t>
             </a:r>
           </a:p>
           <a:p>
             <a:pPr lvl="2"/>
             <a:r>
-              <a:rPr lang="en-US" smtClean="0"/>
+              <a:rPr lang="en-US"/>
               <a:t>Third level</a:t>
             </a:r>
           </a:p>
           <a:p>
             <a:pPr lvl="3"/>
             <a:r>
-              <a:rPr lang="en-US" smtClean="0"/>
+              <a:rPr lang="en-US"/>
               <a:t>Fourth level</a:t>
             </a:r>
           </a:p>
           <a:p>
             <a:pPr lvl="4"/>
             <a:r>
-              <a:rPr lang="en-US" smtClean="0"/>
+              <a:rPr lang="en-US"/>
               <a:t>Fifth level</a:t>
             </a:r>
-            <a:endParaRPr lang="en-US"/>
           </a:p>
         </p:txBody>
       </p:sp>
@@ -1703,7 +1690,7 @@
             <a:fld id="{BC9E8727-231B-4BB0-9E1C-995E4551D8D9}" type="slidenum">
               <a:rPr lang="en-US" altLang="en-US"/>
               <a:pPr/>
-              <a:t>‹#›</a:t>
+              <a:t>‹Nr.›</a:t>
             </a:fld>
             <a:endParaRPr lang="en-US" altLang="en-US"/>
           </a:p>
@@ -1764,10 +1751,9 @@
           </a:lstStyle>
           <a:p>
             <a:r>
-              <a:rPr lang="en-US" smtClean="0"/>
+              <a:rPr lang="en-US"/>
               <a:t>Click to edit Master title style</a:t>
             </a:r>
-            <a:endParaRPr lang="en-US"/>
           </a:p>
         </p:txBody>
       </p:sp>
@@ -1830,7 +1816,7 @@
           <a:p>
             <a:pPr lvl="0"/>
             <a:r>
-              <a:rPr lang="en-US" smtClean="0"/>
+              <a:rPr lang="en-US"/>
               <a:t>Click to edit Master text styles</a:t>
             </a:r>
           </a:p>
@@ -1886,38 +1872,37 @@
           <a:p>
             <a:pPr lvl="0"/>
             <a:r>
-              <a:rPr lang="en-US" smtClean="0"/>
+              <a:rPr lang="en-US"/>
               <a:t>Click to edit Master text styles</a:t>
             </a:r>
           </a:p>
           <a:p>
             <a:pPr lvl="1"/>
             <a:r>
-              <a:rPr lang="en-US" smtClean="0"/>
+              <a:rPr lang="en-US"/>
               <a:t>Second level</a:t>
             </a:r>
           </a:p>
           <a:p>
             <a:pPr lvl="2"/>
             <a:r>
-              <a:rPr lang="en-US" smtClean="0"/>
+              <a:rPr lang="en-US"/>
               <a:t>Third level</a:t>
             </a:r>
           </a:p>
           <a:p>
             <a:pPr lvl="3"/>
             <a:r>
-              <a:rPr lang="en-US" smtClean="0"/>
+              <a:rPr lang="en-US"/>
               <a:t>Fourth level</a:t>
             </a:r>
           </a:p>
           <a:p>
             <a:pPr lvl="4"/>
             <a:r>
-              <a:rPr lang="en-US" smtClean="0"/>
+              <a:rPr lang="en-US"/>
               <a:t>Fifth level</a:t>
             </a:r>
-            <a:endParaRPr lang="en-US"/>
           </a:p>
         </p:txBody>
       </p:sp>
@@ -1980,7 +1965,7 @@
           <a:p>
             <a:pPr lvl="0"/>
             <a:r>
-              <a:rPr lang="en-US" smtClean="0"/>
+              <a:rPr lang="en-US"/>
               <a:t>Click to edit Master text styles</a:t>
             </a:r>
           </a:p>
@@ -2036,38 +2021,37 @@
           <a:p>
             <a:pPr lvl="0"/>
             <a:r>
-              <a:rPr lang="en-US" smtClean="0"/>
+              <a:rPr lang="en-US"/>
               <a:t>Click to edit Master text styles</a:t>
             </a:r>
           </a:p>
           <a:p>
             <a:pPr lvl="1"/>
             <a:r>
-              <a:rPr lang="en-US" smtClean="0"/>
+              <a:rPr lang="en-US"/>
               <a:t>Second level</a:t>
             </a:r>
           </a:p>
           <a:p>
             <a:pPr lvl="2"/>
             <a:r>
-              <a:rPr lang="en-US" smtClean="0"/>
+              <a:rPr lang="en-US"/>
               <a:t>Third level</a:t>
             </a:r>
           </a:p>
           <a:p>
             <a:pPr lvl="3"/>
             <a:r>
-              <a:rPr lang="en-US" smtClean="0"/>
+              <a:rPr lang="en-US"/>
               <a:t>Fourth level</a:t>
             </a:r>
           </a:p>
           <a:p>
             <a:pPr lvl="4"/>
             <a:r>
-              <a:rPr lang="en-US" smtClean="0"/>
+              <a:rPr lang="en-US"/>
               <a:t>Fifth level</a:t>
             </a:r>
-            <a:endParaRPr lang="en-US"/>
           </a:p>
         </p:txBody>
       </p:sp>
@@ -2151,7 +2135,7 @@
             <a:fld id="{CA641F95-7A14-4E10-B6C2-64A0D46AF847}" type="slidenum">
               <a:rPr lang="en-US" altLang="en-US"/>
               <a:pPr/>
-              <a:t>‹#›</a:t>
+              <a:t>‹Nr.›</a:t>
             </a:fld>
             <a:endParaRPr lang="en-US" altLang="en-US"/>
           </a:p>
@@ -2203,10 +2187,9 @@
           <a:lstStyle/>
           <a:p>
             <a:r>
-              <a:rPr lang="en-US" smtClean="0"/>
+              <a:rPr lang="en-US"/>
               <a:t>Click to edit Master title style</a:t>
             </a:r>
-            <a:endParaRPr lang="en-US"/>
           </a:p>
         </p:txBody>
       </p:sp>
@@ -2290,7 +2273,7 @@
             <a:fld id="{E6AD74C3-24B8-44D5-8467-81B391F9CFB1}" type="slidenum">
               <a:rPr lang="en-US" altLang="en-US"/>
               <a:pPr/>
-              <a:t>‹#›</a:t>
+              <a:t>‹Nr.›</a:t>
             </a:fld>
             <a:endParaRPr lang="en-US" altLang="en-US"/>
           </a:p>
@@ -2406,7 +2389,7 @@
             <a:fld id="{7D54F7CA-DBC5-425F-AFF8-CBC5E4A896EF}" type="slidenum">
               <a:rPr lang="en-US" altLang="en-US"/>
               <a:pPr/>
-              <a:t>‹#›</a:t>
+              <a:t>‹Nr.›</a:t>
             </a:fld>
             <a:endParaRPr lang="en-US" altLang="en-US"/>
           </a:p>
@@ -2467,10 +2450,9 @@
           </a:lstStyle>
           <a:p>
             <a:r>
-              <a:rPr lang="en-US" smtClean="0"/>
+              <a:rPr lang="en-US"/>
               <a:t>Click to edit Master title style</a:t>
             </a:r>
-            <a:endParaRPr lang="en-US"/>
           </a:p>
         </p:txBody>
       </p:sp>
@@ -2524,38 +2506,37 @@
           <a:p>
             <a:pPr lvl="0"/>
             <a:r>
-              <a:rPr lang="en-US" smtClean="0"/>
+              <a:rPr lang="en-US"/>
               <a:t>Click to edit Master text styles</a:t>
             </a:r>
           </a:p>
           <a:p>
             <a:pPr lvl="1"/>
             <a:r>
-              <a:rPr lang="en-US" smtClean="0"/>
+              <a:rPr lang="en-US"/>
               <a:t>Second level</a:t>
             </a:r>
           </a:p>
           <a:p>
             <a:pPr lvl="2"/>
             <a:r>
-              <a:rPr lang="en-US" smtClean="0"/>
+              <a:rPr lang="en-US"/>
               <a:t>Third level</a:t>
             </a:r>
           </a:p>
           <a:p>
             <a:pPr lvl="3"/>
             <a:r>
-              <a:rPr lang="en-US" smtClean="0"/>
+              <a:rPr lang="en-US"/>
               <a:t>Fourth level</a:t>
             </a:r>
           </a:p>
           <a:p>
             <a:pPr lvl="4"/>
             <a:r>
-              <a:rPr lang="en-US" smtClean="0"/>
+              <a:rPr lang="en-US"/>
               <a:t>Fifth level</a:t>
             </a:r>
-            <a:endParaRPr lang="en-US"/>
           </a:p>
         </p:txBody>
       </p:sp>
@@ -2618,7 +2599,7 @@
           <a:p>
             <a:pPr lvl="0"/>
             <a:r>
-              <a:rPr lang="en-US" smtClean="0"/>
+              <a:rPr lang="en-US"/>
               <a:t>Click to edit Master text styles</a:t>
             </a:r>
           </a:p>
@@ -2704,7 +2685,7 @@
             <a:fld id="{AED02F74-6BEE-4F6A-B858-EBCEFCB84762}" type="slidenum">
               <a:rPr lang="en-US" altLang="en-US"/>
               <a:pPr/>
-              <a:t>‹#›</a:t>
+              <a:t>‹Nr.›</a:t>
             </a:fld>
             <a:endParaRPr lang="en-US" altLang="en-US"/>
           </a:p>
@@ -2765,10 +2746,9 @@
           </a:lstStyle>
           <a:p>
             <a:r>
-              <a:rPr lang="en-US" smtClean="0"/>
+              <a:rPr lang="en-US"/>
               <a:t>Click to edit Master title style</a:t>
             </a:r>
-            <a:endParaRPr lang="en-US"/>
           </a:p>
         </p:txBody>
       </p:sp>
@@ -2830,7 +2810,7 @@
           </a:lstStyle>
           <a:p>
             <a:pPr lvl="0"/>
-            <a:endParaRPr lang="en-US" noProof="0" smtClean="0"/>
+            <a:endParaRPr lang="en-US" noProof="0"/>
           </a:p>
         </p:txBody>
       </p:sp>
@@ -2893,7 +2873,7 @@
           <a:p>
             <a:pPr lvl="0"/>
             <a:r>
-              <a:rPr lang="en-US" smtClean="0"/>
+              <a:rPr lang="en-US"/>
               <a:t>Click to edit Master text styles</a:t>
             </a:r>
           </a:p>
@@ -2979,7 +2959,7 @@
             <a:fld id="{BA8334B2-0221-4277-8AC2-45D166B770D6}" type="slidenum">
               <a:rPr lang="en-US" altLang="en-US"/>
               <a:pPr/>
-              <a:t>‹#›</a:t>
+              <a:t>‹Nr.›</a:t>
             </a:fld>
             <a:endParaRPr lang="en-US" altLang="en-US"/>
           </a:p>
@@ -3075,7 +3055,7 @@
           <a:p>
             <a:pPr lvl="0"/>
             <a:r>
-              <a:rPr lang="en-US" altLang="en-US" smtClean="0"/>
+              <a:rPr lang="en-US" altLang="en-US"/>
               <a:t>Click to edit Master title style</a:t>
             </a:r>
           </a:p>
@@ -3133,35 +3113,35 @@
           <a:p>
             <a:pPr lvl="0"/>
             <a:r>
-              <a:rPr lang="en-US" altLang="en-US" smtClean="0"/>
+              <a:rPr lang="en-US" altLang="en-US"/>
               <a:t>Click to edit Master text styles</a:t>
             </a:r>
           </a:p>
           <a:p>
             <a:pPr lvl="1"/>
             <a:r>
-              <a:rPr lang="en-US" altLang="en-US" smtClean="0"/>
+              <a:rPr lang="en-US" altLang="en-US"/>
               <a:t>Second level</a:t>
             </a:r>
           </a:p>
           <a:p>
             <a:pPr lvl="2"/>
             <a:r>
-              <a:rPr lang="en-US" altLang="en-US" smtClean="0"/>
+              <a:rPr lang="en-US" altLang="en-US"/>
               <a:t>Third level</a:t>
             </a:r>
           </a:p>
           <a:p>
             <a:pPr lvl="3"/>
             <a:r>
-              <a:rPr lang="en-US" altLang="en-US" smtClean="0"/>
+              <a:rPr lang="en-US" altLang="en-US"/>
               <a:t>Fourth level</a:t>
             </a:r>
           </a:p>
           <a:p>
             <a:pPr lvl="4"/>
             <a:r>
-              <a:rPr lang="en-US" altLang="en-US" smtClean="0"/>
+              <a:rPr lang="en-US" altLang="en-US"/>
               <a:t>Fifth level</a:t>
             </a:r>
           </a:p>
@@ -3308,7 +3288,7 @@
             <a:fld id="{0C0AB8CD-295E-481E-B811-65B229C649DE}" type="slidenum">
               <a:rPr lang="en-US" altLang="en-US"/>
               <a:pPr/>
-              <a:t>‹#›</a:t>
+              <a:t>‹Nr.›</a:t>
             </a:fld>
             <a:endParaRPr lang="en-US" altLang="en-US"/>
           </a:p>
@@ -3908,10 +3888,10 @@
           <a:gradFill flip="none" rotWithShape="1">
             <a:gsLst>
               <a:gs pos="0">
-                <a:srgbClr val="C00000"/>
+                <a:srgbClr val="AA87DE"/>
               </a:gs>
-              <a:gs pos="50000">
-                <a:srgbClr val="F60000"/>
+              <a:gs pos="8000">
+                <a:srgbClr val="AA87DE"/>
               </a:gs>
               <a:gs pos="100000">
                 <a:srgbClr val="FFFFFF"/>
@@ -4173,14 +4153,14 @@
               <a:buNone/>
             </a:pPr>
             <a:r>
-              <a:rPr lang="da-DK" altLang="en-US" sz="7200" b="1" dirty="0" err="1" smtClean="0">
+              <a:rPr lang="da-DK" altLang="en-US" sz="7200" b="1" dirty="0" err="1">
                 <a:latin typeface="Arial" panose="020B0604020202020204" pitchFamily="34" charset="0"/>
                 <a:cs typeface="Arial" panose="020B0604020202020204" pitchFamily="34" charset="0"/>
               </a:rPr>
               <a:t>Differentially</a:t>
             </a:r>
             <a:r>
-              <a:rPr lang="da-DK" altLang="en-US" sz="7200" b="1" dirty="0" smtClean="0">
+              <a:rPr lang="da-DK" altLang="en-US" sz="7200" b="1" dirty="0">
                 <a:latin typeface="Arial" panose="020B0604020202020204" pitchFamily="34" charset="0"/>
                 <a:cs typeface="Arial" panose="020B0604020202020204" pitchFamily="34" charset="0"/>
               </a:rPr>
@@ -4200,49 +4180,49 @@
               <a:buNone/>
             </a:pPr>
             <a:r>
-              <a:rPr lang="da-DK" altLang="en-US" sz="4800" b="1" dirty="0" smtClean="0">
+              <a:rPr lang="da-DK" altLang="en-US" sz="4800" b="1" dirty="0">
                 <a:latin typeface="Arial" panose="020B0604020202020204" pitchFamily="34" charset="0"/>
                 <a:cs typeface="Arial" panose="020B0604020202020204" pitchFamily="34" charset="0"/>
               </a:rPr>
               <a:t>Teresa Steiner</a:t>
             </a:r>
             <a:r>
-              <a:rPr lang="en-US" altLang="en-US" sz="4800" b="1" baseline="30000" dirty="0" smtClean="0">
+              <a:rPr lang="en-US" altLang="en-US" sz="4800" b="1" baseline="30000" dirty="0">
                 <a:latin typeface="Arial" panose="020B0604020202020204" pitchFamily="34" charset="0"/>
                 <a:cs typeface="Arial" panose="020B0604020202020204" pitchFamily="34" charset="0"/>
               </a:rPr>
               <a:t>1</a:t>
             </a:r>
             <a:r>
-              <a:rPr lang="da-DK" altLang="en-US" sz="4800" b="1" dirty="0" smtClean="0">
+              <a:rPr lang="da-DK" altLang="en-US" sz="4800" b="1" dirty="0">
                 <a:latin typeface="Arial" panose="020B0604020202020204" pitchFamily="34" charset="0"/>
                 <a:cs typeface="Arial" panose="020B0604020202020204" pitchFamily="34" charset="0"/>
               </a:rPr>
               <a:t>, David Nyrnberg</a:t>
             </a:r>
             <a:r>
-              <a:rPr lang="en-US" altLang="en-US" sz="4800" b="1" baseline="30000" dirty="0" smtClean="0">
+              <a:rPr lang="en-US" altLang="en-US" sz="4800" b="1" baseline="30000" dirty="0">
                 <a:latin typeface="Arial" panose="020B0604020202020204" pitchFamily="34" charset="0"/>
                 <a:cs typeface="Arial" panose="020B0604020202020204" pitchFamily="34" charset="0"/>
               </a:rPr>
               <a:t>1 </a:t>
             </a:r>
             <a:r>
-              <a:rPr lang="hr-HR" altLang="en-US" sz="4800" b="1" dirty="0" smtClean="0">
+              <a:rPr lang="hr-HR" altLang="en-US" sz="4800" b="1" dirty="0">
                 <a:latin typeface="Arial" panose="020B0604020202020204" pitchFamily="34" charset="0"/>
                 <a:cs typeface="Arial" panose="020B0604020202020204" pitchFamily="34" charset="0"/>
               </a:rPr>
               <a:t>and</a:t>
             </a:r>
             <a:r>
-              <a:rPr lang="en-US" altLang="en-US" sz="4800" b="1" dirty="0" smtClean="0">
+              <a:rPr lang="en-US" altLang="en-US" sz="4800" b="1" dirty="0">
                 <a:latin typeface="Arial" panose="020B0604020202020204" pitchFamily="34" charset="0"/>
                 <a:cs typeface="Arial" panose="020B0604020202020204" pitchFamily="34" charset="0"/>
               </a:rPr>
               <a:t> </a:t>
             </a:r>
             <a:r>
-              <a:rPr lang="da-DK" altLang="en-US" sz="4800" b="1" dirty="0" smtClean="0">
+              <a:rPr lang="da-DK" altLang="en-US" sz="4800" b="1" dirty="0">
                 <a:latin typeface="Arial" panose="020B0604020202020204" pitchFamily="34" charset="0"/>
                 <a:cs typeface="Arial" panose="020B0604020202020204" pitchFamily="34" charset="0"/>
               </a:rPr>
@@ -4293,56 +4273,56 @@
               <a:t>TU </a:t>
             </a:r>
             <a:r>
-              <a:rPr lang="da-DK" altLang="en-US" sz="3600" i="1" dirty="0" smtClean="0">
+              <a:rPr lang="da-DK" altLang="en-US" sz="3600" i="1" dirty="0">
                 <a:latin typeface="Arial" panose="020B0604020202020204" pitchFamily="34" charset="0"/>
                 <a:cs typeface="Arial" panose="020B0604020202020204" pitchFamily="34" charset="0"/>
               </a:rPr>
               <a:t> </a:t>
             </a:r>
             <a:r>
-              <a:rPr lang="da-DK" altLang="en-US" sz="3600" i="1" dirty="0" err="1" smtClean="0">
+              <a:rPr lang="da-DK" altLang="en-US" sz="3600" i="1" dirty="0" err="1">
                 <a:latin typeface="Arial" panose="020B0604020202020204" pitchFamily="34" charset="0"/>
                 <a:cs typeface="Arial" panose="020B0604020202020204" pitchFamily="34" charset="0"/>
               </a:rPr>
               <a:t>Compute</a:t>
             </a:r>
             <a:r>
-              <a:rPr lang="hr-HR" altLang="en-US" sz="3600" i="1" dirty="0" smtClean="0">
+              <a:rPr lang="hr-HR" altLang="en-US" sz="3600" i="1" dirty="0">
                 <a:latin typeface="Arial" panose="020B0604020202020204" pitchFamily="34" charset="0"/>
                 <a:cs typeface="Arial" panose="020B0604020202020204" pitchFamily="34" charset="0"/>
               </a:rPr>
               <a:t>,</a:t>
             </a:r>
             <a:r>
-              <a:rPr lang="en-US" altLang="en-US" sz="3600" i="1" dirty="0" smtClean="0">
+              <a:rPr lang="en-US" altLang="en-US" sz="3600" i="1" dirty="0">
                 <a:latin typeface="Arial" panose="020B0604020202020204" pitchFamily="34" charset="0"/>
                 <a:cs typeface="Arial" panose="020B0604020202020204" pitchFamily="34" charset="0"/>
               </a:rPr>
               <a:t> Technical University of Denmark, </a:t>
             </a:r>
             <a:r>
-              <a:rPr lang="en-US" altLang="en-US" sz="3600" i="1" dirty="0" err="1" smtClean="0">
+              <a:rPr lang="en-US" altLang="en-US" sz="3600" i="1" dirty="0" err="1">
                 <a:latin typeface="Arial" panose="020B0604020202020204" pitchFamily="34" charset="0"/>
                 <a:cs typeface="Arial" panose="020B0604020202020204" pitchFamily="34" charset="0"/>
               </a:rPr>
               <a:t>Kgs</a:t>
             </a:r>
             <a:r>
-              <a:rPr lang="en-US" altLang="en-US" sz="3600" i="1" dirty="0" smtClean="0">
+              <a:rPr lang="en-US" altLang="en-US" sz="3600" i="1" dirty="0">
                 <a:latin typeface="Arial" panose="020B0604020202020204" pitchFamily="34" charset="0"/>
                 <a:cs typeface="Arial" panose="020B0604020202020204" pitchFamily="34" charset="0"/>
               </a:rPr>
               <a:t>. </a:t>
             </a:r>
             <a:r>
-              <a:rPr lang="en-US" altLang="en-US" sz="3600" i="1" dirty="0" err="1" smtClean="0">
+              <a:rPr lang="en-US" altLang="en-US" sz="3600" i="1" dirty="0" err="1">
                 <a:latin typeface="Arial" panose="020B0604020202020204" pitchFamily="34" charset="0"/>
                 <a:cs typeface="Arial" panose="020B0604020202020204" pitchFamily="34" charset="0"/>
               </a:rPr>
               <a:t>Lyngby</a:t>
             </a:r>
             <a:r>
-              <a:rPr lang="en-US" altLang="en-US" sz="3600" i="1" dirty="0" smtClean="0">
+              <a:rPr lang="en-US" altLang="en-US" sz="3600" i="1" dirty="0">
                 <a:latin typeface="Arial" panose="020B0604020202020204" pitchFamily="34" charset="0"/>
                 <a:cs typeface="Arial" panose="020B0604020202020204" pitchFamily="34" charset="0"/>
               </a:rPr>
@@ -4360,70 +4340,70 @@
               <a:buNone/>
             </a:pPr>
             <a:r>
-              <a:rPr lang="da-DK" altLang="en-US" sz="3600" i="1" baseline="30000" dirty="0" smtClean="0">
+              <a:rPr lang="da-DK" altLang="en-US" sz="3600" i="1" baseline="30000" dirty="0">
                 <a:latin typeface="Arial" panose="020B0604020202020204" pitchFamily="34" charset="0"/>
                 <a:cs typeface="Arial" panose="020B0604020202020204" pitchFamily="34" charset="0"/>
               </a:rPr>
               <a:t>2</a:t>
             </a:r>
             <a:r>
-              <a:rPr lang="en-US" altLang="en-US" sz="3600" i="1" dirty="0" smtClean="0">
+              <a:rPr lang="en-US" altLang="en-US" sz="3600" i="1" dirty="0">
                 <a:latin typeface="Arial" panose="020B0604020202020204" pitchFamily="34" charset="0"/>
                 <a:cs typeface="Arial" panose="020B0604020202020204" pitchFamily="34" charset="0"/>
               </a:rPr>
               <a:t>D</a:t>
             </a:r>
             <a:r>
-              <a:rPr lang="hr-HR" altLang="en-US" sz="3600" i="1" dirty="0" smtClean="0">
+              <a:rPr lang="hr-HR" altLang="en-US" sz="3600" i="1" dirty="0">
                 <a:latin typeface="Arial" panose="020B0604020202020204" pitchFamily="34" charset="0"/>
                 <a:cs typeface="Arial" panose="020B0604020202020204" pitchFamily="34" charset="0"/>
               </a:rPr>
               <a:t>TU </a:t>
             </a:r>
             <a:r>
-              <a:rPr lang="da-DK" altLang="en-US" sz="3600" i="1" dirty="0" smtClean="0">
+              <a:rPr lang="da-DK" altLang="en-US" sz="3600" i="1" dirty="0">
                 <a:latin typeface="Arial" panose="020B0604020202020204" pitchFamily="34" charset="0"/>
                 <a:cs typeface="Arial" panose="020B0604020202020204" pitchFamily="34" charset="0"/>
               </a:rPr>
               <a:t> Fotonik</a:t>
             </a:r>
             <a:r>
-              <a:rPr lang="hr-HR" altLang="en-US" sz="3600" i="1" dirty="0" smtClean="0">
+              <a:rPr lang="hr-HR" altLang="en-US" sz="3600" i="1" dirty="0">
                 <a:latin typeface="Arial" panose="020B0604020202020204" pitchFamily="34" charset="0"/>
                 <a:cs typeface="Arial" panose="020B0604020202020204" pitchFamily="34" charset="0"/>
               </a:rPr>
               <a:t>,</a:t>
             </a:r>
             <a:r>
-              <a:rPr lang="en-US" altLang="en-US" sz="3600" i="1" dirty="0" smtClean="0">
+              <a:rPr lang="en-US" altLang="en-US" sz="3600" i="1" dirty="0">
                 <a:latin typeface="Arial" panose="020B0604020202020204" pitchFamily="34" charset="0"/>
                 <a:cs typeface="Arial" panose="020B0604020202020204" pitchFamily="34" charset="0"/>
               </a:rPr>
               <a:t> Technical University of Denmark, </a:t>
             </a:r>
             <a:r>
-              <a:rPr lang="en-US" altLang="en-US" sz="3600" i="1" dirty="0" err="1" smtClean="0">
+              <a:rPr lang="en-US" altLang="en-US" sz="3600" i="1" dirty="0" err="1">
                 <a:latin typeface="Arial" panose="020B0604020202020204" pitchFamily="34" charset="0"/>
                 <a:cs typeface="Arial" panose="020B0604020202020204" pitchFamily="34" charset="0"/>
               </a:rPr>
               <a:t>Kgs</a:t>
             </a:r>
             <a:r>
-              <a:rPr lang="en-US" altLang="en-US" sz="3600" i="1" dirty="0" smtClean="0">
+              <a:rPr lang="en-US" altLang="en-US" sz="3600" i="1" dirty="0">
                 <a:latin typeface="Arial" panose="020B0604020202020204" pitchFamily="34" charset="0"/>
                 <a:cs typeface="Arial" panose="020B0604020202020204" pitchFamily="34" charset="0"/>
               </a:rPr>
               <a:t>. </a:t>
             </a:r>
             <a:r>
-              <a:rPr lang="en-US" altLang="en-US" sz="3600" i="1" dirty="0" err="1" smtClean="0">
+              <a:rPr lang="en-US" altLang="en-US" sz="3600" i="1" dirty="0" err="1">
                 <a:latin typeface="Arial" panose="020B0604020202020204" pitchFamily="34" charset="0"/>
                 <a:cs typeface="Arial" panose="020B0604020202020204" pitchFamily="34" charset="0"/>
               </a:rPr>
               <a:t>Lyngby</a:t>
             </a:r>
             <a:r>
-              <a:rPr lang="en-US" altLang="en-US" sz="3600" i="1" dirty="0" smtClean="0">
+              <a:rPr lang="en-US" altLang="en-US" sz="3600" i="1" dirty="0">
                 <a:latin typeface="Arial" panose="020B0604020202020204" pitchFamily="34" charset="0"/>
                 <a:cs typeface="Arial" panose="020B0604020202020204" pitchFamily="34" charset="0"/>
               </a:rPr>
@@ -4641,7 +4621,7 @@
             <p:spPr bwMode="auto">
               <a:xfrm>
                 <a:off x="876300" y="5684838"/>
-                <a:ext cx="16049626" cy="9233279"/>
+                <a:ext cx="16049626" cy="9694944"/>
               </a:xfrm>
               <a:prstGeom prst="rect">
                 <a:avLst/>
@@ -4841,19 +4821,23 @@
                   <a:buNone/>
                 </a:pPr>
                 <a:r>
-                  <a:rPr lang="hr-HR" altLang="en-US" sz="3600" b="1" dirty="0" smtClean="0">
+                  <a:rPr lang="hr-HR" altLang="en-US" sz="3600" b="1" dirty="0">
                     <a:latin typeface="Arial" panose="020B0604020202020204" pitchFamily="34" charset="0"/>
                   </a:rPr>
                   <a:t> </a:t>
                 </a:r>
                 <a:r>
-                  <a:rPr lang="en-US" altLang="en-US" sz="4800" b="1" u="sng" dirty="0" smtClean="0">
+                  <a:rPr lang="en-US" altLang="en-US" sz="4800" b="1" u="sng" dirty="0">
                     <a:latin typeface="Arial" panose="020B0604020202020204" pitchFamily="34" charset="0"/>
+                    <a:ea typeface="Tahoma" panose="020B0604030504040204" pitchFamily="34" charset="0"/>
+                    <a:cs typeface="Arial" panose="020B0604020202020204" pitchFamily="34" charset="0"/>
                   </a:rPr>
                   <a:t>Introduction</a:t>
                 </a:r>
-                <a:endParaRPr lang="da-DK" altLang="en-US" sz="3600" dirty="0" smtClean="0">
+                <a:endParaRPr lang="da-DK" altLang="en-US" sz="3600" dirty="0">
                   <a:latin typeface="Arial" panose="020B0604020202020204" pitchFamily="34" charset="0"/>
+                  <a:ea typeface="Tahoma" panose="020B0604030504040204" pitchFamily="34" charset="0"/>
+                  <a:cs typeface="Arial" panose="020B0604020202020204" pitchFamily="34" charset="0"/>
                 </a:endParaRPr>
               </a:p>
               <a:p>
@@ -4864,8 +4848,10 @@
                   <a:buFontTx/>
                   <a:buNone/>
                 </a:pPr>
-                <a:endParaRPr lang="en-US" altLang="en-US" sz="3600" dirty="0" smtClean="0">
+                <a:endParaRPr lang="en-US" altLang="en-US" sz="3800" dirty="0">
                   <a:latin typeface="Arial" panose="020B0604020202020204" pitchFamily="34" charset="0"/>
+                  <a:ea typeface="Tahoma" panose="020B0604030504040204" pitchFamily="34" charset="0"/>
+                  <a:cs typeface="Arial" panose="020B0604020202020204" pitchFamily="34" charset="0"/>
                 </a:endParaRPr>
               </a:p>
               <a:p>
@@ -4877,34 +4863,12 @@
                   <a:buChar char="-"/>
                 </a:pPr>
                 <a:r>
-                  <a:rPr lang="en-US" altLang="en-US" sz="3600" b="1" dirty="0" smtClean="0">
+                  <a:rPr lang="en-US" altLang="en-US" sz="3800" dirty="0">
                     <a:latin typeface="Arial" panose="020B0604020202020204" pitchFamily="34" charset="0"/>
+                    <a:ea typeface="Tahoma" panose="020B0604030504040204" pitchFamily="34" charset="0"/>
+                    <a:cs typeface="Arial" panose="020B0604020202020204" pitchFamily="34" charset="0"/>
                   </a:rPr>
-                  <a:t>The backbone of </a:t>
-                </a:r>
-                <a:r>
-                  <a:rPr lang="en-US" altLang="en-US" sz="3600" b="1" dirty="0">
-                    <a:latin typeface="Arial" panose="020B0604020202020204" pitchFamily="34" charset="0"/>
-                  </a:rPr>
-                  <a:t>medical and social </a:t>
-                </a:r>
-                <a:r>
-                  <a:rPr lang="en-US" altLang="en-US" sz="3600" b="1" dirty="0" smtClean="0">
-                    <a:latin typeface="Arial" panose="020B0604020202020204" pitchFamily="34" charset="0"/>
-                  </a:rPr>
-                  <a:t>studies </a:t>
-                </a:r>
-                <a:r>
-                  <a:rPr lang="en-US" altLang="en-US" sz="3600" b="1" dirty="0">
-                    <a:latin typeface="Arial" panose="020B0604020202020204" pitchFamily="34" charset="0"/>
-                  </a:rPr>
-                  <a:t>the access and use of personal </a:t>
-                </a:r>
-                <a:r>
-                  <a:rPr lang="en-US" altLang="en-US" sz="3600" b="1" dirty="0" smtClean="0">
-                    <a:latin typeface="Arial" panose="020B0604020202020204" pitchFamily="34" charset="0"/>
-                  </a:rPr>
-                  <a:t>data.</a:t>
+                  <a:t>The backbone of medical and social studies is the access and use of personal data.</a:t>
                 </a:r>
               </a:p>
               <a:p>
@@ -4915,8 +4879,10 @@
                   <a:buFontTx/>
                   <a:buChar char="-"/>
                 </a:pPr>
-                <a:endParaRPr lang="en-US" altLang="en-US" sz="3600" b="1" dirty="0">
+                <a:endParaRPr lang="en-US" altLang="en-US" sz="3800" dirty="0">
                   <a:latin typeface="Arial" panose="020B0604020202020204" pitchFamily="34" charset="0"/>
+                  <a:ea typeface="Tahoma" panose="020B0604030504040204" pitchFamily="34" charset="0"/>
+                  <a:cs typeface="Arial" panose="020B0604020202020204" pitchFamily="34" charset="0"/>
                 </a:endParaRPr>
               </a:p>
               <a:p>
@@ -4928,22 +4894,12 @@
                   <a:buChar char="-"/>
                 </a:pPr>
                 <a:r>
-                  <a:rPr lang="en-US" altLang="en-US" sz="3600" b="1" dirty="0" smtClean="0">
+                  <a:rPr lang="en-US" altLang="en-US" sz="3800" dirty="0">
                     <a:latin typeface="Arial" panose="020B0604020202020204" pitchFamily="34" charset="0"/>
+                    <a:ea typeface="Tahoma" panose="020B0604030504040204" pitchFamily="34" charset="0"/>
+                    <a:cs typeface="Arial" panose="020B0604020202020204" pitchFamily="34" charset="0"/>
                   </a:rPr>
-                  <a:t>As an incentive </a:t>
-                </a:r>
-                <a:r>
-                  <a:rPr lang="en-US" altLang="en-US" sz="3600" b="1" dirty="0">
-                    <a:latin typeface="Arial" panose="020B0604020202020204" pitchFamily="34" charset="0"/>
-                  </a:rPr>
-                  <a:t>privacy should be </a:t>
-                </a:r>
-                <a:r>
-                  <a:rPr lang="en-US" altLang="en-US" sz="3600" b="1" dirty="0" smtClean="0">
-                    <a:latin typeface="Arial" panose="020B0604020202020204" pitchFamily="34" charset="0"/>
-                  </a:rPr>
-                  <a:t>ensured.</a:t>
+                  <a:t>As an incentive privacy should be ensured.</a:t>
                 </a:r>
               </a:p>
               <a:p>
@@ -4954,8 +4910,10 @@
                   <a:buFontTx/>
                   <a:buChar char="-"/>
                 </a:pPr>
-                <a:endParaRPr lang="en-US" altLang="en-US" sz="3600" b="1" dirty="0" smtClean="0">
+                <a:endParaRPr lang="en-US" altLang="en-US" sz="3800" dirty="0">
                   <a:latin typeface="Arial" panose="020B0604020202020204" pitchFamily="34" charset="0"/>
+                  <a:ea typeface="Tahoma" panose="020B0604030504040204" pitchFamily="34" charset="0"/>
+                  <a:cs typeface="Arial" panose="020B0604020202020204" pitchFamily="34" charset="0"/>
                 </a:endParaRPr>
               </a:p>
               <a:p>
@@ -4967,22 +4925,12 @@
                   <a:buChar char="-"/>
                 </a:pPr>
                 <a:r>
-                  <a:rPr lang="en-US" altLang="en-US" sz="3600" b="1" dirty="0">
+                  <a:rPr lang="en-US" altLang="en-US" sz="3800" dirty="0">
                     <a:latin typeface="Arial" panose="020B0604020202020204" pitchFamily="34" charset="0"/>
+                    <a:ea typeface="Tahoma" panose="020B0604030504040204" pitchFamily="34" charset="0"/>
+                    <a:cs typeface="Arial" panose="020B0604020202020204" pitchFamily="34" charset="0"/>
                   </a:rPr>
-                  <a:t>The traditional approach is to </a:t>
-                </a:r>
-                <a:r>
-                  <a:rPr lang="en-US" altLang="en-US" sz="3600" b="1" dirty="0" err="1" smtClean="0">
-                    <a:latin typeface="Arial" panose="020B0604020202020204" pitchFamily="34" charset="0"/>
-                  </a:rPr>
-                  <a:t>ananomize</a:t>
-                </a:r>
-                <a:r>
-                  <a:rPr lang="en-US" altLang="en-US" sz="3600" b="1" dirty="0" smtClean="0">
-                    <a:latin typeface="Arial" panose="020B0604020202020204" pitchFamily="34" charset="0"/>
-                  </a:rPr>
-                  <a:t> the data.</a:t>
+                  <a:t>The traditional approach is to anonymize the data.</a:t>
                 </a:r>
               </a:p>
               <a:p>
@@ -4993,8 +4941,10 @@
                   <a:buFontTx/>
                   <a:buChar char="-"/>
                 </a:pPr>
-                <a:endParaRPr lang="en-US" altLang="en-US" sz="3600" b="1" dirty="0">
+                <a:endParaRPr lang="en-US" altLang="en-US" sz="3800" dirty="0">
                   <a:latin typeface="Arial" panose="020B0604020202020204" pitchFamily="34" charset="0"/>
+                  <a:ea typeface="Tahoma" panose="020B0604030504040204" pitchFamily="34" charset="0"/>
+                  <a:cs typeface="Arial" panose="020B0604020202020204" pitchFamily="34" charset="0"/>
                 </a:endParaRPr>
               </a:p>
               <a:p>
@@ -5006,14 +4956,13 @@
                   <a:buChar char="-"/>
                 </a:pPr>
                 <a:r>
-                  <a:rPr lang="en-US" altLang="en-US" sz="3600" b="1" dirty="0" smtClean="0">
+                  <a:rPr lang="en-US" altLang="en-US" sz="3800" dirty="0">
                     <a:latin typeface="Arial" panose="020B0604020202020204" pitchFamily="34" charset="0"/>
+                    <a:ea typeface="Tahoma" panose="020B0604030504040204" pitchFamily="34" charset="0"/>
+                    <a:cs typeface="Arial" panose="020B0604020202020204" pitchFamily="34" charset="0"/>
                   </a:rPr>
                   <a:t>But this is not always enough.</a:t>
                 </a:r>
-                <a:endParaRPr lang="en-US" altLang="en-US" sz="3600" b="1" dirty="0">
-                  <a:latin typeface="Arial" panose="020B0604020202020204" pitchFamily="34" charset="0"/>
-                </a:endParaRPr>
               </a:p>
               <a:p>
                 <a:pPr marL="720725" indent="-571500" algn="just" eaLnBrk="1" hangingPunct="1">
@@ -5023,8 +4972,10 @@
                   <a:buFontTx/>
                   <a:buChar char="-"/>
                 </a:pPr>
-                <a:endParaRPr lang="en-US" altLang="en-US" sz="3600" b="1" dirty="0">
+                <a:endParaRPr lang="en-US" altLang="en-US" sz="3800" dirty="0">
                   <a:latin typeface="Arial" panose="020B0604020202020204" pitchFamily="34" charset="0"/>
+                  <a:ea typeface="Tahoma" panose="020B0604030504040204" pitchFamily="34" charset="0"/>
+                  <a:cs typeface="Arial" panose="020B0604020202020204" pitchFamily="34" charset="0"/>
                 </a:endParaRPr>
               </a:p>
               <a:p>
@@ -5038,118 +4989,98 @@
                 <a14:m>
                   <m:oMath xmlns:m="http://schemas.openxmlformats.org/officeDocument/2006/math">
                     <m:r>
-                      <a:rPr lang="da-DK" sz="3600" b="1" i="1">
+                      <a:rPr lang="da-DK" sz="3800" b="0" i="1" smtClean="0">
                         <a:latin typeface="Cambria Math" panose="02040503050406030204" pitchFamily="18" charset="0"/>
                       </a:rPr>
-                      <m:t>𝝐</m:t>
+                      <m:t>𝜖</m:t>
                     </m:r>
                   </m:oMath>
                 </a14:m>
                 <a:r>
-                  <a:rPr lang="en-US" altLang="en-US" sz="3600" b="1" dirty="0" smtClean="0">
+                  <a:rPr lang="en-US" altLang="en-US" sz="3800" dirty="0">
                     <a:latin typeface="Arial" panose="020B0604020202020204" pitchFamily="34" charset="0"/>
+                    <a:ea typeface="Tahoma" panose="020B0604030504040204" pitchFamily="34" charset="0"/>
+                    <a:cs typeface="Arial" panose="020B0604020202020204" pitchFamily="34" charset="0"/>
                   </a:rPr>
                   <a:t>-D</a:t>
                 </a:r>
                 <a:r>
-                  <a:rPr lang="da-DK" altLang="en-US" sz="3600" b="1" dirty="0" err="1" smtClean="0">
+                  <a:rPr lang="da-DK" altLang="en-US" sz="3800" dirty="0" err="1">
                     <a:latin typeface="Arial" panose="020B0604020202020204" pitchFamily="34" charset="0"/>
+                    <a:ea typeface="Tahoma" panose="020B0604030504040204" pitchFamily="34" charset="0"/>
+                    <a:cs typeface="Arial" panose="020B0604020202020204" pitchFamily="34" charset="0"/>
                   </a:rPr>
                   <a:t>ifferential</a:t>
                 </a:r>
                 <a:r>
-                  <a:rPr lang="da-DK" altLang="en-US" sz="3600" b="1" dirty="0" smtClean="0">
+                  <a:rPr lang="da-DK" altLang="en-US" sz="3800" dirty="0">
                     <a:latin typeface="Arial" panose="020B0604020202020204" pitchFamily="34" charset="0"/>
+                    <a:ea typeface="Tahoma" panose="020B0604030504040204" pitchFamily="34" charset="0"/>
+                    <a:cs typeface="Arial" panose="020B0604020202020204" pitchFamily="34" charset="0"/>
                   </a:rPr>
                   <a:t> </a:t>
                 </a:r>
                 <a:r>
-                  <a:rPr lang="da-DK" altLang="en-US" sz="3600" b="1" dirty="0" err="1">
+                  <a:rPr lang="da-DK" altLang="en-US" sz="3800" dirty="0" err="1">
                     <a:latin typeface="Arial" panose="020B0604020202020204" pitchFamily="34" charset="0"/>
+                    <a:ea typeface="Tahoma" panose="020B0604030504040204" pitchFamily="34" charset="0"/>
+                    <a:cs typeface="Arial" panose="020B0604020202020204" pitchFamily="34" charset="0"/>
                   </a:rPr>
                   <a:t>privacy</a:t>
                 </a:r>
                 <a:r>
-                  <a:rPr lang="da-DK" altLang="en-US" sz="3600" b="1" dirty="0">
+                  <a:rPr lang="da-DK" altLang="en-US" sz="3800" dirty="0">
                     <a:latin typeface="Arial" panose="020B0604020202020204" pitchFamily="34" charset="0"/>
+                    <a:ea typeface="Tahoma" panose="020B0604030504040204" pitchFamily="34" charset="0"/>
+                    <a:cs typeface="Arial" panose="020B0604020202020204" pitchFamily="34" charset="0"/>
                   </a:rPr>
-                  <a:t> is </a:t>
+                  <a:t> is a </a:t>
                 </a:r>
                 <a:r>
-                  <a:rPr lang="da-DK" altLang="en-US" sz="3600" b="1" dirty="0" smtClean="0">
+                  <a:rPr lang="da-DK" altLang="en-US" sz="3800" dirty="0" err="1">
                     <a:latin typeface="Arial" panose="020B0604020202020204" pitchFamily="34" charset="0"/>
-                  </a:rPr>
-                  <a:t>a </a:t>
-                </a:r>
-                <a:r>
-                  <a:rPr lang="da-DK" altLang="en-US" sz="3600" b="1" dirty="0" err="1" smtClean="0">
-                    <a:latin typeface="Arial" panose="020B0604020202020204" pitchFamily="34" charset="0"/>
+                    <a:ea typeface="Tahoma" panose="020B0604030504040204" pitchFamily="34" charset="0"/>
+                    <a:cs typeface="Arial" panose="020B0604020202020204" pitchFamily="34" charset="0"/>
                   </a:rPr>
                   <a:t>tool</a:t>
                 </a:r>
                 <a:r>
-                  <a:rPr lang="da-DK" altLang="en-US" sz="3600" b="1" dirty="0" smtClean="0">
+                  <a:rPr lang="da-DK" altLang="en-US" sz="3800" dirty="0">
                     <a:latin typeface="Arial" panose="020B0604020202020204" pitchFamily="34" charset="0"/>
+                    <a:ea typeface="Tahoma" panose="020B0604030504040204" pitchFamily="34" charset="0"/>
+                    <a:cs typeface="Arial" panose="020B0604020202020204" pitchFamily="34" charset="0"/>
                   </a:rPr>
                   <a:t> </a:t>
                 </a:r>
                 <a:r>
-                  <a:rPr lang="da-DK" altLang="en-US" sz="3600" b="1" dirty="0" err="1" smtClean="0">
+                  <a:rPr lang="da-DK" altLang="en-US" sz="3800" dirty="0" err="1">
                     <a:latin typeface="Arial" panose="020B0604020202020204" pitchFamily="34" charset="0"/>
+                    <a:ea typeface="Tahoma" panose="020B0604030504040204" pitchFamily="34" charset="0"/>
+                    <a:cs typeface="Arial" panose="020B0604020202020204" pitchFamily="34" charset="0"/>
                   </a:rPr>
                   <a:t>that</a:t>
                 </a:r>
                 <a:r>
-                  <a:rPr lang="da-DK" altLang="en-US" sz="3600" b="1" dirty="0" smtClean="0">
+                  <a:rPr lang="da-DK" altLang="en-US" sz="3800" dirty="0">
                     <a:latin typeface="Arial" panose="020B0604020202020204" pitchFamily="34" charset="0"/>
+                    <a:ea typeface="Tahoma" panose="020B0604030504040204" pitchFamily="34" charset="0"/>
+                    <a:cs typeface="Arial" panose="020B0604020202020204" pitchFamily="34" charset="0"/>
                   </a:rPr>
                   <a:t> </a:t>
                 </a:r>
                 <a:r>
-                  <a:rPr lang="en-US" altLang="en-US" sz="3600" b="1" dirty="0">
+                  <a:rPr lang="en-US" altLang="en-US" sz="3800" dirty="0">
                     <a:latin typeface="Arial" panose="020B0604020202020204" pitchFamily="34" charset="0"/>
+                    <a:ea typeface="Tahoma" panose="020B0604030504040204" pitchFamily="34" charset="0"/>
+                    <a:cs typeface="Arial" panose="020B0604020202020204" pitchFamily="34" charset="0"/>
                   </a:rPr>
-                  <a:t>allows for </a:t>
+                  <a:t>allows for the release of test results without revealing information about any participant</a:t>
                 </a:r>
                 <a:r>
-                  <a:rPr lang="en-US" altLang="en-US" sz="3600" b="1" dirty="0" smtClean="0">
+                  <a:rPr lang="da-DK" altLang="en-US" sz="3800" dirty="0">
                     <a:latin typeface="Arial" panose="020B0604020202020204" pitchFamily="34" charset="0"/>
-                  </a:rPr>
-                  <a:t>the </a:t>
-                </a:r>
-                <a:r>
-                  <a:rPr lang="en-US" altLang="en-US" sz="3600" b="1" dirty="0" smtClean="0">
-                    <a:latin typeface="Arial" panose="020B0604020202020204" pitchFamily="34" charset="0"/>
-                  </a:rPr>
-                  <a:t>release </a:t>
-                </a:r>
-                <a:r>
-                  <a:rPr lang="en-US" altLang="en-US" sz="3600" b="1" dirty="0">
-                    <a:latin typeface="Arial" panose="020B0604020202020204" pitchFamily="34" charset="0"/>
-                  </a:rPr>
-                  <a:t>of test </a:t>
-                </a:r>
-                <a:r>
-                  <a:rPr lang="en-US" altLang="en-US" sz="3600" b="1" dirty="0" smtClean="0">
-                    <a:latin typeface="Arial" panose="020B0604020202020204" pitchFamily="34" charset="0"/>
-                  </a:rPr>
-                  <a:t>results without revealing information </a:t>
-                </a:r>
-                <a:r>
-                  <a:rPr lang="en-US" altLang="en-US" sz="3600" b="1" dirty="0" smtClean="0">
-                    <a:latin typeface="Arial" panose="020B0604020202020204" pitchFamily="34" charset="0"/>
-                  </a:rPr>
-                  <a:t>about </a:t>
-                </a:r>
-                <a:r>
-                  <a:rPr lang="en-US" altLang="en-US" sz="3600" b="1" dirty="0" smtClean="0">
-                    <a:latin typeface="Arial" panose="020B0604020202020204" pitchFamily="34" charset="0"/>
-                  </a:rPr>
-                  <a:t>any participant</a:t>
-                </a:r>
-                <a:r>
-                  <a:rPr lang="da-DK" altLang="en-US" sz="3600" b="1" dirty="0" smtClean="0">
-                    <a:latin typeface="Arial" panose="020B0604020202020204" pitchFamily="34" charset="0"/>
+                    <a:ea typeface="Tahoma" panose="020B0604030504040204" pitchFamily="34" charset="0"/>
+                    <a:cs typeface="Arial" panose="020B0604020202020204" pitchFamily="34" charset="0"/>
                   </a:rPr>
                   <a:t>.</a:t>
                 </a:r>
@@ -5161,8 +5092,10 @@
                   </a:spcBef>
                   <a:buNone/>
                 </a:pPr>
-                <a:endParaRPr lang="da-DK" altLang="en-US" sz="3600" b="1" dirty="0" smtClean="0">
+                <a:endParaRPr lang="da-DK" altLang="en-US" sz="3800" dirty="0">
                   <a:latin typeface="Arial" panose="020B0604020202020204" pitchFamily="34" charset="0"/>
+                  <a:ea typeface="Tahoma" panose="020B0604030504040204" pitchFamily="34" charset="0"/>
+                  <a:cs typeface="Arial" panose="020B0604020202020204" pitchFamily="34" charset="0"/>
                 </a:endParaRPr>
               </a:p>
               <a:p>
@@ -5174,64 +5107,60 @@
                   <a:buChar char="-"/>
                 </a:pPr>
                 <a:r>
-                  <a:rPr lang="da-DK" altLang="en-US" sz="3600" b="1" dirty="0" smtClean="0">
+                  <a:rPr lang="da-DK" altLang="en-US" sz="3800" dirty="0">
                     <a:latin typeface="Arial" panose="020B0604020202020204" pitchFamily="34" charset="0"/>
+                    <a:ea typeface="Tahoma" panose="020B0604030504040204" pitchFamily="34" charset="0"/>
+                    <a:cs typeface="Arial" panose="020B0604020202020204" pitchFamily="34" charset="0"/>
                   </a:rPr>
                   <a:t>Is it </a:t>
                 </a:r>
                 <a:r>
-                  <a:rPr lang="da-DK" altLang="en-US" sz="3600" b="1" dirty="0" err="1" smtClean="0">
+                  <a:rPr lang="da-DK" altLang="en-US" sz="3800" dirty="0" err="1">
                     <a:latin typeface="Arial" panose="020B0604020202020204" pitchFamily="34" charset="0"/>
+                    <a:ea typeface="Tahoma" panose="020B0604030504040204" pitchFamily="34" charset="0"/>
+                    <a:cs typeface="Arial" panose="020B0604020202020204" pitchFamily="34" charset="0"/>
                   </a:rPr>
                   <a:t>possible</a:t>
                 </a:r>
                 <a:r>
-                  <a:rPr lang="da-DK" altLang="en-US" sz="3600" b="1" dirty="0" smtClean="0">
+                  <a:rPr lang="da-DK" altLang="en-US" sz="3800" dirty="0">
                     <a:latin typeface="Arial" panose="020B0604020202020204" pitchFamily="34" charset="0"/>
+                    <a:ea typeface="Tahoma" panose="020B0604030504040204" pitchFamily="34" charset="0"/>
+                    <a:cs typeface="Arial" panose="020B0604020202020204" pitchFamily="34" charset="0"/>
                   </a:rPr>
                   <a:t> to </a:t>
                 </a:r>
                 <a:r>
-                  <a:rPr lang="da-DK" altLang="en-US" sz="3600" b="1" dirty="0" err="1" smtClean="0">
+                  <a:rPr lang="da-DK" altLang="en-US" sz="3800" dirty="0" err="1">
                     <a:latin typeface="Arial" panose="020B0604020202020204" pitchFamily="34" charset="0"/>
+                    <a:ea typeface="Tahoma" panose="020B0604030504040204" pitchFamily="34" charset="0"/>
+                    <a:cs typeface="Arial" panose="020B0604020202020204" pitchFamily="34" charset="0"/>
                   </a:rPr>
                   <a:t>develop</a:t>
                 </a:r>
                 <a:r>
-                  <a:rPr lang="da-DK" altLang="en-US" sz="3600" b="1" dirty="0">
+                  <a:rPr lang="da-DK" altLang="en-US" sz="3800" dirty="0">
                     <a:latin typeface="Arial" panose="020B0604020202020204" pitchFamily="34" charset="0"/>
+                    <a:ea typeface="Tahoma" panose="020B0604030504040204" pitchFamily="34" charset="0"/>
+                    <a:cs typeface="Arial" panose="020B0604020202020204" pitchFamily="34" charset="0"/>
                   </a:rPr>
-                  <a:t> </a:t>
+                  <a:t> a </a:t>
                 </a:r>
                 <a:r>
-                  <a:rPr lang="da-DK" altLang="en-US" sz="3600" b="1" dirty="0" smtClean="0">
+                  <a:rPr lang="da-DK" altLang="en-US" sz="3800" dirty="0" err="1">
                     <a:latin typeface="Arial" panose="020B0604020202020204" pitchFamily="34" charset="0"/>
-                  </a:rPr>
-                  <a:t>a </a:t>
-                </a:r>
-                <a:r>
-                  <a:rPr lang="da-DK" altLang="en-US" sz="3600" b="1" dirty="0" err="1" smtClean="0">
-                    <a:latin typeface="Arial" panose="020B0604020202020204" pitchFamily="34" charset="0"/>
+                    <a:ea typeface="Tahoma" panose="020B0604030504040204" pitchFamily="34" charset="0"/>
+                    <a:cs typeface="Arial" panose="020B0604020202020204" pitchFamily="34" charset="0"/>
                   </a:rPr>
                   <a:t>differentially</a:t>
                 </a:r>
                 <a:r>
-                  <a:rPr lang="da-DK" altLang="en-US" sz="3600" b="1" dirty="0" smtClean="0">
+                  <a:rPr lang="da-DK" altLang="en-US" sz="3800" dirty="0">
                     <a:latin typeface="Arial" panose="020B0604020202020204" pitchFamily="34" charset="0"/>
+                    <a:ea typeface="Tahoma" panose="020B0604030504040204" pitchFamily="34" charset="0"/>
+                    <a:cs typeface="Arial" panose="020B0604020202020204" pitchFamily="34" charset="0"/>
                   </a:rPr>
-                  <a:t> private </a:t>
-                </a:r>
-                <a:r>
-                  <a:rPr lang="da-DK" altLang="en-US" sz="3600" b="1" dirty="0" smtClean="0">
-                    <a:latin typeface="Arial" panose="020B0604020202020204" pitchFamily="34" charset="0"/>
-                  </a:rPr>
-                  <a:t>feedback </a:t>
-                </a:r>
-                <a:r>
-                  <a:rPr lang="da-DK" altLang="en-US" sz="3600" b="1" dirty="0" smtClean="0">
-                    <a:latin typeface="Arial" panose="020B0604020202020204" pitchFamily="34" charset="0"/>
-                  </a:rPr>
-                  <a:t>system for</a:t>
+                  <a:t> private feedback system for</a:t>
                 </a:r>
               </a:p>
               <a:p>
@@ -5242,19 +5171,17 @@
                   <a:buNone/>
                 </a:pPr>
                 <a:r>
-                  <a:rPr lang="da-DK" altLang="en-US" sz="3600" b="1" dirty="0">
-                    <a:latin typeface="Arial" panose="020B0604020202020204" pitchFamily="34" charset="0"/>
+                  <a:rPr lang="da-DK" altLang="en-US" sz="3800" dirty="0">
+                    <a:latin typeface="Tahoma" panose="020B0604030504040204" pitchFamily="34" charset="0"/>
+                    <a:ea typeface="Tahoma" panose="020B0604030504040204" pitchFamily="34" charset="0"/>
+                    <a:cs typeface="Tahoma" panose="020B0604030504040204" pitchFamily="34" charset="0"/>
                   </a:rPr>
-                  <a:t> </a:t>
+                  <a:t>    students?</a:t>
                 </a:r>
-                <a:r>
-                  <a:rPr lang="da-DK" altLang="en-US" sz="3600" b="1" dirty="0" smtClean="0">
-                    <a:latin typeface="Arial" panose="020B0604020202020204" pitchFamily="34" charset="0"/>
-                  </a:rPr>
-                  <a:t>   students?</a:t>
-                </a:r>
-                <a:endParaRPr lang="en-US" altLang="en-US" sz="3600" b="1" dirty="0" smtClean="0">
-                  <a:latin typeface="Arial" panose="020B0604020202020204" pitchFamily="34" charset="0"/>
+                <a:endParaRPr lang="en-US" altLang="en-US" sz="3800" dirty="0">
+                  <a:latin typeface="Tahoma" panose="020B0604030504040204" pitchFamily="34" charset="0"/>
+                  <a:ea typeface="Tahoma" panose="020B0604030504040204" pitchFamily="34" charset="0"/>
+                  <a:cs typeface="Tahoma" panose="020B0604030504040204" pitchFamily="34" charset="0"/>
                 </a:endParaRPr>
               </a:p>
             </p:txBody>
@@ -5272,7 +5199,7 @@
             <p:spPr bwMode="auto">
               <a:xfrm>
                 <a:off x="876300" y="5684838"/>
-                <a:ext cx="16049626" cy="9233279"/>
+                <a:ext cx="16049626" cy="9694944"/>
               </a:xfrm>
               <a:prstGeom prst="rect">
                 <a:avLst/>
@@ -5280,7 +5207,7 @@
               <a:blipFill>
                 <a:blip r:embed="rId2"/>
                 <a:stretch>
-                  <a:fillRect l="-608" t="-1123" r="-1139" b="-1057"/>
+                  <a:fillRect l="-608" t="-1069" r="-1253" b="-1132"/>
                 </a:stretch>
               </a:blipFill>
               <a:ln>
@@ -5311,7 +5238,7 @@
               <a:lstStyle/>
               <a:p>
                 <a:r>
-                  <a:rPr lang="en-GB">
+                  <a:rPr lang="de-DE">
                     <a:noFill/>
                   </a:rPr>
                   <a:t> </a:t>
@@ -5321,201 +5248,6 @@
           </p:sp>
         </mc:Fallback>
       </mc:AlternateContent>
-      <p:sp>
-        <p:nvSpPr>
-          <p:cNvPr id="2078" name="Text Box 1104"/>
-          <p:cNvSpPr txBox="1">
-            <a:spLocks noChangeArrowheads="1"/>
-          </p:cNvSpPr>
-          <p:nvPr/>
-        </p:nvSpPr>
-        <p:spPr bwMode="auto">
-          <a:xfrm>
-            <a:off x="34213800" y="26792238"/>
-            <a:ext cx="15754350" cy="2862304"/>
-          </a:xfrm>
-          <a:prstGeom prst="rect">
-            <a:avLst/>
-          </a:prstGeom>
-          <a:noFill/>
-          <a:ln w="28575">
-            <a:noFill/>
-            <a:miter lim="800000"/>
-            <a:headEnd/>
-            <a:tailEnd/>
-          </a:ln>
-        </p:spPr>
-        <p:txBody>
-          <a:bodyPr lIns="91431" tIns="91431" rIns="91431" bIns="91431">
-            <a:spAutoFit/>
-          </a:bodyPr>
-          <a:lstStyle/>
-          <a:p>
-            <a:pPr marL="392113" indent="-392113" algn="just" defTabSz="479425">
-              <a:spcBef>
-                <a:spcPct val="50000"/>
-              </a:spcBef>
-              <a:tabLst>
-                <a:tab pos="304800" algn="l"/>
-              </a:tabLst>
-              <a:defRPr/>
-            </a:pPr>
-            <a:r>
-              <a:rPr lang="en-US" sz="3000" b="1" dirty="0"/>
-              <a:t>References</a:t>
-            </a:r>
-            <a:endParaRPr lang="hr-HR" sz="3000" b="1" dirty="0"/>
-          </a:p>
-          <a:p>
-            <a:pPr>
-              <a:defRPr/>
-            </a:pPr>
-            <a:r>
-              <a:rPr lang="en-US" sz="2400" b="1" dirty="0" err="1" smtClean="0"/>
-              <a:t>Zhanglong</a:t>
-            </a:r>
-            <a:r>
-              <a:rPr lang="en-US" sz="2400" b="1" dirty="0" smtClean="0"/>
-              <a:t> Ji, Zachary C. Lipton, Charles Elkan, “Differential Privacy and Machine Learning: a Survey and Review,” </a:t>
-            </a:r>
-            <a:r>
-              <a:rPr lang="en-US" sz="2400" b="1" i="1" dirty="0" err="1" smtClean="0"/>
-              <a:t>arXiv</a:t>
-            </a:r>
-            <a:r>
-              <a:rPr lang="en-US" sz="2400" b="1" i="1" dirty="0" smtClean="0"/>
-              <a:t> </a:t>
-            </a:r>
-            <a:r>
-              <a:rPr lang="en-US" sz="2400" b="1" dirty="0" smtClean="0"/>
-              <a:t>(2014).</a:t>
-            </a:r>
-            <a:endParaRPr lang="en-US" sz="2400" b="1" dirty="0"/>
-          </a:p>
-          <a:p>
-            <a:pPr>
-              <a:defRPr/>
-            </a:pPr>
-            <a:r>
-              <a:rPr lang="da-DK" sz="2400" b="1" dirty="0" smtClean="0"/>
-              <a:t>Jun Zhang, </a:t>
-            </a:r>
-            <a:r>
-              <a:rPr lang="da-DK" sz="2400" b="1" dirty="0" err="1" smtClean="0"/>
-              <a:t>Zhenjie</a:t>
-            </a:r>
-            <a:r>
-              <a:rPr lang="da-DK" sz="2400" b="1" dirty="0" smtClean="0"/>
-              <a:t> Zhang, </a:t>
-            </a:r>
-            <a:r>
-              <a:rPr lang="da-DK" sz="2400" b="1" dirty="0" err="1" smtClean="0"/>
-              <a:t>Xiaokui</a:t>
-            </a:r>
-            <a:r>
-              <a:rPr lang="da-DK" sz="2400" b="1" dirty="0" smtClean="0"/>
-              <a:t> </a:t>
-            </a:r>
-            <a:r>
-              <a:rPr lang="da-DK" sz="2400" b="1" dirty="0" err="1" smtClean="0"/>
-              <a:t>Xiao</a:t>
-            </a:r>
-            <a:r>
-              <a:rPr lang="da-DK" sz="2400" b="1" dirty="0" smtClean="0"/>
-              <a:t>, Ying Yan, Marianne </a:t>
-            </a:r>
-            <a:r>
-              <a:rPr lang="da-DK" sz="2400" b="1" dirty="0" err="1" smtClean="0"/>
-              <a:t>Winslett</a:t>
-            </a:r>
-            <a:r>
-              <a:rPr lang="da-DK" sz="2400" b="1" dirty="0" smtClean="0"/>
-              <a:t>, ”</a:t>
-            </a:r>
-            <a:r>
-              <a:rPr lang="da-DK" sz="2400" b="1" dirty="0" err="1" smtClean="0"/>
-              <a:t>Functional</a:t>
-            </a:r>
-            <a:r>
-              <a:rPr lang="da-DK" sz="2400" b="1" dirty="0" smtClean="0"/>
-              <a:t> </a:t>
-            </a:r>
-            <a:r>
-              <a:rPr lang="da-DK" sz="2400" b="1" dirty="0" err="1" smtClean="0"/>
-              <a:t>mechanism</a:t>
-            </a:r>
-            <a:r>
-              <a:rPr lang="da-DK" sz="2400" b="1" dirty="0" smtClean="0"/>
-              <a:t>: </a:t>
-            </a:r>
-            <a:r>
-              <a:rPr lang="da-DK" sz="2400" b="1" dirty="0" err="1" smtClean="0"/>
-              <a:t>Regrassion</a:t>
-            </a:r>
-            <a:r>
-              <a:rPr lang="da-DK" sz="2400" b="1" dirty="0" smtClean="0"/>
-              <a:t> </a:t>
-            </a:r>
-            <a:r>
-              <a:rPr lang="da-DK" sz="2400" b="1" dirty="0" err="1" smtClean="0"/>
-              <a:t>analysis</a:t>
-            </a:r>
-            <a:r>
-              <a:rPr lang="da-DK" sz="2400" b="1" dirty="0" smtClean="0"/>
-              <a:t> under </a:t>
-            </a:r>
-            <a:r>
-              <a:rPr lang="da-DK" sz="2400" b="1" dirty="0" err="1" smtClean="0"/>
-              <a:t>differential</a:t>
-            </a:r>
-            <a:r>
-              <a:rPr lang="da-DK" sz="2400" b="1" dirty="0" smtClean="0"/>
-              <a:t> </a:t>
-            </a:r>
-            <a:r>
-              <a:rPr lang="da-DK" sz="2400" b="1" dirty="0" err="1" smtClean="0"/>
-              <a:t>privacy</a:t>
-            </a:r>
-            <a:r>
-              <a:rPr lang="da-DK" sz="2400" b="1" dirty="0" smtClean="0"/>
-              <a:t>”, International </a:t>
-            </a:r>
-            <a:r>
-              <a:rPr lang="da-DK" sz="2400" b="1" dirty="0" err="1" smtClean="0"/>
-              <a:t>Conferance</a:t>
-            </a:r>
-            <a:r>
-              <a:rPr lang="da-DK" sz="2400" b="1" dirty="0" smtClean="0"/>
-              <a:t> on </a:t>
-            </a:r>
-            <a:r>
-              <a:rPr lang="da-DK" sz="2400" b="1" dirty="0" err="1" smtClean="0"/>
-              <a:t>very</a:t>
-            </a:r>
-            <a:r>
-              <a:rPr lang="da-DK" sz="2400" b="1" dirty="0" smtClean="0"/>
-              <a:t> large data bases pages 1364-1375, 2012</a:t>
-            </a:r>
-            <a:endParaRPr lang="da-DK" sz="2400" b="1" dirty="0" smtClean="0">
-              <a:cs typeface="Arial" pitchFamily="34" charset="0"/>
-            </a:endParaRPr>
-          </a:p>
-          <a:p>
-            <a:pPr>
-              <a:defRPr/>
-            </a:pPr>
-            <a:r>
-              <a:rPr lang="da-DK" sz="2400" b="1" smtClean="0">
-                <a:cs typeface="Arial" pitchFamily="34" charset="0"/>
-              </a:rPr>
-              <a:t>?</a:t>
-            </a:r>
-            <a:endParaRPr lang="da-DK" sz="2400" b="1" dirty="0" smtClean="0">
-              <a:cs typeface="Arial" pitchFamily="34" charset="0"/>
-            </a:endParaRPr>
-          </a:p>
-        </p:txBody>
-      </p:sp>
       <p:sp>
         <p:nvSpPr>
           <p:cNvPr id="2061" name="Text Box 1108"/>
@@ -5691,13 +5423,13 @@
               <a:buNone/>
             </a:pPr>
             <a:r>
-              <a:rPr lang="da-DK" altLang="en-US" sz="2800" b="1" i="1" dirty="0" smtClean="0">
+              <a:rPr lang="da-DK" altLang="en-US" sz="2800" b="1" i="1" dirty="0">
                 <a:solidFill>
                   <a:srgbClr val="292929"/>
                 </a:solidFill>
                 <a:latin typeface="Arial" panose="020B0604020202020204" pitchFamily="34" charset="0"/>
               </a:rPr>
-              <a:t>???</a:t>
+              <a:t>02460 Advanced Machine Learning</a:t>
             </a:r>
             <a:endParaRPr lang="en-US" altLang="en-US" sz="2800" b="1" i="1" dirty="0">
               <a:solidFill>
@@ -5878,8 +5610,8 @@
         </p:nvSpPr>
         <p:spPr bwMode="auto">
           <a:xfrm>
-            <a:off x="46329600" y="29870400"/>
-            <a:ext cx="3886200" cy="579438"/>
+            <a:off x="46413512" y="29780286"/>
+            <a:ext cx="3886200" cy="584767"/>
           </a:xfrm>
           <a:prstGeom prst="rect">
             <a:avLst/>
@@ -6043,12 +5775,24 @@
               <a:buNone/>
             </a:pPr>
             <a:r>
-              <a:rPr lang="da-DK" altLang="en-US" sz="3200" i="1" dirty="0" smtClean="0">
+              <a:rPr lang="da-DK" altLang="en-US" sz="3200" i="1" dirty="0">
                 <a:latin typeface="Optima Black" charset="0"/>
               </a:rPr>
-              <a:t>???</a:t>
-            </a:r>
-            <a:endParaRPr lang="en-US" altLang="en-US" sz="2800" i="1" dirty="0">
+              <a:t>May 16</a:t>
+            </a:r>
+            <a:r>
+              <a:rPr lang="da-DK" altLang="en-US" sz="3200" i="1" baseline="30000" dirty="0">
+                <a:latin typeface="Optima Black" charset="0"/>
+              </a:rPr>
+              <a:t>th </a:t>
+            </a:r>
+            <a:r>
+              <a:rPr lang="da-DK" altLang="en-US" sz="3200" i="1" dirty="0">
+                <a:latin typeface="Optima Black" charset="0"/>
+              </a:rPr>
+              <a:t>, 2018</a:t>
+            </a:r>
+            <a:endParaRPr lang="en-US" altLang="en-US" sz="2800" i="1" baseline="30000" dirty="0">
               <a:latin typeface="Arial" panose="020B0604020202020204" pitchFamily="34" charset="0"/>
             </a:endParaRPr>
           </a:p>
@@ -6064,8 +5808,8 @@
         </p:nvSpPr>
         <p:spPr bwMode="auto">
           <a:xfrm>
-            <a:off x="17482248" y="5684838"/>
-            <a:ext cx="16210800" cy="9863138"/>
+            <a:off x="17482248" y="5684837"/>
+            <a:ext cx="16210800" cy="10134599"/>
           </a:xfrm>
           <a:prstGeom prst="rect">
             <a:avLst/>
@@ -6237,14 +5981,14 @@
         </p:nvSpPr>
         <p:spPr bwMode="auto">
           <a:xfrm>
-            <a:off x="34156650" y="21364053"/>
-            <a:ext cx="16059150" cy="5355294"/>
+            <a:off x="34080024" y="14576118"/>
+            <a:ext cx="16059150" cy="12218711"/>
           </a:xfrm>
           <a:prstGeom prst="rect">
             <a:avLst/>
           </a:prstGeom>
           <a:solidFill>
-            <a:srgbClr val="00CC66"/>
+            <a:schemeClr val="bg1"/>
           </a:solidFill>
           <a:ln w="28575">
             <a:noFill/>
@@ -6278,111 +6022,157 @@
             <a:pPr algn="just">
               <a:defRPr/>
             </a:pPr>
-            <a:r>
-              <a:rPr lang="da-DK" sz="3600" dirty="0" smtClean="0"/>
-              <a:t>A </a:t>
-            </a:r>
-            <a:r>
-              <a:rPr lang="da-DK" sz="3600" dirty="0" err="1" smtClean="0"/>
-              <a:t>strong</a:t>
-            </a:r>
-            <a:r>
-              <a:rPr lang="da-DK" sz="3600" dirty="0" smtClean="0"/>
-              <a:t> </a:t>
-            </a:r>
-            <a:r>
-              <a:rPr lang="da-DK" sz="3600" dirty="0" err="1" smtClean="0"/>
-              <a:t>conclusion</a:t>
-            </a:r>
-            <a:r>
-              <a:rPr lang="da-DK" sz="3600" dirty="0" smtClean="0"/>
-              <a:t> </a:t>
-            </a:r>
-            <a:r>
-              <a:rPr lang="da-DK" sz="3600" dirty="0" err="1" smtClean="0"/>
-              <a:t>that</a:t>
-            </a:r>
-            <a:r>
-              <a:rPr lang="da-DK" sz="3600" dirty="0" smtClean="0"/>
-              <a:t> is to the point</a:t>
+            <a:endParaRPr lang="da-DK" sz="3600" dirty="0"/>
+          </a:p>
+          <a:p>
+            <a:pPr marL="571500" indent="-571500" algn="just">
+              <a:buFont typeface="Symbol" panose="05050102010706020507" pitchFamily="18" charset="2"/>
+              <a:buChar char="-"/>
+              <a:defRPr/>
+            </a:pPr>
+            <a:r>
+              <a:rPr lang="da-DK" sz="3800" dirty="0"/>
+              <a:t>Differential private Rasch model is possible and yields good results on simulated data</a:t>
+            </a:r>
+          </a:p>
+          <a:p>
+            <a:pPr marL="571500" indent="-571500" algn="just">
+              <a:buFont typeface="Symbol" panose="05050102010706020507" pitchFamily="18" charset="2"/>
+              <a:buChar char="-"/>
+              <a:defRPr/>
+            </a:pPr>
+            <a:endParaRPr lang="da-DK" sz="3800" dirty="0"/>
+          </a:p>
+          <a:p>
+            <a:pPr marL="571500" indent="-571500" algn="just">
+              <a:buFont typeface="Symbol" panose="05050102010706020507" pitchFamily="18" charset="2"/>
+              <a:buChar char="-"/>
+              <a:defRPr/>
+            </a:pPr>
+            <a:r>
+              <a:rPr lang="da-DK" sz="3800" dirty="0"/>
+              <a:t>Large data set sizes are necessary (f.e.  N=1000, I=40)</a:t>
+            </a:r>
+          </a:p>
+          <a:p>
+            <a:pPr marL="571500" indent="-571500" algn="just">
+              <a:buFont typeface="Symbol" panose="05050102010706020507" pitchFamily="18" charset="2"/>
+              <a:buChar char="-"/>
+              <a:defRPr/>
+            </a:pPr>
+            <a:endParaRPr lang="da-DK" sz="3800" dirty="0"/>
+          </a:p>
+          <a:p>
+            <a:pPr marL="571500" indent="-571500" algn="just">
+              <a:buFont typeface="Symbol" panose="05050102010706020507" pitchFamily="18" charset="2"/>
+              <a:buChar char="-"/>
+              <a:defRPr/>
+            </a:pPr>
+            <a:r>
+              <a:rPr lang="da-DK" sz="3800" dirty="0"/>
+              <a:t>Real data results here are unusable because of very small class size (i.e. N=62)</a:t>
             </a:r>
           </a:p>
           <a:p>
             <a:pPr algn="just">
               <a:defRPr/>
             </a:pPr>
-            <a:r>
-              <a:rPr lang="da-DK" sz="3600" dirty="0" smtClean="0">
+            <a:endParaRPr lang="da-DK" sz="3600" dirty="0">
+              <a:cs typeface="Arial" pitchFamily="34" charset="0"/>
+            </a:endParaRPr>
+          </a:p>
+          <a:p>
+            <a:pPr marL="571500" indent="-571500" algn="just">
+              <a:buFont typeface="Symbol" panose="05050102010706020507" pitchFamily="18" charset="2"/>
+              <a:buChar char="-"/>
+              <a:defRPr/>
+            </a:pPr>
+            <a:r>
+              <a:rPr lang="da-DK" sz="3800" dirty="0">
                 <a:cs typeface="Arial" pitchFamily="34" charset="0"/>
               </a:rPr>
-              <a:t>?</a:t>
+              <a:t>Tradeoff!</a:t>
             </a:r>
           </a:p>
           <a:p>
             <a:pPr algn="just">
               <a:defRPr/>
             </a:pPr>
-            <a:r>
-              <a:rPr lang="da-DK" sz="3600" dirty="0" smtClean="0">
-                <a:cs typeface="Arial" pitchFamily="34" charset="0"/>
-              </a:rPr>
-              <a:t>?</a:t>
-            </a:r>
+            <a:endParaRPr lang="da-DK" sz="3600" dirty="0">
+              <a:cs typeface="Arial" pitchFamily="34" charset="0"/>
+            </a:endParaRPr>
           </a:p>
           <a:p>
             <a:pPr algn="just">
               <a:defRPr/>
             </a:pPr>
-            <a:r>
-              <a:rPr lang="da-DK" sz="3600" dirty="0" smtClean="0">
-                <a:cs typeface="Arial" pitchFamily="34" charset="0"/>
-              </a:rPr>
-              <a:t>?</a:t>
-            </a:r>
+            <a:endParaRPr lang="da-DK" sz="3600" dirty="0">
+              <a:cs typeface="Arial" pitchFamily="34" charset="0"/>
+            </a:endParaRPr>
           </a:p>
           <a:p>
             <a:pPr algn="just">
               <a:defRPr/>
             </a:pPr>
-            <a:r>
-              <a:rPr lang="da-DK" sz="3600" dirty="0" smtClean="0">
-                <a:cs typeface="Arial" pitchFamily="34" charset="0"/>
-              </a:rPr>
-              <a:t>?</a:t>
-            </a:r>
+            <a:endParaRPr lang="da-DK" sz="3600" dirty="0">
+              <a:cs typeface="Arial" pitchFamily="34" charset="0"/>
+            </a:endParaRPr>
           </a:p>
           <a:p>
             <a:pPr algn="just">
               <a:defRPr/>
             </a:pPr>
-            <a:r>
-              <a:rPr lang="da-DK" sz="3600" dirty="0" smtClean="0">
-                <a:cs typeface="Arial" pitchFamily="34" charset="0"/>
-              </a:rPr>
-              <a:t>?</a:t>
-            </a:r>
+            <a:endParaRPr lang="da-DK" sz="3600" dirty="0">
+              <a:cs typeface="Arial" pitchFamily="34" charset="0"/>
+            </a:endParaRPr>
           </a:p>
           <a:p>
             <a:pPr algn="just">
               <a:defRPr/>
             </a:pPr>
-            <a:r>
-              <a:rPr lang="da-DK" sz="3600" dirty="0" smtClean="0">
-                <a:cs typeface="Arial" pitchFamily="34" charset="0"/>
-              </a:rPr>
-              <a:t>?</a:t>
-            </a:r>
+            <a:endParaRPr lang="da-DK" sz="3600" dirty="0">
+              <a:cs typeface="Arial" pitchFamily="34" charset="0"/>
+            </a:endParaRPr>
           </a:p>
           <a:p>
             <a:pPr algn="just">
               <a:defRPr/>
             </a:pPr>
-            <a:r>
-              <a:rPr lang="da-DK" sz="3600" dirty="0" smtClean="0">
-                <a:cs typeface="Arial" pitchFamily="34" charset="0"/>
-              </a:rPr>
-              <a:t>?</a:t>
-            </a:r>
+            <a:endParaRPr lang="da-DK" sz="3600" dirty="0">
+              <a:cs typeface="Arial" pitchFamily="34" charset="0"/>
+            </a:endParaRPr>
+          </a:p>
+          <a:p>
+            <a:pPr algn="just">
+              <a:defRPr/>
+            </a:pPr>
+            <a:endParaRPr lang="da-DK" sz="3600" dirty="0">
+              <a:cs typeface="Arial" pitchFamily="34" charset="0"/>
+            </a:endParaRPr>
+          </a:p>
+          <a:p>
+            <a:pPr algn="just">
+              <a:defRPr/>
+            </a:pPr>
+            <a:endParaRPr lang="da-DK" sz="3600" dirty="0">
+              <a:cs typeface="Arial" pitchFamily="34" charset="0"/>
+            </a:endParaRPr>
+          </a:p>
+          <a:p>
+            <a:pPr algn="just">
+              <a:defRPr/>
+            </a:pPr>
+            <a:endParaRPr lang="da-DK" sz="3600" dirty="0">
+              <a:cs typeface="Arial" pitchFamily="34" charset="0"/>
+            </a:endParaRPr>
+          </a:p>
+          <a:p>
+            <a:pPr algn="just">
+              <a:defRPr/>
+            </a:pPr>
+            <a:endParaRPr lang="da-DK" sz="3600" dirty="0">
+              <a:cs typeface="Arial" pitchFamily="34" charset="0"/>
+            </a:endParaRPr>
           </a:p>
         </p:txBody>
       </p:sp>
@@ -6578,8 +6368,8 @@
             </p:nvSpPr>
             <p:spPr bwMode="auto">
               <a:xfrm>
-                <a:off x="17498909" y="5745972"/>
-                <a:ext cx="16032966" cy="9510278"/>
+                <a:off x="17498908" y="5718867"/>
+                <a:ext cx="16032966" cy="9956554"/>
               </a:xfrm>
               <a:prstGeom prst="rect">
                 <a:avLst/>
@@ -6608,22 +6398,22 @@
                   <a:defRPr/>
                 </a:pPr>
                 <a:r>
-                  <a:rPr lang="en-US" sz="4800" b="1" dirty="0" smtClean="0"/>
+                  <a:rPr lang="en-US" sz="4800" b="1" dirty="0"/>
                   <a:t> </a:t>
                 </a:r>
                 <a:r>
-                  <a:rPr lang="da-DK" sz="4800" b="1" u="sng" dirty="0" err="1" smtClean="0"/>
+                  <a:rPr lang="da-DK" sz="4800" b="1" u="sng" dirty="0" err="1"/>
                   <a:t>Differential</a:t>
                 </a:r>
                 <a:r>
-                  <a:rPr lang="da-DK" sz="4800" b="1" u="sng" dirty="0" smtClean="0"/>
+                  <a:rPr lang="da-DK" sz="4800" b="1" u="sng" dirty="0"/>
                   <a:t> </a:t>
                 </a:r>
                 <a:r>
-                  <a:rPr lang="da-DK" sz="4800" b="1" u="sng" dirty="0" err="1" smtClean="0"/>
+                  <a:rPr lang="da-DK" sz="4800" b="1" u="sng" dirty="0" err="1"/>
                   <a:t>privacy</a:t>
                 </a:r>
-                <a:endParaRPr lang="da-DK" sz="4800" b="1" u="sng" dirty="0" smtClean="0"/>
+                <a:endParaRPr lang="da-DK" sz="4800" b="1" u="sng" dirty="0"/>
               </a:p>
               <a:p>
                 <a:pPr marL="628650" indent="-571500" algn="just">
@@ -6644,29 +6434,21 @@
                   <a:defRPr/>
                 </a:pPr>
                 <a:r>
-                  <a:rPr lang="en-US" sz="3600" b="1" dirty="0" smtClean="0"/>
-                  <a:t>Differential </a:t>
-                </a:r>
-                <a:r>
-                  <a:rPr lang="en-US" sz="3600" b="1" dirty="0"/>
-                  <a:t>privacy is based around a </a:t>
-                </a:r>
-                <a:r>
-                  <a:rPr lang="en-US" sz="3600" b="1" dirty="0" smtClean="0"/>
-                  <a:t>privacy parameter </a:t>
+                  <a:rPr lang="en-US" sz="3800" dirty="0"/>
+                  <a:t>Differential privacy is based around a privacy parameter </a:t>
                 </a:r>
                 <a14:m>
                   <m:oMath xmlns:m="http://schemas.openxmlformats.org/officeDocument/2006/math">
                     <m:r>
-                      <a:rPr lang="da-DK" sz="3600" b="1" i="1">
+                      <a:rPr lang="da-DK" sz="3800" b="0" i="1">
                         <a:latin typeface="Cambria Math" panose="02040503050406030204" pitchFamily="18" charset="0"/>
                       </a:rPr>
-                      <m:t>𝝐</m:t>
+                      <m:t>𝜖</m:t>
                     </m:r>
                   </m:oMath>
                 </a14:m>
                 <a:r>
-                  <a:rPr lang="en-US" sz="3600" b="1" dirty="0" smtClean="0"/>
+                  <a:rPr lang="en-US" sz="3800" dirty="0"/>
                   <a:t>.</a:t>
                 </a:r>
               </a:p>
@@ -6690,32 +6472,32 @@
                     </m:oMathParaPr>
                     <m:oMath xmlns:m="http://schemas.openxmlformats.org/officeDocument/2006/math">
                       <m:r>
-                        <a:rPr lang="da-DK" sz="3600" b="1" i="1" smtClean="0">
+                        <a:rPr lang="da-DK" sz="3800" b="0" i="1" smtClean="0">
                           <a:latin typeface="Cambria Math" panose="02040503050406030204" pitchFamily="18" charset="0"/>
                         </a:rPr>
-                        <m:t>𝒑</m:t>
+                        <m:t>𝑝</m:t>
                       </m:r>
                       <m:d>
                         <m:dPr>
                           <m:begChr m:val="["/>
                           <m:endChr m:val="]"/>
                           <m:ctrlPr>
-                            <a:rPr lang="da-DK" sz="3600" b="1" i="1" smtClean="0">
+                            <a:rPr lang="da-DK" sz="3800" i="1" smtClean="0">
                               <a:latin typeface="Cambria Math" panose="02040503050406030204" pitchFamily="18" charset="0"/>
                             </a:rPr>
                           </m:ctrlPr>
                         </m:dPr>
                         <m:e>
                           <m:r>
-                            <a:rPr lang="da-DK" sz="3600" b="1" i="1" smtClean="0">
+                            <a:rPr lang="da-DK" sz="3800" b="0" i="1" smtClean="0">
                               <a:latin typeface="Cambria Math" panose="02040503050406030204" pitchFamily="18" charset="0"/>
                             </a:rPr>
-                            <m:t>𝑨</m:t>
+                            <m:t>𝐴</m:t>
                           </m:r>
                           <m:d>
                             <m:dPr>
                               <m:ctrlPr>
-                                <a:rPr lang="da-DK" sz="3600" b="1" i="1" smtClean="0">
+                                <a:rPr lang="da-DK" sz="3800" i="1" smtClean="0">
                                   <a:latin typeface="Cambria Math" panose="02040503050406030204" pitchFamily="18" charset="0"/>
                                 </a:rPr>
                               </m:ctrlPr>
@@ -6724,25 +6506,25 @@
                               <m:sSub>
                                 <m:sSubPr>
                                   <m:ctrlPr>
-                                    <a:rPr lang="da-DK" sz="3600" b="1" i="1" smtClean="0">
+                                    <a:rPr lang="da-DK" sz="3800" i="1" smtClean="0">
                                       <a:latin typeface="Cambria Math" panose="02040503050406030204" pitchFamily="18" charset="0"/>
                                     </a:rPr>
                                   </m:ctrlPr>
                                 </m:sSubPr>
                                 <m:e>
                                   <m:r>
-                                    <a:rPr lang="da-DK" sz="3600" b="1" i="1" smtClean="0">
+                                    <a:rPr lang="da-DK" sz="3800" b="0" i="1" smtClean="0">
                                       <a:latin typeface="Cambria Math" panose="02040503050406030204" pitchFamily="18" charset="0"/>
                                     </a:rPr>
-                                    <m:t>𝑫</m:t>
+                                    <m:t>𝐷</m:t>
                                   </m:r>
                                 </m:e>
                                 <m:sub>
                                   <m:r>
-                                    <a:rPr lang="da-DK" sz="3600" b="1" i="1" smtClean="0">
+                                    <a:rPr lang="da-DK" sz="3800" b="0" i="1" smtClean="0">
                                       <a:latin typeface="Cambria Math" panose="02040503050406030204" pitchFamily="18" charset="0"/>
                                     </a:rPr>
-                                    <m:t>𝟏</m:t>
+                                    <m:t>1</m:t>
                                   </m:r>
                                 </m:sub>
                               </m:sSub>
@@ -6751,38 +6533,38 @@
                         </m:e>
                       </m:d>
                       <m:r>
-                        <a:rPr lang="da-DK" sz="3600" b="1" i="1" smtClean="0">
+                        <a:rPr lang="da-DK" sz="3800" b="0" i="1" smtClean="0">
                           <a:latin typeface="Cambria Math" panose="02040503050406030204" pitchFamily="18" charset="0"/>
                         </a:rPr>
                         <m:t>≤</m:t>
                       </m:r>
                       <m:r>
-                        <a:rPr lang="da-DK" sz="3600" b="1" i="1" smtClean="0">
+                        <a:rPr lang="da-DK" sz="3800" b="0" i="1" smtClean="0">
                           <a:latin typeface="Cambria Math" panose="02040503050406030204" pitchFamily="18" charset="0"/>
                         </a:rPr>
-                        <m:t>𝒑</m:t>
+                        <m:t>𝑝</m:t>
                       </m:r>
                       <m:d>
                         <m:dPr>
                           <m:begChr m:val="["/>
                           <m:endChr m:val="]"/>
                           <m:ctrlPr>
-                            <a:rPr lang="da-DK" sz="3600" b="1" i="1" smtClean="0">
+                            <a:rPr lang="da-DK" sz="3800" i="1" smtClean="0">
                               <a:latin typeface="Cambria Math" panose="02040503050406030204" pitchFamily="18" charset="0"/>
                             </a:rPr>
                           </m:ctrlPr>
                         </m:dPr>
                         <m:e>
                           <m:r>
-                            <a:rPr lang="da-DK" sz="3600" b="1" i="1" smtClean="0">
+                            <a:rPr lang="da-DK" sz="3800" b="0" i="1" smtClean="0">
                               <a:latin typeface="Cambria Math" panose="02040503050406030204" pitchFamily="18" charset="0"/>
                             </a:rPr>
-                            <m:t>𝑨</m:t>
+                            <m:t>𝐴</m:t>
                           </m:r>
                           <m:d>
                             <m:dPr>
                               <m:ctrlPr>
-                                <a:rPr lang="da-DK" sz="3600" b="1" i="1" smtClean="0">
+                                <a:rPr lang="da-DK" sz="3800" i="1" smtClean="0">
                                   <a:latin typeface="Cambria Math" panose="02040503050406030204" pitchFamily="18" charset="0"/>
                                 </a:rPr>
                               </m:ctrlPr>
@@ -6791,25 +6573,25 @@
                               <m:sSub>
                                 <m:sSubPr>
                                   <m:ctrlPr>
-                                    <a:rPr lang="da-DK" sz="3600" b="1" i="1" smtClean="0">
+                                    <a:rPr lang="da-DK" sz="3800" i="1" smtClean="0">
                                       <a:latin typeface="Cambria Math" panose="02040503050406030204" pitchFamily="18" charset="0"/>
                                     </a:rPr>
                                   </m:ctrlPr>
                                 </m:sSubPr>
                                 <m:e>
                                   <m:r>
-                                    <a:rPr lang="da-DK" sz="3600" b="1" i="1" smtClean="0">
+                                    <a:rPr lang="da-DK" sz="3800" b="0" i="1" smtClean="0">
                                       <a:latin typeface="Cambria Math" panose="02040503050406030204" pitchFamily="18" charset="0"/>
                                     </a:rPr>
-                                    <m:t>𝑫</m:t>
+                                    <m:t>𝐷</m:t>
                                   </m:r>
                                 </m:e>
                                 <m:sub>
                                   <m:r>
-                                    <a:rPr lang="da-DK" sz="3600" b="1" i="1" smtClean="0">
+                                    <a:rPr lang="da-DK" sz="3800" b="0" i="1" smtClean="0">
                                       <a:latin typeface="Cambria Math" panose="02040503050406030204" pitchFamily="18" charset="0"/>
                                     </a:rPr>
-                                    <m:t>𝟐</m:t>
+                                    <m:t>2</m:t>
                                   </m:r>
                                 </m:sub>
                               </m:sSub>
@@ -6818,31 +6600,34 @@
                         </m:e>
                       </m:d>
                       <m:r>
-                        <a:rPr lang="da-DK" sz="3600" b="1" i="1" smtClean="0">
+                        <a:rPr lang="da-DK" sz="3800" b="0" i="1" smtClean="0">
                           <a:latin typeface="Cambria Math" panose="02040503050406030204" pitchFamily="18" charset="0"/>
                         </a:rPr>
                         <m:t> </m:t>
                       </m:r>
                       <m:r>
-                        <a:rPr lang="da-DK" sz="3600" b="1" i="0" smtClean="0">
+                        <m:rPr>
+                          <m:sty m:val="p"/>
+                        </m:rPr>
+                        <a:rPr lang="da-DK" sz="3800" b="0" i="0" smtClean="0">
                           <a:latin typeface="Cambria Math" panose="02040503050406030204" pitchFamily="18" charset="0"/>
                         </a:rPr>
-                        <m:t>𝐞𝐱𝐩</m:t>
+                        <m:t>exp</m:t>
                       </m:r>
                       <m:r>
-                        <a:rPr lang="da-DK" sz="3600" b="1" i="1" smtClean="0">
+                        <a:rPr lang="da-DK" sz="3800" b="0" i="1" smtClean="0">
                           <a:latin typeface="Cambria Math" panose="02040503050406030204" pitchFamily="18" charset="0"/>
                         </a:rPr>
                         <m:t>⁡(</m:t>
                       </m:r>
                       <m:r>
-                        <a:rPr lang="da-DK" sz="3600" b="1" i="1" smtClean="0">
+                        <a:rPr lang="da-DK" sz="3800" b="0" i="1" smtClean="0">
                           <a:latin typeface="Cambria Math" panose="02040503050406030204" pitchFamily="18" charset="0"/>
                         </a:rPr>
-                        <m:t>𝝐</m:t>
+                        <m:t>𝜖</m:t>
                       </m:r>
                       <m:r>
-                        <a:rPr lang="da-DK" sz="3600" b="1" i="1" smtClean="0">
+                        <a:rPr lang="da-DK" sz="3800" b="0" i="1" smtClean="0">
                           <a:latin typeface="Cambria Math" panose="02040503050406030204" pitchFamily="18" charset="0"/>
                         </a:rPr>
                         <m:t>)</m:t>
@@ -6850,7 +6635,7 @@
                     </m:oMath>
                   </m:oMathPara>
                 </a14:m>
-                <a:endParaRPr lang="da-DK" sz="3600" b="1" dirty="0" smtClean="0"/>
+                <a:endParaRPr lang="da-DK" sz="3800" dirty="0"/>
               </a:p>
               <a:p>
                 <a:pPr marL="457200" indent="-400050" algn="just">
@@ -6862,7 +6647,7 @@
                   </a:tabLst>
                   <a:defRPr/>
                 </a:pPr>
-                <a:endParaRPr lang="da-DK" sz="3600" dirty="0" smtClean="0"/>
+                <a:endParaRPr lang="da-DK" sz="3800" dirty="0"/>
               </a:p>
               <a:p>
                 <a:pPr marL="457200" indent="-400050" algn="just">
@@ -6874,7 +6659,7 @@
                   </a:tabLst>
                   <a:defRPr/>
                 </a:pPr>
-                <a:endParaRPr lang="da-DK" sz="3600" dirty="0"/>
+                <a:endParaRPr lang="da-DK" sz="3800" dirty="0"/>
               </a:p>
               <a:p>
                 <a:pPr marL="457200" indent="-400050" algn="just">
@@ -6886,7 +6671,7 @@
                   </a:tabLst>
                   <a:defRPr/>
                 </a:pPr>
-                <a:endParaRPr lang="da-DK" sz="3600" dirty="0" smtClean="0"/>
+                <a:endParaRPr lang="da-DK" sz="3800" dirty="0"/>
               </a:p>
               <a:p>
                 <a:pPr marL="457200" indent="-400050" algn="just">
@@ -6898,7 +6683,7 @@
                   </a:tabLst>
                   <a:defRPr/>
                 </a:pPr>
-                <a:endParaRPr lang="da-DK" sz="3600" dirty="0"/>
+                <a:endParaRPr lang="da-DK" sz="3800" dirty="0"/>
               </a:p>
               <a:p>
                 <a:pPr marL="628650" indent="-571500" algn="just">
@@ -6913,58 +6698,48 @@
                   <a:defRPr/>
                 </a:pPr>
                 <a:r>
-                  <a:rPr lang="da-DK" sz="3600" b="1" dirty="0" smtClean="0"/>
+                  <a:rPr lang="da-DK" sz="3800" dirty="0"/>
                   <a:t>Done by </a:t>
                 </a:r>
                 <a:r>
-                  <a:rPr lang="en-US" sz="3600" b="1" dirty="0" smtClean="0"/>
-                  <a:t>incorporating </a:t>
-                </a:r>
-                <a:r>
-                  <a:rPr lang="en-US" sz="3600" b="1" dirty="0"/>
-                  <a:t>r</a:t>
-                </a:r>
-                <a:r>
-                  <a:rPr lang="en-US" sz="3600" b="1" dirty="0" smtClean="0"/>
-                  <a:t>andomness e.g. through </a:t>
-                </a:r>
-                <a:r>
-                  <a:rPr lang="en-US" sz="3600" b="1" dirty="0"/>
-                  <a:t>the addition of noise that is scaled </a:t>
+                  <a:rPr lang="en-US" sz="3800" dirty="0"/>
+                  <a:t>incorporating randomness e.g. through the addition of noise that is scaled </a:t>
                 </a:r>
                 <a14:m>
                   <m:oMath xmlns:m="http://schemas.openxmlformats.org/officeDocument/2006/math">
                     <m:r>
-                      <a:rPr lang="da-DK" sz="3600" b="1" i="0" smtClean="0">
+                      <m:rPr>
+                        <m:sty m:val="p"/>
+                      </m:rPr>
+                      <a:rPr lang="da-DK" sz="3800" b="0" i="0" smtClean="0">
                         <a:latin typeface="Cambria Math" panose="02040503050406030204" pitchFamily="18" charset="0"/>
                       </a:rPr>
-                      <m:t>𝚫</m:t>
+                      <m:t>Δ</m:t>
                     </m:r>
                     <m:r>
-                      <a:rPr lang="da-DK" sz="3600" b="1" i="1" smtClean="0">
+                      <a:rPr lang="da-DK" sz="3800" b="0" i="1" smtClean="0">
                         <a:latin typeface="Cambria Math" panose="02040503050406030204" pitchFamily="18" charset="0"/>
                       </a:rPr>
-                      <m:t>𝒇</m:t>
+                      <m:t>𝑓</m:t>
                     </m:r>
                     <m:r>
-                      <a:rPr lang="da-DK" sz="3600" b="1" i="1" smtClean="0">
+                      <a:rPr lang="da-DK" sz="3800" b="0" i="1" smtClean="0">
                         <a:latin typeface="Cambria Math" panose="02040503050406030204" pitchFamily="18" charset="0"/>
                       </a:rPr>
                       <m:t>/</m:t>
                     </m:r>
                     <m:r>
-                      <a:rPr lang="da-DK" sz="3600" b="1" i="1">
+                      <a:rPr lang="da-DK" sz="3800" b="0" i="1">
                         <a:latin typeface="Cambria Math" panose="02040503050406030204" pitchFamily="18" charset="0"/>
                       </a:rPr>
-                      <m:t>𝝐</m:t>
+                      <m:t>𝜖</m:t>
                     </m:r>
                   </m:oMath>
                 </a14:m>
                 <a:r>
-                  <a:rPr lang="da-DK" sz="3600" b="1" dirty="0" smtClean="0"/>
+                  <a:rPr lang="da-DK" sz="3800" dirty="0"/>
                   <a:t>.</a:t>
                 </a:r>
-                <a:endParaRPr lang="da-DK" sz="3600" dirty="0"/>
               </a:p>
               <a:p>
                 <a:pPr marL="628650" indent="-571500" algn="just">
@@ -6979,46 +6754,45 @@
                   <a:defRPr/>
                 </a:pPr>
                 <a:r>
-                  <a:rPr lang="da-DK" sz="3600" b="1" dirty="0" err="1" smtClean="0"/>
+                  <a:rPr lang="da-DK" sz="3800" dirty="0" err="1"/>
                   <a:t>Sensitivity</a:t>
                 </a:r>
                 <a:r>
-                  <a:rPr lang="da-DK" sz="3600" b="1" dirty="0" smtClean="0"/>
+                  <a:rPr lang="da-DK" sz="3800" dirty="0"/>
                   <a:t> is </a:t>
                 </a:r>
                 <a:r>
-                  <a:rPr lang="da-DK" sz="3600" b="1" dirty="0" err="1" smtClean="0"/>
+                  <a:rPr lang="da-DK" sz="3800" dirty="0" err="1"/>
                   <a:t>how</a:t>
                 </a:r>
                 <a:r>
-                  <a:rPr lang="da-DK" sz="3600" b="1" dirty="0" smtClean="0"/>
+                  <a:rPr lang="da-DK" sz="3800" dirty="0"/>
                   <a:t> sensitive a </a:t>
                 </a:r>
                 <a:r>
-                  <a:rPr lang="da-DK" sz="3600" b="1" dirty="0" err="1" smtClean="0"/>
+                  <a:rPr lang="da-DK" sz="3800" dirty="0" err="1"/>
                   <a:t>function</a:t>
                 </a:r>
                 <a:r>
-                  <a:rPr lang="da-DK" sz="3600" b="1" dirty="0" smtClean="0"/>
+                  <a:rPr lang="da-DK" sz="3800" dirty="0"/>
                   <a:t> is to the </a:t>
                 </a:r>
                 <a:r>
-                  <a:rPr lang="da-DK" sz="3600" b="1" dirty="0" err="1" smtClean="0"/>
+                  <a:rPr lang="da-DK" sz="3800" dirty="0" err="1"/>
                   <a:t>change</a:t>
                 </a:r>
                 <a:r>
-                  <a:rPr lang="da-DK" sz="3600" b="1" dirty="0" smtClean="0"/>
+                  <a:rPr lang="da-DK" sz="3800" dirty="0"/>
                   <a:t> of a single </a:t>
                 </a:r>
                 <a:r>
-                  <a:rPr lang="da-DK" sz="3600" b="1" dirty="0" err="1" smtClean="0"/>
+                  <a:rPr lang="da-DK" sz="3800" dirty="0" err="1"/>
                   <a:t>entry</a:t>
                 </a:r>
                 <a:r>
-                  <a:rPr lang="da-DK" sz="3600" b="1" dirty="0" smtClean="0"/>
+                  <a:rPr lang="da-DK" sz="3800" dirty="0"/>
                   <a:t>  in the data set.</a:t>
                 </a:r>
-                <a:endParaRPr lang="da-DK" sz="3600" b="1" dirty="0"/>
               </a:p>
               <a:p>
                 <a:pPr marL="57150" algn="just">
@@ -7165,7 +6939,7 @@
                     </m:oMath>
                   </m:oMathPara>
                 </a14:m>
-                <a:endParaRPr lang="da-DK" sz="3600" b="1" dirty="0" smtClean="0"/>
+                <a:endParaRPr lang="da-DK" sz="3600" b="1" dirty="0"/>
               </a:p>
             </p:txBody>
           </p:sp>
@@ -7181,8 +6955,8 @@
             </p:nvSpPr>
             <p:spPr bwMode="auto">
               <a:xfrm>
-                <a:off x="17498909" y="5745972"/>
-                <a:ext cx="16032966" cy="9510278"/>
+                <a:off x="17498908" y="5718867"/>
+                <a:ext cx="16032966" cy="9956554"/>
               </a:xfrm>
               <a:prstGeom prst="rect">
                 <a:avLst/>
@@ -7190,7 +6964,7 @@
               <a:blipFill>
                 <a:blip r:embed="rId6"/>
                 <a:stretch>
-                  <a:fillRect l="-722" t="-1090" r="-1141"/>
+                  <a:fillRect l="-798" t="-980" r="-1255"/>
                 </a:stretch>
               </a:blipFill>
               <a:ln w="28575">
@@ -7205,7 +6979,7 @@
               <a:lstStyle/>
               <a:p>
                 <a:r>
-                  <a:rPr lang="en-GB">
+                  <a:rPr lang="de-DE">
                     <a:noFill/>
                   </a:rPr>
                   <a:t> </a:t>
@@ -7215,240 +6989,401 @@
           </p:sp>
         </mc:Fallback>
       </mc:AlternateContent>
-      <p:sp>
-        <p:nvSpPr>
-          <p:cNvPr id="2070" name="Text Box 1080"/>
-          <p:cNvSpPr txBox="1">
-            <a:spLocks noChangeArrowheads="1"/>
-          </p:cNvSpPr>
-          <p:nvPr/>
-        </p:nvSpPr>
-        <p:spPr bwMode="auto">
-          <a:xfrm>
-            <a:off x="17468011" y="16120261"/>
-            <a:ext cx="15774987" cy="2031307"/>
-          </a:xfrm>
-          <a:prstGeom prst="rect">
-            <a:avLst/>
-          </a:prstGeom>
-          <a:noFill/>
-          <a:ln>
-            <a:noFill/>
-          </a:ln>
-          <a:extLst>
-            <a:ext uri="{909E8E84-426E-40DD-AFC4-6F175D3DCCD1}">
-              <a14:hiddenFill xmlns:a14="http://schemas.microsoft.com/office/drawing/2010/main">
-                <a:solidFill>
-                  <a:srgbClr val="FFFFFF"/>
-                </a:solidFill>
-              </a14:hiddenFill>
-            </a:ext>
-            <a:ext uri="{91240B29-F687-4F45-9708-019B960494DF}">
-              <a14:hiddenLine xmlns:a14="http://schemas.microsoft.com/office/drawing/2010/main" w="28575">
-                <a:solidFill>
-                  <a:srgbClr val="000000"/>
-                </a:solidFill>
-                <a:miter lim="800000"/>
-                <a:headEnd/>
-                <a:tailEnd/>
-              </a14:hiddenLine>
-            </a:ext>
-          </a:extLst>
-        </p:spPr>
-        <p:txBody>
-          <a:bodyPr lIns="91431" tIns="91431" rIns="91431" bIns="91431">
-            <a:spAutoFit/>
-          </a:bodyPr>
-          <a:lstStyle>
-            <a:lvl1pPr marL="457200" indent="-400050" eaLnBrk="0" hangingPunct="0">
-              <a:spcBef>
-                <a:spcPct val="20000"/>
-              </a:spcBef>
-              <a:buChar char="•"/>
-              <a:tabLst>
-                <a:tab pos="509588" algn="l"/>
-              </a:tabLst>
-              <a:defRPr sz="14400">
-                <a:solidFill>
-                  <a:schemeClr val="tx1"/>
-                </a:solidFill>
-                <a:latin typeface="Times New Roman" panose="02020603050405020304" pitchFamily="18" charset="0"/>
-              </a:defRPr>
-            </a:lvl1pPr>
-            <a:lvl2pPr marL="742950" indent="-285750" eaLnBrk="0" hangingPunct="0">
-              <a:spcBef>
-                <a:spcPct val="20000"/>
-              </a:spcBef>
-              <a:buChar char="–"/>
-              <a:tabLst>
-                <a:tab pos="509588" algn="l"/>
-              </a:tabLst>
-              <a:defRPr sz="12500">
-                <a:solidFill>
-                  <a:schemeClr val="tx1"/>
-                </a:solidFill>
-                <a:latin typeface="Times New Roman" panose="02020603050405020304" pitchFamily="18" charset="0"/>
-              </a:defRPr>
-            </a:lvl2pPr>
-            <a:lvl3pPr marL="1143000" indent="-228600" eaLnBrk="0" hangingPunct="0">
-              <a:spcBef>
-                <a:spcPct val="20000"/>
-              </a:spcBef>
-              <a:buChar char="•"/>
-              <a:tabLst>
-                <a:tab pos="509588" algn="l"/>
-              </a:tabLst>
-              <a:defRPr sz="10700">
-                <a:solidFill>
-                  <a:schemeClr val="tx1"/>
-                </a:solidFill>
-                <a:latin typeface="Times New Roman" panose="02020603050405020304" pitchFamily="18" charset="0"/>
-              </a:defRPr>
-            </a:lvl3pPr>
-            <a:lvl4pPr marL="1600200" indent="-228600" eaLnBrk="0" hangingPunct="0">
-              <a:spcBef>
-                <a:spcPct val="20000"/>
-              </a:spcBef>
-              <a:buChar char="–"/>
-              <a:tabLst>
-                <a:tab pos="509588" algn="l"/>
-              </a:tabLst>
-              <a:defRPr sz="8900">
-                <a:solidFill>
-                  <a:schemeClr val="tx1"/>
-                </a:solidFill>
-                <a:latin typeface="Times New Roman" panose="02020603050405020304" pitchFamily="18" charset="0"/>
-              </a:defRPr>
-            </a:lvl4pPr>
-            <a:lvl5pPr marL="2057400" indent="-228600" eaLnBrk="0" hangingPunct="0">
-              <a:spcBef>
-                <a:spcPct val="20000"/>
-              </a:spcBef>
-              <a:buChar char="»"/>
-              <a:tabLst>
-                <a:tab pos="509588" algn="l"/>
-              </a:tabLst>
-              <a:defRPr sz="8900">
-                <a:solidFill>
-                  <a:schemeClr val="tx1"/>
-                </a:solidFill>
-                <a:latin typeface="Times New Roman" panose="02020603050405020304" pitchFamily="18" charset="0"/>
-              </a:defRPr>
-            </a:lvl5pPr>
-            <a:lvl6pPr marL="2514600" indent="-228600" eaLnBrk="0" fontAlgn="base" hangingPunct="0">
-              <a:spcBef>
-                <a:spcPct val="20000"/>
-              </a:spcBef>
-              <a:spcAft>
-                <a:spcPct val="0"/>
-              </a:spcAft>
-              <a:buChar char="»"/>
-              <a:tabLst>
-                <a:tab pos="509588" algn="l"/>
-              </a:tabLst>
-              <a:defRPr sz="8900">
-                <a:solidFill>
-                  <a:schemeClr val="tx1"/>
-                </a:solidFill>
-                <a:latin typeface="Times New Roman" panose="02020603050405020304" pitchFamily="18" charset="0"/>
-              </a:defRPr>
-            </a:lvl6pPr>
-            <a:lvl7pPr marL="2971800" indent="-228600" eaLnBrk="0" fontAlgn="base" hangingPunct="0">
-              <a:spcBef>
-                <a:spcPct val="20000"/>
-              </a:spcBef>
-              <a:spcAft>
-                <a:spcPct val="0"/>
-              </a:spcAft>
-              <a:buChar char="»"/>
-              <a:tabLst>
-                <a:tab pos="509588" algn="l"/>
-              </a:tabLst>
-              <a:defRPr sz="8900">
-                <a:solidFill>
-                  <a:schemeClr val="tx1"/>
-                </a:solidFill>
-                <a:latin typeface="Times New Roman" panose="02020603050405020304" pitchFamily="18" charset="0"/>
-              </a:defRPr>
-            </a:lvl7pPr>
-            <a:lvl8pPr marL="3429000" indent="-228600" eaLnBrk="0" fontAlgn="base" hangingPunct="0">
-              <a:spcBef>
-                <a:spcPct val="20000"/>
-              </a:spcBef>
-              <a:spcAft>
-                <a:spcPct val="0"/>
-              </a:spcAft>
-              <a:buChar char="»"/>
-              <a:tabLst>
-                <a:tab pos="509588" algn="l"/>
-              </a:tabLst>
-              <a:defRPr sz="8900">
-                <a:solidFill>
-                  <a:schemeClr val="tx1"/>
-                </a:solidFill>
-                <a:latin typeface="Times New Roman" panose="02020603050405020304" pitchFamily="18" charset="0"/>
-              </a:defRPr>
-            </a:lvl8pPr>
-            <a:lvl9pPr marL="3886200" indent="-228600" eaLnBrk="0" fontAlgn="base" hangingPunct="0">
-              <a:spcBef>
-                <a:spcPct val="20000"/>
-              </a:spcBef>
-              <a:spcAft>
-                <a:spcPct val="0"/>
-              </a:spcAft>
-              <a:buChar char="»"/>
-              <a:tabLst>
-                <a:tab pos="509588" algn="l"/>
-              </a:tabLst>
-              <a:defRPr sz="8900">
-                <a:solidFill>
-                  <a:schemeClr val="tx1"/>
-                </a:solidFill>
-                <a:latin typeface="Times New Roman" panose="02020603050405020304" pitchFamily="18" charset="0"/>
-              </a:defRPr>
-            </a:lvl9pPr>
-          </a:lstStyle>
-          <a:p>
-            <a:pPr algn="just" eaLnBrk="1" hangingPunct="1">
-              <a:spcBef>
-                <a:spcPct val="50000"/>
-              </a:spcBef>
-              <a:buFontTx/>
-              <a:buNone/>
-            </a:pPr>
-            <a:r>
-              <a:rPr lang="da-DK" altLang="en-US" sz="4800" b="1" u="sng" dirty="0" err="1" smtClean="0">
-                <a:latin typeface="Arial" panose="020B0604020202020204" pitchFamily="34" charset="0"/>
-              </a:rPr>
-              <a:t>Simulated</a:t>
-            </a:r>
-            <a:r>
-              <a:rPr lang="da-DK" altLang="en-US" sz="4800" b="1" u="sng" dirty="0" smtClean="0">
-                <a:latin typeface="Arial" panose="020B0604020202020204" pitchFamily="34" charset="0"/>
-              </a:rPr>
-              <a:t> </a:t>
-            </a:r>
-            <a:r>
-              <a:rPr lang="da-DK" altLang="en-US" sz="4800" b="1" u="sng" dirty="0" smtClean="0">
-                <a:latin typeface="Arial" panose="020B0604020202020204" pitchFamily="34" charset="0"/>
-              </a:rPr>
-              <a:t>illustrations</a:t>
-            </a:r>
-          </a:p>
-          <a:p>
-            <a:pPr algn="just" eaLnBrk="1" hangingPunct="1">
-              <a:spcBef>
-                <a:spcPct val="50000"/>
-              </a:spcBef>
-              <a:buFontTx/>
-              <a:buNone/>
-            </a:pPr>
-            <a:endParaRPr lang="da-DK" altLang="en-US" sz="4800" dirty="0" smtClean="0">
-              <a:latin typeface="Arial" panose="020B0604020202020204" pitchFamily="34" charset="0"/>
-            </a:endParaRPr>
-          </a:p>
-        </p:txBody>
-      </p:sp>
+      <mc:AlternateContent xmlns:mc="http://schemas.openxmlformats.org/markup-compatibility/2006">
+        <mc:Choice xmlns:a14="http://schemas.microsoft.com/office/drawing/2010/main" Requires="a14">
+          <p:sp>
+            <p:nvSpPr>
+              <p:cNvPr id="2070" name="Text Box 1080"/>
+              <p:cNvSpPr txBox="1">
+                <a:spLocks noChangeArrowheads="1"/>
+              </p:cNvSpPr>
+              <p:nvPr/>
+            </p:nvSpPr>
+            <p:spPr bwMode="auto">
+              <a:xfrm>
+                <a:off x="17466296" y="16120261"/>
+                <a:ext cx="15774987" cy="9510278"/>
+              </a:xfrm>
+              <a:prstGeom prst="rect">
+                <a:avLst/>
+              </a:prstGeom>
+              <a:noFill/>
+              <a:ln>
+                <a:noFill/>
+              </a:ln>
+              <a:extLst>
+                <a:ext uri="{909E8E84-426E-40DD-AFC4-6F175D3DCCD1}">
+                  <a14:hiddenFill>
+                    <a:solidFill>
+                      <a:srgbClr val="FFFFFF"/>
+                    </a:solidFill>
+                  </a14:hiddenFill>
+                </a:ext>
+                <a:ext uri="{91240B29-F687-4F45-9708-019B960494DF}">
+                  <a14:hiddenLine w="28575">
+                    <a:solidFill>
+                      <a:srgbClr val="000000"/>
+                    </a:solidFill>
+                    <a:miter lim="800000"/>
+                    <a:headEnd/>
+                    <a:tailEnd/>
+                  </a14:hiddenLine>
+                </a:ext>
+              </a:extLst>
+            </p:spPr>
+            <p:txBody>
+              <a:bodyPr lIns="91431" tIns="91431" rIns="91431" bIns="91431">
+                <a:spAutoFit/>
+              </a:bodyPr>
+              <a:lstStyle>
+                <a:lvl1pPr marL="457200" indent="-400050" eaLnBrk="0" hangingPunct="0">
+                  <a:spcBef>
+                    <a:spcPct val="20000"/>
+                  </a:spcBef>
+                  <a:buChar char="•"/>
+                  <a:tabLst>
+                    <a:tab pos="509588" algn="l"/>
+                  </a:tabLst>
+                  <a:defRPr sz="14400">
+                    <a:solidFill>
+                      <a:schemeClr val="tx1"/>
+                    </a:solidFill>
+                    <a:latin typeface="Times New Roman" panose="02020603050405020304" pitchFamily="18" charset="0"/>
+                  </a:defRPr>
+                </a:lvl1pPr>
+                <a:lvl2pPr marL="742950" indent="-285750" eaLnBrk="0" hangingPunct="0">
+                  <a:spcBef>
+                    <a:spcPct val="20000"/>
+                  </a:spcBef>
+                  <a:buChar char="–"/>
+                  <a:tabLst>
+                    <a:tab pos="509588" algn="l"/>
+                  </a:tabLst>
+                  <a:defRPr sz="12500">
+                    <a:solidFill>
+                      <a:schemeClr val="tx1"/>
+                    </a:solidFill>
+                    <a:latin typeface="Times New Roman" panose="02020603050405020304" pitchFamily="18" charset="0"/>
+                  </a:defRPr>
+                </a:lvl2pPr>
+                <a:lvl3pPr marL="1143000" indent="-228600" eaLnBrk="0" hangingPunct="0">
+                  <a:spcBef>
+                    <a:spcPct val="20000"/>
+                  </a:spcBef>
+                  <a:buChar char="•"/>
+                  <a:tabLst>
+                    <a:tab pos="509588" algn="l"/>
+                  </a:tabLst>
+                  <a:defRPr sz="10700">
+                    <a:solidFill>
+                      <a:schemeClr val="tx1"/>
+                    </a:solidFill>
+                    <a:latin typeface="Times New Roman" panose="02020603050405020304" pitchFamily="18" charset="0"/>
+                  </a:defRPr>
+                </a:lvl3pPr>
+                <a:lvl4pPr marL="1600200" indent="-228600" eaLnBrk="0" hangingPunct="0">
+                  <a:spcBef>
+                    <a:spcPct val="20000"/>
+                  </a:spcBef>
+                  <a:buChar char="–"/>
+                  <a:tabLst>
+                    <a:tab pos="509588" algn="l"/>
+                  </a:tabLst>
+                  <a:defRPr sz="8900">
+                    <a:solidFill>
+                      <a:schemeClr val="tx1"/>
+                    </a:solidFill>
+                    <a:latin typeface="Times New Roman" panose="02020603050405020304" pitchFamily="18" charset="0"/>
+                  </a:defRPr>
+                </a:lvl4pPr>
+                <a:lvl5pPr marL="2057400" indent="-228600" eaLnBrk="0" hangingPunct="0">
+                  <a:spcBef>
+                    <a:spcPct val="20000"/>
+                  </a:spcBef>
+                  <a:buChar char="»"/>
+                  <a:tabLst>
+                    <a:tab pos="509588" algn="l"/>
+                  </a:tabLst>
+                  <a:defRPr sz="8900">
+                    <a:solidFill>
+                      <a:schemeClr val="tx1"/>
+                    </a:solidFill>
+                    <a:latin typeface="Times New Roman" panose="02020603050405020304" pitchFamily="18" charset="0"/>
+                  </a:defRPr>
+                </a:lvl5pPr>
+                <a:lvl6pPr marL="2514600" indent="-228600" eaLnBrk="0" fontAlgn="base" hangingPunct="0">
+                  <a:spcBef>
+                    <a:spcPct val="20000"/>
+                  </a:spcBef>
+                  <a:spcAft>
+                    <a:spcPct val="0"/>
+                  </a:spcAft>
+                  <a:buChar char="»"/>
+                  <a:tabLst>
+                    <a:tab pos="509588" algn="l"/>
+                  </a:tabLst>
+                  <a:defRPr sz="8900">
+                    <a:solidFill>
+                      <a:schemeClr val="tx1"/>
+                    </a:solidFill>
+                    <a:latin typeface="Times New Roman" panose="02020603050405020304" pitchFamily="18" charset="0"/>
+                  </a:defRPr>
+                </a:lvl6pPr>
+                <a:lvl7pPr marL="2971800" indent="-228600" eaLnBrk="0" fontAlgn="base" hangingPunct="0">
+                  <a:spcBef>
+                    <a:spcPct val="20000"/>
+                  </a:spcBef>
+                  <a:spcAft>
+                    <a:spcPct val="0"/>
+                  </a:spcAft>
+                  <a:buChar char="»"/>
+                  <a:tabLst>
+                    <a:tab pos="509588" algn="l"/>
+                  </a:tabLst>
+                  <a:defRPr sz="8900">
+                    <a:solidFill>
+                      <a:schemeClr val="tx1"/>
+                    </a:solidFill>
+                    <a:latin typeface="Times New Roman" panose="02020603050405020304" pitchFamily="18" charset="0"/>
+                  </a:defRPr>
+                </a:lvl7pPr>
+                <a:lvl8pPr marL="3429000" indent="-228600" eaLnBrk="0" fontAlgn="base" hangingPunct="0">
+                  <a:spcBef>
+                    <a:spcPct val="20000"/>
+                  </a:spcBef>
+                  <a:spcAft>
+                    <a:spcPct val="0"/>
+                  </a:spcAft>
+                  <a:buChar char="»"/>
+                  <a:tabLst>
+                    <a:tab pos="509588" algn="l"/>
+                  </a:tabLst>
+                  <a:defRPr sz="8900">
+                    <a:solidFill>
+                      <a:schemeClr val="tx1"/>
+                    </a:solidFill>
+                    <a:latin typeface="Times New Roman" panose="02020603050405020304" pitchFamily="18" charset="0"/>
+                  </a:defRPr>
+                </a:lvl8pPr>
+                <a:lvl9pPr marL="3886200" indent="-228600" eaLnBrk="0" fontAlgn="base" hangingPunct="0">
+                  <a:spcBef>
+                    <a:spcPct val="20000"/>
+                  </a:spcBef>
+                  <a:spcAft>
+                    <a:spcPct val="0"/>
+                  </a:spcAft>
+                  <a:buChar char="»"/>
+                  <a:tabLst>
+                    <a:tab pos="509588" algn="l"/>
+                  </a:tabLst>
+                  <a:defRPr sz="8900">
+                    <a:solidFill>
+                      <a:schemeClr val="tx1"/>
+                    </a:solidFill>
+                    <a:latin typeface="Times New Roman" panose="02020603050405020304" pitchFamily="18" charset="0"/>
+                  </a:defRPr>
+                </a:lvl9pPr>
+              </a:lstStyle>
+              <a:p>
+                <a:pPr algn="just" eaLnBrk="1" hangingPunct="1">
+                  <a:spcBef>
+                    <a:spcPct val="50000"/>
+                  </a:spcBef>
+                  <a:buFontTx/>
+                  <a:buNone/>
+                </a:pPr>
+                <a:r>
+                  <a:rPr lang="da-DK" altLang="en-US" sz="4800" b="1" u="sng" dirty="0">
+                    <a:latin typeface="Arial" panose="020B0604020202020204" pitchFamily="34" charset="0"/>
+                  </a:rPr>
+                  <a:t>Results – Simulated Data</a:t>
+                </a:r>
+              </a:p>
+              <a:p>
+                <a:pPr eaLnBrk="1" hangingPunct="1">
+                  <a:spcBef>
+                    <a:spcPct val="50000"/>
+                  </a:spcBef>
+                  <a:buFontTx/>
+                  <a:buNone/>
+                </a:pPr>
+                <a:r>
+                  <a:rPr lang="da-DK" altLang="en-US" sz="3600" b="1" dirty="0">
+                    <a:latin typeface="Arial" panose="020B0604020202020204" pitchFamily="34" charset="0"/>
+                  </a:rPr>
+                  <a:t>Linear Regression with FM / Logistic Regression with OP:</a:t>
+                </a:r>
+                <a:br>
+                  <a:rPr lang="da-DK" altLang="en-US" sz="3600" b="1" dirty="0">
+                    <a:latin typeface="Arial" panose="020B0604020202020204" pitchFamily="34" charset="0"/>
+                  </a:rPr>
+                </a:br>
+                <a:br>
+                  <a:rPr lang="da-DK" altLang="en-US" sz="3600" b="1" dirty="0">
+                    <a:latin typeface="Arial" panose="020B0604020202020204" pitchFamily="34" charset="0"/>
+                  </a:rPr>
+                </a:br>
+                <a:br>
+                  <a:rPr lang="da-DK" altLang="en-US" sz="3600" b="1" dirty="0">
+                    <a:latin typeface="Arial" panose="020B0604020202020204" pitchFamily="34" charset="0"/>
+                  </a:rPr>
+                </a:br>
+                <a:br>
+                  <a:rPr lang="da-DK" altLang="en-US" sz="3600" b="1" dirty="0">
+                    <a:latin typeface="Arial" panose="020B0604020202020204" pitchFamily="34" charset="0"/>
+                  </a:rPr>
+                </a:br>
+                <a:br>
+                  <a:rPr lang="da-DK" altLang="en-US" sz="3600" b="1" dirty="0">
+                    <a:latin typeface="Arial" panose="020B0604020202020204" pitchFamily="34" charset="0"/>
+                  </a:rPr>
+                </a:br>
+                <a:br>
+                  <a:rPr lang="da-DK" altLang="en-US" sz="3600" b="1" dirty="0">
+                    <a:latin typeface="Arial" panose="020B0604020202020204" pitchFamily="34" charset="0"/>
+                  </a:rPr>
+                </a:br>
+                <a:br>
+                  <a:rPr lang="da-DK" altLang="en-US" sz="3600" b="1" dirty="0">
+                    <a:latin typeface="Arial" panose="020B0604020202020204" pitchFamily="34" charset="0"/>
+                  </a:rPr>
+                </a:br>
+                <a:br>
+                  <a:rPr lang="da-DK" altLang="en-US" sz="3600" b="1" dirty="0">
+                    <a:latin typeface="Arial" panose="020B0604020202020204" pitchFamily="34" charset="0"/>
+                  </a:rPr>
+                </a:br>
+                <a:br>
+                  <a:rPr lang="da-DK" altLang="en-US" sz="3600" b="1" dirty="0">
+                    <a:latin typeface="Arial" panose="020B0604020202020204" pitchFamily="34" charset="0"/>
+                  </a:rPr>
+                </a:br>
+                <a:br>
+                  <a:rPr lang="da-DK" altLang="en-US" sz="3600" b="1" dirty="0">
+                    <a:latin typeface="Arial" panose="020B0604020202020204" pitchFamily="34" charset="0"/>
+                  </a:rPr>
+                </a:br>
+                <a:br>
+                  <a:rPr lang="da-DK" altLang="en-US" sz="3600" b="1" dirty="0">
+                    <a:latin typeface="Arial" panose="020B0604020202020204" pitchFamily="34" charset="0"/>
+                  </a:rPr>
+                </a:br>
+                <a:br>
+                  <a:rPr lang="da-DK" altLang="en-US" sz="3600" b="1" dirty="0">
+                    <a:latin typeface="Arial" panose="020B0604020202020204" pitchFamily="34" charset="0"/>
+                  </a:rPr>
+                </a:br>
+                <a:r>
+                  <a:rPr lang="da-DK" altLang="en-US" sz="3600" b="1" dirty="0">
+                    <a:latin typeface="Arial" panose="020B0604020202020204" pitchFamily="34" charset="0"/>
+                  </a:rPr>
+                  <a:t>Rasch Model Non Private / Private with </a:t>
+                </a:r>
+                <a14:m>
+                  <m:oMath xmlns:m="http://schemas.openxmlformats.org/officeDocument/2006/math">
+                    <m:r>
+                      <a:rPr lang="da-DK" sz="3600" b="1" i="1">
+                        <a:latin typeface="Cambria Math" panose="02040503050406030204" pitchFamily="18" charset="0"/>
+                      </a:rPr>
+                      <m:t>𝝐</m:t>
+                    </m:r>
+                    <m:r>
+                      <a:rPr lang="de-DE" sz="3600" b="1" i="1" smtClean="0">
+                        <a:latin typeface="Cambria Math" panose="02040503050406030204" pitchFamily="18" charset="0"/>
+                      </a:rPr>
+                      <m:t>=</m:t>
+                    </m:r>
+                    <m:r>
+                      <a:rPr lang="de-DE" sz="3600" b="1" i="1" smtClean="0">
+                        <a:latin typeface="Cambria Math" panose="02040503050406030204" pitchFamily="18" charset="0"/>
+                      </a:rPr>
+                      <m:t>𝟏𝟎</m:t>
+                    </m:r>
+                  </m:oMath>
+                </a14:m>
+                <a:r>
+                  <a:rPr lang="da-DK" altLang="en-US" sz="3600" b="1" dirty="0">
+                    <a:latin typeface="Arial" panose="020B0604020202020204" pitchFamily="34" charset="0"/>
+                  </a:rPr>
+                  <a:t> </a:t>
+                </a:r>
+              </a:p>
+              <a:p>
+                <a:pPr algn="just" eaLnBrk="1" hangingPunct="1">
+                  <a:spcBef>
+                    <a:spcPct val="50000"/>
+                  </a:spcBef>
+                  <a:buFontTx/>
+                  <a:buNone/>
+                </a:pPr>
+                <a:endParaRPr lang="da-DK" altLang="en-US" sz="4800" dirty="0">
+                  <a:latin typeface="Arial" panose="020B0604020202020204" pitchFamily="34" charset="0"/>
+                </a:endParaRPr>
+              </a:p>
+            </p:txBody>
+          </p:sp>
+        </mc:Choice>
+        <mc:Fallback>
+          <p:sp>
+            <p:nvSpPr>
+              <p:cNvPr id="2070" name="Text Box 1080"/>
+              <p:cNvSpPr txBox="1">
+                <a:spLocks noRot="1" noChangeAspect="1" noMove="1" noResize="1" noEditPoints="1" noAdjustHandles="1" noChangeArrowheads="1" noChangeShapeType="1" noTextEdit="1"/>
+              </p:cNvSpPr>
+              <p:nvPr/>
+            </p:nvSpPr>
+            <p:spPr bwMode="auto">
+              <a:xfrm>
+                <a:off x="17466296" y="16120261"/>
+                <a:ext cx="15774987" cy="9510278"/>
+              </a:xfrm>
+              <a:prstGeom prst="rect">
+                <a:avLst/>
+              </a:prstGeom>
+              <a:blipFill>
+                <a:blip r:embed="rId7"/>
+                <a:stretch>
+                  <a:fillRect l="-1391" t="-1026"/>
+                </a:stretch>
+              </a:blipFill>
+              <a:ln>
+                <a:noFill/>
+              </a:ln>
+              <a:extLst>
+                <a:ext uri="{909E8E84-426E-40DD-AFC4-6F175D3DCCD1}">
+                  <a14:hiddenFill xmlns:a14="http://schemas.microsoft.com/office/drawing/2010/main">
+                    <a:solidFill>
+                      <a:srgbClr val="FFFFFF"/>
+                    </a:solidFill>
+                  </a14:hiddenFill>
+                </a:ext>
+                <a:ext uri="{91240B29-F687-4F45-9708-019B960494DF}">
+                  <a14:hiddenLine xmlns:a14="http://schemas.microsoft.com/office/drawing/2010/main" w="28575">
+                    <a:solidFill>
+                      <a:srgbClr val="000000"/>
+                    </a:solidFill>
+                    <a:miter lim="800000"/>
+                    <a:headEnd/>
+                    <a:tailEnd/>
+                  </a14:hiddenLine>
+                </a:ext>
+              </a:extLst>
+            </p:spPr>
+            <p:txBody>
+              <a:bodyPr/>
+              <a:lstStyle/>
+              <a:p>
+                <a:r>
+                  <a:rPr lang="de-DE">
+                    <a:noFill/>
+                  </a:rPr>
+                  <a:t> </a:t>
+                </a:r>
+              </a:p>
+            </p:txBody>
+          </p:sp>
+        </mc:Fallback>
+      </mc:AlternateContent>
       <p:sp>
         <p:nvSpPr>
           <p:cNvPr id="2071" name="Line 266"/>
@@ -7486,7 +7421,7 @@
           <a:bodyPr/>
           <a:lstStyle/>
           <a:p>
-            <a:endParaRPr lang="en-GB"/>
+            <a:endParaRPr lang="en-GB" dirty="0"/>
           </a:p>
         </p:txBody>
       </p:sp>
@@ -7674,7 +7609,7 @@
         <p:spPr bwMode="auto">
           <a:xfrm>
             <a:off x="34078863" y="5684837"/>
-            <a:ext cx="16213137" cy="15137787"/>
+            <a:ext cx="16213137" cy="8403233"/>
           </a:xfrm>
           <a:prstGeom prst="rect">
             <a:avLst/>
@@ -7876,10 +7811,10 @@
               <a:defRPr/>
             </a:pPr>
             <a:r>
-              <a:rPr lang="da-DK" sz="4800" b="1" dirty="0" smtClean="0"/>
-              <a:t>Real Illustrations</a:t>
-            </a:r>
-            <a:endParaRPr lang="hr-HR" sz="3600" dirty="0"/>
+              <a:rPr lang="da-DK" sz="4800" b="1" u="sng" dirty="0"/>
+              <a:t>Results – Real Data</a:t>
+            </a:r>
+            <a:endParaRPr lang="hr-HR" sz="3600" u="sng" dirty="0"/>
           </a:p>
         </p:txBody>
       </p:sp>
@@ -8065,7 +8000,7 @@
           <p:nvPr/>
         </p:nvPicPr>
         <p:blipFill>
-          <a:blip r:embed="rId7" cstate="print">
+          <a:blip r:embed="rId8" cstate="print">
             <a:extLst>
               <a:ext uri="{28A0092B-C50C-407E-A947-70E740481C1C}">
                 <a14:useLocalDpi xmlns:a14="http://schemas.microsoft.com/office/drawing/2010/main" val="0"/>
@@ -8122,7 +8057,7 @@
           <a:lstStyle/>
           <a:p>
             <a:r>
-              <a:rPr lang="en-GB" sz="3600" dirty="0" smtClean="0"/>
+              <a:rPr lang="en-GB" sz="3600" dirty="0"/>
               <a:t>Figure 1: </a:t>
             </a:r>
             <a:r>
@@ -8154,7 +8089,7 @@
             <p:spPr bwMode="auto">
               <a:xfrm>
                 <a:off x="904456" y="25072767"/>
-                <a:ext cx="16202025" cy="4572837"/>
+                <a:ext cx="16202025" cy="4724417"/>
               </a:xfrm>
               <a:prstGeom prst="rect">
                 <a:avLst/>
@@ -8183,11 +8118,11 @@
                   <a:defRPr/>
                 </a:pPr>
                 <a:r>
-                  <a:rPr lang="en-US" sz="4800" b="1" dirty="0" smtClean="0"/>
+                  <a:rPr lang="en-US" sz="4800" b="1" dirty="0"/>
                   <a:t> </a:t>
                 </a:r>
                 <a:r>
-                  <a:rPr lang="da-DK" sz="4800" b="1" u="sng" dirty="0" smtClean="0"/>
+                  <a:rPr lang="da-DK" sz="4800" b="1" u="sng" dirty="0"/>
                   <a:t>Rasch Model</a:t>
                 </a:r>
               </a:p>
@@ -8204,15 +8139,15 @@
                   <a:defRPr/>
                 </a:pPr>
                 <a:r>
-                  <a:rPr lang="en-US" sz="3600" b="1" dirty="0" smtClean="0"/>
+                  <a:rPr lang="en-US" sz="3800" dirty="0"/>
                   <a:t>The </a:t>
                 </a:r>
                 <a:r>
-                  <a:rPr lang="en-US" sz="3600" b="1" dirty="0" err="1" smtClean="0"/>
+                  <a:rPr lang="en-US" sz="3800" dirty="0" err="1"/>
                   <a:t>Rasch</a:t>
                 </a:r>
                 <a:r>
-                  <a:rPr lang="en-US" sz="3600" b="1" dirty="0" smtClean="0"/>
+                  <a:rPr lang="en-US" sz="3800" dirty="0"/>
                   <a:t> model is used to calculate the probability of passing a task</a:t>
                 </a:r>
               </a:p>
@@ -8233,15 +8168,15 @@
                     </m:oMathParaPr>
                     <m:oMath xmlns:m="http://schemas.openxmlformats.org/officeDocument/2006/math">
                       <m:r>
-                        <a:rPr lang="da-DK" sz="3600" b="1" i="1" smtClean="0">
+                        <a:rPr lang="da-DK" sz="3800" b="0" i="1" smtClean="0">
                           <a:latin typeface="Cambria Math" panose="02040503050406030204" pitchFamily="18" charset="0"/>
                         </a:rPr>
-                        <m:t>𝑷</m:t>
+                        <m:t>𝑃</m:t>
                       </m:r>
                       <m:d>
                         <m:dPr>
                           <m:ctrlPr>
-                            <a:rPr lang="da-DK" sz="3600" b="1" i="1" smtClean="0">
+                            <a:rPr lang="da-DK" sz="3800" i="1" smtClean="0">
                               <a:latin typeface="Cambria Math" panose="02040503050406030204" pitchFamily="18" charset="0"/>
                             </a:rPr>
                           </m:ctrlPr>
@@ -8250,81 +8185,75 @@
                           <m:sSub>
                             <m:sSubPr>
                               <m:ctrlPr>
-                                <a:rPr lang="da-DK" sz="3600" b="1" i="1" smtClean="0">
+                                <a:rPr lang="da-DK" sz="3800" i="1" smtClean="0">
                                   <a:latin typeface="Cambria Math" panose="02040503050406030204" pitchFamily="18" charset="0"/>
                                 </a:rPr>
                               </m:ctrlPr>
                             </m:sSubPr>
                             <m:e>
                               <m:r>
-                                <a:rPr lang="da-DK" sz="3600" b="1" i="1" smtClean="0">
+                                <a:rPr lang="da-DK" sz="3800" b="0" i="1" smtClean="0">
                                   <a:latin typeface="Cambria Math" panose="02040503050406030204" pitchFamily="18" charset="0"/>
                                 </a:rPr>
-                                <m:t>𝒀</m:t>
+                                <m:t>𝑌</m:t>
                               </m:r>
                             </m:e>
                             <m:sub>
                               <m:r>
-                                <a:rPr lang="da-DK" sz="3600" b="1" i="1" smtClean="0">
+                                <a:rPr lang="da-DK" sz="3800" b="0" i="1" smtClean="0">
                                   <a:latin typeface="Cambria Math" panose="02040503050406030204" pitchFamily="18" charset="0"/>
                                 </a:rPr>
-                                <m:t>𝒊</m:t>
+                                <m:t>𝑖</m:t>
                               </m:r>
                               <m:r>
-                                <a:rPr lang="da-DK" sz="3600" b="1" i="1" smtClean="0">
+                                <a:rPr lang="da-DK" sz="3800" b="0" i="1" smtClean="0">
                                   <a:latin typeface="Cambria Math" panose="02040503050406030204" pitchFamily="18" charset="0"/>
                                 </a:rPr>
                                 <m:t>,</m:t>
                               </m:r>
                               <m:r>
-                                <a:rPr lang="da-DK" sz="3600" b="1" i="1" smtClean="0">
+                                <a:rPr lang="da-DK" sz="3800" b="0" i="1" smtClean="0">
                                   <a:latin typeface="Cambria Math" panose="02040503050406030204" pitchFamily="18" charset="0"/>
                                 </a:rPr>
-                                <m:t>𝒋</m:t>
+                                <m:t>𝑗</m:t>
                               </m:r>
                             </m:sub>
                           </m:sSub>
                           <m:r>
-                            <a:rPr lang="da-DK" sz="3600" b="1" i="1" smtClean="0">
+                            <a:rPr lang="da-DK" sz="3800" b="0" i="1" smtClean="0">
                               <a:latin typeface="Cambria Math" panose="02040503050406030204" pitchFamily="18" charset="0"/>
                             </a:rPr>
-                            <m:t>=</m:t>
-                          </m:r>
-                          <m:r>
-                            <a:rPr lang="da-DK" sz="3600" b="1" i="1" smtClean="0">
-                              <a:latin typeface="Cambria Math" panose="02040503050406030204" pitchFamily="18" charset="0"/>
-                            </a:rPr>
-                            <m:t>𝟏</m:t>
+                            <m:t>=1</m:t>
                           </m:r>
                         </m:e>
                         <m:e>
                           <m:sSub>
                             <m:sSubPr>
                               <m:ctrlPr>
-                                <a:rPr lang="da-DK" sz="3600" b="1" i="1" smtClean="0">
+                                <a:rPr lang="da-DK" sz="3800" i="1" smtClean="0">
                                   <a:latin typeface="Cambria Math" panose="02040503050406030204" pitchFamily="18" charset="0"/>
                                 </a:rPr>
                               </m:ctrlPr>
                             </m:sSubPr>
                             <m:e>
                               <m:r>
-                                <a:rPr lang="da-DK" sz="3600" b="1" i="1" smtClean="0">
+                                <a:rPr lang="da-DK" sz="3800" b="0" i="1" smtClean="0">
                                   <a:latin typeface="Cambria Math" panose="02040503050406030204" pitchFamily="18" charset="0"/>
                                 </a:rPr>
-                                <m:t>𝜽</m:t>
+                                <m:t>𝜃</m:t>
                               </m:r>
                             </m:e>
                             <m:sub>
                               <m:r>
-                                <a:rPr lang="da-DK" sz="3600" b="1" i="1" smtClean="0">
+                                <a:rPr lang="da-DK" sz="3800" b="0" i="1" smtClean="0">
                                   <a:latin typeface="Cambria Math" panose="02040503050406030204" pitchFamily="18" charset="0"/>
                                 </a:rPr>
-                                <m:t>𝒊</m:t>
+                                <m:t>𝑖</m:t>
                               </m:r>
                             </m:sub>
                           </m:sSub>
                           <m:r>
-                            <a:rPr lang="da-DK" sz="3600" b="1" i="1" smtClean="0">
+                            <a:rPr lang="da-DK" sz="3800" b="0" i="1" smtClean="0">
                               <a:latin typeface="Cambria Math" panose="02040503050406030204" pitchFamily="18" charset="0"/>
                             </a:rPr>
                             <m:t>,</m:t>
@@ -8332,32 +8261,32 @@
                           <m:sSub>
                             <m:sSubPr>
                               <m:ctrlPr>
-                                <a:rPr lang="da-DK" sz="3600" b="1" i="1" smtClean="0">
+                                <a:rPr lang="da-DK" sz="3800" i="1" smtClean="0">
                                   <a:latin typeface="Cambria Math" panose="02040503050406030204" pitchFamily="18" charset="0"/>
                                 </a:rPr>
                               </m:ctrlPr>
                             </m:sSubPr>
                             <m:e>
                               <m:r>
-                                <a:rPr lang="da-DK" sz="3600" b="1" i="1" smtClean="0">
+                                <a:rPr lang="da-DK" sz="3800" b="0" i="1" smtClean="0">
                                   <a:latin typeface="Cambria Math" panose="02040503050406030204" pitchFamily="18" charset="0"/>
                                 </a:rPr>
-                                <m:t>𝜷</m:t>
+                                <m:t>𝛽</m:t>
                               </m:r>
                             </m:e>
                             <m:sub>
                               <m:r>
-                                <a:rPr lang="da-DK" sz="3600" b="1" i="1" smtClean="0">
+                                <a:rPr lang="da-DK" sz="3800" b="0" i="1" smtClean="0">
                                   <a:latin typeface="Cambria Math" panose="02040503050406030204" pitchFamily="18" charset="0"/>
                                 </a:rPr>
-                                <m:t>𝒋</m:t>
+                                <m:t>𝑗</m:t>
                               </m:r>
                             </m:sub>
                           </m:sSub>
                         </m:e>
                       </m:d>
                       <m:r>
-                        <a:rPr lang="da-DK" sz="3600" b="1" i="1" smtClean="0">
+                        <a:rPr lang="da-DK" sz="3800" b="0" i="1" smtClean="0">
                           <a:latin typeface="Cambria Math" panose="02040503050406030204" pitchFamily="18" charset="0"/>
                         </a:rPr>
                         <m:t>=</m:t>
@@ -8365,7 +8294,7 @@
                       <m:f>
                         <m:fPr>
                           <m:ctrlPr>
-                            <a:rPr lang="da-DK" sz="3600" b="1" i="1" smtClean="0">
+                            <a:rPr lang="da-DK" sz="3800" i="1" smtClean="0">
                               <a:latin typeface="Cambria Math" panose="02040503050406030204" pitchFamily="18" charset="0"/>
                             </a:rPr>
                           </m:ctrlPr>
@@ -8374,24 +8303,27 @@
                           <m:func>
                             <m:funcPr>
                               <m:ctrlPr>
-                                <a:rPr lang="da-DK" sz="3600" b="1" i="1" smtClean="0">
+                                <a:rPr lang="da-DK" sz="3800" i="1" smtClean="0">
                                   <a:latin typeface="Cambria Math" panose="02040503050406030204" pitchFamily="18" charset="0"/>
                                 </a:rPr>
                               </m:ctrlPr>
                             </m:funcPr>
                             <m:fName>
                               <m:r>
-                                <a:rPr lang="da-DK" sz="3600" b="1" i="0" smtClean="0">
+                                <m:rPr>
+                                  <m:sty m:val="p"/>
+                                </m:rPr>
+                                <a:rPr lang="da-DK" sz="3800" b="0" i="0" smtClean="0">
                                   <a:latin typeface="Cambria Math" panose="02040503050406030204" pitchFamily="18" charset="0"/>
                                 </a:rPr>
-                                <m:t>𝐞𝐱𝐩</m:t>
+                                <m:t>exp</m:t>
                               </m:r>
                             </m:fName>
                             <m:e>
                               <m:d>
                                 <m:dPr>
                                   <m:ctrlPr>
-                                    <a:rPr lang="da-DK" sz="3600" b="1" i="1" smtClean="0">
+                                    <a:rPr lang="da-DK" sz="3800" i="1" smtClean="0">
                                       <a:latin typeface="Cambria Math" panose="02040503050406030204" pitchFamily="18" charset="0"/>
                                     </a:rPr>
                                   </m:ctrlPr>
@@ -8400,30 +8332,30 @@
                                   <m:sSub>
                                     <m:sSubPr>
                                       <m:ctrlPr>
-                                        <a:rPr lang="da-DK" sz="3600" b="1" i="1">
+                                        <a:rPr lang="da-DK" sz="3800" i="1">
                                           <a:latin typeface="Cambria Math" panose="02040503050406030204" pitchFamily="18" charset="0"/>
                                         </a:rPr>
                                       </m:ctrlPr>
                                     </m:sSubPr>
                                     <m:e>
                                       <m:r>
-                                        <a:rPr lang="da-DK" sz="3600" b="1" i="1">
+                                        <a:rPr lang="da-DK" sz="3800" b="0" i="1" smtClean="0">
                                           <a:latin typeface="Cambria Math" panose="02040503050406030204" pitchFamily="18" charset="0"/>
                                         </a:rPr>
-                                        <m:t>𝜽</m:t>
+                                        <m:t>𝜃</m:t>
                                       </m:r>
                                     </m:e>
                                     <m:sub>
                                       <m:r>
-                                        <a:rPr lang="da-DK" sz="3600" b="1" i="1">
+                                        <a:rPr lang="da-DK" sz="3800" b="0" i="1" smtClean="0">
                                           <a:latin typeface="Cambria Math" panose="02040503050406030204" pitchFamily="18" charset="0"/>
                                         </a:rPr>
-                                        <m:t>𝒊</m:t>
+                                        <m:t>𝑖</m:t>
                                       </m:r>
                                     </m:sub>
                                   </m:sSub>
                                   <m:r>
-                                    <a:rPr lang="da-DK" sz="3600" b="1" i="1" smtClean="0">
+                                    <a:rPr lang="da-DK" sz="3800" b="0" i="1" smtClean="0">
                                       <a:latin typeface="Cambria Math" panose="02040503050406030204" pitchFamily="18" charset="0"/>
                                     </a:rPr>
                                     <m:t>−</m:t>
@@ -8431,25 +8363,25 @@
                                   <m:sSub>
                                     <m:sSubPr>
                                       <m:ctrlPr>
-                                        <a:rPr lang="da-DK" sz="3600" b="1" i="1">
+                                        <a:rPr lang="da-DK" sz="3800" i="1">
                                           <a:latin typeface="Cambria Math" panose="02040503050406030204" pitchFamily="18" charset="0"/>
                                         </a:rPr>
                                       </m:ctrlPr>
                                     </m:sSubPr>
                                     <m:e>
                                       <m:r>
-                                        <a:rPr lang="da-DK" sz="3600" b="1" i="1">
+                                        <a:rPr lang="da-DK" sz="3800" b="0" i="1" smtClean="0">
                                           <a:latin typeface="Cambria Math" panose="02040503050406030204" pitchFamily="18" charset="0"/>
                                         </a:rPr>
-                                        <m:t>𝜷</m:t>
+                                        <m:t>𝛽</m:t>
                                       </m:r>
                                     </m:e>
                                     <m:sub>
                                       <m:r>
-                                        <a:rPr lang="da-DK" sz="3600" b="1" i="1">
+                                        <a:rPr lang="da-DK" sz="3800" b="0" i="1" smtClean="0">
                                           <a:latin typeface="Cambria Math" panose="02040503050406030204" pitchFamily="18" charset="0"/>
                                         </a:rPr>
-                                        <m:t>𝒋</m:t>
+                                        <m:t>𝑗</m:t>
                                       </m:r>
                                     </m:sub>
                                   </m:sSub>
@@ -8460,38 +8392,32 @@
                         </m:num>
                         <m:den>
                           <m:r>
-                            <a:rPr lang="da-DK" sz="3600" b="1" i="1" smtClean="0">
+                            <a:rPr lang="da-DK" sz="3800" b="0" i="1" smtClean="0">
                               <a:latin typeface="Cambria Math" panose="02040503050406030204" pitchFamily="18" charset="0"/>
                             </a:rPr>
-                            <m:t>𝟏</m:t>
-                          </m:r>
-                          <m:r>
-                            <a:rPr lang="da-DK" sz="3600" b="1" i="1" smtClean="0">
-                              <a:latin typeface="Cambria Math" panose="02040503050406030204" pitchFamily="18" charset="0"/>
-                            </a:rPr>
-                            <m:t>+</m:t>
+                            <m:t>1+</m:t>
                           </m:r>
                           <m:func>
                             <m:funcPr>
                               <m:ctrlPr>
-                                <a:rPr lang="da-DK" sz="3600" b="1" i="1">
+                                <a:rPr lang="da-DK" sz="3800" i="1">
                                   <a:latin typeface="Cambria Math" panose="02040503050406030204" pitchFamily="18" charset="0"/>
                                 </a:rPr>
                               </m:ctrlPr>
                             </m:funcPr>
                             <m:fName>
                               <m:r>
-                                <a:rPr lang="da-DK" sz="3600" b="1" i="1">
+                                <a:rPr lang="da-DK" sz="3800" b="0" i="1" smtClean="0">
                                   <a:latin typeface="Cambria Math" panose="02040503050406030204" pitchFamily="18" charset="0"/>
                                 </a:rPr>
-                                <m:t>𝒆𝒙𝒑</m:t>
+                                <m:t>𝑒𝑥𝑝</m:t>
                               </m:r>
                             </m:fName>
                             <m:e>
                               <m:d>
                                 <m:dPr>
                                   <m:ctrlPr>
-                                    <a:rPr lang="da-DK" sz="3600" b="1" i="1">
+                                    <a:rPr lang="da-DK" sz="3800" i="1">
                                       <a:latin typeface="Cambria Math" panose="02040503050406030204" pitchFamily="18" charset="0"/>
                                     </a:rPr>
                                   </m:ctrlPr>
@@ -8500,30 +8426,30 @@
                                   <m:sSub>
                                     <m:sSubPr>
                                       <m:ctrlPr>
-                                        <a:rPr lang="da-DK" sz="3600" b="1" i="1">
+                                        <a:rPr lang="da-DK" sz="3800" i="1">
                                           <a:latin typeface="Cambria Math" panose="02040503050406030204" pitchFamily="18" charset="0"/>
                                         </a:rPr>
                                       </m:ctrlPr>
                                     </m:sSubPr>
                                     <m:e>
                                       <m:r>
-                                        <a:rPr lang="da-DK" sz="3600" b="1" i="1">
+                                        <a:rPr lang="da-DK" sz="3800" b="0" i="1" smtClean="0">
                                           <a:latin typeface="Cambria Math" panose="02040503050406030204" pitchFamily="18" charset="0"/>
                                         </a:rPr>
-                                        <m:t>𝜽</m:t>
+                                        <m:t>𝜃</m:t>
                                       </m:r>
                                     </m:e>
                                     <m:sub>
                                       <m:r>
-                                        <a:rPr lang="da-DK" sz="3600" b="1" i="1">
+                                        <a:rPr lang="da-DK" sz="3800" b="0" i="1" smtClean="0">
                                           <a:latin typeface="Cambria Math" panose="02040503050406030204" pitchFamily="18" charset="0"/>
                                         </a:rPr>
-                                        <m:t>𝒊</m:t>
+                                        <m:t>𝑖</m:t>
                                       </m:r>
                                     </m:sub>
                                   </m:sSub>
                                   <m:r>
-                                    <a:rPr lang="da-DK" sz="3600" b="1" i="1">
+                                    <a:rPr lang="da-DK" sz="3800" b="0" i="1" smtClean="0">
                                       <a:latin typeface="Cambria Math" panose="02040503050406030204" pitchFamily="18" charset="0"/>
                                     </a:rPr>
                                     <m:t>−</m:t>
@@ -8531,25 +8457,25 @@
                                   <m:sSub>
                                     <m:sSubPr>
                                       <m:ctrlPr>
-                                        <a:rPr lang="da-DK" sz="3600" b="1" i="1">
+                                        <a:rPr lang="da-DK" sz="3800" i="1">
                                           <a:latin typeface="Cambria Math" panose="02040503050406030204" pitchFamily="18" charset="0"/>
                                         </a:rPr>
                                       </m:ctrlPr>
                                     </m:sSubPr>
                                     <m:e>
                                       <m:r>
-                                        <a:rPr lang="da-DK" sz="3600" b="1" i="1">
+                                        <a:rPr lang="da-DK" sz="3800" b="0" i="1" smtClean="0">
                                           <a:latin typeface="Cambria Math" panose="02040503050406030204" pitchFamily="18" charset="0"/>
                                         </a:rPr>
-                                        <m:t>𝜷</m:t>
+                                        <m:t>𝛽</m:t>
                                       </m:r>
                                     </m:e>
                                     <m:sub>
                                       <m:r>
-                                        <a:rPr lang="da-DK" sz="3600" b="1" i="1">
+                                        <a:rPr lang="da-DK" sz="3800" b="0" i="1" smtClean="0">
                                           <a:latin typeface="Cambria Math" panose="02040503050406030204" pitchFamily="18" charset="0"/>
                                         </a:rPr>
-                                        <m:t>𝒋</m:t>
+                                        <m:t>𝑗</m:t>
                                       </m:r>
                                     </m:sub>
                                   </m:sSub>
@@ -8562,7 +8488,7 @@
                     </m:oMath>
                   </m:oMathPara>
                 </a14:m>
-                <a:endParaRPr lang="en-US" sz="3600" b="1" dirty="0"/>
+                <a:endParaRPr lang="en-US" sz="3800" dirty="0"/>
               </a:p>
               <a:p>
                 <a:pPr marL="628650" indent="-571500" algn="just">
@@ -8577,14 +8503,10 @@
                   <a:defRPr/>
                 </a:pPr>
                 <a:r>
-                  <a:rPr lang="en-US" sz="3600" b="1" dirty="0"/>
-                  <a:t>The parameter used describes the difficulty of </a:t>
+                  <a:rPr lang="en-US" sz="3800" dirty="0"/>
+                  <a:t>The parameter used describes the difficulty of the task and the ability of the students.</a:t>
                 </a:r>
-                <a:r>
-                  <a:rPr lang="en-US" sz="3600" b="1" dirty="0" smtClean="0"/>
-                  <a:t>the task and the ability of the students.</a:t>
-                </a:r>
-                <a:endParaRPr lang="hr-HR" sz="3600" b="1" dirty="0"/>
+                <a:endParaRPr lang="hr-HR" sz="3800" dirty="0"/>
               </a:p>
             </p:txBody>
           </p:sp>
@@ -8601,15 +8523,15 @@
             <p:spPr bwMode="auto">
               <a:xfrm>
                 <a:off x="904456" y="25072767"/>
-                <a:ext cx="16202025" cy="4572837"/>
+                <a:ext cx="16202025" cy="4724417"/>
               </a:xfrm>
               <a:prstGeom prst="rect">
                 <a:avLst/>
               </a:prstGeom>
               <a:blipFill>
-                <a:blip r:embed="rId8"/>
+                <a:blip r:embed="rId9"/>
                 <a:stretch>
-                  <a:fillRect l="-677" t="-2267" r="-1166" b="-3067"/>
+                  <a:fillRect l="-790" t="-2194" r="-1242" b="-3226"/>
                 </a:stretch>
               </a:blipFill>
               <a:ln w="28575">
@@ -8624,7 +8546,7 @@
               <a:lstStyle/>
               <a:p>
                 <a:r>
-                  <a:rPr lang="en-GB">
+                  <a:rPr lang="de-DE">
                     <a:noFill/>
                   </a:rPr>
                   <a:t> </a:t>
@@ -8643,7 +8565,7 @@
           <p:nvPr/>
         </p:nvPicPr>
         <p:blipFill>
-          <a:blip r:embed="rId9"/>
+          <a:blip r:embed="rId10"/>
           <a:stretch>
             <a:fillRect/>
           </a:stretch>
@@ -8658,48 +8580,57 @@
           </a:prstGeom>
         </p:spPr>
       </p:pic>
-    </p:spTree>
-  </p:cSld>
-  <p:clrMapOvr>
-    <a:masterClrMapping/>
-  </p:clrMapOvr>
-  <p:timing>
-    <p:tnLst>
-      <p:par>
-        <p:cTn id="1" dur="indefinite" restart="never" nodeType="tmRoot"/>
-      </p:par>
-    </p:tnLst>
-  </p:timing>
-</p:sld>
-</file>
-
-<file path=ppt/slides/slide2.xml><?xml version="1.0" encoding="utf-8"?>
-<p:sld xmlns:a="http://schemas.openxmlformats.org/drawingml/2006/main" xmlns:r="http://schemas.openxmlformats.org/officeDocument/2006/relationships" xmlns:p="http://schemas.openxmlformats.org/presentationml/2006/main">
-  <p:cSld>
-    <p:spTree>
-      <p:nvGrpSpPr>
-        <p:cNvPr id="1" name=""/>
-        <p:cNvGrpSpPr/>
-        <p:nvPr/>
-      </p:nvGrpSpPr>
-      <p:grpSpPr>
-        <a:xfrm>
-          <a:off x="0" y="0"/>
-          <a:ext cx="0" cy="0"/>
-          <a:chOff x="0" y="0"/>
-          <a:chExt cx="0" cy="0"/>
-        </a:xfrm>
-      </p:grpSpPr>
       <p:pic>
         <p:nvPicPr>
-          <p:cNvPr id="2" name="Picture 1"/>
+          <p:cNvPr id="7" name="Grafik 6">
+            <a:extLst>
+              <a:ext uri="{FF2B5EF4-FFF2-40B4-BE49-F238E27FC236}">
+                <a16:creationId xmlns:a16="http://schemas.microsoft.com/office/drawing/2014/main" id="{F074537C-275F-4961-BB82-1675047B8F4A}"/>
+              </a:ext>
+            </a:extLst>
+          </p:cNvPr>
+          <p:cNvPicPr>
+            <a:picLocks noChangeAspect="1"/>
+          </p:cNvPicPr>
+          <p:nvPr/>
+        </p:nvPicPr>
+        <p:blipFill rotWithShape="1">
+          <a:blip r:embed="rId11">
+            <a:extLst>
+              <a:ext uri="{28A0092B-C50C-407E-A947-70E740481C1C}">
+                <a14:useLocalDpi xmlns:a14="http://schemas.microsoft.com/office/drawing/2010/main" val="0"/>
+              </a:ext>
+            </a:extLst>
+          </a:blip>
+          <a:srcRect l="3500"/>
+          <a:stretch/>
+        </p:blipFill>
+        <p:spPr>
+          <a:xfrm>
+            <a:off x="34388176" y="6506404"/>
+            <a:ext cx="15883169" cy="7315215"/>
+          </a:xfrm>
+          <a:prstGeom prst="rect">
+            <a:avLst/>
+          </a:prstGeom>
+        </p:spPr>
+      </p:pic>
+      <p:pic>
+        <p:nvPicPr>
+          <p:cNvPr id="9" name="Grafik 8">
+            <a:extLst>
+              <a:ext uri="{FF2B5EF4-FFF2-40B4-BE49-F238E27FC236}">
+                <a16:creationId xmlns:a16="http://schemas.microsoft.com/office/drawing/2014/main" id="{D6F1A4E9-D209-4712-94AE-398EB8C6CB8B}"/>
+              </a:ext>
+            </a:extLst>
+          </p:cNvPr>
           <p:cNvPicPr>
             <a:picLocks noChangeAspect="1"/>
           </p:cNvPicPr>
           <p:nvPr/>
         </p:nvPicPr>
         <p:blipFill>
-          <a:blip r:embed="rId2">
+          <a:blip r:embed="rId12">
             <a:extLst>
               <a:ext uri="{28A0092B-C50C-407E-A947-70E740481C1C}">
                 <a14:useLocalDpi xmlns:a14="http://schemas.microsoft.com/office/drawing/2010/main" val="0"/>
@@ -8712,54 +8643,65 @@
         </p:blipFill>
         <p:spPr>
           <a:xfrm>
-            <a:off x="0" y="4730205"/>
-            <a:ext cx="21858784" cy="10929393"/>
+            <a:off x="17737663" y="17797417"/>
+            <a:ext cx="7649513" cy="6050413"/>
           </a:xfrm>
           <a:prstGeom prst="rect">
             <a:avLst/>
           </a:prstGeom>
         </p:spPr>
       </p:pic>
-      <p:sp>
-        <p:nvSpPr>
-          <p:cNvPr id="3" name="TextBox 2"/>
-          <p:cNvSpPr txBox="1"/>
+      <p:pic>
+        <p:nvPicPr>
+          <p:cNvPr id="15" name="Grafik 14">
+            <a:extLst>
+              <a:ext uri="{FF2B5EF4-FFF2-40B4-BE49-F238E27FC236}">
+                <a16:creationId xmlns:a16="http://schemas.microsoft.com/office/drawing/2014/main" id="{9EAC63ED-E191-444C-A18A-FFF2377719B1}"/>
+              </a:ext>
+            </a:extLst>
+          </p:cNvPr>
+          <p:cNvPicPr>
+            <a:picLocks noChangeAspect="1"/>
+          </p:cNvPicPr>
           <p:nvPr/>
-        </p:nvSpPr>
+        </p:nvPicPr>
+        <p:blipFill rotWithShape="1">
+          <a:blip r:embed="rId13">
+            <a:extLst>
+              <a:ext uri="{28A0092B-C50C-407E-A947-70E740481C1C}">
+                <a14:useLocalDpi xmlns:a14="http://schemas.microsoft.com/office/drawing/2010/main" val="0"/>
+              </a:ext>
+            </a:extLst>
+          </a:blip>
+          <a:srcRect l="49503" t="-360" r="6756" b="360"/>
+          <a:stretch/>
+        </p:blipFill>
         <p:spPr>
           <a:xfrm>
-            <a:off x="1336504" y="913781"/>
-            <a:ext cx="21746416" cy="1461939"/>
+            <a:off x="26251272" y="17743801"/>
+            <a:ext cx="5715000" cy="5966824"/>
           </a:xfrm>
           <a:prstGeom prst="rect">
             <a:avLst/>
           </a:prstGeom>
-          <a:noFill/>
         </p:spPr>
-        <p:txBody>
-          <a:bodyPr wrap="square" rtlCol="0">
-            <a:spAutoFit/>
-          </a:bodyPr>
-          <a:lstStyle/>
-          <a:p>
-            <a:r>
-              <a:rPr lang="en-GB" dirty="0" smtClean="0"/>
-              <a:t>Add if needed</a:t>
-            </a:r>
-            <a:endParaRPr lang="en-GB" dirty="0"/>
-          </a:p>
-        </p:txBody>
-      </p:sp>
+      </p:pic>
       <p:pic>
         <p:nvPicPr>
-          <p:cNvPr id="4" name="Picture 3"/>
+          <p:cNvPr id="17" name="Grafik 16">
+            <a:extLst>
+              <a:ext uri="{FF2B5EF4-FFF2-40B4-BE49-F238E27FC236}">
+                <a16:creationId xmlns:a16="http://schemas.microsoft.com/office/drawing/2014/main" id="{EF7747DC-E66A-48FB-AC2A-D265464C9CED}"/>
+              </a:ext>
+            </a:extLst>
+          </p:cNvPr>
           <p:cNvPicPr>
             <a:picLocks noChangeAspect="1"/>
           </p:cNvPicPr>
           <p:nvPr/>
         </p:nvPicPr>
         <p:blipFill>
-          <a:blip r:embed="rId3">
+          <a:blip r:embed="rId14">
             <a:extLst>
               <a:ext uri="{28A0092B-C50C-407E-A947-70E740481C1C}">
                 <a14:useLocalDpi xmlns:a14="http://schemas.microsoft.com/office/drawing/2010/main" val="0"/>
@@ -8772,8 +8714,429 @@
         </p:blipFill>
         <p:spPr>
           <a:xfrm>
-            <a:off x="25747216" y="3578077"/>
-            <a:ext cx="25459184" cy="12650130"/>
+            <a:off x="37412512" y="20946134"/>
+            <a:ext cx="7834370" cy="4862548"/>
+          </a:xfrm>
+          <a:prstGeom prst="rect">
+            <a:avLst/>
+          </a:prstGeom>
+        </p:spPr>
+      </p:pic>
+      <p:sp>
+        <p:nvSpPr>
+          <p:cNvPr id="2078" name="Text Box 1104"/>
+          <p:cNvSpPr txBox="1">
+            <a:spLocks noChangeArrowheads="1"/>
+          </p:cNvSpPr>
+          <p:nvPr/>
+        </p:nvSpPr>
+        <p:spPr bwMode="auto">
+          <a:xfrm>
+            <a:off x="34232424" y="25981462"/>
+            <a:ext cx="16229012" cy="4093410"/>
+          </a:xfrm>
+          <a:prstGeom prst="rect">
+            <a:avLst/>
+          </a:prstGeom>
+          <a:noFill/>
+          <a:ln w="28575">
+            <a:noFill/>
+            <a:miter lim="800000"/>
+            <a:headEnd/>
+            <a:tailEnd/>
+          </a:ln>
+        </p:spPr>
+        <p:txBody>
+          <a:bodyPr wrap="square" lIns="91431" tIns="91431" rIns="91431" bIns="91431">
+            <a:spAutoFit/>
+          </a:bodyPr>
+          <a:lstStyle/>
+          <a:p>
+            <a:pPr marL="392113" indent="-392113" algn="just" defTabSz="479425">
+              <a:spcBef>
+                <a:spcPct val="50000"/>
+              </a:spcBef>
+              <a:tabLst>
+                <a:tab pos="304800" algn="l"/>
+              </a:tabLst>
+              <a:defRPr/>
+            </a:pPr>
+            <a:r>
+              <a:rPr lang="en-US" sz="3000" b="1" dirty="0"/>
+              <a:t>References</a:t>
+            </a:r>
+            <a:endParaRPr lang="hr-HR" sz="3000" b="1" dirty="0"/>
+          </a:p>
+          <a:p>
+            <a:pPr>
+              <a:defRPr/>
+            </a:pPr>
+            <a:r>
+              <a:rPr lang="en-US" sz="2400" b="1" dirty="0" err="1"/>
+              <a:t>Zhanglong</a:t>
+            </a:r>
+            <a:r>
+              <a:rPr lang="en-US" sz="2400" b="1" dirty="0"/>
+              <a:t> Ji, Zachary C. Lipton, Charles Elkan, “Differential Privacy and Machine Learning: a Survey and Review,” </a:t>
+            </a:r>
+            <a:r>
+              <a:rPr lang="en-US" sz="2400" b="1" i="1" dirty="0" err="1"/>
+              <a:t>arXiv</a:t>
+            </a:r>
+            <a:r>
+              <a:rPr lang="en-US" sz="2400" b="1" i="1" dirty="0"/>
+              <a:t> </a:t>
+            </a:r>
+            <a:r>
+              <a:rPr lang="en-US" sz="2400" b="1" dirty="0"/>
+              <a:t>(2014).</a:t>
+            </a:r>
+          </a:p>
+          <a:p>
+            <a:pPr>
+              <a:defRPr/>
+            </a:pPr>
+            <a:r>
+              <a:rPr lang="da-DK" sz="2400" b="1" dirty="0"/>
+              <a:t>Jun Zhang, </a:t>
+            </a:r>
+            <a:r>
+              <a:rPr lang="da-DK" sz="2400" b="1" dirty="0" err="1"/>
+              <a:t>Zhenjie</a:t>
+            </a:r>
+            <a:r>
+              <a:rPr lang="da-DK" sz="2400" b="1" dirty="0"/>
+              <a:t> Zhang, </a:t>
+            </a:r>
+            <a:r>
+              <a:rPr lang="da-DK" sz="2400" b="1" dirty="0" err="1"/>
+              <a:t>Xiaokui</a:t>
+            </a:r>
+            <a:r>
+              <a:rPr lang="da-DK" sz="2400" b="1" dirty="0"/>
+              <a:t> </a:t>
+            </a:r>
+            <a:r>
+              <a:rPr lang="da-DK" sz="2400" b="1" dirty="0" err="1"/>
+              <a:t>Xiao</a:t>
+            </a:r>
+            <a:r>
+              <a:rPr lang="da-DK" sz="2400" b="1" dirty="0"/>
+              <a:t>, Ying Yan, Marianne </a:t>
+            </a:r>
+            <a:r>
+              <a:rPr lang="da-DK" sz="2400" b="1" dirty="0" err="1"/>
+              <a:t>Winslett</a:t>
+            </a:r>
+            <a:r>
+              <a:rPr lang="da-DK" sz="2400" b="1" dirty="0"/>
+              <a:t>, ”</a:t>
+            </a:r>
+            <a:r>
+              <a:rPr lang="da-DK" sz="2400" b="1" dirty="0" err="1"/>
+              <a:t>Functional</a:t>
+            </a:r>
+            <a:r>
+              <a:rPr lang="da-DK" sz="2400" b="1" dirty="0"/>
+              <a:t> </a:t>
+            </a:r>
+            <a:r>
+              <a:rPr lang="da-DK" sz="2400" b="1" dirty="0" err="1"/>
+              <a:t>mechanism</a:t>
+            </a:r>
+            <a:r>
+              <a:rPr lang="da-DK" sz="2400" b="1" dirty="0"/>
+              <a:t>: </a:t>
+            </a:r>
+            <a:r>
+              <a:rPr lang="da-DK" sz="2400" b="1" dirty="0" err="1"/>
+              <a:t>Regrassion</a:t>
+            </a:r>
+            <a:r>
+              <a:rPr lang="da-DK" sz="2400" b="1" dirty="0"/>
+              <a:t> </a:t>
+            </a:r>
+            <a:r>
+              <a:rPr lang="da-DK" sz="2400" b="1" dirty="0" err="1"/>
+              <a:t>analysis</a:t>
+            </a:r>
+            <a:r>
+              <a:rPr lang="da-DK" sz="2400" b="1" dirty="0"/>
+              <a:t> under </a:t>
+            </a:r>
+            <a:r>
+              <a:rPr lang="da-DK" sz="2400" b="1" dirty="0" err="1"/>
+              <a:t>differential</a:t>
+            </a:r>
+            <a:r>
+              <a:rPr lang="da-DK" sz="2400" b="1" dirty="0"/>
+              <a:t> </a:t>
+            </a:r>
+            <a:r>
+              <a:rPr lang="da-DK" sz="2400" b="1" dirty="0" err="1"/>
+              <a:t>privacy</a:t>
+            </a:r>
+            <a:r>
+              <a:rPr lang="da-DK" sz="2400" b="1" dirty="0"/>
+              <a:t>”, International </a:t>
+            </a:r>
+            <a:r>
+              <a:rPr lang="da-DK" sz="2400" b="1" dirty="0" err="1"/>
+              <a:t>Conferance</a:t>
+            </a:r>
+            <a:r>
+              <a:rPr lang="da-DK" sz="2400" b="1" dirty="0"/>
+              <a:t> on </a:t>
+            </a:r>
+            <a:r>
+              <a:rPr lang="da-DK" sz="2400" b="1" dirty="0" err="1"/>
+              <a:t>very</a:t>
+            </a:r>
+            <a:r>
+              <a:rPr lang="da-DK" sz="2400" b="1" dirty="0"/>
+              <a:t> large data bases pages 1364-1375, 2012</a:t>
+            </a:r>
+            <a:endParaRPr lang="da-DK" sz="2400" b="1" dirty="0">
+              <a:cs typeface="Arial" pitchFamily="34" charset="0"/>
+            </a:endParaRPr>
+          </a:p>
+          <a:p>
+            <a:r>
+              <a:rPr lang="de-DE" sz="2400" b="1" dirty="0" err="1"/>
+              <a:t>Kamalika</a:t>
+            </a:r>
+            <a:r>
+              <a:rPr lang="de-DE" sz="2400" b="1" dirty="0"/>
+              <a:t> Chaudhuri and Claire </a:t>
+            </a:r>
+            <a:r>
+              <a:rPr lang="de-DE" sz="2400" b="1" dirty="0" err="1"/>
+              <a:t>Monteleoni</a:t>
+            </a:r>
+            <a:r>
+              <a:rPr lang="de-DE" sz="2400" b="1" dirty="0"/>
+              <a:t>. Privacy-</a:t>
+            </a:r>
+            <a:r>
+              <a:rPr lang="de-DE" sz="2400" b="1" dirty="0" err="1"/>
+              <a:t>preserving</a:t>
+            </a:r>
+            <a:r>
+              <a:rPr lang="de-DE" sz="2400" b="1" dirty="0"/>
+              <a:t> </a:t>
+            </a:r>
+            <a:r>
+              <a:rPr lang="de-DE" sz="2400" b="1" dirty="0" err="1"/>
+              <a:t>logistic</a:t>
+            </a:r>
+            <a:r>
+              <a:rPr lang="de-DE" sz="2400" b="1" dirty="0"/>
+              <a:t> </a:t>
+            </a:r>
+            <a:r>
+              <a:rPr lang="de-DE" sz="2400" b="1" dirty="0" err="1"/>
+              <a:t>regression</a:t>
+            </a:r>
+            <a:r>
+              <a:rPr lang="de-DE" sz="2400" b="1" dirty="0"/>
+              <a:t>. In </a:t>
+            </a:r>
+            <a:r>
+              <a:rPr lang="de-DE" sz="2400" b="1" dirty="0" err="1"/>
+              <a:t>Proceed</a:t>
+            </a:r>
+            <a:r>
+              <a:rPr lang="de-DE" sz="2400" b="1" dirty="0"/>
+              <a:t>-</a:t>
+            </a:r>
+          </a:p>
+          <a:p>
+            <a:r>
+              <a:rPr lang="en-US" sz="2400" b="1" dirty="0" err="1"/>
+              <a:t>ings</a:t>
+            </a:r>
+            <a:r>
+              <a:rPr lang="en-US" sz="2400" b="1" dirty="0"/>
+              <a:t> of the 21st International Conference on Neural Information Processing Systems, NIPS'08,</a:t>
+            </a:r>
+          </a:p>
+          <a:p>
+            <a:r>
+              <a:rPr lang="fr-FR" sz="2400" b="1" dirty="0"/>
+              <a:t>pages 289{296, USA, 2008. </a:t>
+            </a:r>
+            <a:r>
+              <a:rPr lang="fr-FR" sz="2400" b="1" dirty="0" err="1"/>
+              <a:t>Curran</a:t>
+            </a:r>
+            <a:r>
+              <a:rPr lang="fr-FR" sz="2400" b="1" dirty="0"/>
+              <a:t> Associates Inc.</a:t>
+            </a:r>
+          </a:p>
+          <a:p>
+            <a:r>
+              <a:rPr lang="en-US" sz="2400" b="1" dirty="0"/>
+              <a:t>[NIPSKA17]: </a:t>
+            </a:r>
+            <a:r>
+              <a:rPr lang="en-US" sz="2400" b="1" dirty="0" err="1"/>
+              <a:t>Kamalika</a:t>
+            </a:r>
+            <a:r>
+              <a:rPr lang="en-US" sz="2400" b="1" dirty="0"/>
+              <a:t> Chaudhuri and Anand D. </a:t>
+            </a:r>
+            <a:r>
+              <a:rPr lang="en-US" sz="2400" b="1" dirty="0" err="1"/>
+              <a:t>Sarwate's</a:t>
+            </a:r>
+            <a:r>
+              <a:rPr lang="en-US" sz="2400" b="1" dirty="0"/>
+              <a:t> tutorial on Differentially Private Machine Learning: Theory, Algorithms, and Applications from NIPS 2017</a:t>
+            </a:r>
+            <a:endParaRPr lang="da-DK" sz="2400" b="1" dirty="0">
+              <a:cs typeface="Arial" pitchFamily="34" charset="0"/>
+            </a:endParaRPr>
+          </a:p>
+        </p:txBody>
+      </p:sp>
+      <p:sp>
+        <p:nvSpPr>
+          <p:cNvPr id="18" name="Textfeld 17">
+            <a:extLst>
+              <a:ext uri="{FF2B5EF4-FFF2-40B4-BE49-F238E27FC236}">
+                <a16:creationId xmlns:a16="http://schemas.microsoft.com/office/drawing/2014/main" id="{FAF25376-C8FB-469D-BC60-638EFFDCDDD2}"/>
+              </a:ext>
+            </a:extLst>
+          </p:cNvPr>
+          <p:cNvSpPr txBox="1"/>
+          <p:nvPr/>
+        </p:nvSpPr>
+        <p:spPr>
+          <a:xfrm>
+            <a:off x="45324508" y="24253518"/>
+            <a:ext cx="3254862" cy="523220"/>
+          </a:xfrm>
+          <a:prstGeom prst="rect">
+            <a:avLst/>
+          </a:prstGeom>
+          <a:noFill/>
+        </p:spPr>
+        <p:txBody>
+          <a:bodyPr wrap="square" rtlCol="0">
+            <a:spAutoFit/>
+          </a:bodyPr>
+          <a:lstStyle/>
+          <a:p>
+            <a:r>
+              <a:rPr lang="en-US" sz="2800" b="1" dirty="0"/>
+              <a:t>[NIPSKA17]</a:t>
+            </a:r>
+            <a:endParaRPr lang="de-DE" sz="2800" dirty="0"/>
+          </a:p>
+        </p:txBody>
+      </p:sp>
+      <p:sp>
+        <p:nvSpPr>
+          <p:cNvPr id="41" name="Textfeld 40">
+            <a:extLst>
+              <a:ext uri="{FF2B5EF4-FFF2-40B4-BE49-F238E27FC236}">
+                <a16:creationId xmlns:a16="http://schemas.microsoft.com/office/drawing/2014/main" id="{3C24F4FC-43D6-4B3B-BBAA-72DBC0BAD8C5}"/>
+              </a:ext>
+            </a:extLst>
+          </p:cNvPr>
+          <p:cNvSpPr txBox="1"/>
+          <p:nvPr/>
+        </p:nvSpPr>
+        <p:spPr>
+          <a:xfrm>
+            <a:off x="29425931" y="11222596"/>
+            <a:ext cx="3254862" cy="523220"/>
+          </a:xfrm>
+          <a:prstGeom prst="rect">
+            <a:avLst/>
+          </a:prstGeom>
+          <a:noFill/>
+        </p:spPr>
+        <p:txBody>
+          <a:bodyPr wrap="square" rtlCol="0">
+            <a:spAutoFit/>
+          </a:bodyPr>
+          <a:lstStyle/>
+          <a:p>
+            <a:r>
+              <a:rPr lang="en-US" sz="2800" b="1" dirty="0"/>
+              <a:t>[NIPSKA17]</a:t>
+            </a:r>
+            <a:endParaRPr lang="de-DE" sz="2800" dirty="0"/>
+          </a:p>
+        </p:txBody>
+      </p:sp>
+      <p:pic>
+        <p:nvPicPr>
+          <p:cNvPr id="20" name="Grafik 19">
+            <a:extLst>
+              <a:ext uri="{FF2B5EF4-FFF2-40B4-BE49-F238E27FC236}">
+                <a16:creationId xmlns:a16="http://schemas.microsoft.com/office/drawing/2014/main" id="{CF1DC093-6101-4E5A-B60E-733F8D98ED8F}"/>
+              </a:ext>
+            </a:extLst>
+          </p:cNvPr>
+          <p:cNvPicPr>
+            <a:picLocks noChangeAspect="1"/>
+          </p:cNvPicPr>
+          <p:nvPr/>
+        </p:nvPicPr>
+        <p:blipFill rotWithShape="1">
+          <a:blip r:embed="rId15">
+            <a:extLst>
+              <a:ext uri="{28A0092B-C50C-407E-A947-70E740481C1C}">
+                <a14:useLocalDpi xmlns:a14="http://schemas.microsoft.com/office/drawing/2010/main" val="0"/>
+              </a:ext>
+            </a:extLst>
+          </a:blip>
+          <a:srcRect l="2900" t="8615" r="-2900" b="3776"/>
+          <a:stretch/>
+        </p:blipFill>
+        <p:spPr>
+          <a:xfrm>
+            <a:off x="18696809" y="24447783"/>
+            <a:ext cx="6068191" cy="5316255"/>
+          </a:xfrm>
+          <a:prstGeom prst="rect">
+            <a:avLst/>
+          </a:prstGeom>
+        </p:spPr>
+      </p:pic>
+      <p:pic>
+        <p:nvPicPr>
+          <p:cNvPr id="22" name="Grafik 21">
+            <a:extLst>
+              <a:ext uri="{FF2B5EF4-FFF2-40B4-BE49-F238E27FC236}">
+                <a16:creationId xmlns:a16="http://schemas.microsoft.com/office/drawing/2014/main" id="{8ABCA933-9621-4AE0-9AF8-73087C6BB45D}"/>
+              </a:ext>
+            </a:extLst>
+          </p:cNvPr>
+          <p:cNvPicPr>
+            <a:picLocks noChangeAspect="1"/>
+          </p:cNvPicPr>
+          <p:nvPr/>
+        </p:nvPicPr>
+        <p:blipFill rotWithShape="1">
+          <a:blip r:embed="rId16">
+            <a:extLst>
+              <a:ext uri="{28A0092B-C50C-407E-A947-70E740481C1C}">
+                <a14:useLocalDpi xmlns:a14="http://schemas.microsoft.com/office/drawing/2010/main" val="0"/>
+              </a:ext>
+            </a:extLst>
+          </a:blip>
+          <a:srcRect t="7703" b="4091"/>
+          <a:stretch/>
+        </p:blipFill>
+        <p:spPr>
+          <a:xfrm>
+            <a:off x="25898081" y="24411514"/>
+            <a:ext cx="6068191" cy="5352524"/>
           </a:xfrm>
           <a:prstGeom prst="rect">
             <a:avLst/>
@@ -8781,11 +9144,6 @@
         </p:spPr>
       </p:pic>
     </p:spTree>
-    <p:extLst>
-      <p:ext uri="{BB962C8B-B14F-4D97-AF65-F5344CB8AC3E}">
-        <p14:creationId xmlns:p14="http://schemas.microsoft.com/office/powerpoint/2010/main" val="2106793570"/>
-      </p:ext>
-    </p:extLst>
   </p:cSld>
   <p:clrMapOvr>
     <a:masterClrMapping/>

--- a/Martin/Poster.pptx
+++ b/Martin/Poster.pptx
@@ -6051,7 +6051,7 @@
             </a:pPr>
             <a:r>
               <a:rPr lang="da-DK" sz="3800" dirty="0"/>
-              <a:t>Large data set sizes are necessary (f.e.  N=1000, I=40)</a:t>
+              <a:t>Large data set sizes are necessary (f.e.  N = 1000, I = 40)</a:t>
             </a:r>
           </a:p>
           <a:p>
@@ -6070,7 +6070,7 @@
             </a:pPr>
             <a:r>
               <a:rPr lang="da-DK" sz="3800" dirty="0"/>
-              <a:t>Real data results here are unusable because of very small class size (i.e. N=62)</a:t>
+              <a:t>Real data results here are unusable because of very small class size (i.e. N = 62)</a:t>
             </a:r>
           </a:p>
           <a:p>

--- a/Martin/Poster.pptx
+++ b/Martin/Poster.pptx
@@ -395,7 +395,7 @@
             <a:fld id="{744FB776-DB49-4077-BCD1-6FF64C55E5E5}" type="slidenum">
               <a:rPr lang="en-US" altLang="en-US"/>
               <a:pPr/>
-              <a:t>‹Nr.›</a:t>
+              <a:t>‹nr.›</a:t>
             </a:fld>
             <a:endParaRPr lang="en-US" altLang="en-US"/>
           </a:p>
@@ -595,7 +595,7 @@
             <a:fld id="{3707DBBD-A2EF-41B8-943D-FA7AE16CE57F}" type="slidenum">
               <a:rPr lang="en-US" altLang="en-US"/>
               <a:pPr/>
-              <a:t>‹Nr.›</a:t>
+              <a:t>‹nr.›</a:t>
             </a:fld>
             <a:endParaRPr lang="en-US" altLang="en-US"/>
           </a:p>
@@ -784,7 +784,7 @@
             <a:fld id="{2893A5F7-CDBB-44F3-A3A4-26B266F65A14}" type="slidenum">
               <a:rPr lang="en-US" altLang="en-US"/>
               <a:pPr/>
-              <a:t>‹Nr.›</a:t>
+              <a:t>‹nr.›</a:t>
             </a:fld>
             <a:endParaRPr lang="en-US" altLang="en-US"/>
           </a:p>
@@ -983,7 +983,7 @@
             <a:fld id="{A10F9AD9-4A97-4DE6-8CBE-D8D297BCD5E3}" type="slidenum">
               <a:rPr lang="en-US" altLang="en-US"/>
               <a:pPr/>
-              <a:t>‹Nr.›</a:t>
+              <a:t>‹nr.›</a:t>
             </a:fld>
             <a:endParaRPr lang="en-US" altLang="en-US"/>
           </a:p>
@@ -1172,7 +1172,7 @@
             <a:fld id="{C3EE5076-9E0E-4ADE-8C4C-CA522C6267B6}" type="slidenum">
               <a:rPr lang="en-US" altLang="en-US"/>
               <a:pPr/>
-              <a:t>‹Nr.›</a:t>
+              <a:t>‹nr.›</a:t>
             </a:fld>
             <a:endParaRPr lang="en-US" altLang="en-US"/>
           </a:p>
@@ -1384,7 +1384,7 @@
             <a:fld id="{F1AE802A-8F92-442D-B3FB-5EA652A86530}" type="slidenum">
               <a:rPr lang="en-US" altLang="en-US"/>
               <a:pPr/>
-              <a:t>‹Nr.›</a:t>
+              <a:t>‹nr.›</a:t>
             </a:fld>
             <a:endParaRPr lang="en-US" altLang="en-US"/>
           </a:p>
@@ -1690,7 +1690,7 @@
             <a:fld id="{BC9E8727-231B-4BB0-9E1C-995E4551D8D9}" type="slidenum">
               <a:rPr lang="en-US" altLang="en-US"/>
               <a:pPr/>
-              <a:t>‹Nr.›</a:t>
+              <a:t>‹nr.›</a:t>
             </a:fld>
             <a:endParaRPr lang="en-US" altLang="en-US"/>
           </a:p>
@@ -2135,7 +2135,7 @@
             <a:fld id="{CA641F95-7A14-4E10-B6C2-64A0D46AF847}" type="slidenum">
               <a:rPr lang="en-US" altLang="en-US"/>
               <a:pPr/>
-              <a:t>‹Nr.›</a:t>
+              <a:t>‹nr.›</a:t>
             </a:fld>
             <a:endParaRPr lang="en-US" altLang="en-US"/>
           </a:p>
@@ -2273,7 +2273,7 @@
             <a:fld id="{E6AD74C3-24B8-44D5-8467-81B391F9CFB1}" type="slidenum">
               <a:rPr lang="en-US" altLang="en-US"/>
               <a:pPr/>
-              <a:t>‹Nr.›</a:t>
+              <a:t>‹nr.›</a:t>
             </a:fld>
             <a:endParaRPr lang="en-US" altLang="en-US"/>
           </a:p>
@@ -2389,7 +2389,7 @@
             <a:fld id="{7D54F7CA-DBC5-425F-AFF8-CBC5E4A896EF}" type="slidenum">
               <a:rPr lang="en-US" altLang="en-US"/>
               <a:pPr/>
-              <a:t>‹Nr.›</a:t>
+              <a:t>‹nr.›</a:t>
             </a:fld>
             <a:endParaRPr lang="en-US" altLang="en-US"/>
           </a:p>
@@ -2685,7 +2685,7 @@
             <a:fld id="{AED02F74-6BEE-4F6A-B858-EBCEFCB84762}" type="slidenum">
               <a:rPr lang="en-US" altLang="en-US"/>
               <a:pPr/>
-              <a:t>‹Nr.›</a:t>
+              <a:t>‹nr.›</a:t>
             </a:fld>
             <a:endParaRPr lang="en-US" altLang="en-US"/>
           </a:p>
@@ -2959,7 +2959,7 @@
             <a:fld id="{BA8334B2-0221-4277-8AC2-45D166B770D6}" type="slidenum">
               <a:rPr lang="en-US" altLang="en-US"/>
               <a:pPr/>
-              <a:t>‹Nr.›</a:t>
+              <a:t>‹nr.›</a:t>
             </a:fld>
             <a:endParaRPr lang="en-US" altLang="en-US"/>
           </a:p>
@@ -3288,7 +3288,7 @@
             <a:fld id="{0C0AB8CD-295E-481E-B811-65B229C649DE}" type="slidenum">
               <a:rPr lang="en-US" altLang="en-US"/>
               <a:pPr/>
-              <a:t>‹Nr.›</a:t>
+              <a:t>‹nr.›</a:t>
             </a:fld>
             <a:endParaRPr lang="en-US" altLang="en-US"/>
           </a:p>
@@ -3698,179 +3698,6 @@
       </p:grpSpPr>
       <p:sp>
         <p:nvSpPr>
-          <p:cNvPr id="2052" name="Rectangle 664"/>
-          <p:cNvSpPr>
-            <a:spLocks noChangeArrowheads="1"/>
-          </p:cNvSpPr>
-          <p:nvPr/>
-        </p:nvSpPr>
-        <p:spPr bwMode="auto">
-          <a:xfrm>
-            <a:off x="832448" y="5684837"/>
-            <a:ext cx="16211550" cy="18919575"/>
-          </a:xfrm>
-          <a:prstGeom prst="rect">
-            <a:avLst/>
-          </a:prstGeom>
-          <a:noFill/>
-          <a:ln w="28575">
-            <a:solidFill>
-              <a:srgbClr val="C0C0C0"/>
-            </a:solidFill>
-            <a:miter lim="800000"/>
-            <a:headEnd/>
-            <a:tailEnd/>
-          </a:ln>
-          <a:extLst>
-            <a:ext uri="{909E8E84-426E-40DD-AFC4-6F175D3DCCD1}">
-              <a14:hiddenFill xmlns:a14="http://schemas.microsoft.com/office/drawing/2010/main">
-                <a:solidFill>
-                  <a:srgbClr val="FFFFFF"/>
-                </a:solidFill>
-              </a14:hiddenFill>
-            </a:ext>
-          </a:extLst>
-        </p:spPr>
-        <p:txBody>
-          <a:bodyPr wrap="none" lIns="91431" tIns="45716" rIns="91431" bIns="45716" anchor="ctr"/>
-          <a:lstStyle>
-            <a:lvl1pPr eaLnBrk="0" hangingPunct="0">
-              <a:spcBef>
-                <a:spcPct val="20000"/>
-              </a:spcBef>
-              <a:buChar char="•"/>
-              <a:defRPr sz="14400">
-                <a:solidFill>
-                  <a:schemeClr val="tx1"/>
-                </a:solidFill>
-                <a:latin typeface="Times New Roman" panose="02020603050405020304" pitchFamily="18" charset="0"/>
-              </a:defRPr>
-            </a:lvl1pPr>
-            <a:lvl2pPr marL="742950" indent="-285750" eaLnBrk="0" hangingPunct="0">
-              <a:spcBef>
-                <a:spcPct val="20000"/>
-              </a:spcBef>
-              <a:buChar char="–"/>
-              <a:defRPr sz="12500">
-                <a:solidFill>
-                  <a:schemeClr val="tx1"/>
-                </a:solidFill>
-                <a:latin typeface="Times New Roman" panose="02020603050405020304" pitchFamily="18" charset="0"/>
-              </a:defRPr>
-            </a:lvl2pPr>
-            <a:lvl3pPr marL="1143000" indent="-228600" eaLnBrk="0" hangingPunct="0">
-              <a:spcBef>
-                <a:spcPct val="20000"/>
-              </a:spcBef>
-              <a:buChar char="•"/>
-              <a:defRPr sz="10700">
-                <a:solidFill>
-                  <a:schemeClr val="tx1"/>
-                </a:solidFill>
-                <a:latin typeface="Times New Roman" panose="02020603050405020304" pitchFamily="18" charset="0"/>
-              </a:defRPr>
-            </a:lvl3pPr>
-            <a:lvl4pPr marL="1600200" indent="-228600" eaLnBrk="0" hangingPunct="0">
-              <a:spcBef>
-                <a:spcPct val="20000"/>
-              </a:spcBef>
-              <a:buChar char="–"/>
-              <a:defRPr sz="8900">
-                <a:solidFill>
-                  <a:schemeClr val="tx1"/>
-                </a:solidFill>
-                <a:latin typeface="Times New Roman" panose="02020603050405020304" pitchFamily="18" charset="0"/>
-              </a:defRPr>
-            </a:lvl4pPr>
-            <a:lvl5pPr marL="2057400" indent="-228600" eaLnBrk="0" hangingPunct="0">
-              <a:spcBef>
-                <a:spcPct val="20000"/>
-              </a:spcBef>
-              <a:buChar char="»"/>
-              <a:defRPr sz="8900">
-                <a:solidFill>
-                  <a:schemeClr val="tx1"/>
-                </a:solidFill>
-                <a:latin typeface="Times New Roman" panose="02020603050405020304" pitchFamily="18" charset="0"/>
-              </a:defRPr>
-            </a:lvl5pPr>
-            <a:lvl6pPr marL="2514600" indent="-228600" eaLnBrk="0" fontAlgn="base" hangingPunct="0">
-              <a:spcBef>
-                <a:spcPct val="20000"/>
-              </a:spcBef>
-              <a:spcAft>
-                <a:spcPct val="0"/>
-              </a:spcAft>
-              <a:buChar char="»"/>
-              <a:defRPr sz="8900">
-                <a:solidFill>
-                  <a:schemeClr val="tx1"/>
-                </a:solidFill>
-                <a:latin typeface="Times New Roman" panose="02020603050405020304" pitchFamily="18" charset="0"/>
-              </a:defRPr>
-            </a:lvl6pPr>
-            <a:lvl7pPr marL="2971800" indent="-228600" eaLnBrk="0" fontAlgn="base" hangingPunct="0">
-              <a:spcBef>
-                <a:spcPct val="20000"/>
-              </a:spcBef>
-              <a:spcAft>
-                <a:spcPct val="0"/>
-              </a:spcAft>
-              <a:buChar char="»"/>
-              <a:defRPr sz="8900">
-                <a:solidFill>
-                  <a:schemeClr val="tx1"/>
-                </a:solidFill>
-                <a:latin typeface="Times New Roman" panose="02020603050405020304" pitchFamily="18" charset="0"/>
-              </a:defRPr>
-            </a:lvl7pPr>
-            <a:lvl8pPr marL="3429000" indent="-228600" eaLnBrk="0" fontAlgn="base" hangingPunct="0">
-              <a:spcBef>
-                <a:spcPct val="20000"/>
-              </a:spcBef>
-              <a:spcAft>
-                <a:spcPct val="0"/>
-              </a:spcAft>
-              <a:buChar char="»"/>
-              <a:defRPr sz="8900">
-                <a:solidFill>
-                  <a:schemeClr val="tx1"/>
-                </a:solidFill>
-                <a:latin typeface="Times New Roman" panose="02020603050405020304" pitchFamily="18" charset="0"/>
-              </a:defRPr>
-            </a:lvl8pPr>
-            <a:lvl9pPr marL="3886200" indent="-228600" eaLnBrk="0" fontAlgn="base" hangingPunct="0">
-              <a:spcBef>
-                <a:spcPct val="20000"/>
-              </a:spcBef>
-              <a:spcAft>
-                <a:spcPct val="0"/>
-              </a:spcAft>
-              <a:buChar char="»"/>
-              <a:defRPr sz="8900">
-                <a:solidFill>
-                  <a:schemeClr val="tx1"/>
-                </a:solidFill>
-                <a:latin typeface="Times New Roman" panose="02020603050405020304" pitchFamily="18" charset="0"/>
-              </a:defRPr>
-            </a:lvl9pPr>
-          </a:lstStyle>
-          <a:p>
-            <a:pPr eaLnBrk="1" hangingPunct="1">
-              <a:spcBef>
-                <a:spcPct val="0"/>
-              </a:spcBef>
-              <a:buFontTx/>
-              <a:buNone/>
-            </a:pPr>
-            <a:endParaRPr lang="en-US" altLang="en-US" sz="3200">
-              <a:latin typeface="Optima Black" charset="0"/>
-            </a:endParaRPr>
-          </a:p>
-        </p:txBody>
-      </p:sp>
-      <p:sp>
-        <p:nvSpPr>
           <p:cNvPr id="1028" name="Text Box 1140"/>
           <p:cNvSpPr txBox="1">
             <a:spLocks noChangeArrowheads="1"/>
@@ -4608,646 +4435,6 @@
           </a:p>
         </p:txBody>
       </p:sp>
-      <mc:AlternateContent xmlns:mc="http://schemas.openxmlformats.org/markup-compatibility/2006">
-        <mc:Choice xmlns:a14="http://schemas.microsoft.com/office/drawing/2010/main" Requires="a14">
-          <p:sp>
-            <p:nvSpPr>
-              <p:cNvPr id="2058" name="Text Box 7"/>
-              <p:cNvSpPr txBox="1">
-                <a:spLocks noChangeArrowheads="1"/>
-              </p:cNvSpPr>
-              <p:nvPr/>
-            </p:nvSpPr>
-            <p:spPr bwMode="auto">
-              <a:xfrm>
-                <a:off x="876300" y="5684838"/>
-                <a:ext cx="16049626" cy="9694944"/>
-              </a:xfrm>
-              <a:prstGeom prst="rect">
-                <a:avLst/>
-              </a:prstGeom>
-              <a:noFill/>
-              <a:ln>
-                <a:noFill/>
-              </a:ln>
-              <a:extLst>
-                <a:ext uri="{909E8E84-426E-40DD-AFC4-6F175D3DCCD1}">
-                  <a14:hiddenFill>
-                    <a:solidFill>
-                      <a:srgbClr val="FFFFFF"/>
-                    </a:solidFill>
-                  </a14:hiddenFill>
-                </a:ext>
-                <a:ext uri="{91240B29-F687-4F45-9708-019B960494DF}">
-                  <a14:hiddenLine w="28575">
-                    <a:solidFill>
-                      <a:srgbClr val="000000"/>
-                    </a:solidFill>
-                    <a:miter lim="800000"/>
-                    <a:headEnd/>
-                    <a:tailEnd/>
-                  </a14:hiddenLine>
-                </a:ext>
-              </a:extLst>
-            </p:spPr>
-            <p:txBody>
-              <a:bodyPr wrap="square" lIns="91431" tIns="91431" rIns="91431" bIns="91431">
-                <a:spAutoFit/>
-              </a:bodyPr>
-              <a:lstStyle>
-                <a:lvl1pPr marL="457200" indent="-400050" eaLnBrk="0" hangingPunct="0">
-                  <a:spcBef>
-                    <a:spcPct val="20000"/>
-                  </a:spcBef>
-                  <a:buChar char="•"/>
-                  <a:tabLst>
-                    <a:tab pos="971550" algn="l"/>
-                    <a:tab pos="2457450" algn="l"/>
-                  </a:tabLst>
-                  <a:defRPr sz="14400">
-                    <a:solidFill>
-                      <a:schemeClr val="tx1"/>
-                    </a:solidFill>
-                    <a:latin typeface="Times New Roman" panose="02020603050405020304" pitchFamily="18" charset="0"/>
-                  </a:defRPr>
-                </a:lvl1pPr>
-                <a:lvl2pPr marL="742950" indent="-285750" eaLnBrk="0" hangingPunct="0">
-                  <a:spcBef>
-                    <a:spcPct val="20000"/>
-                  </a:spcBef>
-                  <a:buChar char="–"/>
-                  <a:tabLst>
-                    <a:tab pos="971550" algn="l"/>
-                    <a:tab pos="2457450" algn="l"/>
-                  </a:tabLst>
-                  <a:defRPr sz="12500">
-                    <a:solidFill>
-                      <a:schemeClr val="tx1"/>
-                    </a:solidFill>
-                    <a:latin typeface="Times New Roman" panose="02020603050405020304" pitchFamily="18" charset="0"/>
-                  </a:defRPr>
-                </a:lvl2pPr>
-                <a:lvl3pPr marL="1143000" indent="-228600" eaLnBrk="0" hangingPunct="0">
-                  <a:spcBef>
-                    <a:spcPct val="20000"/>
-                  </a:spcBef>
-                  <a:buChar char="•"/>
-                  <a:tabLst>
-                    <a:tab pos="971550" algn="l"/>
-                    <a:tab pos="2457450" algn="l"/>
-                  </a:tabLst>
-                  <a:defRPr sz="10700">
-                    <a:solidFill>
-                      <a:schemeClr val="tx1"/>
-                    </a:solidFill>
-                    <a:latin typeface="Times New Roman" panose="02020603050405020304" pitchFamily="18" charset="0"/>
-                  </a:defRPr>
-                </a:lvl3pPr>
-                <a:lvl4pPr marL="1600200" indent="-228600" eaLnBrk="0" hangingPunct="0">
-                  <a:spcBef>
-                    <a:spcPct val="20000"/>
-                  </a:spcBef>
-                  <a:buChar char="–"/>
-                  <a:tabLst>
-                    <a:tab pos="971550" algn="l"/>
-                    <a:tab pos="2457450" algn="l"/>
-                  </a:tabLst>
-                  <a:defRPr sz="8900">
-                    <a:solidFill>
-                      <a:schemeClr val="tx1"/>
-                    </a:solidFill>
-                    <a:latin typeface="Times New Roman" panose="02020603050405020304" pitchFamily="18" charset="0"/>
-                  </a:defRPr>
-                </a:lvl4pPr>
-                <a:lvl5pPr marL="2057400" indent="-228600" eaLnBrk="0" hangingPunct="0">
-                  <a:spcBef>
-                    <a:spcPct val="20000"/>
-                  </a:spcBef>
-                  <a:buChar char="»"/>
-                  <a:tabLst>
-                    <a:tab pos="971550" algn="l"/>
-                    <a:tab pos="2457450" algn="l"/>
-                  </a:tabLst>
-                  <a:defRPr sz="8900">
-                    <a:solidFill>
-                      <a:schemeClr val="tx1"/>
-                    </a:solidFill>
-                    <a:latin typeface="Times New Roman" panose="02020603050405020304" pitchFamily="18" charset="0"/>
-                  </a:defRPr>
-                </a:lvl5pPr>
-                <a:lvl6pPr marL="2514600" indent="-228600" eaLnBrk="0" fontAlgn="base" hangingPunct="0">
-                  <a:spcBef>
-                    <a:spcPct val="20000"/>
-                  </a:spcBef>
-                  <a:spcAft>
-                    <a:spcPct val="0"/>
-                  </a:spcAft>
-                  <a:buChar char="»"/>
-                  <a:tabLst>
-                    <a:tab pos="971550" algn="l"/>
-                    <a:tab pos="2457450" algn="l"/>
-                  </a:tabLst>
-                  <a:defRPr sz="8900">
-                    <a:solidFill>
-                      <a:schemeClr val="tx1"/>
-                    </a:solidFill>
-                    <a:latin typeface="Times New Roman" panose="02020603050405020304" pitchFamily="18" charset="0"/>
-                  </a:defRPr>
-                </a:lvl6pPr>
-                <a:lvl7pPr marL="2971800" indent="-228600" eaLnBrk="0" fontAlgn="base" hangingPunct="0">
-                  <a:spcBef>
-                    <a:spcPct val="20000"/>
-                  </a:spcBef>
-                  <a:spcAft>
-                    <a:spcPct val="0"/>
-                  </a:spcAft>
-                  <a:buChar char="»"/>
-                  <a:tabLst>
-                    <a:tab pos="971550" algn="l"/>
-                    <a:tab pos="2457450" algn="l"/>
-                  </a:tabLst>
-                  <a:defRPr sz="8900">
-                    <a:solidFill>
-                      <a:schemeClr val="tx1"/>
-                    </a:solidFill>
-                    <a:latin typeface="Times New Roman" panose="02020603050405020304" pitchFamily="18" charset="0"/>
-                  </a:defRPr>
-                </a:lvl7pPr>
-                <a:lvl8pPr marL="3429000" indent="-228600" eaLnBrk="0" fontAlgn="base" hangingPunct="0">
-                  <a:spcBef>
-                    <a:spcPct val="20000"/>
-                  </a:spcBef>
-                  <a:spcAft>
-                    <a:spcPct val="0"/>
-                  </a:spcAft>
-                  <a:buChar char="»"/>
-                  <a:tabLst>
-                    <a:tab pos="971550" algn="l"/>
-                    <a:tab pos="2457450" algn="l"/>
-                  </a:tabLst>
-                  <a:defRPr sz="8900">
-                    <a:solidFill>
-                      <a:schemeClr val="tx1"/>
-                    </a:solidFill>
-                    <a:latin typeface="Times New Roman" panose="02020603050405020304" pitchFamily="18" charset="0"/>
-                  </a:defRPr>
-                </a:lvl8pPr>
-                <a:lvl9pPr marL="3886200" indent="-228600" eaLnBrk="0" fontAlgn="base" hangingPunct="0">
-                  <a:spcBef>
-                    <a:spcPct val="20000"/>
-                  </a:spcBef>
-                  <a:spcAft>
-                    <a:spcPct val="0"/>
-                  </a:spcAft>
-                  <a:buChar char="»"/>
-                  <a:tabLst>
-                    <a:tab pos="971550" algn="l"/>
-                    <a:tab pos="2457450" algn="l"/>
-                  </a:tabLst>
-                  <a:defRPr sz="8900">
-                    <a:solidFill>
-                      <a:schemeClr val="tx1"/>
-                    </a:solidFill>
-                    <a:latin typeface="Times New Roman" panose="02020603050405020304" pitchFamily="18" charset="0"/>
-                  </a:defRPr>
-                </a:lvl9pPr>
-              </a:lstStyle>
-              <a:p>
-                <a:pPr algn="just" eaLnBrk="1" hangingPunct="1">
-                  <a:spcBef>
-                    <a:spcPct val="50000"/>
-                  </a:spcBef>
-                  <a:buFontTx/>
-                  <a:buNone/>
-                </a:pPr>
-                <a:r>
-                  <a:rPr lang="hr-HR" altLang="en-US" sz="3600" b="1" dirty="0">
-                    <a:latin typeface="Arial" panose="020B0604020202020204" pitchFamily="34" charset="0"/>
-                  </a:rPr>
-                  <a:t> </a:t>
-                </a:r>
-                <a:r>
-                  <a:rPr lang="en-US" altLang="en-US" sz="4800" b="1" u="sng" dirty="0">
-                    <a:latin typeface="Arial" panose="020B0604020202020204" pitchFamily="34" charset="0"/>
-                    <a:ea typeface="Tahoma" panose="020B0604030504040204" pitchFamily="34" charset="0"/>
-                    <a:cs typeface="Arial" panose="020B0604020202020204" pitchFamily="34" charset="0"/>
-                  </a:rPr>
-                  <a:t>Introduction</a:t>
-                </a:r>
-                <a:endParaRPr lang="da-DK" altLang="en-US" sz="3600" dirty="0">
-                  <a:latin typeface="Arial" panose="020B0604020202020204" pitchFamily="34" charset="0"/>
-                  <a:ea typeface="Tahoma" panose="020B0604030504040204" pitchFamily="34" charset="0"/>
-                  <a:cs typeface="Arial" panose="020B0604020202020204" pitchFamily="34" charset="0"/>
-                </a:endParaRPr>
-              </a:p>
-              <a:p>
-                <a:pPr marL="182563" indent="-33338" algn="just" eaLnBrk="1" hangingPunct="1">
-                  <a:spcBef>
-                    <a:spcPct val="0"/>
-                  </a:spcBef>
-                  <a:buFontTx/>
-                  <a:buNone/>
-                </a:pPr>
-                <a:endParaRPr lang="en-US" altLang="en-US" sz="3800" dirty="0">
-                  <a:latin typeface="Arial" panose="020B0604020202020204" pitchFamily="34" charset="0"/>
-                  <a:ea typeface="Tahoma" panose="020B0604030504040204" pitchFamily="34" charset="0"/>
-                  <a:cs typeface="Arial" panose="020B0604020202020204" pitchFamily="34" charset="0"/>
-                </a:endParaRPr>
-              </a:p>
-              <a:p>
-                <a:pPr marL="720725" indent="-571500" algn="just" eaLnBrk="1" hangingPunct="1">
-                  <a:spcBef>
-                    <a:spcPct val="0"/>
-                  </a:spcBef>
-                  <a:buFontTx/>
-                  <a:buChar char="-"/>
-                </a:pPr>
-                <a:r>
-                  <a:rPr lang="en-US" altLang="en-US" sz="3800" dirty="0">
-                    <a:latin typeface="Arial" panose="020B0604020202020204" pitchFamily="34" charset="0"/>
-                    <a:ea typeface="Tahoma" panose="020B0604030504040204" pitchFamily="34" charset="0"/>
-                    <a:cs typeface="Arial" panose="020B0604020202020204" pitchFamily="34" charset="0"/>
-                  </a:rPr>
-                  <a:t>The backbone of medical and social studies is the access and use of personal data.</a:t>
-                </a:r>
-              </a:p>
-              <a:p>
-                <a:pPr marL="720725" indent="-571500" algn="just" eaLnBrk="1" hangingPunct="1">
-                  <a:spcBef>
-                    <a:spcPct val="0"/>
-                  </a:spcBef>
-                  <a:buFontTx/>
-                  <a:buChar char="-"/>
-                </a:pPr>
-                <a:endParaRPr lang="en-US" altLang="en-US" sz="3800" dirty="0">
-                  <a:latin typeface="Arial" panose="020B0604020202020204" pitchFamily="34" charset="0"/>
-                  <a:ea typeface="Tahoma" panose="020B0604030504040204" pitchFamily="34" charset="0"/>
-                  <a:cs typeface="Arial" panose="020B0604020202020204" pitchFamily="34" charset="0"/>
-                </a:endParaRPr>
-              </a:p>
-              <a:p>
-                <a:pPr marL="720725" indent="-571500" algn="just" eaLnBrk="1" hangingPunct="1">
-                  <a:spcBef>
-                    <a:spcPct val="0"/>
-                  </a:spcBef>
-                  <a:buFontTx/>
-                  <a:buChar char="-"/>
-                </a:pPr>
-                <a:r>
-                  <a:rPr lang="en-US" altLang="en-US" sz="3800" dirty="0">
-                    <a:latin typeface="Arial" panose="020B0604020202020204" pitchFamily="34" charset="0"/>
-                    <a:ea typeface="Tahoma" panose="020B0604030504040204" pitchFamily="34" charset="0"/>
-                    <a:cs typeface="Arial" panose="020B0604020202020204" pitchFamily="34" charset="0"/>
-                  </a:rPr>
-                  <a:t>As an incentive privacy should be ensured.</a:t>
-                </a:r>
-              </a:p>
-              <a:p>
-                <a:pPr marL="720725" indent="-571500" algn="just" eaLnBrk="1" hangingPunct="1">
-                  <a:spcBef>
-                    <a:spcPct val="0"/>
-                  </a:spcBef>
-                  <a:buFontTx/>
-                  <a:buChar char="-"/>
-                </a:pPr>
-                <a:endParaRPr lang="en-US" altLang="en-US" sz="3800" dirty="0">
-                  <a:latin typeface="Arial" panose="020B0604020202020204" pitchFamily="34" charset="0"/>
-                  <a:ea typeface="Tahoma" panose="020B0604030504040204" pitchFamily="34" charset="0"/>
-                  <a:cs typeface="Arial" panose="020B0604020202020204" pitchFamily="34" charset="0"/>
-                </a:endParaRPr>
-              </a:p>
-              <a:p>
-                <a:pPr marL="720725" indent="-571500" algn="just" eaLnBrk="1" hangingPunct="1">
-                  <a:spcBef>
-                    <a:spcPct val="0"/>
-                  </a:spcBef>
-                  <a:buFontTx/>
-                  <a:buChar char="-"/>
-                </a:pPr>
-                <a:r>
-                  <a:rPr lang="en-US" altLang="en-US" sz="3800" dirty="0">
-                    <a:latin typeface="Arial" panose="020B0604020202020204" pitchFamily="34" charset="0"/>
-                    <a:ea typeface="Tahoma" panose="020B0604030504040204" pitchFamily="34" charset="0"/>
-                    <a:cs typeface="Arial" panose="020B0604020202020204" pitchFamily="34" charset="0"/>
-                  </a:rPr>
-                  <a:t>The traditional approach is to anonymize the data.</a:t>
-                </a:r>
-              </a:p>
-              <a:p>
-                <a:pPr marL="720725" indent="-571500" algn="just" eaLnBrk="1" hangingPunct="1">
-                  <a:spcBef>
-                    <a:spcPct val="0"/>
-                  </a:spcBef>
-                  <a:buFontTx/>
-                  <a:buChar char="-"/>
-                </a:pPr>
-                <a:endParaRPr lang="en-US" altLang="en-US" sz="3800" dirty="0">
-                  <a:latin typeface="Arial" panose="020B0604020202020204" pitchFamily="34" charset="0"/>
-                  <a:ea typeface="Tahoma" panose="020B0604030504040204" pitchFamily="34" charset="0"/>
-                  <a:cs typeface="Arial" panose="020B0604020202020204" pitchFamily="34" charset="0"/>
-                </a:endParaRPr>
-              </a:p>
-              <a:p>
-                <a:pPr marL="720725" indent="-571500" eaLnBrk="1" hangingPunct="1">
-                  <a:spcBef>
-                    <a:spcPct val="0"/>
-                  </a:spcBef>
-                  <a:buFontTx/>
-                  <a:buChar char="-"/>
-                </a:pPr>
-                <a:r>
-                  <a:rPr lang="en-US" altLang="en-US" sz="3800" dirty="0">
-                    <a:latin typeface="Arial" panose="020B0604020202020204" pitchFamily="34" charset="0"/>
-                    <a:ea typeface="Tahoma" panose="020B0604030504040204" pitchFamily="34" charset="0"/>
-                    <a:cs typeface="Arial" panose="020B0604020202020204" pitchFamily="34" charset="0"/>
-                  </a:rPr>
-                  <a:t>But this is not always enough.</a:t>
-                </a:r>
-              </a:p>
-              <a:p>
-                <a:pPr marL="720725" indent="-571500" algn="just" eaLnBrk="1" hangingPunct="1">
-                  <a:spcBef>
-                    <a:spcPct val="0"/>
-                  </a:spcBef>
-                  <a:buFontTx/>
-                  <a:buChar char="-"/>
-                </a:pPr>
-                <a:endParaRPr lang="en-US" altLang="en-US" sz="3800" dirty="0">
-                  <a:latin typeface="Arial" panose="020B0604020202020204" pitchFamily="34" charset="0"/>
-                  <a:ea typeface="Tahoma" panose="020B0604030504040204" pitchFamily="34" charset="0"/>
-                  <a:cs typeface="Arial" panose="020B0604020202020204" pitchFamily="34" charset="0"/>
-                </a:endParaRPr>
-              </a:p>
-              <a:p>
-                <a:pPr marL="720725" indent="-571500" eaLnBrk="1" hangingPunct="1">
-                  <a:spcBef>
-                    <a:spcPct val="0"/>
-                  </a:spcBef>
-                  <a:buFontTx/>
-                  <a:buChar char="-"/>
-                </a:pPr>
-                <a14:m>
-                  <m:oMath xmlns:m="http://schemas.openxmlformats.org/officeDocument/2006/math">
-                    <m:r>
-                      <a:rPr lang="da-DK" sz="3800" b="0" i="1" smtClean="0">
-                        <a:latin typeface="Cambria Math" panose="02040503050406030204" pitchFamily="18" charset="0"/>
-                      </a:rPr>
-                      <m:t>𝜖</m:t>
-                    </m:r>
-                  </m:oMath>
-                </a14:m>
-                <a:r>
-                  <a:rPr lang="en-US" altLang="en-US" sz="3800" dirty="0">
-                    <a:latin typeface="Arial" panose="020B0604020202020204" pitchFamily="34" charset="0"/>
-                    <a:ea typeface="Tahoma" panose="020B0604030504040204" pitchFamily="34" charset="0"/>
-                    <a:cs typeface="Arial" panose="020B0604020202020204" pitchFamily="34" charset="0"/>
-                  </a:rPr>
-                  <a:t>-D</a:t>
-                </a:r>
-                <a:r>
-                  <a:rPr lang="da-DK" altLang="en-US" sz="3800" dirty="0" err="1">
-                    <a:latin typeface="Arial" panose="020B0604020202020204" pitchFamily="34" charset="0"/>
-                    <a:ea typeface="Tahoma" panose="020B0604030504040204" pitchFamily="34" charset="0"/>
-                    <a:cs typeface="Arial" panose="020B0604020202020204" pitchFamily="34" charset="0"/>
-                  </a:rPr>
-                  <a:t>ifferential</a:t>
-                </a:r>
-                <a:r>
-                  <a:rPr lang="da-DK" altLang="en-US" sz="3800" dirty="0">
-                    <a:latin typeface="Arial" panose="020B0604020202020204" pitchFamily="34" charset="0"/>
-                    <a:ea typeface="Tahoma" panose="020B0604030504040204" pitchFamily="34" charset="0"/>
-                    <a:cs typeface="Arial" panose="020B0604020202020204" pitchFamily="34" charset="0"/>
-                  </a:rPr>
-                  <a:t> </a:t>
-                </a:r>
-                <a:r>
-                  <a:rPr lang="da-DK" altLang="en-US" sz="3800" dirty="0" err="1">
-                    <a:latin typeface="Arial" panose="020B0604020202020204" pitchFamily="34" charset="0"/>
-                    <a:ea typeface="Tahoma" panose="020B0604030504040204" pitchFamily="34" charset="0"/>
-                    <a:cs typeface="Arial" panose="020B0604020202020204" pitchFamily="34" charset="0"/>
-                  </a:rPr>
-                  <a:t>privacy</a:t>
-                </a:r>
-                <a:r>
-                  <a:rPr lang="da-DK" altLang="en-US" sz="3800" dirty="0">
-                    <a:latin typeface="Arial" panose="020B0604020202020204" pitchFamily="34" charset="0"/>
-                    <a:ea typeface="Tahoma" panose="020B0604030504040204" pitchFamily="34" charset="0"/>
-                    <a:cs typeface="Arial" panose="020B0604020202020204" pitchFamily="34" charset="0"/>
-                  </a:rPr>
-                  <a:t> is a </a:t>
-                </a:r>
-                <a:r>
-                  <a:rPr lang="da-DK" altLang="en-US" sz="3800" dirty="0" err="1">
-                    <a:latin typeface="Arial" panose="020B0604020202020204" pitchFamily="34" charset="0"/>
-                    <a:ea typeface="Tahoma" panose="020B0604030504040204" pitchFamily="34" charset="0"/>
-                    <a:cs typeface="Arial" panose="020B0604020202020204" pitchFamily="34" charset="0"/>
-                  </a:rPr>
-                  <a:t>tool</a:t>
-                </a:r>
-                <a:r>
-                  <a:rPr lang="da-DK" altLang="en-US" sz="3800" dirty="0">
-                    <a:latin typeface="Arial" panose="020B0604020202020204" pitchFamily="34" charset="0"/>
-                    <a:ea typeface="Tahoma" panose="020B0604030504040204" pitchFamily="34" charset="0"/>
-                    <a:cs typeface="Arial" panose="020B0604020202020204" pitchFamily="34" charset="0"/>
-                  </a:rPr>
-                  <a:t> </a:t>
-                </a:r>
-                <a:r>
-                  <a:rPr lang="da-DK" altLang="en-US" sz="3800" dirty="0" err="1">
-                    <a:latin typeface="Arial" panose="020B0604020202020204" pitchFamily="34" charset="0"/>
-                    <a:ea typeface="Tahoma" panose="020B0604030504040204" pitchFamily="34" charset="0"/>
-                    <a:cs typeface="Arial" panose="020B0604020202020204" pitchFamily="34" charset="0"/>
-                  </a:rPr>
-                  <a:t>that</a:t>
-                </a:r>
-                <a:r>
-                  <a:rPr lang="da-DK" altLang="en-US" sz="3800" dirty="0">
-                    <a:latin typeface="Arial" panose="020B0604020202020204" pitchFamily="34" charset="0"/>
-                    <a:ea typeface="Tahoma" panose="020B0604030504040204" pitchFamily="34" charset="0"/>
-                    <a:cs typeface="Arial" panose="020B0604020202020204" pitchFamily="34" charset="0"/>
-                  </a:rPr>
-                  <a:t> </a:t>
-                </a:r>
-                <a:r>
-                  <a:rPr lang="en-US" altLang="en-US" sz="3800" dirty="0">
-                    <a:latin typeface="Arial" panose="020B0604020202020204" pitchFamily="34" charset="0"/>
-                    <a:ea typeface="Tahoma" panose="020B0604030504040204" pitchFamily="34" charset="0"/>
-                    <a:cs typeface="Arial" panose="020B0604020202020204" pitchFamily="34" charset="0"/>
-                  </a:rPr>
-                  <a:t>allows for the release of test results without revealing information about any participant</a:t>
-                </a:r>
-                <a:r>
-                  <a:rPr lang="da-DK" altLang="en-US" sz="3800" dirty="0">
-                    <a:latin typeface="Arial" panose="020B0604020202020204" pitchFamily="34" charset="0"/>
-                    <a:ea typeface="Tahoma" panose="020B0604030504040204" pitchFamily="34" charset="0"/>
-                    <a:cs typeface="Arial" panose="020B0604020202020204" pitchFamily="34" charset="0"/>
-                  </a:rPr>
-                  <a:t>.</a:t>
-                </a:r>
-              </a:p>
-              <a:p>
-                <a:pPr marL="149225" indent="0" eaLnBrk="1" hangingPunct="1">
-                  <a:spcBef>
-                    <a:spcPct val="0"/>
-                  </a:spcBef>
-                  <a:buNone/>
-                </a:pPr>
-                <a:endParaRPr lang="da-DK" altLang="en-US" sz="3800" dirty="0">
-                  <a:latin typeface="Arial" panose="020B0604020202020204" pitchFamily="34" charset="0"/>
-                  <a:ea typeface="Tahoma" panose="020B0604030504040204" pitchFamily="34" charset="0"/>
-                  <a:cs typeface="Arial" panose="020B0604020202020204" pitchFamily="34" charset="0"/>
-                </a:endParaRPr>
-              </a:p>
-              <a:p>
-                <a:pPr marL="720725" indent="-571500" eaLnBrk="1" hangingPunct="1">
-                  <a:spcBef>
-                    <a:spcPct val="0"/>
-                  </a:spcBef>
-                  <a:buFontTx/>
-                  <a:buChar char="-"/>
-                </a:pPr>
-                <a:r>
-                  <a:rPr lang="da-DK" altLang="en-US" sz="3800" dirty="0">
-                    <a:latin typeface="Arial" panose="020B0604020202020204" pitchFamily="34" charset="0"/>
-                    <a:ea typeface="Tahoma" panose="020B0604030504040204" pitchFamily="34" charset="0"/>
-                    <a:cs typeface="Arial" panose="020B0604020202020204" pitchFamily="34" charset="0"/>
-                  </a:rPr>
-                  <a:t>Is it </a:t>
-                </a:r>
-                <a:r>
-                  <a:rPr lang="da-DK" altLang="en-US" sz="3800" dirty="0" err="1">
-                    <a:latin typeface="Arial" panose="020B0604020202020204" pitchFamily="34" charset="0"/>
-                    <a:ea typeface="Tahoma" panose="020B0604030504040204" pitchFamily="34" charset="0"/>
-                    <a:cs typeface="Arial" panose="020B0604020202020204" pitchFamily="34" charset="0"/>
-                  </a:rPr>
-                  <a:t>possible</a:t>
-                </a:r>
-                <a:r>
-                  <a:rPr lang="da-DK" altLang="en-US" sz="3800" dirty="0">
-                    <a:latin typeface="Arial" panose="020B0604020202020204" pitchFamily="34" charset="0"/>
-                    <a:ea typeface="Tahoma" panose="020B0604030504040204" pitchFamily="34" charset="0"/>
-                    <a:cs typeface="Arial" panose="020B0604020202020204" pitchFamily="34" charset="0"/>
-                  </a:rPr>
-                  <a:t> to </a:t>
-                </a:r>
-                <a:r>
-                  <a:rPr lang="da-DK" altLang="en-US" sz="3800" dirty="0" err="1">
-                    <a:latin typeface="Arial" panose="020B0604020202020204" pitchFamily="34" charset="0"/>
-                    <a:ea typeface="Tahoma" panose="020B0604030504040204" pitchFamily="34" charset="0"/>
-                    <a:cs typeface="Arial" panose="020B0604020202020204" pitchFamily="34" charset="0"/>
-                  </a:rPr>
-                  <a:t>develop</a:t>
-                </a:r>
-                <a:r>
-                  <a:rPr lang="da-DK" altLang="en-US" sz="3800" dirty="0">
-                    <a:latin typeface="Arial" panose="020B0604020202020204" pitchFamily="34" charset="0"/>
-                    <a:ea typeface="Tahoma" panose="020B0604030504040204" pitchFamily="34" charset="0"/>
-                    <a:cs typeface="Arial" panose="020B0604020202020204" pitchFamily="34" charset="0"/>
-                  </a:rPr>
-                  <a:t> a </a:t>
-                </a:r>
-                <a:r>
-                  <a:rPr lang="da-DK" altLang="en-US" sz="3800" dirty="0" err="1">
-                    <a:latin typeface="Arial" panose="020B0604020202020204" pitchFamily="34" charset="0"/>
-                    <a:ea typeface="Tahoma" panose="020B0604030504040204" pitchFamily="34" charset="0"/>
-                    <a:cs typeface="Arial" panose="020B0604020202020204" pitchFamily="34" charset="0"/>
-                  </a:rPr>
-                  <a:t>differentially</a:t>
-                </a:r>
-                <a:r>
-                  <a:rPr lang="da-DK" altLang="en-US" sz="3800" dirty="0">
-                    <a:latin typeface="Arial" panose="020B0604020202020204" pitchFamily="34" charset="0"/>
-                    <a:ea typeface="Tahoma" panose="020B0604030504040204" pitchFamily="34" charset="0"/>
-                    <a:cs typeface="Arial" panose="020B0604020202020204" pitchFamily="34" charset="0"/>
-                  </a:rPr>
-                  <a:t> private feedback system for</a:t>
-                </a:r>
-              </a:p>
-              <a:p>
-                <a:pPr marL="149225" indent="0" eaLnBrk="1" hangingPunct="1">
-                  <a:spcBef>
-                    <a:spcPct val="0"/>
-                  </a:spcBef>
-                  <a:buNone/>
-                </a:pPr>
-                <a:r>
-                  <a:rPr lang="da-DK" altLang="en-US" sz="3800" dirty="0">
-                    <a:latin typeface="Tahoma" panose="020B0604030504040204" pitchFamily="34" charset="0"/>
-                    <a:ea typeface="Tahoma" panose="020B0604030504040204" pitchFamily="34" charset="0"/>
-                    <a:cs typeface="Tahoma" panose="020B0604030504040204" pitchFamily="34" charset="0"/>
-                  </a:rPr>
-                  <a:t>    students?</a:t>
-                </a:r>
-                <a:endParaRPr lang="en-US" altLang="en-US" sz="3800" dirty="0">
-                  <a:latin typeface="Tahoma" panose="020B0604030504040204" pitchFamily="34" charset="0"/>
-                  <a:ea typeface="Tahoma" panose="020B0604030504040204" pitchFamily="34" charset="0"/>
-                  <a:cs typeface="Tahoma" panose="020B0604030504040204" pitchFamily="34" charset="0"/>
-                </a:endParaRPr>
-              </a:p>
-            </p:txBody>
-          </p:sp>
-        </mc:Choice>
-        <mc:Fallback>
-          <p:sp>
-            <p:nvSpPr>
-              <p:cNvPr id="2058" name="Text Box 7"/>
-              <p:cNvSpPr txBox="1">
-                <a:spLocks noRot="1" noChangeAspect="1" noMove="1" noResize="1" noEditPoints="1" noAdjustHandles="1" noChangeArrowheads="1" noChangeShapeType="1" noTextEdit="1"/>
-              </p:cNvSpPr>
-              <p:nvPr/>
-            </p:nvSpPr>
-            <p:spPr bwMode="auto">
-              <a:xfrm>
-                <a:off x="876300" y="5684838"/>
-                <a:ext cx="16049626" cy="9694944"/>
-              </a:xfrm>
-              <a:prstGeom prst="rect">
-                <a:avLst/>
-              </a:prstGeom>
-              <a:blipFill>
-                <a:blip r:embed="rId2"/>
-                <a:stretch>
-                  <a:fillRect l="-608" t="-1069" r="-1253" b="-1132"/>
-                </a:stretch>
-              </a:blipFill>
-              <a:ln>
-                <a:noFill/>
-              </a:ln>
-              <a:extLst>
-                <a:ext uri="{909E8E84-426E-40DD-AFC4-6F175D3DCCD1}">
-                  <a14:hiddenFill xmlns:a14="http://schemas.microsoft.com/office/drawing/2010/main">
-                    <a:solidFill>
-                      <a:srgbClr val="FFFFFF"/>
-                    </a:solidFill>
-                  </a14:hiddenFill>
-                </a:ext>
-                <a:ext uri="{91240B29-F687-4F45-9708-019B960494DF}">
-                  <a14:hiddenLine xmlns:a14="http://schemas.microsoft.com/office/drawing/2010/main" w="28575">
-                    <a:solidFill>
-                      <a:srgbClr val="000000"/>
-                    </a:solidFill>
-                    <a:miter lim="800000"/>
-                    <a:headEnd/>
-                    <a:tailEnd/>
-                  </a14:hiddenLine>
-                </a:ext>
-              </a:extLst>
-            </p:spPr>
-            <p:txBody>
-              <a:bodyPr/>
-              <a:lstStyle/>
-              <a:p>
-                <a:r>
-                  <a:rPr lang="de-DE">
-                    <a:noFill/>
-                  </a:rPr>
-                  <a:t> </a:t>
-                </a:r>
-              </a:p>
-            </p:txBody>
-          </p:sp>
-        </mc:Fallback>
-      </mc:AlternateContent>
       <p:sp>
         <p:nvSpPr>
           <p:cNvPr id="2061" name="Text Box 1108"/>
@@ -5449,7 +4636,7 @@
           <p:nvPr/>
         </p:nvPicPr>
         <p:blipFill rotWithShape="1">
-          <a:blip r:embed="rId3">
+          <a:blip r:embed="rId2">
             <a:extLst>
               <a:ext uri="{28A0092B-C50C-407E-A947-70E740481C1C}">
                 <a14:useLocalDpi xmlns:a14="http://schemas.microsoft.com/office/drawing/2010/main" val="0"/>
@@ -5501,7 +4688,7 @@
           <p:nvPr/>
         </p:nvPicPr>
         <p:blipFill>
-          <a:blip r:embed="rId4">
+          <a:blip r:embed="rId3">
             <a:extLst>
               <a:ext uri="{28A0092B-C50C-407E-A947-70E740481C1C}">
                 <a14:useLocalDpi xmlns:a14="http://schemas.microsoft.com/office/drawing/2010/main" val="0"/>
@@ -5555,7 +4742,7 @@
           <p:nvPr/>
         </p:nvPicPr>
         <p:blipFill>
-          <a:blip r:embed="rId5">
+          <a:blip r:embed="rId4">
             <a:extLst>
               <a:ext uri="{28A0092B-C50C-407E-A947-70E740481C1C}">
                 <a14:useLocalDpi xmlns:a14="http://schemas.microsoft.com/office/drawing/2010/main" val="0"/>
@@ -5808,7 +4995,7 @@
         </p:nvSpPr>
         <p:spPr bwMode="auto">
           <a:xfrm>
-            <a:off x="17482248" y="5684837"/>
+            <a:off x="688432" y="19654390"/>
             <a:ext cx="16210800" cy="10134599"/>
           </a:xfrm>
           <a:prstGeom prst="rect">
@@ -6368,7 +5555,7 @@
             </p:nvSpPr>
             <p:spPr bwMode="auto">
               <a:xfrm>
-                <a:off x="17498908" y="5718867"/>
+                <a:off x="794258" y="19779877"/>
                 <a:ext cx="16032966" cy="9956554"/>
               </a:xfrm>
               <a:prstGeom prst="rect">
@@ -6955,16 +6142,16 @@
             </p:nvSpPr>
             <p:spPr bwMode="auto">
               <a:xfrm>
-                <a:off x="17498908" y="5718867"/>
+                <a:off x="794258" y="19779877"/>
                 <a:ext cx="16032966" cy="9956554"/>
               </a:xfrm>
               <a:prstGeom prst="rect">
                 <a:avLst/>
               </a:prstGeom>
               <a:blipFill>
-                <a:blip r:embed="rId6"/>
+                <a:blip r:embed="rId5"/>
                 <a:stretch>
-                  <a:fillRect l="-798" t="-980" r="-1255"/>
+                  <a:fillRect l="-798" t="-1041" r="-1255"/>
                 </a:stretch>
               </a:blipFill>
               <a:ln w="28575">
@@ -6979,7 +6166,7 @@
               <a:lstStyle/>
               <a:p>
                 <a:r>
-                  <a:rPr lang="de-DE">
+                  <a:rPr lang="en-GB">
                     <a:noFill/>
                   </a:rPr>
                   <a:t> </a:t>
@@ -6989,8 +6176,8 @@
           </p:sp>
         </mc:Fallback>
       </mc:AlternateContent>
-      <mc:AlternateContent xmlns:mc="http://schemas.openxmlformats.org/markup-compatibility/2006">
-        <mc:Choice xmlns:a14="http://schemas.microsoft.com/office/drawing/2010/main" Requires="a14">
+      <mc:AlternateContent xmlns:mc="http://schemas.openxmlformats.org/markup-compatibility/2006" xmlns:a14="http://schemas.microsoft.com/office/drawing/2010/main">
+        <mc:Choice Requires="a14">
           <p:sp>
             <p:nvSpPr>
               <p:cNvPr id="2070" name="Text Box 1080"/>
@@ -7323,7 +6510,7 @@
             </p:txBody>
           </p:sp>
         </mc:Choice>
-        <mc:Fallback>
+        <mc:Fallback xmlns="">
           <p:sp>
             <p:nvSpPr>
               <p:cNvPr id="2070" name="Text Box 1080"/>
@@ -7820,7 +7007,7 @@
       </p:sp>
       <p:sp>
         <p:nvSpPr>
-          <p:cNvPr id="76" name="Rectangle 1058"/>
+          <p:cNvPr id="2052" name="Rectangle 664"/>
           <p:cNvSpPr>
             <a:spLocks noChangeArrowheads="1"/>
           </p:cNvSpPr>
@@ -7828,8 +7015,8 @@
         </p:nvSpPr>
         <p:spPr bwMode="auto">
           <a:xfrm>
-            <a:off x="832448" y="25084823"/>
-            <a:ext cx="16210800" cy="4632158"/>
+            <a:off x="720818" y="5711877"/>
+            <a:ext cx="16211550" cy="14015442"/>
           </a:xfrm>
           <a:prstGeom prst="rect">
             <a:avLst/>
@@ -7985,94 +7172,9 @@
               <a:buFontTx/>
               <a:buNone/>
             </a:pPr>
-            <a:endParaRPr lang="en-US" altLang="en-US" sz="3600">
+            <a:endParaRPr lang="en-US" altLang="en-US" sz="3200">
               <a:latin typeface="Optima Black" charset="0"/>
             </a:endParaRPr>
-          </a:p>
-        </p:txBody>
-      </p:sp>
-      <p:pic>
-        <p:nvPicPr>
-          <p:cNvPr id="4" name="Picture 3"/>
-          <p:cNvPicPr>
-            <a:picLocks noChangeAspect="1"/>
-          </p:cNvPicPr>
-          <p:nvPr/>
-        </p:nvPicPr>
-        <p:blipFill>
-          <a:blip r:embed="rId8" cstate="print">
-            <a:extLst>
-              <a:ext uri="{28A0092B-C50C-407E-A947-70E740481C1C}">
-                <a14:useLocalDpi xmlns:a14="http://schemas.microsoft.com/office/drawing/2010/main" val="0"/>
-              </a:ext>
-            </a:extLst>
-          </a:blip>
-          <a:stretch>
-            <a:fillRect/>
-          </a:stretch>
-        </p:blipFill>
-        <p:spPr>
-          <a:xfrm>
-            <a:off x="832448" y="15259555"/>
-            <a:ext cx="16240974" cy="8746340"/>
-          </a:xfrm>
-          <a:prstGeom prst="rect">
-            <a:avLst/>
-          </a:prstGeom>
-        </p:spPr>
-      </p:pic>
-      <p:sp>
-        <p:nvSpPr>
-          <p:cNvPr id="3" name="TextBox 2"/>
-          <p:cNvSpPr txBox="1"/>
-          <p:nvPr/>
-        </p:nvSpPr>
-        <p:spPr>
-          <a:xfrm>
-            <a:off x="832448" y="23958082"/>
-            <a:ext cx="16209962" cy="646331"/>
-          </a:xfrm>
-          <a:prstGeom prst="rect">
-            <a:avLst/>
-          </a:prstGeom>
-        </p:spPr>
-        <p:style>
-          <a:lnRef idx="2">
-            <a:schemeClr val="dk1"/>
-          </a:lnRef>
-          <a:fillRef idx="1">
-            <a:schemeClr val="lt1"/>
-          </a:fillRef>
-          <a:effectRef idx="0">
-            <a:schemeClr val="dk1"/>
-          </a:effectRef>
-          <a:fontRef idx="minor">
-            <a:schemeClr val="dk1"/>
-          </a:fontRef>
-        </p:style>
-        <p:txBody>
-          <a:bodyPr wrap="square" rtlCol="0">
-            <a:spAutoFit/>
-          </a:bodyPr>
-          <a:lstStyle/>
-          <a:p>
-            <a:r>
-              <a:rPr lang="en-GB" sz="3600" dirty="0"/>
-              <a:t>Figure 1: </a:t>
-            </a:r>
-            <a:r>
-              <a:rPr lang="en-US" sz="3600" dirty="0"/>
-              <a:t>Concept of the differentially private </a:t>
-            </a:r>
-            <a:r>
-              <a:rPr lang="en-US" sz="3600" dirty="0" err="1"/>
-              <a:t>Rasch</a:t>
-            </a:r>
-            <a:r>
-              <a:rPr lang="en-US" sz="3600" dirty="0"/>
-              <a:t> model and its use in teaching.</a:t>
-            </a:r>
-            <a:endParaRPr lang="en-GB" sz="3600" dirty="0"/>
           </a:p>
         </p:txBody>
       </p:sp>
@@ -8080,7 +7182,7 @@
         <mc:Choice xmlns:a14="http://schemas.microsoft.com/office/drawing/2010/main" Requires="a14">
           <p:sp>
             <p:nvSpPr>
-              <p:cNvPr id="29" name="Text Box 1080"/>
+              <p:cNvPr id="2058" name="Text Box 7"/>
               <p:cNvSpPr txBox="1">
                 <a:spLocks noChangeArrowheads="1"/>
               </p:cNvSpPr>
@@ -8088,425 +7190,477 @@
             </p:nvSpPr>
             <p:spPr bwMode="auto">
               <a:xfrm>
-                <a:off x="904456" y="25072767"/>
-                <a:ext cx="16202025" cy="4724417"/>
+                <a:off x="876300" y="5684838"/>
+                <a:ext cx="16049626" cy="6771066"/>
               </a:xfrm>
               <a:prstGeom prst="rect">
                 <a:avLst/>
               </a:prstGeom>
               <a:noFill/>
-              <a:ln w="28575">
+              <a:ln>
                 <a:noFill/>
-                <a:miter lim="800000"/>
-                <a:headEnd/>
-                <a:tailEnd/>
               </a:ln>
+              <a:extLst>
+                <a:ext uri="{909E8E84-426E-40DD-AFC4-6F175D3DCCD1}">
+                  <a14:hiddenFill>
+                    <a:solidFill>
+                      <a:srgbClr val="FFFFFF"/>
+                    </a:solidFill>
+                  </a14:hiddenFill>
+                </a:ext>
+                <a:ext uri="{91240B29-F687-4F45-9708-019B960494DF}">
+                  <a14:hiddenLine w="28575">
+                    <a:solidFill>
+                      <a:srgbClr val="000000"/>
+                    </a:solidFill>
+                    <a:miter lim="800000"/>
+                    <a:headEnd/>
+                    <a:tailEnd/>
+                  </a14:hiddenLine>
+                </a:ext>
+              </a:extLst>
             </p:spPr>
             <p:txBody>
               <a:bodyPr wrap="square" lIns="91431" tIns="91431" rIns="91431" bIns="91431">
                 <a:spAutoFit/>
               </a:bodyPr>
-              <a:lstStyle/>
+              <a:lstStyle>
+                <a:lvl1pPr marL="457200" indent="-400050" eaLnBrk="0" hangingPunct="0">
+                  <a:spcBef>
+                    <a:spcPct val="20000"/>
+                  </a:spcBef>
+                  <a:buChar char="•"/>
+                  <a:tabLst>
+                    <a:tab pos="971550" algn="l"/>
+                    <a:tab pos="2457450" algn="l"/>
+                  </a:tabLst>
+                  <a:defRPr sz="14400">
+                    <a:solidFill>
+                      <a:schemeClr val="tx1"/>
+                    </a:solidFill>
+                    <a:latin typeface="Times New Roman" panose="02020603050405020304" pitchFamily="18" charset="0"/>
+                  </a:defRPr>
+                </a:lvl1pPr>
+                <a:lvl2pPr marL="742950" indent="-285750" eaLnBrk="0" hangingPunct="0">
+                  <a:spcBef>
+                    <a:spcPct val="20000"/>
+                  </a:spcBef>
+                  <a:buChar char="–"/>
+                  <a:tabLst>
+                    <a:tab pos="971550" algn="l"/>
+                    <a:tab pos="2457450" algn="l"/>
+                  </a:tabLst>
+                  <a:defRPr sz="12500">
+                    <a:solidFill>
+                      <a:schemeClr val="tx1"/>
+                    </a:solidFill>
+                    <a:latin typeface="Times New Roman" panose="02020603050405020304" pitchFamily="18" charset="0"/>
+                  </a:defRPr>
+                </a:lvl2pPr>
+                <a:lvl3pPr marL="1143000" indent="-228600" eaLnBrk="0" hangingPunct="0">
+                  <a:spcBef>
+                    <a:spcPct val="20000"/>
+                  </a:spcBef>
+                  <a:buChar char="•"/>
+                  <a:tabLst>
+                    <a:tab pos="971550" algn="l"/>
+                    <a:tab pos="2457450" algn="l"/>
+                  </a:tabLst>
+                  <a:defRPr sz="10700">
+                    <a:solidFill>
+                      <a:schemeClr val="tx1"/>
+                    </a:solidFill>
+                    <a:latin typeface="Times New Roman" panose="02020603050405020304" pitchFamily="18" charset="0"/>
+                  </a:defRPr>
+                </a:lvl3pPr>
+                <a:lvl4pPr marL="1600200" indent="-228600" eaLnBrk="0" hangingPunct="0">
+                  <a:spcBef>
+                    <a:spcPct val="20000"/>
+                  </a:spcBef>
+                  <a:buChar char="–"/>
+                  <a:tabLst>
+                    <a:tab pos="971550" algn="l"/>
+                    <a:tab pos="2457450" algn="l"/>
+                  </a:tabLst>
+                  <a:defRPr sz="8900">
+                    <a:solidFill>
+                      <a:schemeClr val="tx1"/>
+                    </a:solidFill>
+                    <a:latin typeface="Times New Roman" panose="02020603050405020304" pitchFamily="18" charset="0"/>
+                  </a:defRPr>
+                </a:lvl4pPr>
+                <a:lvl5pPr marL="2057400" indent="-228600" eaLnBrk="0" hangingPunct="0">
+                  <a:spcBef>
+                    <a:spcPct val="20000"/>
+                  </a:spcBef>
+                  <a:buChar char="»"/>
+                  <a:tabLst>
+                    <a:tab pos="971550" algn="l"/>
+                    <a:tab pos="2457450" algn="l"/>
+                  </a:tabLst>
+                  <a:defRPr sz="8900">
+                    <a:solidFill>
+                      <a:schemeClr val="tx1"/>
+                    </a:solidFill>
+                    <a:latin typeface="Times New Roman" panose="02020603050405020304" pitchFamily="18" charset="0"/>
+                  </a:defRPr>
+                </a:lvl5pPr>
+                <a:lvl6pPr marL="2514600" indent="-228600" eaLnBrk="0" fontAlgn="base" hangingPunct="0">
+                  <a:spcBef>
+                    <a:spcPct val="20000"/>
+                  </a:spcBef>
+                  <a:spcAft>
+                    <a:spcPct val="0"/>
+                  </a:spcAft>
+                  <a:buChar char="»"/>
+                  <a:tabLst>
+                    <a:tab pos="971550" algn="l"/>
+                    <a:tab pos="2457450" algn="l"/>
+                  </a:tabLst>
+                  <a:defRPr sz="8900">
+                    <a:solidFill>
+                      <a:schemeClr val="tx1"/>
+                    </a:solidFill>
+                    <a:latin typeface="Times New Roman" panose="02020603050405020304" pitchFamily="18" charset="0"/>
+                  </a:defRPr>
+                </a:lvl6pPr>
+                <a:lvl7pPr marL="2971800" indent="-228600" eaLnBrk="0" fontAlgn="base" hangingPunct="0">
+                  <a:spcBef>
+                    <a:spcPct val="20000"/>
+                  </a:spcBef>
+                  <a:spcAft>
+                    <a:spcPct val="0"/>
+                  </a:spcAft>
+                  <a:buChar char="»"/>
+                  <a:tabLst>
+                    <a:tab pos="971550" algn="l"/>
+                    <a:tab pos="2457450" algn="l"/>
+                  </a:tabLst>
+                  <a:defRPr sz="8900">
+                    <a:solidFill>
+                      <a:schemeClr val="tx1"/>
+                    </a:solidFill>
+                    <a:latin typeface="Times New Roman" panose="02020603050405020304" pitchFamily="18" charset="0"/>
+                  </a:defRPr>
+                </a:lvl7pPr>
+                <a:lvl8pPr marL="3429000" indent="-228600" eaLnBrk="0" fontAlgn="base" hangingPunct="0">
+                  <a:spcBef>
+                    <a:spcPct val="20000"/>
+                  </a:spcBef>
+                  <a:spcAft>
+                    <a:spcPct val="0"/>
+                  </a:spcAft>
+                  <a:buChar char="»"/>
+                  <a:tabLst>
+                    <a:tab pos="971550" algn="l"/>
+                    <a:tab pos="2457450" algn="l"/>
+                  </a:tabLst>
+                  <a:defRPr sz="8900">
+                    <a:solidFill>
+                      <a:schemeClr val="tx1"/>
+                    </a:solidFill>
+                    <a:latin typeface="Times New Roman" panose="02020603050405020304" pitchFamily="18" charset="0"/>
+                  </a:defRPr>
+                </a:lvl8pPr>
+                <a:lvl9pPr marL="3886200" indent="-228600" eaLnBrk="0" fontAlgn="base" hangingPunct="0">
+                  <a:spcBef>
+                    <a:spcPct val="20000"/>
+                  </a:spcBef>
+                  <a:spcAft>
+                    <a:spcPct val="0"/>
+                  </a:spcAft>
+                  <a:buChar char="»"/>
+                  <a:tabLst>
+                    <a:tab pos="971550" algn="l"/>
+                    <a:tab pos="2457450" algn="l"/>
+                  </a:tabLst>
+                  <a:defRPr sz="8900">
+                    <a:solidFill>
+                      <a:schemeClr val="tx1"/>
+                    </a:solidFill>
+                    <a:latin typeface="Times New Roman" panose="02020603050405020304" pitchFamily="18" charset="0"/>
+                  </a:defRPr>
+                </a:lvl9pPr>
+              </a:lstStyle>
               <a:p>
-                <a:pPr marL="457200" indent="-400050" algn="just">
+                <a:pPr algn="just" eaLnBrk="1" hangingPunct="1">
                   <a:spcBef>
                     <a:spcPct val="50000"/>
                   </a:spcBef>
-                  <a:tabLst>
-                    <a:tab pos="509588" algn="l"/>
-                  </a:tabLst>
-                  <a:defRPr/>
+                  <a:buFontTx/>
+                  <a:buNone/>
                 </a:pPr>
                 <a:r>
-                  <a:rPr lang="en-US" sz="4800" b="1" dirty="0"/>
+                  <a:rPr lang="hr-HR" altLang="en-US" sz="3600" b="1" dirty="0">
+                    <a:latin typeface="Arial" panose="020B0604020202020204" pitchFamily="34" charset="0"/>
+                  </a:rPr>
                   <a:t> </a:t>
                 </a:r>
                 <a:r>
-                  <a:rPr lang="da-DK" sz="4800" b="1" u="sng" dirty="0"/>
-                  <a:t>Rasch Model</a:t>
+                  <a:rPr lang="en-US" altLang="en-US" sz="4800" b="1" u="sng" dirty="0">
+                    <a:latin typeface="Arial" panose="020B0604020202020204" pitchFamily="34" charset="0"/>
+                    <a:ea typeface="Tahoma" panose="020B0604030504040204" pitchFamily="34" charset="0"/>
+                    <a:cs typeface="Arial" panose="020B0604020202020204" pitchFamily="34" charset="0"/>
+                  </a:rPr>
+                  <a:t>Introduction</a:t>
+                </a:r>
+                <a:endParaRPr lang="da-DK" altLang="en-US" sz="3600" dirty="0">
+                  <a:latin typeface="Arial" panose="020B0604020202020204" pitchFamily="34" charset="0"/>
+                  <a:ea typeface="Tahoma" panose="020B0604030504040204" pitchFamily="34" charset="0"/>
+                  <a:cs typeface="Arial" panose="020B0604020202020204" pitchFamily="34" charset="0"/>
+                </a:endParaRPr>
+              </a:p>
+              <a:p>
+                <a:pPr marL="182563" indent="-33338" algn="just" eaLnBrk="1" hangingPunct="1">
+                  <a:spcBef>
+                    <a:spcPct val="0"/>
+                  </a:spcBef>
+                  <a:buFontTx/>
+                  <a:buNone/>
+                </a:pPr>
+                <a:endParaRPr lang="en-US" altLang="en-US" sz="3800" dirty="0">
+                  <a:latin typeface="Arial" panose="020B0604020202020204" pitchFamily="34" charset="0"/>
+                  <a:ea typeface="Tahoma" panose="020B0604030504040204" pitchFamily="34" charset="0"/>
+                  <a:cs typeface="Arial" panose="020B0604020202020204" pitchFamily="34" charset="0"/>
+                </a:endParaRPr>
+              </a:p>
+              <a:p>
+                <a:pPr marL="720725" indent="-571500" eaLnBrk="1" hangingPunct="1">
+                  <a:spcBef>
+                    <a:spcPct val="0"/>
+                  </a:spcBef>
+                  <a:buFontTx/>
+                  <a:buChar char="-"/>
+                </a:pPr>
+                <a:r>
+                  <a:rPr lang="en-US" altLang="en-US" sz="3800" dirty="0">
+                    <a:latin typeface="Arial" panose="020B0604020202020204" pitchFamily="34" charset="0"/>
+                    <a:ea typeface="Tahoma" panose="020B0604030504040204" pitchFamily="34" charset="0"/>
+                    <a:cs typeface="Arial" panose="020B0604020202020204" pitchFamily="34" charset="0"/>
+                  </a:rPr>
+                  <a:t>The backbone of medical and social studies is the access and use of personal data. As an incentive privacy should be ensured. The traditional method of anonymizing the data is not always enough.</a:t>
                 </a:r>
               </a:p>
               <a:p>
-                <a:pPr marL="628650" indent="-571500" algn="just">
+                <a:pPr marL="720725" indent="-571500" eaLnBrk="1" hangingPunct="1">
                   <a:spcBef>
-                    <a:spcPts val="2400"/>
+                    <a:spcPct val="0"/>
                   </a:spcBef>
                   <a:buFontTx/>
                   <a:buChar char="-"/>
-                  <a:tabLst>
-                    <a:tab pos="509588" algn="l"/>
-                  </a:tabLst>
-                  <a:defRPr/>
                 </a:pPr>
+                <a:endParaRPr lang="en-US" altLang="en-US" sz="3800" dirty="0">
+                  <a:latin typeface="Arial" panose="020B0604020202020204" pitchFamily="34" charset="0"/>
+                  <a:ea typeface="Tahoma" panose="020B0604030504040204" pitchFamily="34" charset="0"/>
+                  <a:cs typeface="Arial" panose="020B0604020202020204" pitchFamily="34" charset="0"/>
+                </a:endParaRPr>
+              </a:p>
+              <a:p>
+                <a:pPr marL="720725" indent="-571500" eaLnBrk="1" hangingPunct="1">
+                  <a:spcBef>
+                    <a:spcPct val="0"/>
+                  </a:spcBef>
+                  <a:buFontTx/>
+                  <a:buChar char="-"/>
+                </a:pPr>
+                <a14:m>
+                  <m:oMath xmlns:m="http://schemas.openxmlformats.org/officeDocument/2006/math">
+                    <m:r>
+                      <a:rPr lang="da-DK" sz="3800" b="0" i="1" smtClean="0">
+                        <a:latin typeface="Cambria Math" panose="02040503050406030204" pitchFamily="18" charset="0"/>
+                      </a:rPr>
+                      <m:t>𝜖</m:t>
+                    </m:r>
+                  </m:oMath>
+                </a14:m>
                 <a:r>
-                  <a:rPr lang="en-US" sz="3800" dirty="0"/>
-                  <a:t>The </a:t>
+                  <a:rPr lang="en-US" altLang="en-US" sz="3800" dirty="0">
+                    <a:latin typeface="Arial" panose="020B0604020202020204" pitchFamily="34" charset="0"/>
+                    <a:ea typeface="Tahoma" panose="020B0604030504040204" pitchFamily="34" charset="0"/>
+                    <a:cs typeface="Arial" panose="020B0604020202020204" pitchFamily="34" charset="0"/>
+                  </a:rPr>
+                  <a:t>-D</a:t>
                 </a:r>
                 <a:r>
-                  <a:rPr lang="en-US" sz="3800" dirty="0" err="1"/>
-                  <a:t>Rasch</a:t>
+                  <a:rPr lang="da-DK" altLang="en-US" sz="3800" dirty="0" err="1">
+                    <a:latin typeface="Arial" panose="020B0604020202020204" pitchFamily="34" charset="0"/>
+                    <a:ea typeface="Tahoma" panose="020B0604030504040204" pitchFamily="34" charset="0"/>
+                    <a:cs typeface="Arial" panose="020B0604020202020204" pitchFamily="34" charset="0"/>
+                  </a:rPr>
+                  <a:t>ifferential</a:t>
                 </a:r>
                 <a:r>
-                  <a:rPr lang="en-US" sz="3800" dirty="0"/>
-                  <a:t> model is used to calculate the probability of passing a task</a:t>
+                  <a:rPr lang="da-DK" altLang="en-US" sz="3800" dirty="0">
+                    <a:latin typeface="Arial" panose="020B0604020202020204" pitchFamily="34" charset="0"/>
+                    <a:ea typeface="Tahoma" panose="020B0604030504040204" pitchFamily="34" charset="0"/>
+                    <a:cs typeface="Arial" panose="020B0604020202020204" pitchFamily="34" charset="0"/>
+                  </a:rPr>
+                  <a:t> </a:t>
+                </a:r>
+                <a:r>
+                  <a:rPr lang="da-DK" altLang="en-US" sz="3800" dirty="0" err="1">
+                    <a:latin typeface="Arial" panose="020B0604020202020204" pitchFamily="34" charset="0"/>
+                    <a:ea typeface="Tahoma" panose="020B0604030504040204" pitchFamily="34" charset="0"/>
+                    <a:cs typeface="Arial" panose="020B0604020202020204" pitchFamily="34" charset="0"/>
+                  </a:rPr>
+                  <a:t>privacy</a:t>
+                </a:r>
+                <a:r>
+                  <a:rPr lang="da-DK" altLang="en-US" sz="3800" dirty="0">
+                    <a:latin typeface="Arial" panose="020B0604020202020204" pitchFamily="34" charset="0"/>
+                    <a:ea typeface="Tahoma" panose="020B0604030504040204" pitchFamily="34" charset="0"/>
+                    <a:cs typeface="Arial" panose="020B0604020202020204" pitchFamily="34" charset="0"/>
+                  </a:rPr>
+                  <a:t> is a </a:t>
+                </a:r>
+                <a:r>
+                  <a:rPr lang="da-DK" altLang="en-US" sz="3800" dirty="0" err="1">
+                    <a:latin typeface="Arial" panose="020B0604020202020204" pitchFamily="34" charset="0"/>
+                    <a:ea typeface="Tahoma" panose="020B0604030504040204" pitchFamily="34" charset="0"/>
+                    <a:cs typeface="Arial" panose="020B0604020202020204" pitchFamily="34" charset="0"/>
+                  </a:rPr>
+                  <a:t>tool</a:t>
+                </a:r>
+                <a:r>
+                  <a:rPr lang="da-DK" altLang="en-US" sz="3800" dirty="0">
+                    <a:latin typeface="Arial" panose="020B0604020202020204" pitchFamily="34" charset="0"/>
+                    <a:ea typeface="Tahoma" panose="020B0604030504040204" pitchFamily="34" charset="0"/>
+                    <a:cs typeface="Arial" panose="020B0604020202020204" pitchFamily="34" charset="0"/>
+                  </a:rPr>
+                  <a:t> </a:t>
+                </a:r>
+                <a:r>
+                  <a:rPr lang="da-DK" altLang="en-US" sz="3800" dirty="0" err="1">
+                    <a:latin typeface="Arial" panose="020B0604020202020204" pitchFamily="34" charset="0"/>
+                    <a:ea typeface="Tahoma" panose="020B0604030504040204" pitchFamily="34" charset="0"/>
+                    <a:cs typeface="Arial" panose="020B0604020202020204" pitchFamily="34" charset="0"/>
+                  </a:rPr>
+                  <a:t>that</a:t>
+                </a:r>
+                <a:r>
+                  <a:rPr lang="da-DK" altLang="en-US" sz="3800" dirty="0">
+                    <a:latin typeface="Arial" panose="020B0604020202020204" pitchFamily="34" charset="0"/>
+                    <a:ea typeface="Tahoma" panose="020B0604030504040204" pitchFamily="34" charset="0"/>
+                    <a:cs typeface="Arial" panose="020B0604020202020204" pitchFamily="34" charset="0"/>
+                  </a:rPr>
+                  <a:t> </a:t>
+                </a:r>
+                <a:r>
+                  <a:rPr lang="en-US" altLang="en-US" sz="3800" dirty="0">
+                    <a:latin typeface="Arial" panose="020B0604020202020204" pitchFamily="34" charset="0"/>
+                    <a:ea typeface="Tahoma" panose="020B0604030504040204" pitchFamily="34" charset="0"/>
+                    <a:cs typeface="Arial" panose="020B0604020202020204" pitchFamily="34" charset="0"/>
+                  </a:rPr>
+                  <a:t>allows for the release of test results without revealing information about any participant</a:t>
+                </a:r>
+                <a:r>
+                  <a:rPr lang="da-DK" altLang="en-US" sz="3800" dirty="0">
+                    <a:latin typeface="Arial" panose="020B0604020202020204" pitchFamily="34" charset="0"/>
+                    <a:ea typeface="Tahoma" panose="020B0604030504040204" pitchFamily="34" charset="0"/>
+                    <a:cs typeface="Arial" panose="020B0604020202020204" pitchFamily="34" charset="0"/>
+                  </a:rPr>
+                  <a:t>.</a:t>
                 </a:r>
               </a:p>
               <a:p>
-                <a:pPr marL="57150" algn="just">
+                <a:pPr marL="720725" indent="-571500" eaLnBrk="1" hangingPunct="1">
                   <a:spcBef>
-                    <a:spcPts val="2400"/>
-                  </a:spcBef>
-                  <a:tabLst>
-                    <a:tab pos="509588" algn="l"/>
-                  </a:tabLst>
-                  <a:defRPr/>
-                </a:pPr>
-                <a14:m>
-                  <m:oMathPara xmlns:m="http://schemas.openxmlformats.org/officeDocument/2006/math">
-                    <m:oMathParaPr>
-                      <m:jc m:val="centerGroup"/>
-                    </m:oMathParaPr>
-                    <m:oMath xmlns:m="http://schemas.openxmlformats.org/officeDocument/2006/math">
-                      <m:r>
-                        <a:rPr lang="da-DK" sz="3800" b="0" i="1" smtClean="0">
-                          <a:latin typeface="Cambria Math" panose="02040503050406030204" pitchFamily="18" charset="0"/>
-                        </a:rPr>
-                        <m:t>𝑃</m:t>
-                      </m:r>
-                      <m:d>
-                        <m:dPr>
-                          <m:ctrlPr>
-                            <a:rPr lang="da-DK" sz="3800" i="1" smtClean="0">
-                              <a:latin typeface="Cambria Math" panose="02040503050406030204" pitchFamily="18" charset="0"/>
-                            </a:rPr>
-                          </m:ctrlPr>
-                        </m:dPr>
-                        <m:e>
-                          <m:sSub>
-                            <m:sSubPr>
-                              <m:ctrlPr>
-                                <a:rPr lang="da-DK" sz="3800" i="1" smtClean="0">
-                                  <a:latin typeface="Cambria Math" panose="02040503050406030204" pitchFamily="18" charset="0"/>
-                                </a:rPr>
-                              </m:ctrlPr>
-                            </m:sSubPr>
-                            <m:e>
-                              <m:r>
-                                <a:rPr lang="da-DK" sz="3800" b="0" i="1" smtClean="0">
-                                  <a:latin typeface="Cambria Math" panose="02040503050406030204" pitchFamily="18" charset="0"/>
-                                </a:rPr>
-                                <m:t>𝑌</m:t>
-                              </m:r>
-                            </m:e>
-                            <m:sub>
-                              <m:r>
-                                <a:rPr lang="da-DK" sz="3800" b="0" i="1" smtClean="0">
-                                  <a:latin typeface="Cambria Math" panose="02040503050406030204" pitchFamily="18" charset="0"/>
-                                </a:rPr>
-                                <m:t>𝑖</m:t>
-                              </m:r>
-                              <m:r>
-                                <a:rPr lang="da-DK" sz="3800" b="0" i="1" smtClean="0">
-                                  <a:latin typeface="Cambria Math" panose="02040503050406030204" pitchFamily="18" charset="0"/>
-                                </a:rPr>
-                                <m:t>,</m:t>
-                              </m:r>
-                              <m:r>
-                                <a:rPr lang="da-DK" sz="3800" b="0" i="1" smtClean="0">
-                                  <a:latin typeface="Cambria Math" panose="02040503050406030204" pitchFamily="18" charset="0"/>
-                                </a:rPr>
-                                <m:t>𝑗</m:t>
-                              </m:r>
-                            </m:sub>
-                          </m:sSub>
-                          <m:r>
-                            <a:rPr lang="da-DK" sz="3800" b="0" i="1" smtClean="0">
-                              <a:latin typeface="Cambria Math" panose="02040503050406030204" pitchFamily="18" charset="0"/>
-                            </a:rPr>
-                            <m:t>=1</m:t>
-                          </m:r>
-                        </m:e>
-                        <m:e>
-                          <m:sSub>
-                            <m:sSubPr>
-                              <m:ctrlPr>
-                                <a:rPr lang="da-DK" sz="3800" i="1" smtClean="0">
-                                  <a:latin typeface="Cambria Math" panose="02040503050406030204" pitchFamily="18" charset="0"/>
-                                </a:rPr>
-                              </m:ctrlPr>
-                            </m:sSubPr>
-                            <m:e>
-                              <m:r>
-                                <a:rPr lang="da-DK" sz="3800" b="0" i="1" smtClean="0">
-                                  <a:latin typeface="Cambria Math" panose="02040503050406030204" pitchFamily="18" charset="0"/>
-                                </a:rPr>
-                                <m:t>𝜃</m:t>
-                              </m:r>
-                            </m:e>
-                            <m:sub>
-                              <m:r>
-                                <a:rPr lang="da-DK" sz="3800" b="0" i="1" smtClean="0">
-                                  <a:latin typeface="Cambria Math" panose="02040503050406030204" pitchFamily="18" charset="0"/>
-                                </a:rPr>
-                                <m:t>𝑖</m:t>
-                              </m:r>
-                            </m:sub>
-                          </m:sSub>
-                          <m:r>
-                            <a:rPr lang="da-DK" sz="3800" b="0" i="1" smtClean="0">
-                              <a:latin typeface="Cambria Math" panose="02040503050406030204" pitchFamily="18" charset="0"/>
-                            </a:rPr>
-                            <m:t>,</m:t>
-                          </m:r>
-                          <m:sSub>
-                            <m:sSubPr>
-                              <m:ctrlPr>
-                                <a:rPr lang="da-DK" sz="3800" i="1" smtClean="0">
-                                  <a:latin typeface="Cambria Math" panose="02040503050406030204" pitchFamily="18" charset="0"/>
-                                </a:rPr>
-                              </m:ctrlPr>
-                            </m:sSubPr>
-                            <m:e>
-                              <m:r>
-                                <a:rPr lang="da-DK" sz="3800" b="0" i="1" smtClean="0">
-                                  <a:latin typeface="Cambria Math" panose="02040503050406030204" pitchFamily="18" charset="0"/>
-                                </a:rPr>
-                                <m:t>𝛽</m:t>
-                              </m:r>
-                            </m:e>
-                            <m:sub>
-                              <m:r>
-                                <a:rPr lang="da-DK" sz="3800" b="0" i="1" smtClean="0">
-                                  <a:latin typeface="Cambria Math" panose="02040503050406030204" pitchFamily="18" charset="0"/>
-                                </a:rPr>
-                                <m:t>𝑗</m:t>
-                              </m:r>
-                            </m:sub>
-                          </m:sSub>
-                        </m:e>
-                      </m:d>
-                      <m:r>
-                        <a:rPr lang="da-DK" sz="3800" b="0" i="1" smtClean="0">
-                          <a:latin typeface="Cambria Math" panose="02040503050406030204" pitchFamily="18" charset="0"/>
-                        </a:rPr>
-                        <m:t>=</m:t>
-                      </m:r>
-                      <m:f>
-                        <m:fPr>
-                          <m:ctrlPr>
-                            <a:rPr lang="da-DK" sz="3800" i="1" smtClean="0">
-                              <a:latin typeface="Cambria Math" panose="02040503050406030204" pitchFamily="18" charset="0"/>
-                            </a:rPr>
-                          </m:ctrlPr>
-                        </m:fPr>
-                        <m:num>
-                          <m:func>
-                            <m:funcPr>
-                              <m:ctrlPr>
-                                <a:rPr lang="da-DK" sz="3800" i="1" smtClean="0">
-                                  <a:latin typeface="Cambria Math" panose="02040503050406030204" pitchFamily="18" charset="0"/>
-                                </a:rPr>
-                              </m:ctrlPr>
-                            </m:funcPr>
-                            <m:fName>
-                              <m:r>
-                                <m:rPr>
-                                  <m:sty m:val="p"/>
-                                </m:rPr>
-                                <a:rPr lang="da-DK" sz="3800" b="0" i="0" smtClean="0">
-                                  <a:latin typeface="Cambria Math" panose="02040503050406030204" pitchFamily="18" charset="0"/>
-                                </a:rPr>
-                                <m:t>exp</m:t>
-                              </m:r>
-                            </m:fName>
-                            <m:e>
-                              <m:d>
-                                <m:dPr>
-                                  <m:ctrlPr>
-                                    <a:rPr lang="da-DK" sz="3800" i="1" smtClean="0">
-                                      <a:latin typeface="Cambria Math" panose="02040503050406030204" pitchFamily="18" charset="0"/>
-                                    </a:rPr>
-                                  </m:ctrlPr>
-                                </m:dPr>
-                                <m:e>
-                                  <m:sSub>
-                                    <m:sSubPr>
-                                      <m:ctrlPr>
-                                        <a:rPr lang="da-DK" sz="3800" i="1">
-                                          <a:latin typeface="Cambria Math" panose="02040503050406030204" pitchFamily="18" charset="0"/>
-                                        </a:rPr>
-                                      </m:ctrlPr>
-                                    </m:sSubPr>
-                                    <m:e>
-                                      <m:r>
-                                        <a:rPr lang="da-DK" sz="3800" b="0" i="1" smtClean="0">
-                                          <a:latin typeface="Cambria Math" panose="02040503050406030204" pitchFamily="18" charset="0"/>
-                                        </a:rPr>
-                                        <m:t>𝜃</m:t>
-                                      </m:r>
-                                    </m:e>
-                                    <m:sub>
-                                      <m:r>
-                                        <a:rPr lang="da-DK" sz="3800" b="0" i="1" smtClean="0">
-                                          <a:latin typeface="Cambria Math" panose="02040503050406030204" pitchFamily="18" charset="0"/>
-                                        </a:rPr>
-                                        <m:t>𝑖</m:t>
-                                      </m:r>
-                                    </m:sub>
-                                  </m:sSub>
-                                  <m:r>
-                                    <a:rPr lang="da-DK" sz="3800" b="0" i="1" smtClean="0">
-                                      <a:latin typeface="Cambria Math" panose="02040503050406030204" pitchFamily="18" charset="0"/>
-                                    </a:rPr>
-                                    <m:t>−</m:t>
-                                  </m:r>
-                                  <m:sSub>
-                                    <m:sSubPr>
-                                      <m:ctrlPr>
-                                        <a:rPr lang="da-DK" sz="3800" i="1">
-                                          <a:latin typeface="Cambria Math" panose="02040503050406030204" pitchFamily="18" charset="0"/>
-                                        </a:rPr>
-                                      </m:ctrlPr>
-                                    </m:sSubPr>
-                                    <m:e>
-                                      <m:r>
-                                        <a:rPr lang="da-DK" sz="3800" b="0" i="1" smtClean="0">
-                                          <a:latin typeface="Cambria Math" panose="02040503050406030204" pitchFamily="18" charset="0"/>
-                                        </a:rPr>
-                                        <m:t>𝛽</m:t>
-                                      </m:r>
-                                    </m:e>
-                                    <m:sub>
-                                      <m:r>
-                                        <a:rPr lang="da-DK" sz="3800" b="0" i="1" smtClean="0">
-                                          <a:latin typeface="Cambria Math" panose="02040503050406030204" pitchFamily="18" charset="0"/>
-                                        </a:rPr>
-                                        <m:t>𝑗</m:t>
-                                      </m:r>
-                                    </m:sub>
-                                  </m:sSub>
-                                </m:e>
-                              </m:d>
-                            </m:e>
-                          </m:func>
-                        </m:num>
-                        <m:den>
-                          <m:r>
-                            <a:rPr lang="da-DK" sz="3800" b="0" i="1" smtClean="0">
-                              <a:latin typeface="Cambria Math" panose="02040503050406030204" pitchFamily="18" charset="0"/>
-                            </a:rPr>
-                            <m:t>1+</m:t>
-                          </m:r>
-                          <m:func>
-                            <m:funcPr>
-                              <m:ctrlPr>
-                                <a:rPr lang="da-DK" sz="3800" i="1">
-                                  <a:latin typeface="Cambria Math" panose="02040503050406030204" pitchFamily="18" charset="0"/>
-                                </a:rPr>
-                              </m:ctrlPr>
-                            </m:funcPr>
-                            <m:fName>
-                              <m:r>
-                                <a:rPr lang="da-DK" sz="3800" b="0" i="1" smtClean="0">
-                                  <a:latin typeface="Cambria Math" panose="02040503050406030204" pitchFamily="18" charset="0"/>
-                                </a:rPr>
-                                <m:t>𝑒𝑥𝑝</m:t>
-                              </m:r>
-                            </m:fName>
-                            <m:e>
-                              <m:d>
-                                <m:dPr>
-                                  <m:ctrlPr>
-                                    <a:rPr lang="da-DK" sz="3800" i="1">
-                                      <a:latin typeface="Cambria Math" panose="02040503050406030204" pitchFamily="18" charset="0"/>
-                                    </a:rPr>
-                                  </m:ctrlPr>
-                                </m:dPr>
-                                <m:e>
-                                  <m:sSub>
-                                    <m:sSubPr>
-                                      <m:ctrlPr>
-                                        <a:rPr lang="da-DK" sz="3800" i="1">
-                                          <a:latin typeface="Cambria Math" panose="02040503050406030204" pitchFamily="18" charset="0"/>
-                                        </a:rPr>
-                                      </m:ctrlPr>
-                                    </m:sSubPr>
-                                    <m:e>
-                                      <m:r>
-                                        <a:rPr lang="da-DK" sz="3800" b="0" i="1" smtClean="0">
-                                          <a:latin typeface="Cambria Math" panose="02040503050406030204" pitchFamily="18" charset="0"/>
-                                        </a:rPr>
-                                        <m:t>𝜃</m:t>
-                                      </m:r>
-                                    </m:e>
-                                    <m:sub>
-                                      <m:r>
-                                        <a:rPr lang="da-DK" sz="3800" b="0" i="1" smtClean="0">
-                                          <a:latin typeface="Cambria Math" panose="02040503050406030204" pitchFamily="18" charset="0"/>
-                                        </a:rPr>
-                                        <m:t>𝑖</m:t>
-                                      </m:r>
-                                    </m:sub>
-                                  </m:sSub>
-                                  <m:r>
-                                    <a:rPr lang="da-DK" sz="3800" b="0" i="1" smtClean="0">
-                                      <a:latin typeface="Cambria Math" panose="02040503050406030204" pitchFamily="18" charset="0"/>
-                                    </a:rPr>
-                                    <m:t>−</m:t>
-                                  </m:r>
-                                  <m:sSub>
-                                    <m:sSubPr>
-                                      <m:ctrlPr>
-                                        <a:rPr lang="da-DK" sz="3800" i="1">
-                                          <a:latin typeface="Cambria Math" panose="02040503050406030204" pitchFamily="18" charset="0"/>
-                                        </a:rPr>
-                                      </m:ctrlPr>
-                                    </m:sSubPr>
-                                    <m:e>
-                                      <m:r>
-                                        <a:rPr lang="da-DK" sz="3800" b="0" i="1" smtClean="0">
-                                          <a:latin typeface="Cambria Math" panose="02040503050406030204" pitchFamily="18" charset="0"/>
-                                        </a:rPr>
-                                        <m:t>𝛽</m:t>
-                                      </m:r>
-                                    </m:e>
-                                    <m:sub>
-                                      <m:r>
-                                        <a:rPr lang="da-DK" sz="3800" b="0" i="1" smtClean="0">
-                                          <a:latin typeface="Cambria Math" panose="02040503050406030204" pitchFamily="18" charset="0"/>
-                                        </a:rPr>
-                                        <m:t>𝑗</m:t>
-                                      </m:r>
-                                    </m:sub>
-                                  </m:sSub>
-                                </m:e>
-                              </m:d>
-                            </m:e>
-                          </m:func>
-                        </m:den>
-                      </m:f>
-                    </m:oMath>
-                  </m:oMathPara>
-                </a14:m>
-                <a:endParaRPr lang="en-US" sz="3800" dirty="0"/>
-              </a:p>
-              <a:p>
-                <a:pPr marL="628650" indent="-571500" algn="just">
-                  <a:spcBef>
-                    <a:spcPts val="2400"/>
+                    <a:spcPct val="0"/>
                   </a:spcBef>
                   <a:buFontTx/>
                   <a:buChar char="-"/>
-                  <a:tabLst>
-                    <a:tab pos="509588" algn="l"/>
-                  </a:tabLst>
-                  <a:defRPr/>
+                </a:pPr>
+                <a:endParaRPr lang="da-DK" altLang="en-US" sz="3800" dirty="0">
+                  <a:latin typeface="Arial" panose="020B0604020202020204" pitchFamily="34" charset="0"/>
+                  <a:ea typeface="Tahoma" panose="020B0604030504040204" pitchFamily="34" charset="0"/>
+                  <a:cs typeface="Arial" panose="020B0604020202020204" pitchFamily="34" charset="0"/>
+                </a:endParaRPr>
+              </a:p>
+              <a:p>
+                <a:pPr marL="720725" indent="-571500" eaLnBrk="1" hangingPunct="1">
+                  <a:spcBef>
+                    <a:spcPct val="0"/>
+                  </a:spcBef>
+                  <a:buFontTx/>
+                  <a:buChar char="-"/>
                 </a:pPr>
                 <a:r>
-                  <a:rPr lang="en-US" sz="3800" dirty="0"/>
-                  <a:t>The parameter used describes the difficulty of the task and the ability of the students.</a:t>
+                  <a:rPr lang="da-DK" altLang="en-US" sz="3800" dirty="0">
+                    <a:latin typeface="Arial" panose="020B0604020202020204" pitchFamily="34" charset="0"/>
+                    <a:ea typeface="Tahoma" panose="020B0604030504040204" pitchFamily="34" charset="0"/>
+                    <a:cs typeface="Arial" panose="020B0604020202020204" pitchFamily="34" charset="0"/>
+                  </a:rPr>
+                  <a:t>Is it </a:t>
                 </a:r>
-                <a:endParaRPr lang="hr-HR" sz="3800" dirty="0"/>
+                <a:r>
+                  <a:rPr lang="da-DK" altLang="en-US" sz="3800" dirty="0" err="1">
+                    <a:latin typeface="Arial" panose="020B0604020202020204" pitchFamily="34" charset="0"/>
+                    <a:ea typeface="Tahoma" panose="020B0604030504040204" pitchFamily="34" charset="0"/>
+                    <a:cs typeface="Arial" panose="020B0604020202020204" pitchFamily="34" charset="0"/>
+                  </a:rPr>
+                  <a:t>possible</a:t>
+                </a:r>
+                <a:r>
+                  <a:rPr lang="da-DK" altLang="en-US" sz="3800" dirty="0">
+                    <a:latin typeface="Arial" panose="020B0604020202020204" pitchFamily="34" charset="0"/>
+                    <a:ea typeface="Tahoma" panose="020B0604030504040204" pitchFamily="34" charset="0"/>
+                    <a:cs typeface="Arial" panose="020B0604020202020204" pitchFamily="34" charset="0"/>
+                  </a:rPr>
+                  <a:t> to </a:t>
+                </a:r>
+                <a:r>
+                  <a:rPr lang="da-DK" altLang="en-US" sz="3800" dirty="0" err="1">
+                    <a:latin typeface="Arial" panose="020B0604020202020204" pitchFamily="34" charset="0"/>
+                    <a:ea typeface="Tahoma" panose="020B0604030504040204" pitchFamily="34" charset="0"/>
+                    <a:cs typeface="Arial" panose="020B0604020202020204" pitchFamily="34" charset="0"/>
+                  </a:rPr>
+                  <a:t>develop</a:t>
+                </a:r>
+                <a:r>
+                  <a:rPr lang="da-DK" altLang="en-US" sz="3800" dirty="0">
+                    <a:latin typeface="Arial" panose="020B0604020202020204" pitchFamily="34" charset="0"/>
+                    <a:ea typeface="Tahoma" panose="020B0604030504040204" pitchFamily="34" charset="0"/>
+                    <a:cs typeface="Arial" panose="020B0604020202020204" pitchFamily="34" charset="0"/>
+                  </a:rPr>
+                  <a:t> a </a:t>
+                </a:r>
+                <a:r>
+                  <a:rPr lang="da-DK" altLang="en-US" sz="3800" dirty="0" err="1">
+                    <a:latin typeface="Arial" panose="020B0604020202020204" pitchFamily="34" charset="0"/>
+                    <a:ea typeface="Tahoma" panose="020B0604030504040204" pitchFamily="34" charset="0"/>
+                    <a:cs typeface="Arial" panose="020B0604020202020204" pitchFamily="34" charset="0"/>
+                  </a:rPr>
+                  <a:t>differentially</a:t>
+                </a:r>
+                <a:r>
+                  <a:rPr lang="da-DK" altLang="en-US" sz="3800" dirty="0">
+                    <a:latin typeface="Arial" panose="020B0604020202020204" pitchFamily="34" charset="0"/>
+                    <a:ea typeface="Tahoma" panose="020B0604030504040204" pitchFamily="34" charset="0"/>
+                    <a:cs typeface="Arial" panose="020B0604020202020204" pitchFamily="34" charset="0"/>
+                  </a:rPr>
+                  <a:t> private feedback system for</a:t>
+                </a:r>
+              </a:p>
+              <a:p>
+                <a:pPr marL="149225" indent="0" eaLnBrk="1" hangingPunct="1">
+                  <a:spcBef>
+                    <a:spcPct val="0"/>
+                  </a:spcBef>
+                  <a:buNone/>
+                </a:pPr>
+                <a:r>
+                  <a:rPr lang="da-DK" altLang="en-US" sz="3800" dirty="0">
+                    <a:latin typeface="Tahoma" panose="020B0604030504040204" pitchFamily="34" charset="0"/>
+                    <a:ea typeface="Tahoma" panose="020B0604030504040204" pitchFamily="34" charset="0"/>
+                    <a:cs typeface="Tahoma" panose="020B0604030504040204" pitchFamily="34" charset="0"/>
+                  </a:rPr>
+                  <a:t>    students?</a:t>
+                </a:r>
+                <a:endParaRPr lang="en-US" altLang="en-US" sz="3800" dirty="0">
+                  <a:latin typeface="Tahoma" panose="020B0604030504040204" pitchFamily="34" charset="0"/>
+                  <a:ea typeface="Tahoma" panose="020B0604030504040204" pitchFamily="34" charset="0"/>
+                  <a:cs typeface="Tahoma" panose="020B0604030504040204" pitchFamily="34" charset="0"/>
+                </a:endParaRPr>
               </a:p>
             </p:txBody>
           </p:sp>
@@ -8514,7 +7668,7 @@
         <mc:Fallback>
           <p:sp>
             <p:nvSpPr>
-              <p:cNvPr id="29" name="Text Box 1080"/>
+              <p:cNvPr id="2058" name="Text Box 7"/>
               <p:cNvSpPr txBox="1">
                 <a:spLocks noRot="1" noChangeAspect="1" noMove="1" noResize="1" noEditPoints="1" noAdjustHandles="1" noChangeArrowheads="1" noChangeShapeType="1" noTextEdit="1"/>
               </p:cNvSpPr>
@@ -8522,31 +7676,47 @@
             </p:nvSpPr>
             <p:spPr bwMode="auto">
               <a:xfrm>
-                <a:off x="904456" y="25072767"/>
-                <a:ext cx="16202025" cy="4724417"/>
+                <a:off x="876300" y="5684838"/>
+                <a:ext cx="16049626" cy="6771066"/>
               </a:xfrm>
               <a:prstGeom prst="rect">
                 <a:avLst/>
               </a:prstGeom>
               <a:blipFill>
-                <a:blip r:embed="rId9"/>
+                <a:blip r:embed="rId8"/>
                 <a:stretch>
-                  <a:fillRect l="-790" t="-2194" r="-1242" b="-3226"/>
+                  <a:fillRect l="-608" t="-1532" b="-2072"/>
                 </a:stretch>
               </a:blipFill>
-              <a:ln w="28575">
+              <a:ln>
                 <a:noFill/>
-                <a:miter lim="800000"/>
-                <a:headEnd/>
-                <a:tailEnd/>
               </a:ln>
+              <a:extLst>
+                <a:ext uri="{909E8E84-426E-40DD-AFC4-6F175D3DCCD1}">
+                  <a14:hiddenFill xmlns:a14="http://schemas.microsoft.com/office/drawing/2010/main">
+                    <a:solidFill>
+                      <a:srgbClr val="FFFFFF"/>
+                    </a:solidFill>
+                  </a14:hiddenFill>
+                </a:ext>
+                <a:ext uri="{91240B29-F687-4F45-9708-019B960494DF}">
+                  <a14:hiddenLine xmlns:a14="http://schemas.microsoft.com/office/drawing/2010/main" w="28575">
+                    <a:solidFill>
+                      <a:srgbClr val="000000"/>
+                    </a:solidFill>
+                    <a:miter lim="800000"/>
+                    <a:headEnd/>
+                    <a:tailEnd/>
+                  </a14:hiddenLine>
+                </a:ext>
+              </a:extLst>
             </p:spPr>
             <p:txBody>
               <a:bodyPr/>
               <a:lstStyle/>
               <a:p>
                 <a:r>
-                  <a:rPr lang="de-DE">
+                  <a:rPr lang="en-GB">
                     <a:noFill/>
                   </a:rPr>
                   <a:t> </a:t>
@@ -8558,6 +7728,709 @@
       </mc:AlternateContent>
       <p:pic>
         <p:nvPicPr>
+          <p:cNvPr id="4" name="Picture 3"/>
+          <p:cNvPicPr>
+            <a:picLocks noChangeAspect="1"/>
+          </p:cNvPicPr>
+          <p:nvPr/>
+        </p:nvPicPr>
+        <p:blipFill rotWithShape="1">
+          <a:blip r:embed="rId9" cstate="print">
+            <a:extLst>
+              <a:ext uri="{28A0092B-C50C-407E-A947-70E740481C1C}">
+                <a14:useLocalDpi xmlns:a14="http://schemas.microsoft.com/office/drawing/2010/main" val="0"/>
+              </a:ext>
+            </a:extLst>
+          </a:blip>
+          <a:srcRect b="12916"/>
+          <a:stretch/>
+        </p:blipFill>
+        <p:spPr>
+          <a:xfrm>
+            <a:off x="1647310" y="13209743"/>
+            <a:ext cx="14152742" cy="5273990"/>
+          </a:xfrm>
+          <a:prstGeom prst="rect">
+            <a:avLst/>
+          </a:prstGeom>
+        </p:spPr>
+      </p:pic>
+      <p:grpSp>
+        <p:nvGrpSpPr>
+          <p:cNvPr id="10" name="Gruppe 9">
+            <a:extLst>
+              <a:ext uri="{FF2B5EF4-FFF2-40B4-BE49-F238E27FC236}">
+                <a16:creationId xmlns:a16="http://schemas.microsoft.com/office/drawing/2014/main" id="{B3758D54-7412-4ADA-960A-87625F4F7FE2}"/>
+              </a:ext>
+            </a:extLst>
+          </p:cNvPr>
+          <p:cNvGrpSpPr/>
+          <p:nvPr/>
+        </p:nvGrpSpPr>
+        <p:grpSpPr>
+          <a:xfrm>
+            <a:off x="17450631" y="5738317"/>
+            <a:ext cx="16217465" cy="4724417"/>
+            <a:chOff x="832448" y="25021471"/>
+            <a:chExt cx="16217465" cy="4724417"/>
+          </a:xfrm>
+        </p:grpSpPr>
+        <p:sp>
+          <p:nvSpPr>
+            <p:cNvPr id="76" name="Rectangle 1058"/>
+            <p:cNvSpPr>
+              <a:spLocks noChangeArrowheads="1"/>
+            </p:cNvSpPr>
+            <p:nvPr/>
+          </p:nvSpPr>
+          <p:spPr bwMode="auto">
+            <a:xfrm>
+              <a:off x="832448" y="25084823"/>
+              <a:ext cx="16210800" cy="4632158"/>
+            </a:xfrm>
+            <a:prstGeom prst="rect">
+              <a:avLst/>
+            </a:prstGeom>
+            <a:noFill/>
+            <a:ln w="28575">
+              <a:solidFill>
+                <a:srgbClr val="C0C0C0"/>
+              </a:solidFill>
+              <a:miter lim="800000"/>
+              <a:headEnd/>
+              <a:tailEnd/>
+            </a:ln>
+            <a:extLst>
+              <a:ext uri="{909E8E84-426E-40DD-AFC4-6F175D3DCCD1}">
+                <a14:hiddenFill xmlns:a14="http://schemas.microsoft.com/office/drawing/2010/main">
+                  <a:solidFill>
+                    <a:srgbClr val="FFFFFF"/>
+                  </a:solidFill>
+                </a14:hiddenFill>
+              </a:ext>
+            </a:extLst>
+          </p:spPr>
+          <p:txBody>
+            <a:bodyPr wrap="none" lIns="91431" tIns="45716" rIns="91431" bIns="45716" anchor="ctr"/>
+            <a:lstStyle>
+              <a:lvl1pPr eaLnBrk="0" hangingPunct="0">
+                <a:spcBef>
+                  <a:spcPct val="20000"/>
+                </a:spcBef>
+                <a:buChar char="•"/>
+                <a:defRPr sz="14400">
+                  <a:solidFill>
+                    <a:schemeClr val="tx1"/>
+                  </a:solidFill>
+                  <a:latin typeface="Times New Roman" panose="02020603050405020304" pitchFamily="18" charset="0"/>
+                </a:defRPr>
+              </a:lvl1pPr>
+              <a:lvl2pPr marL="742950" indent="-285750" eaLnBrk="0" hangingPunct="0">
+                <a:spcBef>
+                  <a:spcPct val="20000"/>
+                </a:spcBef>
+                <a:buChar char="–"/>
+                <a:defRPr sz="12500">
+                  <a:solidFill>
+                    <a:schemeClr val="tx1"/>
+                  </a:solidFill>
+                  <a:latin typeface="Times New Roman" panose="02020603050405020304" pitchFamily="18" charset="0"/>
+                </a:defRPr>
+              </a:lvl2pPr>
+              <a:lvl3pPr marL="1143000" indent="-228600" eaLnBrk="0" hangingPunct="0">
+                <a:spcBef>
+                  <a:spcPct val="20000"/>
+                </a:spcBef>
+                <a:buChar char="•"/>
+                <a:defRPr sz="10700">
+                  <a:solidFill>
+                    <a:schemeClr val="tx1"/>
+                  </a:solidFill>
+                  <a:latin typeface="Times New Roman" panose="02020603050405020304" pitchFamily="18" charset="0"/>
+                </a:defRPr>
+              </a:lvl3pPr>
+              <a:lvl4pPr marL="1600200" indent="-228600" eaLnBrk="0" hangingPunct="0">
+                <a:spcBef>
+                  <a:spcPct val="20000"/>
+                </a:spcBef>
+                <a:buChar char="–"/>
+                <a:defRPr sz="8900">
+                  <a:solidFill>
+                    <a:schemeClr val="tx1"/>
+                  </a:solidFill>
+                  <a:latin typeface="Times New Roman" panose="02020603050405020304" pitchFamily="18" charset="0"/>
+                </a:defRPr>
+              </a:lvl4pPr>
+              <a:lvl5pPr marL="2057400" indent="-228600" eaLnBrk="0" hangingPunct="0">
+                <a:spcBef>
+                  <a:spcPct val="20000"/>
+                </a:spcBef>
+                <a:buChar char="»"/>
+                <a:defRPr sz="8900">
+                  <a:solidFill>
+                    <a:schemeClr val="tx1"/>
+                  </a:solidFill>
+                  <a:latin typeface="Times New Roman" panose="02020603050405020304" pitchFamily="18" charset="0"/>
+                </a:defRPr>
+              </a:lvl5pPr>
+              <a:lvl6pPr marL="2514600" indent="-228600" eaLnBrk="0" fontAlgn="base" hangingPunct="0">
+                <a:spcBef>
+                  <a:spcPct val="20000"/>
+                </a:spcBef>
+                <a:spcAft>
+                  <a:spcPct val="0"/>
+                </a:spcAft>
+                <a:buChar char="»"/>
+                <a:defRPr sz="8900">
+                  <a:solidFill>
+                    <a:schemeClr val="tx1"/>
+                  </a:solidFill>
+                  <a:latin typeface="Times New Roman" panose="02020603050405020304" pitchFamily="18" charset="0"/>
+                </a:defRPr>
+              </a:lvl6pPr>
+              <a:lvl7pPr marL="2971800" indent="-228600" eaLnBrk="0" fontAlgn="base" hangingPunct="0">
+                <a:spcBef>
+                  <a:spcPct val="20000"/>
+                </a:spcBef>
+                <a:spcAft>
+                  <a:spcPct val="0"/>
+                </a:spcAft>
+                <a:buChar char="»"/>
+                <a:defRPr sz="8900">
+                  <a:solidFill>
+                    <a:schemeClr val="tx1"/>
+                  </a:solidFill>
+                  <a:latin typeface="Times New Roman" panose="02020603050405020304" pitchFamily="18" charset="0"/>
+                </a:defRPr>
+              </a:lvl7pPr>
+              <a:lvl8pPr marL="3429000" indent="-228600" eaLnBrk="0" fontAlgn="base" hangingPunct="0">
+                <a:spcBef>
+                  <a:spcPct val="20000"/>
+                </a:spcBef>
+                <a:spcAft>
+                  <a:spcPct val="0"/>
+                </a:spcAft>
+                <a:buChar char="»"/>
+                <a:defRPr sz="8900">
+                  <a:solidFill>
+                    <a:schemeClr val="tx1"/>
+                  </a:solidFill>
+                  <a:latin typeface="Times New Roman" panose="02020603050405020304" pitchFamily="18" charset="0"/>
+                </a:defRPr>
+              </a:lvl8pPr>
+              <a:lvl9pPr marL="3886200" indent="-228600" eaLnBrk="0" fontAlgn="base" hangingPunct="0">
+                <a:spcBef>
+                  <a:spcPct val="20000"/>
+                </a:spcBef>
+                <a:spcAft>
+                  <a:spcPct val="0"/>
+                </a:spcAft>
+                <a:buChar char="»"/>
+                <a:defRPr sz="8900">
+                  <a:solidFill>
+                    <a:schemeClr val="tx1"/>
+                  </a:solidFill>
+                  <a:latin typeface="Times New Roman" panose="02020603050405020304" pitchFamily="18" charset="0"/>
+                </a:defRPr>
+              </a:lvl9pPr>
+            </a:lstStyle>
+            <a:p>
+              <a:pPr eaLnBrk="1" hangingPunct="1">
+                <a:spcBef>
+                  <a:spcPct val="0"/>
+                </a:spcBef>
+                <a:buFontTx/>
+                <a:buNone/>
+              </a:pPr>
+              <a:endParaRPr lang="en-US" altLang="en-US" sz="3600">
+                <a:latin typeface="Optima Black" charset="0"/>
+              </a:endParaRPr>
+            </a:p>
+          </p:txBody>
+        </p:sp>
+        <mc:AlternateContent xmlns:mc="http://schemas.openxmlformats.org/markup-compatibility/2006">
+          <mc:Choice xmlns:a14="http://schemas.microsoft.com/office/drawing/2010/main" Requires="a14">
+            <p:sp>
+              <p:nvSpPr>
+                <p:cNvPr id="29" name="Text Box 1080"/>
+                <p:cNvSpPr txBox="1">
+                  <a:spLocks noChangeArrowheads="1"/>
+                </p:cNvSpPr>
+                <p:nvPr/>
+              </p:nvSpPr>
+              <p:spPr bwMode="auto">
+                <a:xfrm>
+                  <a:off x="847888" y="25021471"/>
+                  <a:ext cx="16202025" cy="4724417"/>
+                </a:xfrm>
+                <a:prstGeom prst="rect">
+                  <a:avLst/>
+                </a:prstGeom>
+                <a:noFill/>
+                <a:ln w="28575">
+                  <a:noFill/>
+                  <a:miter lim="800000"/>
+                  <a:headEnd/>
+                  <a:tailEnd/>
+                </a:ln>
+              </p:spPr>
+              <p:txBody>
+                <a:bodyPr wrap="square" lIns="91431" tIns="91431" rIns="91431" bIns="91431">
+                  <a:spAutoFit/>
+                </a:bodyPr>
+                <a:lstStyle/>
+                <a:p>
+                  <a:pPr marL="457200" indent="-400050" algn="just">
+                    <a:spcBef>
+                      <a:spcPct val="50000"/>
+                    </a:spcBef>
+                    <a:tabLst>
+                      <a:tab pos="509588" algn="l"/>
+                    </a:tabLst>
+                    <a:defRPr/>
+                  </a:pPr>
+                  <a:r>
+                    <a:rPr lang="en-US" sz="4800" b="1" dirty="0"/>
+                    <a:t> </a:t>
+                  </a:r>
+                  <a:r>
+                    <a:rPr lang="da-DK" sz="4800" b="1" u="sng" dirty="0"/>
+                    <a:t>Rasch Model</a:t>
+                  </a:r>
+                </a:p>
+                <a:p>
+                  <a:pPr marL="628650" indent="-571500" algn="just">
+                    <a:spcBef>
+                      <a:spcPts val="2400"/>
+                    </a:spcBef>
+                    <a:buFontTx/>
+                    <a:buChar char="-"/>
+                    <a:tabLst>
+                      <a:tab pos="509588" algn="l"/>
+                    </a:tabLst>
+                    <a:defRPr/>
+                  </a:pPr>
+                  <a:r>
+                    <a:rPr lang="en-US" sz="3800" dirty="0"/>
+                    <a:t>The </a:t>
+                  </a:r>
+                  <a:r>
+                    <a:rPr lang="en-US" sz="3800" dirty="0" err="1"/>
+                    <a:t>Rasch</a:t>
+                  </a:r>
+                  <a:r>
+                    <a:rPr lang="en-US" sz="3800" dirty="0"/>
+                    <a:t> model is used to calculate the probability of passing a task</a:t>
+                  </a:r>
+                </a:p>
+                <a:p>
+                  <a:pPr marL="57150" algn="just">
+                    <a:spcBef>
+                      <a:spcPts val="2400"/>
+                    </a:spcBef>
+                    <a:tabLst>
+                      <a:tab pos="509588" algn="l"/>
+                    </a:tabLst>
+                    <a:defRPr/>
+                  </a:pPr>
+                  <a14:m>
+                    <m:oMathPara xmlns:m="http://schemas.openxmlformats.org/officeDocument/2006/math">
+                      <m:oMathParaPr>
+                        <m:jc m:val="centerGroup"/>
+                      </m:oMathParaPr>
+                      <m:oMath xmlns:m="http://schemas.openxmlformats.org/officeDocument/2006/math">
+                        <m:r>
+                          <a:rPr lang="da-DK" sz="3800" b="0" i="1" smtClean="0">
+                            <a:latin typeface="Cambria Math" panose="02040503050406030204" pitchFamily="18" charset="0"/>
+                          </a:rPr>
+                          <m:t>𝑃</m:t>
+                        </m:r>
+                        <m:d>
+                          <m:dPr>
+                            <m:ctrlPr>
+                              <a:rPr lang="da-DK" sz="3800" i="1" smtClean="0">
+                                <a:latin typeface="Cambria Math" panose="02040503050406030204" pitchFamily="18" charset="0"/>
+                              </a:rPr>
+                            </m:ctrlPr>
+                          </m:dPr>
+                          <m:e>
+                            <m:sSub>
+                              <m:sSubPr>
+                                <m:ctrlPr>
+                                  <a:rPr lang="da-DK" sz="3800" i="1" smtClean="0">
+                                    <a:latin typeface="Cambria Math" panose="02040503050406030204" pitchFamily="18" charset="0"/>
+                                  </a:rPr>
+                                </m:ctrlPr>
+                              </m:sSubPr>
+                              <m:e>
+                                <m:r>
+                                  <a:rPr lang="da-DK" sz="3800" b="0" i="1" smtClean="0">
+                                    <a:latin typeface="Cambria Math" panose="02040503050406030204" pitchFamily="18" charset="0"/>
+                                  </a:rPr>
+                                  <m:t>𝑌</m:t>
+                                </m:r>
+                              </m:e>
+                              <m:sub>
+                                <m:r>
+                                  <a:rPr lang="da-DK" sz="3800" b="0" i="1" smtClean="0">
+                                    <a:latin typeface="Cambria Math" panose="02040503050406030204" pitchFamily="18" charset="0"/>
+                                  </a:rPr>
+                                  <m:t>𝑖</m:t>
+                                </m:r>
+                                <m:r>
+                                  <a:rPr lang="da-DK" sz="3800" b="0" i="1" smtClean="0">
+                                    <a:latin typeface="Cambria Math" panose="02040503050406030204" pitchFamily="18" charset="0"/>
+                                  </a:rPr>
+                                  <m:t>,</m:t>
+                                </m:r>
+                                <m:r>
+                                  <a:rPr lang="da-DK" sz="3800" b="0" i="1" smtClean="0">
+                                    <a:latin typeface="Cambria Math" panose="02040503050406030204" pitchFamily="18" charset="0"/>
+                                  </a:rPr>
+                                  <m:t>𝑗</m:t>
+                                </m:r>
+                              </m:sub>
+                            </m:sSub>
+                            <m:r>
+                              <a:rPr lang="da-DK" sz="3800" b="0" i="1" smtClean="0">
+                                <a:latin typeface="Cambria Math" panose="02040503050406030204" pitchFamily="18" charset="0"/>
+                              </a:rPr>
+                              <m:t>=1</m:t>
+                            </m:r>
+                          </m:e>
+                          <m:e>
+                            <m:sSub>
+                              <m:sSubPr>
+                                <m:ctrlPr>
+                                  <a:rPr lang="da-DK" sz="3800" i="1" smtClean="0">
+                                    <a:latin typeface="Cambria Math" panose="02040503050406030204" pitchFamily="18" charset="0"/>
+                                  </a:rPr>
+                                </m:ctrlPr>
+                              </m:sSubPr>
+                              <m:e>
+                                <m:r>
+                                  <a:rPr lang="da-DK" sz="3800" b="0" i="1" smtClean="0">
+                                    <a:latin typeface="Cambria Math" panose="02040503050406030204" pitchFamily="18" charset="0"/>
+                                  </a:rPr>
+                                  <m:t>𝜃</m:t>
+                                </m:r>
+                              </m:e>
+                              <m:sub>
+                                <m:r>
+                                  <a:rPr lang="da-DK" sz="3800" b="0" i="1" smtClean="0">
+                                    <a:latin typeface="Cambria Math" panose="02040503050406030204" pitchFamily="18" charset="0"/>
+                                  </a:rPr>
+                                  <m:t>𝑖</m:t>
+                                </m:r>
+                              </m:sub>
+                            </m:sSub>
+                            <m:r>
+                              <a:rPr lang="da-DK" sz="3800" b="0" i="1" smtClean="0">
+                                <a:latin typeface="Cambria Math" panose="02040503050406030204" pitchFamily="18" charset="0"/>
+                              </a:rPr>
+                              <m:t>,</m:t>
+                            </m:r>
+                            <m:sSub>
+                              <m:sSubPr>
+                                <m:ctrlPr>
+                                  <a:rPr lang="da-DK" sz="3800" i="1" smtClean="0">
+                                    <a:latin typeface="Cambria Math" panose="02040503050406030204" pitchFamily="18" charset="0"/>
+                                  </a:rPr>
+                                </m:ctrlPr>
+                              </m:sSubPr>
+                              <m:e>
+                                <m:r>
+                                  <a:rPr lang="da-DK" sz="3800" b="0" i="1" smtClean="0">
+                                    <a:latin typeface="Cambria Math" panose="02040503050406030204" pitchFamily="18" charset="0"/>
+                                  </a:rPr>
+                                  <m:t>𝛽</m:t>
+                                </m:r>
+                              </m:e>
+                              <m:sub>
+                                <m:r>
+                                  <a:rPr lang="da-DK" sz="3800" b="0" i="1" smtClean="0">
+                                    <a:latin typeface="Cambria Math" panose="02040503050406030204" pitchFamily="18" charset="0"/>
+                                  </a:rPr>
+                                  <m:t>𝑗</m:t>
+                                </m:r>
+                              </m:sub>
+                            </m:sSub>
+                          </m:e>
+                        </m:d>
+                        <m:r>
+                          <a:rPr lang="da-DK" sz="3800" b="0" i="1" smtClean="0">
+                            <a:latin typeface="Cambria Math" panose="02040503050406030204" pitchFamily="18" charset="0"/>
+                          </a:rPr>
+                          <m:t>=</m:t>
+                        </m:r>
+                        <m:f>
+                          <m:fPr>
+                            <m:ctrlPr>
+                              <a:rPr lang="da-DK" sz="3800" i="1" smtClean="0">
+                                <a:latin typeface="Cambria Math" panose="02040503050406030204" pitchFamily="18" charset="0"/>
+                              </a:rPr>
+                            </m:ctrlPr>
+                          </m:fPr>
+                          <m:num>
+                            <m:func>
+                              <m:funcPr>
+                                <m:ctrlPr>
+                                  <a:rPr lang="da-DK" sz="3800" i="1" smtClean="0">
+                                    <a:latin typeface="Cambria Math" panose="02040503050406030204" pitchFamily="18" charset="0"/>
+                                  </a:rPr>
+                                </m:ctrlPr>
+                              </m:funcPr>
+                              <m:fName>
+                                <m:r>
+                                  <m:rPr>
+                                    <m:sty m:val="p"/>
+                                  </m:rPr>
+                                  <a:rPr lang="da-DK" sz="3800" b="0" i="0" smtClean="0">
+                                    <a:latin typeface="Cambria Math" panose="02040503050406030204" pitchFamily="18" charset="0"/>
+                                  </a:rPr>
+                                  <m:t>exp</m:t>
+                                </m:r>
+                              </m:fName>
+                              <m:e>
+                                <m:d>
+                                  <m:dPr>
+                                    <m:ctrlPr>
+                                      <a:rPr lang="da-DK" sz="3800" i="1" smtClean="0">
+                                        <a:latin typeface="Cambria Math" panose="02040503050406030204" pitchFamily="18" charset="0"/>
+                                      </a:rPr>
+                                    </m:ctrlPr>
+                                  </m:dPr>
+                                  <m:e>
+                                    <m:sSub>
+                                      <m:sSubPr>
+                                        <m:ctrlPr>
+                                          <a:rPr lang="da-DK" sz="3800" i="1">
+                                            <a:latin typeface="Cambria Math" panose="02040503050406030204" pitchFamily="18" charset="0"/>
+                                          </a:rPr>
+                                        </m:ctrlPr>
+                                      </m:sSubPr>
+                                      <m:e>
+                                        <m:r>
+                                          <a:rPr lang="da-DK" sz="3800" b="0" i="1" smtClean="0">
+                                            <a:latin typeface="Cambria Math" panose="02040503050406030204" pitchFamily="18" charset="0"/>
+                                          </a:rPr>
+                                          <m:t>𝜃</m:t>
+                                        </m:r>
+                                      </m:e>
+                                      <m:sub>
+                                        <m:r>
+                                          <a:rPr lang="da-DK" sz="3800" b="0" i="1" smtClean="0">
+                                            <a:latin typeface="Cambria Math" panose="02040503050406030204" pitchFamily="18" charset="0"/>
+                                          </a:rPr>
+                                          <m:t>𝑖</m:t>
+                                        </m:r>
+                                      </m:sub>
+                                    </m:sSub>
+                                    <m:r>
+                                      <a:rPr lang="da-DK" sz="3800" b="0" i="1" smtClean="0">
+                                        <a:latin typeface="Cambria Math" panose="02040503050406030204" pitchFamily="18" charset="0"/>
+                                      </a:rPr>
+                                      <m:t>−</m:t>
+                                    </m:r>
+                                    <m:sSub>
+                                      <m:sSubPr>
+                                        <m:ctrlPr>
+                                          <a:rPr lang="da-DK" sz="3800" i="1">
+                                            <a:latin typeface="Cambria Math" panose="02040503050406030204" pitchFamily="18" charset="0"/>
+                                          </a:rPr>
+                                        </m:ctrlPr>
+                                      </m:sSubPr>
+                                      <m:e>
+                                        <m:r>
+                                          <a:rPr lang="da-DK" sz="3800" b="0" i="1" smtClean="0">
+                                            <a:latin typeface="Cambria Math" panose="02040503050406030204" pitchFamily="18" charset="0"/>
+                                          </a:rPr>
+                                          <m:t>𝛽</m:t>
+                                        </m:r>
+                                      </m:e>
+                                      <m:sub>
+                                        <m:r>
+                                          <a:rPr lang="da-DK" sz="3800" b="0" i="1" smtClean="0">
+                                            <a:latin typeface="Cambria Math" panose="02040503050406030204" pitchFamily="18" charset="0"/>
+                                          </a:rPr>
+                                          <m:t>𝑗</m:t>
+                                        </m:r>
+                                      </m:sub>
+                                    </m:sSub>
+                                  </m:e>
+                                </m:d>
+                              </m:e>
+                            </m:func>
+                          </m:num>
+                          <m:den>
+                            <m:r>
+                              <a:rPr lang="da-DK" sz="3800" b="0" i="1" smtClean="0">
+                                <a:latin typeface="Cambria Math" panose="02040503050406030204" pitchFamily="18" charset="0"/>
+                              </a:rPr>
+                              <m:t>1+</m:t>
+                            </m:r>
+                            <m:func>
+                              <m:funcPr>
+                                <m:ctrlPr>
+                                  <a:rPr lang="da-DK" sz="3800" i="1">
+                                    <a:latin typeface="Cambria Math" panose="02040503050406030204" pitchFamily="18" charset="0"/>
+                                  </a:rPr>
+                                </m:ctrlPr>
+                              </m:funcPr>
+                              <m:fName>
+                                <m:r>
+                                  <a:rPr lang="da-DK" sz="3800" b="0" i="1" smtClean="0">
+                                    <a:latin typeface="Cambria Math" panose="02040503050406030204" pitchFamily="18" charset="0"/>
+                                  </a:rPr>
+                                  <m:t>𝑒𝑥𝑝</m:t>
+                                </m:r>
+                              </m:fName>
+                              <m:e>
+                                <m:d>
+                                  <m:dPr>
+                                    <m:ctrlPr>
+                                      <a:rPr lang="da-DK" sz="3800" i="1">
+                                        <a:latin typeface="Cambria Math" panose="02040503050406030204" pitchFamily="18" charset="0"/>
+                                      </a:rPr>
+                                    </m:ctrlPr>
+                                  </m:dPr>
+                                  <m:e>
+                                    <m:sSub>
+                                      <m:sSubPr>
+                                        <m:ctrlPr>
+                                          <a:rPr lang="da-DK" sz="3800" i="1">
+                                            <a:latin typeface="Cambria Math" panose="02040503050406030204" pitchFamily="18" charset="0"/>
+                                          </a:rPr>
+                                        </m:ctrlPr>
+                                      </m:sSubPr>
+                                      <m:e>
+                                        <m:r>
+                                          <a:rPr lang="da-DK" sz="3800" b="0" i="1" smtClean="0">
+                                            <a:latin typeface="Cambria Math" panose="02040503050406030204" pitchFamily="18" charset="0"/>
+                                          </a:rPr>
+                                          <m:t>𝜃</m:t>
+                                        </m:r>
+                                      </m:e>
+                                      <m:sub>
+                                        <m:r>
+                                          <a:rPr lang="da-DK" sz="3800" b="0" i="1" smtClean="0">
+                                            <a:latin typeface="Cambria Math" panose="02040503050406030204" pitchFamily="18" charset="0"/>
+                                          </a:rPr>
+                                          <m:t>𝑖</m:t>
+                                        </m:r>
+                                      </m:sub>
+                                    </m:sSub>
+                                    <m:r>
+                                      <a:rPr lang="da-DK" sz="3800" b="0" i="1" smtClean="0">
+                                        <a:latin typeface="Cambria Math" panose="02040503050406030204" pitchFamily="18" charset="0"/>
+                                      </a:rPr>
+                                      <m:t>−</m:t>
+                                    </m:r>
+                                    <m:sSub>
+                                      <m:sSubPr>
+                                        <m:ctrlPr>
+                                          <a:rPr lang="da-DK" sz="3800" i="1">
+                                            <a:latin typeface="Cambria Math" panose="02040503050406030204" pitchFamily="18" charset="0"/>
+                                          </a:rPr>
+                                        </m:ctrlPr>
+                                      </m:sSubPr>
+                                      <m:e>
+                                        <m:r>
+                                          <a:rPr lang="da-DK" sz="3800" b="0" i="1" smtClean="0">
+                                            <a:latin typeface="Cambria Math" panose="02040503050406030204" pitchFamily="18" charset="0"/>
+                                          </a:rPr>
+                                          <m:t>𝛽</m:t>
+                                        </m:r>
+                                      </m:e>
+                                      <m:sub>
+                                        <m:r>
+                                          <a:rPr lang="da-DK" sz="3800" b="0" i="1" smtClean="0">
+                                            <a:latin typeface="Cambria Math" panose="02040503050406030204" pitchFamily="18" charset="0"/>
+                                          </a:rPr>
+                                          <m:t>𝑗</m:t>
+                                        </m:r>
+                                      </m:sub>
+                                    </m:sSub>
+                                  </m:e>
+                                </m:d>
+                              </m:e>
+                            </m:func>
+                          </m:den>
+                        </m:f>
+                      </m:oMath>
+                    </m:oMathPara>
+                  </a14:m>
+                  <a:endParaRPr lang="en-US" sz="3800" dirty="0"/>
+                </a:p>
+                <a:p>
+                  <a:pPr marL="628650" indent="-571500" algn="just">
+                    <a:spcBef>
+                      <a:spcPts val="2400"/>
+                    </a:spcBef>
+                    <a:buFontTx/>
+                    <a:buChar char="-"/>
+                    <a:tabLst>
+                      <a:tab pos="509588" algn="l"/>
+                    </a:tabLst>
+                    <a:defRPr/>
+                  </a:pPr>
+                  <a:r>
+                    <a:rPr lang="en-US" sz="3800" dirty="0"/>
+                    <a:t>The parameter used describes the difficulty of the task and the ability of the students.</a:t>
+                  </a:r>
+                  <a:endParaRPr lang="hr-HR" sz="3800" dirty="0"/>
+                </a:p>
+              </p:txBody>
+            </p:sp>
+          </mc:Choice>
+          <mc:Fallback>
+            <p:sp>
+              <p:nvSpPr>
+                <p:cNvPr id="29" name="Text Box 1080"/>
+                <p:cNvSpPr txBox="1">
+                  <a:spLocks noRot="1" noChangeAspect="1" noMove="1" noResize="1" noEditPoints="1" noAdjustHandles="1" noChangeArrowheads="1" noChangeShapeType="1" noTextEdit="1"/>
+                </p:cNvSpPr>
+                <p:nvPr/>
+              </p:nvSpPr>
+              <p:spPr bwMode="auto">
+                <a:xfrm>
+                  <a:off x="847888" y="25021471"/>
+                  <a:ext cx="16202025" cy="4724417"/>
+                </a:xfrm>
+                <a:prstGeom prst="rect">
+                  <a:avLst/>
+                </a:prstGeom>
+                <a:blipFill>
+                  <a:blip r:embed="rId10"/>
+                  <a:stretch>
+                    <a:fillRect l="-790" t="-2065" r="-1242" b="-3226"/>
+                  </a:stretch>
+                </a:blipFill>
+                <a:ln w="28575">
+                  <a:noFill/>
+                  <a:miter lim="800000"/>
+                  <a:headEnd/>
+                  <a:tailEnd/>
+                </a:ln>
+              </p:spPr>
+              <p:txBody>
+                <a:bodyPr/>
+                <a:lstStyle/>
+                <a:p>
+                  <a:r>
+                    <a:rPr lang="en-GB">
+                      <a:noFill/>
+                    </a:rPr>
+                    <a:t> </a:t>
+                  </a:r>
+                </a:p>
+              </p:txBody>
+            </p:sp>
+          </mc:Fallback>
+        </mc:AlternateContent>
+      </p:grpSp>
+      <p:pic>
+        <p:nvPicPr>
           <p:cNvPr id="5" name="Picture 4"/>
           <p:cNvPicPr>
             <a:picLocks noChangeAspect="1"/>
@@ -8565,15 +8438,15 @@
           <p:nvPr/>
         </p:nvPicPr>
         <p:blipFill>
-          <a:blip r:embed="rId10"/>
+          <a:blip r:embed="rId11"/>
           <a:stretch>
             <a:fillRect/>
           </a:stretch>
         </p:blipFill>
         <p:spPr>
           <a:xfrm>
-            <a:off x="20560803" y="8595138"/>
-            <a:ext cx="9909177" cy="3258722"/>
+            <a:off x="3856153" y="22656148"/>
+            <a:ext cx="9909177" cy="3258723"/>
           </a:xfrm>
           <a:prstGeom prst="rect">
             <a:avLst/>
@@ -8595,7 +8468,7 @@
           <p:nvPr/>
         </p:nvPicPr>
         <p:blipFill rotWithShape="1">
-          <a:blip r:embed="rId11">
+          <a:blip r:embed="rId12">
             <a:extLst>
               <a:ext uri="{28A0092B-C50C-407E-A947-70E740481C1C}">
                 <a14:useLocalDpi xmlns:a14="http://schemas.microsoft.com/office/drawing/2010/main" val="0"/>
@@ -8630,7 +8503,7 @@
           <p:nvPr/>
         </p:nvPicPr>
         <p:blipFill>
-          <a:blip r:embed="rId12">
+          <a:blip r:embed="rId13">
             <a:extLst>
               <a:ext uri="{28A0092B-C50C-407E-A947-70E740481C1C}">
                 <a14:useLocalDpi xmlns:a14="http://schemas.microsoft.com/office/drawing/2010/main" val="0"/>
@@ -8666,7 +8539,7 @@
           <p:nvPr/>
         </p:nvPicPr>
         <p:blipFill rotWithShape="1">
-          <a:blip r:embed="rId13">
+          <a:blip r:embed="rId14">
             <a:extLst>
               <a:ext uri="{28A0092B-C50C-407E-A947-70E740481C1C}">
                 <a14:useLocalDpi xmlns:a14="http://schemas.microsoft.com/office/drawing/2010/main" val="0"/>
@@ -8701,7 +8574,7 @@
           <p:nvPr/>
         </p:nvPicPr>
         <p:blipFill>
-          <a:blip r:embed="rId14">
+          <a:blip r:embed="rId15">
             <a:extLst>
               <a:ext uri="{28A0092B-C50C-407E-A947-70E740481C1C}">
                 <a14:useLocalDpi xmlns:a14="http://schemas.microsoft.com/office/drawing/2010/main" val="0"/>
@@ -9051,8 +8924,8 @@
         </p:nvSpPr>
         <p:spPr>
           <a:xfrm>
-            <a:off x="29425931" y="11222596"/>
-            <a:ext cx="3254862" cy="523220"/>
+            <a:off x="12721281" y="25283606"/>
+            <a:ext cx="3254862" cy="523221"/>
           </a:xfrm>
           <a:prstGeom prst="rect">
             <a:avLst/>
@@ -9088,7 +8961,7 @@
           <p:nvPr/>
         </p:nvPicPr>
         <p:blipFill rotWithShape="1">
-          <a:blip r:embed="rId15">
+          <a:blip r:embed="rId16">
             <a:extLst>
               <a:ext uri="{28A0092B-C50C-407E-A947-70E740481C1C}">
                 <a14:useLocalDpi xmlns:a14="http://schemas.microsoft.com/office/drawing/2010/main" val="0"/>
@@ -9123,7 +8996,7 @@
           <p:nvPr/>
         </p:nvPicPr>
         <p:blipFill rotWithShape="1">
-          <a:blip r:embed="rId16">
+          <a:blip r:embed="rId17">
             <a:extLst>
               <a:ext uri="{28A0092B-C50C-407E-A947-70E740481C1C}">
                 <a14:useLocalDpi xmlns:a14="http://schemas.microsoft.com/office/drawing/2010/main" val="0"/>
@@ -9143,6 +9016,326 @@
           </a:prstGeom>
         </p:spPr>
       </p:pic>
+      <p:grpSp>
+        <p:nvGrpSpPr>
+          <p:cNvPr id="47" name="Gruppe 46">
+            <a:extLst>
+              <a:ext uri="{FF2B5EF4-FFF2-40B4-BE49-F238E27FC236}">
+                <a16:creationId xmlns:a16="http://schemas.microsoft.com/office/drawing/2014/main" id="{9D47D41E-52AE-463A-88A9-B725AF816930}"/>
+              </a:ext>
+            </a:extLst>
+          </p:cNvPr>
+          <p:cNvGrpSpPr/>
+          <p:nvPr/>
+        </p:nvGrpSpPr>
+        <p:grpSpPr>
+          <a:xfrm>
+            <a:off x="17456367" y="10405424"/>
+            <a:ext cx="16217465" cy="5601780"/>
+            <a:chOff x="832448" y="25021471"/>
+            <a:chExt cx="16217465" cy="4695510"/>
+          </a:xfrm>
+        </p:grpSpPr>
+        <p:sp>
+          <p:nvSpPr>
+            <p:cNvPr id="48" name="Rectangle 1058">
+              <a:extLst>
+                <a:ext uri="{FF2B5EF4-FFF2-40B4-BE49-F238E27FC236}">
+                  <a16:creationId xmlns:a16="http://schemas.microsoft.com/office/drawing/2014/main" id="{CC63829B-E829-4DF4-876C-7DF39884F522}"/>
+                </a:ext>
+              </a:extLst>
+            </p:cNvPr>
+            <p:cNvSpPr>
+              <a:spLocks noChangeArrowheads="1"/>
+            </p:cNvSpPr>
+            <p:nvPr/>
+          </p:nvSpPr>
+          <p:spPr bwMode="auto">
+            <a:xfrm>
+              <a:off x="832448" y="25084823"/>
+              <a:ext cx="16210800" cy="4632158"/>
+            </a:xfrm>
+            <a:prstGeom prst="rect">
+              <a:avLst/>
+            </a:prstGeom>
+            <a:noFill/>
+            <a:ln w="28575">
+              <a:solidFill>
+                <a:srgbClr val="C0C0C0"/>
+              </a:solidFill>
+              <a:miter lim="800000"/>
+              <a:headEnd/>
+              <a:tailEnd/>
+            </a:ln>
+            <a:extLst>
+              <a:ext uri="{909E8E84-426E-40DD-AFC4-6F175D3DCCD1}">
+                <a14:hiddenFill xmlns:a14="http://schemas.microsoft.com/office/drawing/2010/main">
+                  <a:solidFill>
+                    <a:srgbClr val="FFFFFF"/>
+                  </a:solidFill>
+                </a14:hiddenFill>
+              </a:ext>
+            </a:extLst>
+          </p:spPr>
+          <p:txBody>
+            <a:bodyPr wrap="none" lIns="91431" tIns="45716" rIns="91431" bIns="45716" anchor="ctr"/>
+            <a:lstStyle>
+              <a:lvl1pPr eaLnBrk="0" hangingPunct="0">
+                <a:spcBef>
+                  <a:spcPct val="20000"/>
+                </a:spcBef>
+                <a:buChar char="•"/>
+                <a:defRPr sz="14400">
+                  <a:solidFill>
+                    <a:schemeClr val="tx1"/>
+                  </a:solidFill>
+                  <a:latin typeface="Times New Roman" panose="02020603050405020304" pitchFamily="18" charset="0"/>
+                </a:defRPr>
+              </a:lvl1pPr>
+              <a:lvl2pPr marL="742950" indent="-285750" eaLnBrk="0" hangingPunct="0">
+                <a:spcBef>
+                  <a:spcPct val="20000"/>
+                </a:spcBef>
+                <a:buChar char="–"/>
+                <a:defRPr sz="12500">
+                  <a:solidFill>
+                    <a:schemeClr val="tx1"/>
+                  </a:solidFill>
+                  <a:latin typeface="Times New Roman" panose="02020603050405020304" pitchFamily="18" charset="0"/>
+                </a:defRPr>
+              </a:lvl2pPr>
+              <a:lvl3pPr marL="1143000" indent="-228600" eaLnBrk="0" hangingPunct="0">
+                <a:spcBef>
+                  <a:spcPct val="20000"/>
+                </a:spcBef>
+                <a:buChar char="•"/>
+                <a:defRPr sz="10700">
+                  <a:solidFill>
+                    <a:schemeClr val="tx1"/>
+                  </a:solidFill>
+                  <a:latin typeface="Times New Roman" panose="02020603050405020304" pitchFamily="18" charset="0"/>
+                </a:defRPr>
+              </a:lvl3pPr>
+              <a:lvl4pPr marL="1600200" indent="-228600" eaLnBrk="0" hangingPunct="0">
+                <a:spcBef>
+                  <a:spcPct val="20000"/>
+                </a:spcBef>
+                <a:buChar char="–"/>
+                <a:defRPr sz="8900">
+                  <a:solidFill>
+                    <a:schemeClr val="tx1"/>
+                  </a:solidFill>
+                  <a:latin typeface="Times New Roman" panose="02020603050405020304" pitchFamily="18" charset="0"/>
+                </a:defRPr>
+              </a:lvl4pPr>
+              <a:lvl5pPr marL="2057400" indent="-228600" eaLnBrk="0" hangingPunct="0">
+                <a:spcBef>
+                  <a:spcPct val="20000"/>
+                </a:spcBef>
+                <a:buChar char="»"/>
+                <a:defRPr sz="8900">
+                  <a:solidFill>
+                    <a:schemeClr val="tx1"/>
+                  </a:solidFill>
+                  <a:latin typeface="Times New Roman" panose="02020603050405020304" pitchFamily="18" charset="0"/>
+                </a:defRPr>
+              </a:lvl5pPr>
+              <a:lvl6pPr marL="2514600" indent="-228600" eaLnBrk="0" fontAlgn="base" hangingPunct="0">
+                <a:spcBef>
+                  <a:spcPct val="20000"/>
+                </a:spcBef>
+                <a:spcAft>
+                  <a:spcPct val="0"/>
+                </a:spcAft>
+                <a:buChar char="»"/>
+                <a:defRPr sz="8900">
+                  <a:solidFill>
+                    <a:schemeClr val="tx1"/>
+                  </a:solidFill>
+                  <a:latin typeface="Times New Roman" panose="02020603050405020304" pitchFamily="18" charset="0"/>
+                </a:defRPr>
+              </a:lvl6pPr>
+              <a:lvl7pPr marL="2971800" indent="-228600" eaLnBrk="0" fontAlgn="base" hangingPunct="0">
+                <a:spcBef>
+                  <a:spcPct val="20000"/>
+                </a:spcBef>
+                <a:spcAft>
+                  <a:spcPct val="0"/>
+                </a:spcAft>
+                <a:buChar char="»"/>
+                <a:defRPr sz="8900">
+                  <a:solidFill>
+                    <a:schemeClr val="tx1"/>
+                  </a:solidFill>
+                  <a:latin typeface="Times New Roman" panose="02020603050405020304" pitchFamily="18" charset="0"/>
+                </a:defRPr>
+              </a:lvl7pPr>
+              <a:lvl8pPr marL="3429000" indent="-228600" eaLnBrk="0" fontAlgn="base" hangingPunct="0">
+                <a:spcBef>
+                  <a:spcPct val="20000"/>
+                </a:spcBef>
+                <a:spcAft>
+                  <a:spcPct val="0"/>
+                </a:spcAft>
+                <a:buChar char="»"/>
+                <a:defRPr sz="8900">
+                  <a:solidFill>
+                    <a:schemeClr val="tx1"/>
+                  </a:solidFill>
+                  <a:latin typeface="Times New Roman" panose="02020603050405020304" pitchFamily="18" charset="0"/>
+                </a:defRPr>
+              </a:lvl8pPr>
+              <a:lvl9pPr marL="3886200" indent="-228600" eaLnBrk="0" fontAlgn="base" hangingPunct="0">
+                <a:spcBef>
+                  <a:spcPct val="20000"/>
+                </a:spcBef>
+                <a:spcAft>
+                  <a:spcPct val="0"/>
+                </a:spcAft>
+                <a:buChar char="»"/>
+                <a:defRPr sz="8900">
+                  <a:solidFill>
+                    <a:schemeClr val="tx1"/>
+                  </a:solidFill>
+                  <a:latin typeface="Times New Roman" panose="02020603050405020304" pitchFamily="18" charset="0"/>
+                </a:defRPr>
+              </a:lvl9pPr>
+            </a:lstStyle>
+            <a:p>
+              <a:pPr eaLnBrk="1" hangingPunct="1">
+                <a:spcBef>
+                  <a:spcPct val="0"/>
+                </a:spcBef>
+                <a:buFontTx/>
+                <a:buNone/>
+              </a:pPr>
+              <a:endParaRPr lang="en-US" altLang="en-US" sz="3600">
+                <a:latin typeface="Optima Black" charset="0"/>
+              </a:endParaRPr>
+            </a:p>
+          </p:txBody>
+        </p:sp>
+        <p:sp>
+          <p:nvSpPr>
+            <p:cNvPr id="49" name="Text Box 1080">
+              <a:extLst>
+                <a:ext uri="{FF2B5EF4-FFF2-40B4-BE49-F238E27FC236}">
+                  <a16:creationId xmlns:a16="http://schemas.microsoft.com/office/drawing/2014/main" id="{6D4FFE5C-8DB2-43F8-9E0E-42A2C2D24682}"/>
+                </a:ext>
+              </a:extLst>
+            </p:cNvPr>
+            <p:cNvSpPr txBox="1">
+              <a:spLocks noChangeArrowheads="1"/>
+            </p:cNvSpPr>
+            <p:nvPr/>
+          </p:nvSpPr>
+          <p:spPr bwMode="auto">
+            <a:xfrm>
+              <a:off x="847888" y="25021471"/>
+              <a:ext cx="16202025" cy="4256716"/>
+            </a:xfrm>
+            <a:prstGeom prst="rect">
+              <a:avLst/>
+            </a:prstGeom>
+            <a:noFill/>
+            <a:ln w="28575">
+              <a:noFill/>
+              <a:miter lim="800000"/>
+              <a:headEnd/>
+              <a:tailEnd/>
+            </a:ln>
+          </p:spPr>
+          <p:txBody>
+            <a:bodyPr wrap="square" lIns="91431" tIns="91431" rIns="91431" bIns="91431">
+              <a:spAutoFit/>
+            </a:bodyPr>
+            <a:lstStyle/>
+            <a:p>
+              <a:pPr marL="457200" indent="-400050" algn="just">
+                <a:spcBef>
+                  <a:spcPct val="50000"/>
+                </a:spcBef>
+                <a:tabLst>
+                  <a:tab pos="509588" algn="l"/>
+                </a:tabLst>
+                <a:defRPr/>
+              </a:pPr>
+              <a:r>
+                <a:rPr lang="da-DK" sz="4800" b="1" u="sng" dirty="0"/>
+                <a:t>Methods</a:t>
+              </a:r>
+            </a:p>
+            <a:p>
+              <a:pPr marL="628650" indent="-571500" algn="just">
+                <a:spcBef>
+                  <a:spcPts val="2400"/>
+                </a:spcBef>
+                <a:buFontTx/>
+                <a:buChar char="-"/>
+                <a:tabLst>
+                  <a:tab pos="509588" algn="l"/>
+                </a:tabLst>
+                <a:defRPr/>
+              </a:pPr>
+              <a:r>
+                <a:rPr lang="en-US" sz="3800" dirty="0"/>
+                <a:t>Functional mechanism:</a:t>
+              </a:r>
+            </a:p>
+            <a:p>
+              <a:pPr marL="1085850" lvl="1" indent="-571500" algn="just">
+                <a:spcBef>
+                  <a:spcPts val="2400"/>
+                </a:spcBef>
+                <a:buFontTx/>
+                <a:buChar char="-"/>
+                <a:tabLst>
+                  <a:tab pos="509588" algn="l"/>
+                </a:tabLst>
+                <a:defRPr/>
+              </a:pPr>
+              <a:r>
+                <a:rPr lang="en-US" sz="3800" dirty="0"/>
+                <a:t>Adding noise to the coefficients of a polynomial approximation of the objective function</a:t>
+              </a:r>
+            </a:p>
+            <a:p>
+              <a:pPr marL="628650" indent="-571500" algn="just">
+                <a:spcBef>
+                  <a:spcPts val="2400"/>
+                </a:spcBef>
+                <a:buFontTx/>
+                <a:buChar char="-"/>
+                <a:tabLst>
+                  <a:tab pos="509588" algn="l"/>
+                </a:tabLst>
+                <a:defRPr/>
+              </a:pPr>
+              <a:r>
+                <a:rPr lang="en-US" sz="3800" dirty="0"/>
+                <a:t>Objective perturbation:</a:t>
+              </a:r>
+            </a:p>
+            <a:p>
+              <a:pPr marL="1085850" lvl="1" indent="-571500" algn="just">
+                <a:spcBef>
+                  <a:spcPts val="2400"/>
+                </a:spcBef>
+                <a:buFontTx/>
+                <a:buChar char="-"/>
+                <a:tabLst>
+                  <a:tab pos="509588" algn="l"/>
+                </a:tabLst>
+                <a:defRPr/>
+              </a:pPr>
+              <a:r>
+                <a:rPr lang="en-US" sz="3800" dirty="0"/>
+                <a:t>Adding noise directly to the objective function</a:t>
+              </a:r>
+            </a:p>
+          </p:txBody>
+        </p:sp>
+      </p:grpSp>
     </p:spTree>
   </p:cSld>
   <p:clrMapOvr>

--- a/Martin/Poster.pptx
+++ b/Martin/Poster.pptx
@@ -395,7 +395,7 @@
             <a:fld id="{744FB776-DB49-4077-BCD1-6FF64C55E5E5}" type="slidenum">
               <a:rPr lang="en-US" altLang="en-US"/>
               <a:pPr/>
-              <a:t>‹nr.›</a:t>
+              <a:t>‹#›</a:t>
             </a:fld>
             <a:endParaRPr lang="en-US" altLang="en-US"/>
           </a:p>
@@ -595,7 +595,7 @@
             <a:fld id="{3707DBBD-A2EF-41B8-943D-FA7AE16CE57F}" type="slidenum">
               <a:rPr lang="en-US" altLang="en-US"/>
               <a:pPr/>
-              <a:t>‹nr.›</a:t>
+              <a:t>‹#›</a:t>
             </a:fld>
             <a:endParaRPr lang="en-US" altLang="en-US"/>
           </a:p>
@@ -784,7 +784,7 @@
             <a:fld id="{2893A5F7-CDBB-44F3-A3A4-26B266F65A14}" type="slidenum">
               <a:rPr lang="en-US" altLang="en-US"/>
               <a:pPr/>
-              <a:t>‹nr.›</a:t>
+              <a:t>‹#›</a:t>
             </a:fld>
             <a:endParaRPr lang="en-US" altLang="en-US"/>
           </a:p>
@@ -983,7 +983,7 @@
             <a:fld id="{A10F9AD9-4A97-4DE6-8CBE-D8D297BCD5E3}" type="slidenum">
               <a:rPr lang="en-US" altLang="en-US"/>
               <a:pPr/>
-              <a:t>‹nr.›</a:t>
+              <a:t>‹#›</a:t>
             </a:fld>
             <a:endParaRPr lang="en-US" altLang="en-US"/>
           </a:p>
@@ -1172,7 +1172,7 @@
             <a:fld id="{C3EE5076-9E0E-4ADE-8C4C-CA522C6267B6}" type="slidenum">
               <a:rPr lang="en-US" altLang="en-US"/>
               <a:pPr/>
-              <a:t>‹nr.›</a:t>
+              <a:t>‹#›</a:t>
             </a:fld>
             <a:endParaRPr lang="en-US" altLang="en-US"/>
           </a:p>
@@ -1384,7 +1384,7 @@
             <a:fld id="{F1AE802A-8F92-442D-B3FB-5EA652A86530}" type="slidenum">
               <a:rPr lang="en-US" altLang="en-US"/>
               <a:pPr/>
-              <a:t>‹nr.›</a:t>
+              <a:t>‹#›</a:t>
             </a:fld>
             <a:endParaRPr lang="en-US" altLang="en-US"/>
           </a:p>
@@ -1690,7 +1690,7 @@
             <a:fld id="{BC9E8727-231B-4BB0-9E1C-995E4551D8D9}" type="slidenum">
               <a:rPr lang="en-US" altLang="en-US"/>
               <a:pPr/>
-              <a:t>‹nr.›</a:t>
+              <a:t>‹#›</a:t>
             </a:fld>
             <a:endParaRPr lang="en-US" altLang="en-US"/>
           </a:p>
@@ -2135,7 +2135,7 @@
             <a:fld id="{CA641F95-7A14-4E10-B6C2-64A0D46AF847}" type="slidenum">
               <a:rPr lang="en-US" altLang="en-US"/>
               <a:pPr/>
-              <a:t>‹nr.›</a:t>
+              <a:t>‹#›</a:t>
             </a:fld>
             <a:endParaRPr lang="en-US" altLang="en-US"/>
           </a:p>
@@ -2273,7 +2273,7 @@
             <a:fld id="{E6AD74C3-24B8-44D5-8467-81B391F9CFB1}" type="slidenum">
               <a:rPr lang="en-US" altLang="en-US"/>
               <a:pPr/>
-              <a:t>‹nr.›</a:t>
+              <a:t>‹#›</a:t>
             </a:fld>
             <a:endParaRPr lang="en-US" altLang="en-US"/>
           </a:p>
@@ -2389,7 +2389,7 @@
             <a:fld id="{7D54F7CA-DBC5-425F-AFF8-CBC5E4A896EF}" type="slidenum">
               <a:rPr lang="en-US" altLang="en-US"/>
               <a:pPr/>
-              <a:t>‹nr.›</a:t>
+              <a:t>‹#›</a:t>
             </a:fld>
             <a:endParaRPr lang="en-US" altLang="en-US"/>
           </a:p>
@@ -2685,7 +2685,7 @@
             <a:fld id="{AED02F74-6BEE-4F6A-B858-EBCEFCB84762}" type="slidenum">
               <a:rPr lang="en-US" altLang="en-US"/>
               <a:pPr/>
-              <a:t>‹nr.›</a:t>
+              <a:t>‹#›</a:t>
             </a:fld>
             <a:endParaRPr lang="en-US" altLang="en-US"/>
           </a:p>
@@ -2959,7 +2959,7 @@
             <a:fld id="{BA8334B2-0221-4277-8AC2-45D166B770D6}" type="slidenum">
               <a:rPr lang="en-US" altLang="en-US"/>
               <a:pPr/>
-              <a:t>‹nr.›</a:t>
+              <a:t>‹#›</a:t>
             </a:fld>
             <a:endParaRPr lang="en-US" altLang="en-US"/>
           </a:p>
@@ -3288,7 +3288,7 @@
             <a:fld id="{0C0AB8CD-295E-481E-B811-65B229C649DE}" type="slidenum">
               <a:rPr lang="en-US" altLang="en-US"/>
               <a:pPr/>
-              <a:t>‹nr.›</a:t>
+              <a:t>‹#›</a:t>
             </a:fld>
             <a:endParaRPr lang="en-US" altLang="en-US"/>
           </a:p>
@@ -4995,8 +4995,8 @@
         </p:nvSpPr>
         <p:spPr bwMode="auto">
           <a:xfrm>
-            <a:off x="688432" y="19654390"/>
-            <a:ext cx="16210800" cy="10134599"/>
+            <a:off x="720818" y="19491845"/>
+            <a:ext cx="16178414" cy="10441159"/>
           </a:xfrm>
           <a:prstGeom prst="rect">
             <a:avLst/>
@@ -5555,7 +5555,7 @@
             </p:nvSpPr>
             <p:spPr bwMode="auto">
               <a:xfrm>
-                <a:off x="794258" y="19779877"/>
+                <a:off x="794258" y="19617332"/>
                 <a:ext cx="16032966" cy="9956554"/>
               </a:xfrm>
               <a:prstGeom prst="rect">
@@ -5998,45 +5998,51 @@
                     </m:oMathParaPr>
                     <m:oMath xmlns:m="http://schemas.openxmlformats.org/officeDocument/2006/math">
                       <m:r>
-                        <a:rPr lang="da-DK" sz="3600" b="1" i="0" smtClean="0">
+                        <m:rPr>
+                          <m:sty m:val="p"/>
+                        </m:rPr>
+                        <a:rPr lang="da-DK" sz="3600" b="0" i="0" smtClean="0">
                           <a:latin typeface="Cambria Math" panose="02040503050406030204" pitchFamily="18" charset="0"/>
                         </a:rPr>
-                        <m:t>𝚫</m:t>
+                        <m:t>Δ</m:t>
                       </m:r>
                       <m:r>
-                        <a:rPr lang="da-DK" sz="3600" b="1" i="1" smtClean="0">
+                        <a:rPr lang="da-DK" sz="3600" b="0" i="1" smtClean="0">
                           <a:latin typeface="Cambria Math" panose="02040503050406030204" pitchFamily="18" charset="0"/>
                         </a:rPr>
-                        <m:t>𝒇</m:t>
+                        <m:t>𝑓</m:t>
                       </m:r>
                       <m:r>
-                        <a:rPr lang="da-DK" sz="3600" b="1" i="1" smtClean="0">
+                        <a:rPr lang="da-DK" sz="3600" b="0" i="1" smtClean="0">
                           <a:latin typeface="Cambria Math" panose="02040503050406030204" pitchFamily="18" charset="0"/>
                         </a:rPr>
                         <m:t>=</m:t>
                       </m:r>
                       <m:r>
-                        <a:rPr lang="da-DK" sz="3600" b="1" i="0" smtClean="0">
+                        <m:rPr>
+                          <m:sty m:val="p"/>
+                        </m:rPr>
+                        <a:rPr lang="da-DK" sz="3600" b="0" i="0" smtClean="0">
                           <a:latin typeface="Cambria Math" panose="02040503050406030204" pitchFamily="18" charset="0"/>
                         </a:rPr>
-                        <m:t>𝐦𝐚𝐱</m:t>
+                        <m:t>max</m:t>
                       </m:r>
                       <m:r>
-                        <a:rPr lang="da-DK" sz="3600" b="1" i="1" smtClean="0">
+                        <a:rPr lang="da-DK" sz="3600" b="0" i="1" smtClean="0">
                           <a:latin typeface="Cambria Math" panose="02040503050406030204" pitchFamily="18" charset="0"/>
                         </a:rPr>
                         <m:t>⁡||</m:t>
                       </m:r>
                       <m:r>
-                        <a:rPr lang="da-DK" sz="3600" b="1" i="1" smtClean="0">
+                        <a:rPr lang="da-DK" sz="3600" b="0" i="1" smtClean="0">
                           <a:latin typeface="Cambria Math" panose="02040503050406030204" pitchFamily="18" charset="0"/>
                         </a:rPr>
-                        <m:t>𝒇</m:t>
+                        <m:t>𝑓</m:t>
                       </m:r>
                       <m:d>
                         <m:dPr>
                           <m:ctrlPr>
-                            <a:rPr lang="da-DK" sz="3600" b="1" i="1" smtClean="0">
+                            <a:rPr lang="da-DK" sz="3600" i="1" smtClean="0">
                               <a:latin typeface="Cambria Math" panose="02040503050406030204" pitchFamily="18" charset="0"/>
                             </a:rPr>
                           </m:ctrlPr>
@@ -6045,46 +6051,46 @@
                           <m:sSub>
                             <m:sSubPr>
                               <m:ctrlPr>
-                                <a:rPr lang="da-DK" sz="3600" b="1" i="1" smtClean="0">
+                                <a:rPr lang="da-DK" sz="3600" i="1" smtClean="0">
                                   <a:latin typeface="Cambria Math" panose="02040503050406030204" pitchFamily="18" charset="0"/>
                                 </a:rPr>
                               </m:ctrlPr>
                             </m:sSubPr>
                             <m:e>
                               <m:r>
-                                <a:rPr lang="da-DK" sz="3600" b="1" i="1" smtClean="0">
+                                <a:rPr lang="da-DK" sz="3600" b="0" i="1" smtClean="0">
                                   <a:latin typeface="Cambria Math" panose="02040503050406030204" pitchFamily="18" charset="0"/>
                                 </a:rPr>
-                                <m:t>𝑫</m:t>
+                                <m:t>𝐷</m:t>
                               </m:r>
                             </m:e>
                             <m:sub>
                               <m:r>
-                                <a:rPr lang="da-DK" sz="3600" b="1" i="1" smtClean="0">
+                                <a:rPr lang="da-DK" sz="3600" b="0" i="1" smtClean="0">
                                   <a:latin typeface="Cambria Math" panose="02040503050406030204" pitchFamily="18" charset="0"/>
                                 </a:rPr>
-                                <m:t>𝟏</m:t>
+                                <m:t>1</m:t>
                               </m:r>
                             </m:sub>
                           </m:sSub>
                         </m:e>
                       </m:d>
                       <m:r>
-                        <a:rPr lang="da-DK" sz="3600" b="1" i="1" smtClean="0">
+                        <a:rPr lang="da-DK" sz="3600" b="0" i="1" smtClean="0">
                           <a:latin typeface="Cambria Math" panose="02040503050406030204" pitchFamily="18" charset="0"/>
                         </a:rPr>
                         <m:t>−</m:t>
                       </m:r>
                       <m:r>
-                        <a:rPr lang="da-DK" sz="3600" b="1" i="1" smtClean="0">
+                        <a:rPr lang="da-DK" sz="3600" b="0" i="1" smtClean="0">
                           <a:latin typeface="Cambria Math" panose="02040503050406030204" pitchFamily="18" charset="0"/>
                         </a:rPr>
-                        <m:t>𝒇</m:t>
+                        <m:t>𝑓</m:t>
                       </m:r>
                       <m:d>
                         <m:dPr>
                           <m:ctrlPr>
-                            <a:rPr lang="da-DK" sz="3600" b="1" i="1" smtClean="0">
+                            <a:rPr lang="da-DK" sz="3600" i="1" smtClean="0">
                               <a:latin typeface="Cambria Math" panose="02040503050406030204" pitchFamily="18" charset="0"/>
                             </a:rPr>
                           </m:ctrlPr>
@@ -6093,32 +6099,32 @@
                           <m:sSub>
                             <m:sSubPr>
                               <m:ctrlPr>
-                                <a:rPr lang="da-DK" sz="3600" b="1" i="1" smtClean="0">
+                                <a:rPr lang="da-DK" sz="3600" i="1" smtClean="0">
                                   <a:latin typeface="Cambria Math" panose="02040503050406030204" pitchFamily="18" charset="0"/>
                                 </a:rPr>
                               </m:ctrlPr>
                             </m:sSubPr>
                             <m:e>
                               <m:r>
-                                <a:rPr lang="da-DK" sz="3600" b="1" i="1" smtClean="0">
+                                <a:rPr lang="da-DK" sz="3600" b="0" i="1" smtClean="0">
                                   <a:latin typeface="Cambria Math" panose="02040503050406030204" pitchFamily="18" charset="0"/>
                                 </a:rPr>
-                                <m:t>𝑫</m:t>
+                                <m:t>𝐷</m:t>
                               </m:r>
                             </m:e>
                             <m:sub>
                               <m:r>
-                                <a:rPr lang="da-DK" sz="3600" b="1" i="1" smtClean="0">
+                                <a:rPr lang="da-DK" sz="3600" b="0" i="1" smtClean="0">
                                   <a:latin typeface="Cambria Math" panose="02040503050406030204" pitchFamily="18" charset="0"/>
                                 </a:rPr>
-                                <m:t>𝟐</m:t>
+                                <m:t>2</m:t>
                               </m:r>
                             </m:sub>
                           </m:sSub>
                         </m:e>
                       </m:d>
                       <m:r>
-                        <a:rPr lang="da-DK" sz="3600" b="1" i="1" smtClean="0">
+                        <a:rPr lang="da-DK" sz="3600" b="0" i="1" smtClean="0">
                           <a:latin typeface="Cambria Math" panose="02040503050406030204" pitchFamily="18" charset="0"/>
                         </a:rPr>
                         <m:t>||</m:t>
@@ -6126,7 +6132,7 @@
                     </m:oMath>
                   </m:oMathPara>
                 </a14:m>
-                <a:endParaRPr lang="da-DK" sz="3600" b="1" dirty="0"/>
+                <a:endParaRPr lang="da-DK" sz="3600" dirty="0"/>
               </a:p>
             </p:txBody>
           </p:sp>
@@ -6142,7 +6148,7 @@
             </p:nvSpPr>
             <p:spPr bwMode="auto">
               <a:xfrm>
-                <a:off x="794258" y="19779877"/>
+                <a:off x="794258" y="19617332"/>
                 <a:ext cx="16032966" cy="9956554"/>
               </a:xfrm>
               <a:prstGeom prst="rect">
@@ -6151,7 +6157,7 @@
               <a:blipFill>
                 <a:blip r:embed="rId5"/>
                 <a:stretch>
-                  <a:fillRect l="-798" t="-1041" r="-1255"/>
+                  <a:fillRect l="-798" t="-980" r="-1255"/>
                 </a:stretch>
               </a:blipFill>
               <a:ln w="28575">
@@ -6176,8 +6182,8 @@
           </p:sp>
         </mc:Fallback>
       </mc:AlternateContent>
-      <mc:AlternateContent xmlns:mc="http://schemas.openxmlformats.org/markup-compatibility/2006" xmlns:a14="http://schemas.microsoft.com/office/drawing/2010/main">
-        <mc:Choice Requires="a14">
+      <mc:AlternateContent xmlns:mc="http://schemas.openxmlformats.org/markup-compatibility/2006">
+        <mc:Choice xmlns:a14="http://schemas.microsoft.com/office/drawing/2010/main" Requires="a14">
           <p:sp>
             <p:nvSpPr>
               <p:cNvPr id="2070" name="Text Box 1080"/>
@@ -6188,7 +6194,7 @@
             </p:nvSpPr>
             <p:spPr bwMode="auto">
               <a:xfrm>
-                <a:off x="17466296" y="16120261"/>
+                <a:off x="17466296" y="16289227"/>
                 <a:ext cx="15774987" cy="9510278"/>
               </a:xfrm>
               <a:prstGeom prst="rect">
@@ -6405,56 +6411,122 @@
                     <a:latin typeface="Arial" panose="020B0604020202020204" pitchFamily="34" charset="0"/>
                   </a:rPr>
                 </a:br>
+                <a:r>
+                  <a:rPr lang="da-DK" altLang="en-US" sz="3600" b="1" dirty="0">
+                    <a:latin typeface="Arial" panose="020B0604020202020204" pitchFamily="34" charset="0"/>
+                  </a:rPr>
+                  <a:t/>
+                </a:r>
                 <a:br>
                   <a:rPr lang="da-DK" altLang="en-US" sz="3600" b="1" dirty="0">
                     <a:latin typeface="Arial" panose="020B0604020202020204" pitchFamily="34" charset="0"/>
                   </a:rPr>
                 </a:br>
+                <a:r>
+                  <a:rPr lang="da-DK" altLang="en-US" sz="3600" b="1" dirty="0">
+                    <a:latin typeface="Arial" panose="020B0604020202020204" pitchFamily="34" charset="0"/>
+                  </a:rPr>
+                  <a:t/>
+                </a:r>
                 <a:br>
                   <a:rPr lang="da-DK" altLang="en-US" sz="3600" b="1" dirty="0">
                     <a:latin typeface="Arial" panose="020B0604020202020204" pitchFamily="34" charset="0"/>
                   </a:rPr>
                 </a:br>
+                <a:r>
+                  <a:rPr lang="da-DK" altLang="en-US" sz="3600" b="1" dirty="0">
+                    <a:latin typeface="Arial" panose="020B0604020202020204" pitchFamily="34" charset="0"/>
+                  </a:rPr>
+                  <a:t/>
+                </a:r>
                 <a:br>
                   <a:rPr lang="da-DK" altLang="en-US" sz="3600" b="1" dirty="0">
                     <a:latin typeface="Arial" panose="020B0604020202020204" pitchFamily="34" charset="0"/>
                   </a:rPr>
                 </a:br>
+                <a:r>
+                  <a:rPr lang="da-DK" altLang="en-US" sz="3600" b="1" dirty="0">
+                    <a:latin typeface="Arial" panose="020B0604020202020204" pitchFamily="34" charset="0"/>
+                  </a:rPr>
+                  <a:t/>
+                </a:r>
                 <a:br>
                   <a:rPr lang="da-DK" altLang="en-US" sz="3600" b="1" dirty="0">
                     <a:latin typeface="Arial" panose="020B0604020202020204" pitchFamily="34" charset="0"/>
                   </a:rPr>
                 </a:br>
+                <a:r>
+                  <a:rPr lang="da-DK" altLang="en-US" sz="3600" b="1" dirty="0">
+                    <a:latin typeface="Arial" panose="020B0604020202020204" pitchFamily="34" charset="0"/>
+                  </a:rPr>
+                  <a:t/>
+                </a:r>
                 <a:br>
                   <a:rPr lang="da-DK" altLang="en-US" sz="3600" b="1" dirty="0">
                     <a:latin typeface="Arial" panose="020B0604020202020204" pitchFamily="34" charset="0"/>
                   </a:rPr>
                 </a:br>
+                <a:r>
+                  <a:rPr lang="da-DK" altLang="en-US" sz="3600" b="1" dirty="0">
+                    <a:latin typeface="Arial" panose="020B0604020202020204" pitchFamily="34" charset="0"/>
+                  </a:rPr>
+                  <a:t/>
+                </a:r>
                 <a:br>
                   <a:rPr lang="da-DK" altLang="en-US" sz="3600" b="1" dirty="0">
                     <a:latin typeface="Arial" panose="020B0604020202020204" pitchFamily="34" charset="0"/>
                   </a:rPr>
                 </a:br>
+                <a:r>
+                  <a:rPr lang="da-DK" altLang="en-US" sz="3600" b="1" dirty="0">
+                    <a:latin typeface="Arial" panose="020B0604020202020204" pitchFamily="34" charset="0"/>
+                  </a:rPr>
+                  <a:t/>
+                </a:r>
                 <a:br>
                   <a:rPr lang="da-DK" altLang="en-US" sz="3600" b="1" dirty="0">
                     <a:latin typeface="Arial" panose="020B0604020202020204" pitchFamily="34" charset="0"/>
                   </a:rPr>
                 </a:br>
+                <a:r>
+                  <a:rPr lang="da-DK" altLang="en-US" sz="3600" b="1" dirty="0">
+                    <a:latin typeface="Arial" panose="020B0604020202020204" pitchFamily="34" charset="0"/>
+                  </a:rPr>
+                  <a:t/>
+                </a:r>
                 <a:br>
                   <a:rPr lang="da-DK" altLang="en-US" sz="3600" b="1" dirty="0">
                     <a:latin typeface="Arial" panose="020B0604020202020204" pitchFamily="34" charset="0"/>
                   </a:rPr>
                 </a:br>
+                <a:r>
+                  <a:rPr lang="da-DK" altLang="en-US" sz="3600" b="1" dirty="0">
+                    <a:latin typeface="Arial" panose="020B0604020202020204" pitchFamily="34" charset="0"/>
+                  </a:rPr>
+                  <a:t/>
+                </a:r>
                 <a:br>
                   <a:rPr lang="da-DK" altLang="en-US" sz="3600" b="1" dirty="0">
                     <a:latin typeface="Arial" panose="020B0604020202020204" pitchFamily="34" charset="0"/>
                   </a:rPr>
                 </a:br>
+                <a:r>
+                  <a:rPr lang="da-DK" altLang="en-US" sz="3600" b="1" dirty="0">
+                    <a:latin typeface="Arial" panose="020B0604020202020204" pitchFamily="34" charset="0"/>
+                  </a:rPr>
+                  <a:t/>
+                </a:r>
                 <a:br>
                   <a:rPr lang="da-DK" altLang="en-US" sz="3600" b="1" dirty="0">
                     <a:latin typeface="Arial" panose="020B0604020202020204" pitchFamily="34" charset="0"/>
                   </a:rPr>
                 </a:br>
+                <a:r>
+                  <a:rPr lang="da-DK" altLang="en-US" sz="3600" b="1" dirty="0">
+                    <a:latin typeface="Arial" panose="020B0604020202020204" pitchFamily="34" charset="0"/>
+                  </a:rPr>
+                  <a:t/>
+                </a:r>
                 <a:br>
                   <a:rPr lang="da-DK" altLang="en-US" sz="3600" b="1" dirty="0">
                     <a:latin typeface="Arial" panose="020B0604020202020204" pitchFamily="34" charset="0"/>
@@ -6510,7 +6582,7 @@
             </p:txBody>
           </p:sp>
         </mc:Choice>
-        <mc:Fallback xmlns="">
+        <mc:Fallback>
           <p:sp>
             <p:nvSpPr>
               <p:cNvPr id="2070" name="Text Box 1080"/>
@@ -6521,14 +6593,14 @@
             </p:nvSpPr>
             <p:spPr bwMode="auto">
               <a:xfrm>
-                <a:off x="17466296" y="16120261"/>
+                <a:off x="17466296" y="16289227"/>
                 <a:ext cx="15774987" cy="9510278"/>
               </a:xfrm>
               <a:prstGeom prst="rect">
                 <a:avLst/>
               </a:prstGeom>
               <a:blipFill>
-                <a:blip r:embed="rId7"/>
+                <a:blip r:embed="rId6"/>
                 <a:stretch>
                   <a:fillRect l="-1391" t="-1026"/>
                 </a:stretch>
@@ -6561,7 +6633,7 @@
               <a:lstStyle/>
               <a:p>
                 <a:r>
-                  <a:rPr lang="de-DE">
+                  <a:rPr lang="en-GB">
                     <a:noFill/>
                   </a:rPr>
                   <a:t> </a:t>
@@ -6622,8 +6694,8 @@
         </p:nvSpPr>
         <p:spPr bwMode="auto">
           <a:xfrm>
-            <a:off x="17482248" y="16041689"/>
-            <a:ext cx="16210800" cy="13722349"/>
+            <a:off x="17466071" y="16106157"/>
+            <a:ext cx="16202025" cy="13826848"/>
           </a:xfrm>
           <a:prstGeom prst="rect">
             <a:avLst/>
@@ -6795,7 +6867,7 @@
         </p:nvSpPr>
         <p:spPr bwMode="auto">
           <a:xfrm>
-            <a:off x="34078863" y="5684837"/>
+            <a:off x="34078863" y="5522293"/>
             <a:ext cx="16213137" cy="8403233"/>
           </a:xfrm>
           <a:prstGeom prst="rect">
@@ -6968,7 +7040,7 @@
         </p:nvSpPr>
         <p:spPr bwMode="auto">
           <a:xfrm>
-            <a:off x="34078863" y="5684838"/>
+            <a:off x="34078863" y="5522294"/>
             <a:ext cx="10363200" cy="923312"/>
           </a:xfrm>
           <a:prstGeom prst="rect">
@@ -7015,8 +7087,8 @@
         </p:nvSpPr>
         <p:spPr bwMode="auto">
           <a:xfrm>
-            <a:off x="720818" y="5711877"/>
-            <a:ext cx="16211550" cy="14015442"/>
+            <a:off x="720818" y="5513638"/>
+            <a:ext cx="16211550" cy="13762184"/>
           </a:xfrm>
           <a:prstGeom prst="rect">
             <a:avLst/>
@@ -7190,7 +7262,7 @@
             </p:nvSpPr>
             <p:spPr bwMode="auto">
               <a:xfrm>
-                <a:off x="876300" y="5684838"/>
+                <a:off x="876300" y="5522293"/>
                 <a:ext cx="16049626" cy="6771066"/>
               </a:xfrm>
               <a:prstGeom prst="rect">
@@ -7676,16 +7748,16 @@
             </p:nvSpPr>
             <p:spPr bwMode="auto">
               <a:xfrm>
-                <a:off x="876300" y="5684838"/>
+                <a:off x="876300" y="5522293"/>
                 <a:ext cx="16049626" cy="6771066"/>
               </a:xfrm>
               <a:prstGeom prst="rect">
                 <a:avLst/>
               </a:prstGeom>
               <a:blipFill>
-                <a:blip r:embed="rId8"/>
+                <a:blip r:embed="rId7"/>
                 <a:stretch>
-                  <a:fillRect l="-608" t="-1532" b="-2072"/>
+                  <a:fillRect l="-608" t="-1530" b="-1980"/>
                 </a:stretch>
               </a:blipFill>
               <a:ln>
@@ -7734,21 +7806,22 @@
           </p:cNvPicPr>
           <p:nvPr/>
         </p:nvPicPr>
-        <p:blipFill rotWithShape="1">
-          <a:blip r:embed="rId9" cstate="print">
+        <p:blipFill>
+          <a:blip r:embed="rId8">
             <a:extLst>
               <a:ext uri="{28A0092B-C50C-407E-A947-70E740481C1C}">
                 <a14:useLocalDpi xmlns:a14="http://schemas.microsoft.com/office/drawing/2010/main" val="0"/>
               </a:ext>
             </a:extLst>
           </a:blip>
-          <a:srcRect b="12916"/>
-          <a:stretch/>
+          <a:stretch>
+            <a:fillRect/>
+          </a:stretch>
         </p:blipFill>
         <p:spPr>
           <a:xfrm>
-            <a:off x="1647310" y="13209743"/>
-            <a:ext cx="14152742" cy="5273990"/>
+            <a:off x="2259087" y="12759125"/>
+            <a:ext cx="13046969" cy="5778087"/>
           </a:xfrm>
           <a:prstGeom prst="rect">
             <a:avLst/>
@@ -7769,7 +7842,7 @@
         </p:nvGrpSpPr>
         <p:grpSpPr>
           <a:xfrm>
-            <a:off x="17450631" y="5738317"/>
+            <a:off x="17450631" y="5450285"/>
             <a:ext cx="16217465" cy="4724417"/>
             <a:chOff x="832448" y="25021471"/>
             <a:chExt cx="16217465" cy="4724417"/>
@@ -7948,8 +8021,8 @@
             </a:p>
           </p:txBody>
         </p:sp>
-        <mc:AlternateContent xmlns:mc="http://schemas.openxmlformats.org/markup-compatibility/2006">
-          <mc:Choice xmlns:a14="http://schemas.microsoft.com/office/drawing/2010/main" Requires="a14">
+        <mc:AlternateContent xmlns:mc="http://schemas.openxmlformats.org/markup-compatibility/2006" xmlns:a14="http://schemas.microsoft.com/office/drawing/2010/main">
+          <mc:Choice Requires="a14">
             <p:sp>
               <p:nvSpPr>
                 <p:cNvPr id="29" name="Text Box 1080"/>
@@ -8383,7 +8456,7 @@
               </p:txBody>
             </p:sp>
           </mc:Choice>
-          <mc:Fallback>
+          <mc:Fallback xmlns="">
             <p:sp>
               <p:nvSpPr>
                 <p:cNvPr id="29" name="Text Box 1080"/>
@@ -8445,7 +8518,7 @@
         </p:blipFill>
         <p:spPr>
           <a:xfrm>
-            <a:off x="3856153" y="22656148"/>
+            <a:off x="3856153" y="22493603"/>
             <a:ext cx="9909177" cy="3258723"/>
           </a:xfrm>
           <a:prstGeom prst="rect">
@@ -8480,7 +8553,7 @@
         </p:blipFill>
         <p:spPr>
           <a:xfrm>
-            <a:off x="34388176" y="6506404"/>
+            <a:off x="34388176" y="6343860"/>
             <a:ext cx="15883169" cy="7315215"/>
           </a:xfrm>
           <a:prstGeom prst="rect">
@@ -8516,7 +8589,7 @@
         </p:blipFill>
         <p:spPr>
           <a:xfrm>
-            <a:off x="17737663" y="17797417"/>
+            <a:off x="17737663" y="17966383"/>
             <a:ext cx="7649513" cy="6050413"/>
           </a:xfrm>
           <a:prstGeom prst="rect">
@@ -8551,7 +8624,7 @@
         </p:blipFill>
         <p:spPr>
           <a:xfrm>
-            <a:off x="26251272" y="17743801"/>
+            <a:off x="26251272" y="17912767"/>
             <a:ext cx="5715000" cy="5966824"/>
           </a:xfrm>
           <a:prstGeom prst="rect">
@@ -8645,12 +8718,20 @@
               <a:defRPr/>
             </a:pPr>
             <a:r>
-              <a:rPr lang="en-US" sz="2400" b="1" dirty="0" err="1"/>
+              <a:rPr lang="en-US" sz="2400" b="1" dirty="0" smtClean="0"/>
+              <a:t>- </a:t>
+            </a:r>
+            <a:r>
+              <a:rPr lang="en-US" sz="2400" b="1" dirty="0" err="1" smtClean="0"/>
               <a:t>Zhanglong</a:t>
             </a:r>
             <a:r>
+              <a:rPr lang="en-US" sz="2400" b="1" dirty="0" smtClean="0"/>
+              <a:t> </a:t>
+            </a:r>
+            <a:r>
               <a:rPr lang="en-US" sz="2400" b="1" dirty="0"/>
-              <a:t> Ji, Zachary C. Lipton, Charles Elkan, “Differential Privacy and Machine Learning: a Survey and Review,” </a:t>
+              <a:t>Ji, Zachary C. Lipton, Charles Elkan, “Differential Privacy and Machine Learning: a Survey and Review,” </a:t>
             </a:r>
             <a:r>
               <a:rPr lang="en-US" sz="2400" b="1" i="1" dirty="0" err="1"/>
@@ -8670,8 +8751,12 @@
               <a:defRPr/>
             </a:pPr>
             <a:r>
+              <a:rPr lang="da-DK" sz="2400" b="1" dirty="0" smtClean="0"/>
+              <a:t>- Jun </a:t>
+            </a:r>
+            <a:r>
               <a:rPr lang="da-DK" sz="2400" b="1" dirty="0"/>
-              <a:t>Jun Zhang, </a:t>
+              <a:t>Zhang, </a:t>
             </a:r>
             <a:r>
               <a:rPr lang="da-DK" sz="2400" b="1" dirty="0" err="1"/>
@@ -8775,12 +8860,20 @@
           </a:p>
           <a:p>
             <a:r>
-              <a:rPr lang="de-DE" sz="2400" b="1" dirty="0" err="1"/>
+              <a:rPr lang="de-DE" sz="2400" b="1" dirty="0" smtClean="0"/>
+              <a:t>- </a:t>
+            </a:r>
+            <a:r>
+              <a:rPr lang="de-DE" sz="2400" b="1" dirty="0" err="1" smtClean="0"/>
               <a:t>Kamalika</a:t>
             </a:r>
             <a:r>
+              <a:rPr lang="de-DE" sz="2400" b="1" dirty="0" smtClean="0"/>
+              <a:t> </a:t>
+            </a:r>
+            <a:r>
               <a:rPr lang="de-DE" sz="2400" b="1" dirty="0"/>
-              <a:t> Chaudhuri and Claire </a:t>
+              <a:t>Chaudhuri and Claire </a:t>
             </a:r>
             <a:r>
               <a:rPr lang="de-DE" sz="2400" b="1" dirty="0" err="1"/>
@@ -8815,28 +8908,32 @@
               <a:t>. In </a:t>
             </a:r>
             <a:r>
-              <a:rPr lang="de-DE" sz="2400" b="1" dirty="0" err="1"/>
+              <a:rPr lang="de-DE" sz="2400" b="1" dirty="0" err="1" smtClean="0"/>
               <a:t>Proceed</a:t>
             </a:r>
             <a:r>
-              <a:rPr lang="de-DE" sz="2400" b="1" dirty="0"/>
-              <a:t>-</a:t>
-            </a:r>
-          </a:p>
-          <a:p>
-            <a:r>
-              <a:rPr lang="en-US" sz="2400" b="1" dirty="0" err="1"/>
+              <a:rPr lang="en-US" sz="2400" b="1" dirty="0" err="1" smtClean="0"/>
               <a:t>ings</a:t>
             </a:r>
             <a:r>
+              <a:rPr lang="en-US" sz="2400" b="1" dirty="0" smtClean="0"/>
+              <a:t> </a:t>
+            </a:r>
+            <a:r>
               <a:rPr lang="en-US" sz="2400" b="1" dirty="0"/>
-              <a:t> of the 21st International Conference on Neural Information Processing Systems, NIPS'08,</a:t>
-            </a:r>
-          </a:p>
-          <a:p>
+              <a:t>of the 21st International Conference on Neural Information Processing Systems, </a:t>
+            </a:r>
+            <a:r>
+              <a:rPr lang="en-US" sz="2400" b="1" dirty="0" smtClean="0"/>
+              <a:t>NIPS'08, </a:t>
+            </a:r>
+            <a:r>
+              <a:rPr lang="fr-FR" sz="2400" b="1" dirty="0" smtClean="0"/>
+              <a:t>pages </a:t>
+            </a:r>
             <a:r>
               <a:rPr lang="fr-FR" sz="2400" b="1" dirty="0"/>
-              <a:t>pages 289{296, USA, 2008. </a:t>
+              <a:t>289{296, USA, 2008. </a:t>
             </a:r>
             <a:r>
               <a:rPr lang="fr-FR" sz="2400" b="1" dirty="0" err="1"/>
@@ -8849,8 +8946,12 @@
           </a:p>
           <a:p>
             <a:r>
+              <a:rPr lang="en-US" sz="2400" b="1" dirty="0" smtClean="0"/>
+              <a:t>- [</a:t>
+            </a:r>
+            <a:r>
               <a:rPr lang="en-US" sz="2400" b="1" dirty="0"/>
-              <a:t>[NIPSKA17]: </a:t>
+              <a:t>NIPSKA17]: </a:t>
             </a:r>
             <a:r>
               <a:rPr lang="en-US" sz="2400" b="1" dirty="0" err="1"/>
@@ -8968,13 +9069,13 @@
               </a:ext>
             </a:extLst>
           </a:blip>
-          <a:srcRect l="2900" t="8615" r="-2900" b="3776"/>
+          <a:srcRect t="6540" b="1354"/>
           <a:stretch/>
         </p:blipFill>
         <p:spPr>
           <a:xfrm>
-            <a:off x="18696809" y="24447783"/>
-            <a:ext cx="6068191" cy="5316255"/>
+            <a:off x="18600129" y="24534687"/>
+            <a:ext cx="6097491" cy="5256373"/>
           </a:xfrm>
           <a:prstGeom prst="rect">
             <a:avLst/>
@@ -9003,13 +9104,13 @@
               </a:ext>
             </a:extLst>
           </a:blip>
-          <a:srcRect t="7703" b="4091"/>
+          <a:srcRect t="5829" b="1345"/>
           <a:stretch/>
         </p:blipFill>
         <p:spPr>
           <a:xfrm>
-            <a:off x="25898081" y="24411514"/>
-            <a:ext cx="6068191" cy="5352524"/>
+            <a:off x="26257424" y="24536942"/>
+            <a:ext cx="6186536" cy="5254118"/>
           </a:xfrm>
           <a:prstGeom prst="rect">
             <a:avLst/>
@@ -9030,7 +9131,7 @@
         </p:nvGrpSpPr>
         <p:grpSpPr>
           <a:xfrm>
-            <a:off x="17456367" y="10405424"/>
+            <a:off x="17456367" y="10274821"/>
             <a:ext cx="16217465" cy="5601780"/>
             <a:chOff x="832448" y="25021471"/>
             <a:chExt cx="16217465" cy="4695510"/>
@@ -9336,6 +9437,179 @@
           </p:txBody>
         </p:sp>
       </p:grpSp>
+      <p:sp>
+        <p:nvSpPr>
+          <p:cNvPr id="38" name="Rectangle 1124"/>
+          <p:cNvSpPr>
+            <a:spLocks noChangeArrowheads="1"/>
+          </p:cNvSpPr>
+          <p:nvPr/>
+        </p:nvSpPr>
+        <p:spPr bwMode="auto">
+          <a:xfrm>
+            <a:off x="34078863" y="14175789"/>
+            <a:ext cx="16213137" cy="11724768"/>
+          </a:xfrm>
+          <a:prstGeom prst="rect">
+            <a:avLst/>
+          </a:prstGeom>
+          <a:noFill/>
+          <a:ln w="28575">
+            <a:solidFill>
+              <a:srgbClr val="C0C0C0"/>
+            </a:solidFill>
+            <a:miter lim="800000"/>
+            <a:headEnd/>
+            <a:tailEnd/>
+          </a:ln>
+          <a:extLst>
+            <a:ext uri="{909E8E84-426E-40DD-AFC4-6F175D3DCCD1}">
+              <a14:hiddenFill xmlns:a14="http://schemas.microsoft.com/office/drawing/2010/main">
+                <a:solidFill>
+                  <a:srgbClr val="FFFFFF"/>
+                </a:solidFill>
+              </a14:hiddenFill>
+            </a:ext>
+          </a:extLst>
+        </p:spPr>
+        <p:txBody>
+          <a:bodyPr wrap="none" lIns="91431" tIns="45716" rIns="91431" bIns="45716" anchor="ctr"/>
+          <a:lstStyle>
+            <a:lvl1pPr eaLnBrk="0" hangingPunct="0">
+              <a:spcBef>
+                <a:spcPct val="20000"/>
+              </a:spcBef>
+              <a:buChar char="•"/>
+              <a:defRPr sz="14400">
+                <a:solidFill>
+                  <a:schemeClr val="tx1"/>
+                </a:solidFill>
+                <a:latin typeface="Times New Roman" panose="02020603050405020304" pitchFamily="18" charset="0"/>
+              </a:defRPr>
+            </a:lvl1pPr>
+            <a:lvl2pPr marL="742950" indent="-285750" eaLnBrk="0" hangingPunct="0">
+              <a:spcBef>
+                <a:spcPct val="20000"/>
+              </a:spcBef>
+              <a:buChar char="–"/>
+              <a:defRPr sz="12500">
+                <a:solidFill>
+                  <a:schemeClr val="tx1"/>
+                </a:solidFill>
+                <a:latin typeface="Times New Roman" panose="02020603050405020304" pitchFamily="18" charset="0"/>
+              </a:defRPr>
+            </a:lvl2pPr>
+            <a:lvl3pPr marL="1143000" indent="-228600" eaLnBrk="0" hangingPunct="0">
+              <a:spcBef>
+                <a:spcPct val="20000"/>
+              </a:spcBef>
+              <a:buChar char="•"/>
+              <a:defRPr sz="10700">
+                <a:solidFill>
+                  <a:schemeClr val="tx1"/>
+                </a:solidFill>
+                <a:latin typeface="Times New Roman" panose="02020603050405020304" pitchFamily="18" charset="0"/>
+              </a:defRPr>
+            </a:lvl3pPr>
+            <a:lvl4pPr marL="1600200" indent="-228600" eaLnBrk="0" hangingPunct="0">
+              <a:spcBef>
+                <a:spcPct val="20000"/>
+              </a:spcBef>
+              <a:buChar char="–"/>
+              <a:defRPr sz="8900">
+                <a:solidFill>
+                  <a:schemeClr val="tx1"/>
+                </a:solidFill>
+                <a:latin typeface="Times New Roman" panose="02020603050405020304" pitchFamily="18" charset="0"/>
+              </a:defRPr>
+            </a:lvl4pPr>
+            <a:lvl5pPr marL="2057400" indent="-228600" eaLnBrk="0" hangingPunct="0">
+              <a:spcBef>
+                <a:spcPct val="20000"/>
+              </a:spcBef>
+              <a:buChar char="»"/>
+              <a:defRPr sz="8900">
+                <a:solidFill>
+                  <a:schemeClr val="tx1"/>
+                </a:solidFill>
+                <a:latin typeface="Times New Roman" panose="02020603050405020304" pitchFamily="18" charset="0"/>
+              </a:defRPr>
+            </a:lvl5pPr>
+            <a:lvl6pPr marL="2514600" indent="-228600" eaLnBrk="0" fontAlgn="base" hangingPunct="0">
+              <a:spcBef>
+                <a:spcPct val="20000"/>
+              </a:spcBef>
+              <a:spcAft>
+                <a:spcPct val="0"/>
+              </a:spcAft>
+              <a:buChar char="»"/>
+              <a:defRPr sz="8900">
+                <a:solidFill>
+                  <a:schemeClr val="tx1"/>
+                </a:solidFill>
+                <a:latin typeface="Times New Roman" panose="02020603050405020304" pitchFamily="18" charset="0"/>
+              </a:defRPr>
+            </a:lvl6pPr>
+            <a:lvl7pPr marL="2971800" indent="-228600" eaLnBrk="0" fontAlgn="base" hangingPunct="0">
+              <a:spcBef>
+                <a:spcPct val="20000"/>
+              </a:spcBef>
+              <a:spcAft>
+                <a:spcPct val="0"/>
+              </a:spcAft>
+              <a:buChar char="»"/>
+              <a:defRPr sz="8900">
+                <a:solidFill>
+                  <a:schemeClr val="tx1"/>
+                </a:solidFill>
+                <a:latin typeface="Times New Roman" panose="02020603050405020304" pitchFamily="18" charset="0"/>
+              </a:defRPr>
+            </a:lvl7pPr>
+            <a:lvl8pPr marL="3429000" indent="-228600" eaLnBrk="0" fontAlgn="base" hangingPunct="0">
+              <a:spcBef>
+                <a:spcPct val="20000"/>
+              </a:spcBef>
+              <a:spcAft>
+                <a:spcPct val="0"/>
+              </a:spcAft>
+              <a:buChar char="»"/>
+              <a:defRPr sz="8900">
+                <a:solidFill>
+                  <a:schemeClr val="tx1"/>
+                </a:solidFill>
+                <a:latin typeface="Times New Roman" panose="02020603050405020304" pitchFamily="18" charset="0"/>
+              </a:defRPr>
+            </a:lvl8pPr>
+            <a:lvl9pPr marL="3886200" indent="-228600" eaLnBrk="0" fontAlgn="base" hangingPunct="0">
+              <a:spcBef>
+                <a:spcPct val="20000"/>
+              </a:spcBef>
+              <a:spcAft>
+                <a:spcPct val="0"/>
+              </a:spcAft>
+              <a:buChar char="»"/>
+              <a:defRPr sz="8900">
+                <a:solidFill>
+                  <a:schemeClr val="tx1"/>
+                </a:solidFill>
+                <a:latin typeface="Times New Roman" panose="02020603050405020304" pitchFamily="18" charset="0"/>
+              </a:defRPr>
+            </a:lvl9pPr>
+          </a:lstStyle>
+          <a:p>
+            <a:pPr eaLnBrk="1" hangingPunct="1">
+              <a:spcBef>
+                <a:spcPct val="0"/>
+              </a:spcBef>
+              <a:buFontTx/>
+              <a:buNone/>
+            </a:pPr>
+            <a:endParaRPr lang="en-US" altLang="en-US" sz="3200">
+              <a:latin typeface="Optima Black" charset="0"/>
+            </a:endParaRPr>
+          </a:p>
+        </p:txBody>
+      </p:sp>
     </p:spTree>
   </p:cSld>
   <p:clrMapOvr>

--- a/Martin/Poster.pptx
+++ b/Martin/Poster.pptx
@@ -395,7 +395,7 @@
             <a:fld id="{744FB776-DB49-4077-BCD1-6FF64C55E5E5}" type="slidenum">
               <a:rPr lang="en-US" altLang="en-US"/>
               <a:pPr/>
-              <a:t>‹#›</a:t>
+              <a:t>‹nr.›</a:t>
             </a:fld>
             <a:endParaRPr lang="en-US" altLang="en-US"/>
           </a:p>
@@ -595,7 +595,7 @@
             <a:fld id="{3707DBBD-A2EF-41B8-943D-FA7AE16CE57F}" type="slidenum">
               <a:rPr lang="en-US" altLang="en-US"/>
               <a:pPr/>
-              <a:t>‹#›</a:t>
+              <a:t>‹nr.›</a:t>
             </a:fld>
             <a:endParaRPr lang="en-US" altLang="en-US"/>
           </a:p>
@@ -784,7 +784,7 @@
             <a:fld id="{2893A5F7-CDBB-44F3-A3A4-26B266F65A14}" type="slidenum">
               <a:rPr lang="en-US" altLang="en-US"/>
               <a:pPr/>
-              <a:t>‹#›</a:t>
+              <a:t>‹nr.›</a:t>
             </a:fld>
             <a:endParaRPr lang="en-US" altLang="en-US"/>
           </a:p>
@@ -983,7 +983,7 @@
             <a:fld id="{A10F9AD9-4A97-4DE6-8CBE-D8D297BCD5E3}" type="slidenum">
               <a:rPr lang="en-US" altLang="en-US"/>
               <a:pPr/>
-              <a:t>‹#›</a:t>
+              <a:t>‹nr.›</a:t>
             </a:fld>
             <a:endParaRPr lang="en-US" altLang="en-US"/>
           </a:p>
@@ -1172,7 +1172,7 @@
             <a:fld id="{C3EE5076-9E0E-4ADE-8C4C-CA522C6267B6}" type="slidenum">
               <a:rPr lang="en-US" altLang="en-US"/>
               <a:pPr/>
-              <a:t>‹#›</a:t>
+              <a:t>‹nr.›</a:t>
             </a:fld>
             <a:endParaRPr lang="en-US" altLang="en-US"/>
           </a:p>
@@ -1384,7 +1384,7 @@
             <a:fld id="{F1AE802A-8F92-442D-B3FB-5EA652A86530}" type="slidenum">
               <a:rPr lang="en-US" altLang="en-US"/>
               <a:pPr/>
-              <a:t>‹#›</a:t>
+              <a:t>‹nr.›</a:t>
             </a:fld>
             <a:endParaRPr lang="en-US" altLang="en-US"/>
           </a:p>
@@ -1690,7 +1690,7 @@
             <a:fld id="{BC9E8727-231B-4BB0-9E1C-995E4551D8D9}" type="slidenum">
               <a:rPr lang="en-US" altLang="en-US"/>
               <a:pPr/>
-              <a:t>‹#›</a:t>
+              <a:t>‹nr.›</a:t>
             </a:fld>
             <a:endParaRPr lang="en-US" altLang="en-US"/>
           </a:p>
@@ -2135,7 +2135,7 @@
             <a:fld id="{CA641F95-7A14-4E10-B6C2-64A0D46AF847}" type="slidenum">
               <a:rPr lang="en-US" altLang="en-US"/>
               <a:pPr/>
-              <a:t>‹#›</a:t>
+              <a:t>‹nr.›</a:t>
             </a:fld>
             <a:endParaRPr lang="en-US" altLang="en-US"/>
           </a:p>
@@ -2273,7 +2273,7 @@
             <a:fld id="{E6AD74C3-24B8-44D5-8467-81B391F9CFB1}" type="slidenum">
               <a:rPr lang="en-US" altLang="en-US"/>
               <a:pPr/>
-              <a:t>‹#›</a:t>
+              <a:t>‹nr.›</a:t>
             </a:fld>
             <a:endParaRPr lang="en-US" altLang="en-US"/>
           </a:p>
@@ -2389,7 +2389,7 @@
             <a:fld id="{7D54F7CA-DBC5-425F-AFF8-CBC5E4A896EF}" type="slidenum">
               <a:rPr lang="en-US" altLang="en-US"/>
               <a:pPr/>
-              <a:t>‹#›</a:t>
+              <a:t>‹nr.›</a:t>
             </a:fld>
             <a:endParaRPr lang="en-US" altLang="en-US"/>
           </a:p>
@@ -2685,7 +2685,7 @@
             <a:fld id="{AED02F74-6BEE-4F6A-B858-EBCEFCB84762}" type="slidenum">
               <a:rPr lang="en-US" altLang="en-US"/>
               <a:pPr/>
-              <a:t>‹#›</a:t>
+              <a:t>‹nr.›</a:t>
             </a:fld>
             <a:endParaRPr lang="en-US" altLang="en-US"/>
           </a:p>
@@ -2959,7 +2959,7 @@
             <a:fld id="{BA8334B2-0221-4277-8AC2-45D166B770D6}" type="slidenum">
               <a:rPr lang="en-US" altLang="en-US"/>
               <a:pPr/>
-              <a:t>‹#›</a:t>
+              <a:t>‹nr.›</a:t>
             </a:fld>
             <a:endParaRPr lang="en-US" altLang="en-US"/>
           </a:p>
@@ -3288,7 +3288,7 @@
             <a:fld id="{0C0AB8CD-295E-481E-B811-65B229C649DE}" type="slidenum">
               <a:rPr lang="en-US" altLang="en-US"/>
               <a:pPr/>
-              <a:t>‹#›</a:t>
+              <a:t>‹nr.›</a:t>
             </a:fld>
             <a:endParaRPr lang="en-US" altLang="en-US"/>
           </a:p>
@@ -5543,8 +5543,8 @@
           </a:p>
         </p:txBody>
       </p:sp>
-      <mc:AlternateContent xmlns:mc="http://schemas.openxmlformats.org/markup-compatibility/2006">
-        <mc:Choice xmlns:a14="http://schemas.microsoft.com/office/drawing/2010/main" Requires="a14">
+      <mc:AlternateContent xmlns:mc="http://schemas.openxmlformats.org/markup-compatibility/2006" xmlns:a14="http://schemas.microsoft.com/office/drawing/2010/main">
+        <mc:Choice Requires="a14">
           <p:sp>
             <p:nvSpPr>
               <p:cNvPr id="1046" name="Text Box 1080"/>
@@ -6137,7 +6137,7 @@
             </p:txBody>
           </p:sp>
         </mc:Choice>
-        <mc:Fallback>
+        <mc:Fallback xmlns="">
           <p:sp>
             <p:nvSpPr>
               <p:cNvPr id="1046" name="Text Box 1080"/>
@@ -6182,8 +6182,8 @@
           </p:sp>
         </mc:Fallback>
       </mc:AlternateContent>
-      <mc:AlternateContent xmlns:mc="http://schemas.openxmlformats.org/markup-compatibility/2006">
-        <mc:Choice xmlns:a14="http://schemas.microsoft.com/office/drawing/2010/main" Requires="a14">
+      <mc:AlternateContent xmlns:mc="http://schemas.openxmlformats.org/markup-compatibility/2006" xmlns:a14="http://schemas.microsoft.com/office/drawing/2010/main">
+        <mc:Choice Requires="a14">
           <p:sp>
             <p:nvSpPr>
               <p:cNvPr id="2070" name="Text Box 1080"/>
@@ -6411,122 +6411,56 @@
                     <a:latin typeface="Arial" panose="020B0604020202020204" pitchFamily="34" charset="0"/>
                   </a:rPr>
                 </a:br>
-                <a:r>
-                  <a:rPr lang="da-DK" altLang="en-US" sz="3600" b="1" dirty="0">
-                    <a:latin typeface="Arial" panose="020B0604020202020204" pitchFamily="34" charset="0"/>
-                  </a:rPr>
-                  <a:t/>
-                </a:r>
                 <a:br>
                   <a:rPr lang="da-DK" altLang="en-US" sz="3600" b="1" dirty="0">
                     <a:latin typeface="Arial" panose="020B0604020202020204" pitchFamily="34" charset="0"/>
                   </a:rPr>
                 </a:br>
-                <a:r>
-                  <a:rPr lang="da-DK" altLang="en-US" sz="3600" b="1" dirty="0">
-                    <a:latin typeface="Arial" panose="020B0604020202020204" pitchFamily="34" charset="0"/>
-                  </a:rPr>
-                  <a:t/>
-                </a:r>
                 <a:br>
                   <a:rPr lang="da-DK" altLang="en-US" sz="3600" b="1" dirty="0">
                     <a:latin typeface="Arial" panose="020B0604020202020204" pitchFamily="34" charset="0"/>
                   </a:rPr>
                 </a:br>
-                <a:r>
-                  <a:rPr lang="da-DK" altLang="en-US" sz="3600" b="1" dirty="0">
-                    <a:latin typeface="Arial" panose="020B0604020202020204" pitchFamily="34" charset="0"/>
-                  </a:rPr>
-                  <a:t/>
-                </a:r>
                 <a:br>
                   <a:rPr lang="da-DK" altLang="en-US" sz="3600" b="1" dirty="0">
                     <a:latin typeface="Arial" panose="020B0604020202020204" pitchFamily="34" charset="0"/>
                   </a:rPr>
                 </a:br>
-                <a:r>
-                  <a:rPr lang="da-DK" altLang="en-US" sz="3600" b="1" dirty="0">
-                    <a:latin typeface="Arial" panose="020B0604020202020204" pitchFamily="34" charset="0"/>
-                  </a:rPr>
-                  <a:t/>
-                </a:r>
                 <a:br>
                   <a:rPr lang="da-DK" altLang="en-US" sz="3600" b="1" dirty="0">
                     <a:latin typeface="Arial" panose="020B0604020202020204" pitchFamily="34" charset="0"/>
                   </a:rPr>
                 </a:br>
-                <a:r>
-                  <a:rPr lang="da-DK" altLang="en-US" sz="3600" b="1" dirty="0">
-                    <a:latin typeface="Arial" panose="020B0604020202020204" pitchFamily="34" charset="0"/>
-                  </a:rPr>
-                  <a:t/>
-                </a:r>
                 <a:br>
                   <a:rPr lang="da-DK" altLang="en-US" sz="3600" b="1" dirty="0">
                     <a:latin typeface="Arial" panose="020B0604020202020204" pitchFamily="34" charset="0"/>
                   </a:rPr>
                 </a:br>
-                <a:r>
-                  <a:rPr lang="da-DK" altLang="en-US" sz="3600" b="1" dirty="0">
-                    <a:latin typeface="Arial" panose="020B0604020202020204" pitchFamily="34" charset="0"/>
-                  </a:rPr>
-                  <a:t/>
-                </a:r>
                 <a:br>
                   <a:rPr lang="da-DK" altLang="en-US" sz="3600" b="1" dirty="0">
                     <a:latin typeface="Arial" panose="020B0604020202020204" pitchFamily="34" charset="0"/>
                   </a:rPr>
                 </a:br>
-                <a:r>
-                  <a:rPr lang="da-DK" altLang="en-US" sz="3600" b="1" dirty="0">
-                    <a:latin typeface="Arial" panose="020B0604020202020204" pitchFamily="34" charset="0"/>
-                  </a:rPr>
-                  <a:t/>
-                </a:r>
                 <a:br>
                   <a:rPr lang="da-DK" altLang="en-US" sz="3600" b="1" dirty="0">
                     <a:latin typeface="Arial" panose="020B0604020202020204" pitchFamily="34" charset="0"/>
                   </a:rPr>
                 </a:br>
-                <a:r>
-                  <a:rPr lang="da-DK" altLang="en-US" sz="3600" b="1" dirty="0">
-                    <a:latin typeface="Arial" panose="020B0604020202020204" pitchFamily="34" charset="0"/>
-                  </a:rPr>
-                  <a:t/>
-                </a:r>
                 <a:br>
                   <a:rPr lang="da-DK" altLang="en-US" sz="3600" b="1" dirty="0">
                     <a:latin typeface="Arial" panose="020B0604020202020204" pitchFamily="34" charset="0"/>
                   </a:rPr>
                 </a:br>
-                <a:r>
-                  <a:rPr lang="da-DK" altLang="en-US" sz="3600" b="1" dirty="0">
-                    <a:latin typeface="Arial" panose="020B0604020202020204" pitchFamily="34" charset="0"/>
-                  </a:rPr>
-                  <a:t/>
-                </a:r>
                 <a:br>
                   <a:rPr lang="da-DK" altLang="en-US" sz="3600" b="1" dirty="0">
                     <a:latin typeface="Arial" panose="020B0604020202020204" pitchFamily="34" charset="0"/>
                   </a:rPr>
                 </a:br>
-                <a:r>
-                  <a:rPr lang="da-DK" altLang="en-US" sz="3600" b="1" dirty="0">
-                    <a:latin typeface="Arial" panose="020B0604020202020204" pitchFamily="34" charset="0"/>
-                  </a:rPr>
-                  <a:t/>
-                </a:r>
                 <a:br>
                   <a:rPr lang="da-DK" altLang="en-US" sz="3600" b="1" dirty="0">
                     <a:latin typeface="Arial" panose="020B0604020202020204" pitchFamily="34" charset="0"/>
                   </a:rPr>
                 </a:br>
-                <a:r>
-                  <a:rPr lang="da-DK" altLang="en-US" sz="3600" b="1" dirty="0">
-                    <a:latin typeface="Arial" panose="020B0604020202020204" pitchFamily="34" charset="0"/>
-                  </a:rPr>
-                  <a:t/>
-                </a:r>
                 <a:br>
                   <a:rPr lang="da-DK" altLang="en-US" sz="3600" b="1" dirty="0">
                     <a:latin typeface="Arial" panose="020B0604020202020204" pitchFamily="34" charset="0"/>
@@ -6582,7 +6516,7 @@
             </p:txBody>
           </p:sp>
         </mc:Choice>
-        <mc:Fallback>
+        <mc:Fallback xmlns="">
           <p:sp>
             <p:nvSpPr>
               <p:cNvPr id="2070" name="Text Box 1080"/>
@@ -7250,8 +7184,8 @@
           </a:p>
         </p:txBody>
       </p:sp>
-      <mc:AlternateContent xmlns:mc="http://schemas.openxmlformats.org/markup-compatibility/2006">
-        <mc:Choice xmlns:a14="http://schemas.microsoft.com/office/drawing/2010/main" Requires="a14">
+      <mc:AlternateContent xmlns:mc="http://schemas.openxmlformats.org/markup-compatibility/2006" xmlns:a14="http://schemas.microsoft.com/office/drawing/2010/main">
+        <mc:Choice Requires="a14">
           <p:sp>
             <p:nvSpPr>
               <p:cNvPr id="2058" name="Text Box 7"/>
@@ -7737,7 +7671,7 @@
             </p:txBody>
           </p:sp>
         </mc:Choice>
-        <mc:Fallback>
+        <mc:Fallback xmlns="">
           <p:sp>
             <p:nvSpPr>
               <p:cNvPr id="2058" name="Text Box 7"/>
@@ -8718,20 +8652,16 @@
               <a:defRPr/>
             </a:pPr>
             <a:r>
-              <a:rPr lang="en-US" sz="2400" b="1" dirty="0" smtClean="0"/>
+              <a:rPr lang="en-US" sz="2400" b="1" dirty="0"/>
               <a:t>- </a:t>
             </a:r>
             <a:r>
-              <a:rPr lang="en-US" sz="2400" b="1" dirty="0" err="1" smtClean="0"/>
+              <a:rPr lang="en-US" sz="2400" b="1" dirty="0" err="1"/>
               <a:t>Zhanglong</a:t>
             </a:r>
             <a:r>
-              <a:rPr lang="en-US" sz="2400" b="1" dirty="0" smtClean="0"/>
-              <a:t> </a:t>
-            </a:r>
-            <a:r>
               <a:rPr lang="en-US" sz="2400" b="1" dirty="0"/>
-              <a:t>Ji, Zachary C. Lipton, Charles Elkan, “Differential Privacy and Machine Learning: a Survey and Review,” </a:t>
+              <a:t> Ji, Zachary C. Lipton, Charles Elkan, “Differential Privacy and Machine Learning: a Survey and Review,” </a:t>
             </a:r>
             <a:r>
               <a:rPr lang="en-US" sz="2400" b="1" i="1" dirty="0" err="1"/>
@@ -8751,12 +8681,8 @@
               <a:defRPr/>
             </a:pPr>
             <a:r>
-              <a:rPr lang="da-DK" sz="2400" b="1" dirty="0" smtClean="0"/>
-              <a:t>- Jun </a:t>
-            </a:r>
-            <a:r>
               <a:rPr lang="da-DK" sz="2400" b="1" dirty="0"/>
-              <a:t>Zhang, </a:t>
+              <a:t>- Jun Zhang, </a:t>
             </a:r>
             <a:r>
               <a:rPr lang="da-DK" sz="2400" b="1" dirty="0" err="1"/>
@@ -8860,20 +8786,16 @@
           </a:p>
           <a:p>
             <a:r>
-              <a:rPr lang="de-DE" sz="2400" b="1" dirty="0" smtClean="0"/>
+              <a:rPr lang="de-DE" sz="2400" b="1" dirty="0"/>
               <a:t>- </a:t>
             </a:r>
             <a:r>
-              <a:rPr lang="de-DE" sz="2400" b="1" dirty="0" err="1" smtClean="0"/>
+              <a:rPr lang="de-DE" sz="2400" b="1" dirty="0" err="1"/>
               <a:t>Kamalika</a:t>
             </a:r>
             <a:r>
-              <a:rPr lang="de-DE" sz="2400" b="1" dirty="0" smtClean="0"/>
-              <a:t> </a:t>
-            </a:r>
-            <a:r>
               <a:rPr lang="de-DE" sz="2400" b="1" dirty="0"/>
-              <a:t>Chaudhuri and Claire </a:t>
+              <a:t> Chaudhuri and Claire </a:t>
             </a:r>
             <a:r>
               <a:rPr lang="de-DE" sz="2400" b="1" dirty="0" err="1"/>
@@ -8908,32 +8830,20 @@
               <a:t>. In </a:t>
             </a:r>
             <a:r>
-              <a:rPr lang="de-DE" sz="2400" b="1" dirty="0" err="1" smtClean="0"/>
+              <a:rPr lang="de-DE" sz="2400" b="1" dirty="0" err="1"/>
               <a:t>Proceed</a:t>
             </a:r>
             <a:r>
-              <a:rPr lang="en-US" sz="2400" b="1" dirty="0" err="1" smtClean="0"/>
+              <a:rPr lang="en-US" sz="2400" b="1" dirty="0" err="1"/>
               <a:t>ings</a:t>
             </a:r>
             <a:r>
-              <a:rPr lang="en-US" sz="2400" b="1" dirty="0" smtClean="0"/>
-              <a:t> </a:t>
-            </a:r>
-            <a:r>
               <a:rPr lang="en-US" sz="2400" b="1" dirty="0"/>
-              <a:t>of the 21st International Conference on Neural Information Processing Systems, </a:t>
-            </a:r>
-            <a:r>
-              <a:rPr lang="en-US" sz="2400" b="1" dirty="0" smtClean="0"/>
-              <a:t>NIPS'08, </a:t>
-            </a:r>
-            <a:r>
-              <a:rPr lang="fr-FR" sz="2400" b="1" dirty="0" smtClean="0"/>
-              <a:t>pages </a:t>
+              <a:t> of the 21st International Conference on Neural Information Processing Systems, NIPS'08, </a:t>
             </a:r>
             <a:r>
               <a:rPr lang="fr-FR" sz="2400" b="1" dirty="0"/>
-              <a:t>289{296, USA, 2008. </a:t>
+              <a:t>pages 289{296, USA, 2008. </a:t>
             </a:r>
             <a:r>
               <a:rPr lang="fr-FR" sz="2400" b="1" dirty="0" err="1"/>
@@ -8946,12 +8856,8 @@
           </a:p>
           <a:p>
             <a:r>
-              <a:rPr lang="en-US" sz="2400" b="1" dirty="0" smtClean="0"/>
-              <a:t>- [</a:t>
-            </a:r>
-            <a:r>
               <a:rPr lang="en-US" sz="2400" b="1" dirty="0"/>
-              <a:t>NIPSKA17]: </a:t>
+              <a:t>- [NIPSKA17]: </a:t>
             </a:r>
             <a:r>
               <a:rPr lang="en-US" sz="2400" b="1" dirty="0" err="1"/>
@@ -9397,8 +9303,13 @@
               </a:pPr>
               <a:r>
                 <a:rPr lang="en-US" sz="3800" dirty="0"/>
-                <a:t>Adding noise to the coefficients of a polynomial approximation of the objective function</a:t>
+                <a:t>Making a polynomial approximation of the algorithms objective function, then add noise to </a:t>
               </a:r>
+              <a:r>
+                <a:rPr lang="en-US" sz="3800"/>
+                <a:t>the polynomial coefficients</a:t>
+              </a:r>
+              <a:endParaRPr lang="en-US" sz="3800" dirty="0"/>
             </a:p>
             <a:p>
               <a:pPr marL="628650" indent="-571500" algn="just">
